--- a/lecture/selection_statement/selection_statement_v1.pptx
+++ b/lecture/selection_statement/selection_statement_v1.pptx
@@ -6,25 +6,35 @@
     <p:sldMasterId id="2147483665" r:id="rId2"/>
   </p:sldMasterIdLst>
   <p:notesMasterIdLst>
-    <p:notesMasterId r:id="rId19"/>
+    <p:notesMasterId r:id="rId29"/>
   </p:notesMasterIdLst>
   <p:sldIdLst>
     <p:sldId id="256" r:id="rId3"/>
     <p:sldId id="295" r:id="rId4"/>
-    <p:sldId id="318" r:id="rId5"/>
-    <p:sldId id="299" r:id="rId6"/>
-    <p:sldId id="300" r:id="rId7"/>
-    <p:sldId id="326" r:id="rId8"/>
-    <p:sldId id="301" r:id="rId9"/>
-    <p:sldId id="302" r:id="rId10"/>
-    <p:sldId id="325" r:id="rId11"/>
-    <p:sldId id="304" r:id="rId12"/>
-    <p:sldId id="324" r:id="rId13"/>
-    <p:sldId id="319" r:id="rId14"/>
-    <p:sldId id="307" r:id="rId15"/>
-    <p:sldId id="297" r:id="rId16"/>
-    <p:sldId id="296" r:id="rId17"/>
-    <p:sldId id="294" r:id="rId18"/>
+    <p:sldId id="329" r:id="rId5"/>
+    <p:sldId id="327" r:id="rId6"/>
+    <p:sldId id="332" r:id="rId7"/>
+    <p:sldId id="328" r:id="rId8"/>
+    <p:sldId id="333" r:id="rId9"/>
+    <p:sldId id="318" r:id="rId10"/>
+    <p:sldId id="334" r:id="rId11"/>
+    <p:sldId id="300" r:id="rId12"/>
+    <p:sldId id="336" r:id="rId13"/>
+    <p:sldId id="337" r:id="rId14"/>
+    <p:sldId id="301" r:id="rId15"/>
+    <p:sldId id="331" r:id="rId16"/>
+    <p:sldId id="302" r:id="rId17"/>
+    <p:sldId id="341" r:id="rId18"/>
+    <p:sldId id="325" r:id="rId19"/>
+    <p:sldId id="340" r:id="rId20"/>
+    <p:sldId id="304" r:id="rId21"/>
+    <p:sldId id="324" r:id="rId22"/>
+    <p:sldId id="339" r:id="rId23"/>
+    <p:sldId id="319" r:id="rId24"/>
+    <p:sldId id="338" r:id="rId25"/>
+    <p:sldId id="297" r:id="rId26"/>
+    <p:sldId id="296" r:id="rId27"/>
+    <p:sldId id="294" r:id="rId28"/>
   </p:sldIdLst>
   <p:sldSz cx="12192000" cy="6858000"/>
   <p:notesSz cx="6858000" cy="9144000"/>
@@ -213,7 +223,7 @@
           <a:p>
             <a:fld id="{085428F3-B408-4C73-B6CB-14C24F24D2AD}" type="datetimeFigureOut">
               <a:rPr lang="en-US" smtClean="0"/>
-              <a:t>4/15/2019</a:t>
+              <a:t>4/24/2019</a:t>
             </a:fld>
             <a:endParaRPr lang="en-US"/>
           </a:p>
@@ -565,90 +575,6 @@
 </p:notes>
 </file>
 
-<file path=ppt/notesSlides/notesSlide10.xml><?xml version="1.0" encoding="utf-8"?>
-<p:notes xmlns:a="http://schemas.openxmlformats.org/drawingml/2006/main" xmlns:r="http://schemas.openxmlformats.org/officeDocument/2006/relationships" xmlns:p="http://schemas.openxmlformats.org/presentationml/2006/main">
-  <p:cSld>
-    <p:spTree>
-      <p:nvGrpSpPr>
-        <p:cNvPr id="1" name=""/>
-        <p:cNvGrpSpPr/>
-        <p:nvPr/>
-      </p:nvGrpSpPr>
-      <p:grpSpPr>
-        <a:xfrm>
-          <a:off x="0" y="0"/>
-          <a:ext cx="0" cy="0"/>
-          <a:chOff x="0" y="0"/>
-          <a:chExt cx="0" cy="0"/>
-        </a:xfrm>
-      </p:grpSpPr>
-      <p:sp>
-        <p:nvSpPr>
-          <p:cNvPr id="2" name="Slide Image Placeholder 1"/>
-          <p:cNvSpPr>
-            <a:spLocks noGrp="1" noRot="1" noChangeAspect="1"/>
-          </p:cNvSpPr>
-          <p:nvPr>
-            <p:ph type="sldImg"/>
-          </p:nvPr>
-        </p:nvSpPr>
-        <p:spPr/>
-      </p:sp>
-      <p:sp>
-        <p:nvSpPr>
-          <p:cNvPr id="3" name="Notes Placeholder 2"/>
-          <p:cNvSpPr>
-            <a:spLocks noGrp="1"/>
-          </p:cNvSpPr>
-          <p:nvPr>
-            <p:ph type="body" idx="1"/>
-          </p:nvPr>
-        </p:nvSpPr>
-        <p:spPr/>
-        <p:txBody>
-          <a:bodyPr/>
-          <a:lstStyle/>
-          <a:p>
-            <a:endParaRPr lang="en-US" dirty="0"/>
-          </a:p>
-        </p:txBody>
-      </p:sp>
-      <p:sp>
-        <p:nvSpPr>
-          <p:cNvPr id="4" name="Slide Number Placeholder 3"/>
-          <p:cNvSpPr>
-            <a:spLocks noGrp="1"/>
-          </p:cNvSpPr>
-          <p:nvPr>
-            <p:ph type="sldNum" sz="quarter" idx="10"/>
-          </p:nvPr>
-        </p:nvSpPr>
-        <p:spPr/>
-        <p:txBody>
-          <a:bodyPr/>
-          <a:lstStyle/>
-          <a:p>
-            <a:fld id="{00A68CA3-21CE-4263-9096-DD522C338350}" type="slidenum">
-              <a:rPr lang="en-US" smtClean="0"/>
-              <a:t>14</a:t>
-            </a:fld>
-            <a:endParaRPr lang="en-US"/>
-          </a:p>
-        </p:txBody>
-      </p:sp>
-    </p:spTree>
-    <p:extLst>
-      <p:ext uri="{BB962C8B-B14F-4D97-AF65-F5344CB8AC3E}">
-        <p14:creationId xmlns:p14="http://schemas.microsoft.com/office/powerpoint/2010/main" val="2680307398"/>
-      </p:ext>
-    </p:extLst>
-  </p:cSld>
-  <p:clrMapOvr>
-    <a:masterClrMapping/>
-  </p:clrMapOvr>
-</p:notes>
-</file>
-
 <file path=ppt/notesSlides/notesSlide2.xml><?xml version="1.0" encoding="utf-8"?>
 <p:notes xmlns:a="http://schemas.openxmlformats.org/drawingml/2006/main" xmlns:r="http://schemas.openxmlformats.org/officeDocument/2006/relationships" xmlns:p="http://schemas.openxmlformats.org/presentationml/2006/main">
   <p:cSld>
@@ -714,7 +640,7 @@
           <a:p>
             <a:fld id="{00A68CA3-21CE-4263-9096-DD522C338350}" type="slidenum">
               <a:rPr lang="en-US" smtClean="0"/>
-              <a:t>3</a:t>
+              <a:t>4</a:t>
             </a:fld>
             <a:endParaRPr lang="en-US"/>
           </a:p>
@@ -723,7 +649,7 @@
     </p:spTree>
     <p:extLst>
       <p:ext uri="{BB962C8B-B14F-4D97-AF65-F5344CB8AC3E}">
-        <p14:creationId xmlns:p14="http://schemas.microsoft.com/office/powerpoint/2010/main" val="3237285196"/>
+        <p14:creationId xmlns:p14="http://schemas.microsoft.com/office/powerpoint/2010/main" val="4085230565"/>
       </p:ext>
     </p:extLst>
   </p:cSld>
@@ -798,7 +724,7 @@
           <a:p>
             <a:fld id="{00A68CA3-21CE-4263-9096-DD522C338350}" type="slidenum">
               <a:rPr lang="en-US" smtClean="0"/>
-              <a:t>4</a:t>
+              <a:t>8</a:t>
             </a:fld>
             <a:endParaRPr lang="en-US"/>
           </a:p>
@@ -807,7 +733,7 @@
     </p:spTree>
     <p:extLst>
       <p:ext uri="{BB962C8B-B14F-4D97-AF65-F5344CB8AC3E}">
-        <p14:creationId xmlns:p14="http://schemas.microsoft.com/office/powerpoint/2010/main" val="794190264"/>
+        <p14:creationId xmlns:p14="http://schemas.microsoft.com/office/powerpoint/2010/main" val="3237285196"/>
       </p:ext>
     </p:extLst>
   </p:cSld>
@@ -882,7 +808,7 @@
           <a:p>
             <a:fld id="{00A68CA3-21CE-4263-9096-DD522C338350}" type="slidenum">
               <a:rPr lang="en-US" smtClean="0"/>
-              <a:t>5</a:t>
+              <a:t>10</a:t>
             </a:fld>
             <a:endParaRPr lang="en-US"/>
           </a:p>
@@ -966,7 +892,7 @@
           <a:p>
             <a:fld id="{00A68CA3-21CE-4263-9096-DD522C338350}" type="slidenum">
               <a:rPr lang="en-US" smtClean="0"/>
-              <a:t>7</a:t>
+              <a:t>13</a:t>
             </a:fld>
             <a:endParaRPr lang="en-US"/>
           </a:p>
@@ -1050,7 +976,7 @@
           <a:p>
             <a:fld id="{00A68CA3-21CE-4263-9096-DD522C338350}" type="slidenum">
               <a:rPr lang="en-US" smtClean="0"/>
-              <a:t>8</a:t>
+              <a:t>15</a:t>
             </a:fld>
             <a:endParaRPr lang="en-US"/>
           </a:p>
@@ -1134,7 +1060,7 @@
           <a:p>
             <a:fld id="{00A68CA3-21CE-4263-9096-DD522C338350}" type="slidenum">
               <a:rPr lang="en-US" smtClean="0"/>
-              <a:t>9</a:t>
+              <a:t>17</a:t>
             </a:fld>
             <a:endParaRPr lang="en-US"/>
           </a:p>
@@ -1218,7 +1144,7 @@
           <a:p>
             <a:fld id="{00A68CA3-21CE-4263-9096-DD522C338350}" type="slidenum">
               <a:rPr lang="en-US" smtClean="0"/>
-              <a:t>10</a:t>
+              <a:t>19</a:t>
             </a:fld>
             <a:endParaRPr lang="en-US"/>
           </a:p>
@@ -1302,7 +1228,7 @@
           <a:p>
             <a:fld id="{00A68CA3-21CE-4263-9096-DD522C338350}" type="slidenum">
               <a:rPr lang="en-US" smtClean="0"/>
-              <a:t>13</a:t>
+              <a:t>24</a:t>
             </a:fld>
             <a:endParaRPr lang="en-US"/>
           </a:p>
@@ -1311,7 +1237,7 @@
     </p:spTree>
     <p:extLst>
       <p:ext uri="{BB962C8B-B14F-4D97-AF65-F5344CB8AC3E}">
-        <p14:creationId xmlns:p14="http://schemas.microsoft.com/office/powerpoint/2010/main" val="1977468778"/>
+        <p14:creationId xmlns:p14="http://schemas.microsoft.com/office/powerpoint/2010/main" val="2680307398"/>
       </p:ext>
     </p:extLst>
   </p:cSld>
@@ -1842,7 +1768,7 @@
           <a:p>
             <a:fld id="{EA5CD5D7-1376-454F-9D0D-56EF872F8D99}" type="datetimeFigureOut">
               <a:rPr lang="en-US" smtClean="0"/>
-              <a:t>4/15/2019</a:t>
+              <a:t>4/24/2019</a:t>
             </a:fld>
             <a:endParaRPr lang="en-US"/>
           </a:p>
@@ -4410,28 +4336,12 @@
           <a:lstStyle/>
           <a:p>
             <a:r>
-              <a:rPr lang="en-US" altLang="en-US" dirty="0">
-                <a:ea typeface="ＭＳ Ｐゴシック" panose="020B0600070205080204" pitchFamily="34" charset="-128"/>
-              </a:rPr>
-              <a:t>The </a:t>
-            </a:r>
-            <a:r>
-              <a:rPr lang="en-US" altLang="en-US" dirty="0" err="1">
-                <a:ea typeface="ＭＳ Ｐゴシック" panose="020B0600070205080204" pitchFamily="34" charset="-128"/>
-              </a:rPr>
-              <a:t>elseif</a:t>
-            </a:r>
-            <a:r>
-              <a:rPr lang="en-US" altLang="en-US" dirty="0">
-                <a:ea typeface="ＭＳ Ｐゴシック" panose="020B0600070205080204" pitchFamily="34" charset="-128"/>
-              </a:rPr>
-              <a:t> </a:t>
-            </a:r>
-            <a:r>
-              <a:rPr lang="en-US" altLang="en-US" dirty="0" smtClean="0">
-                <a:ea typeface="ＭＳ Ｐゴシック" panose="020B0600070205080204" pitchFamily="34" charset="-128"/>
-              </a:rPr>
-              <a:t>Clause</a:t>
+              <a:rPr lang="en-US" dirty="0"/>
+              <a:t>Representing </a:t>
+            </a:r>
+            <a:r>
+              <a:rPr lang="en-US" dirty="0" smtClean="0"/>
+              <a:t>True/False Concepts</a:t>
             </a:r>
             <a:endParaRPr lang="en-US" dirty="0"/>
           </a:p>
@@ -4448,7 +4358,7 @@
         <p:spPr>
           <a:xfrm>
             <a:off x="457200" y="1192213"/>
-            <a:ext cx="11176000" cy="4389437"/>
+            <a:ext cx="11080750" cy="4389437"/>
           </a:xfrm>
           <a:prstGeom prst="rect">
             <a:avLst/>
@@ -4594,222 +4504,409 @@
             </a:lvl9pPr>
           </a:lstStyle>
           <a:p>
-            <a:pPr>
-              <a:lnSpc>
-                <a:spcPct val="80000"/>
-              </a:lnSpc>
+            <a:r>
+              <a:rPr lang="en-US" altLang="en-US" sz="2500" dirty="0">
+                <a:ea typeface="ＭＳ Ｐゴシック" panose="020B0600070205080204" pitchFamily="34" charset="-128"/>
+              </a:rPr>
+              <a:t>Note: to represent the concept of false, </a:t>
+            </a:r>
+            <a:r>
+              <a:rPr lang="en-US" altLang="en-US" sz="2500" dirty="0">
+                <a:latin typeface="Courier New" panose="02070309020205020404" pitchFamily="49" charset="0"/>
+                <a:ea typeface="ＭＳ Ｐゴシック" panose="020B0600070205080204" pitchFamily="34" charset="-128"/>
+                <a:cs typeface="Courier New" panose="02070309020205020404" pitchFamily="49" charset="0"/>
+              </a:rPr>
+              <a:t>0</a:t>
+            </a:r>
+            <a:r>
+              <a:rPr lang="en-US" altLang="en-US" sz="2500" dirty="0">
+                <a:ea typeface="ＭＳ Ｐゴシック" panose="020B0600070205080204" pitchFamily="34" charset="-128"/>
+              </a:rPr>
+              <a:t> is used.  To represent the concept of true, any nonzero value can be used – so expressions like 5 or </a:t>
+            </a:r>
+            <a:r>
+              <a:rPr lang="ja-JP" altLang="en-US" sz="2500" dirty="0"/>
+              <a:t>‘</a:t>
+            </a:r>
+            <a:r>
+              <a:rPr lang="en-US" altLang="ja-JP" sz="2500" dirty="0"/>
+              <a:t>x</a:t>
+            </a:r>
+            <a:r>
+              <a:rPr lang="ja-JP" altLang="en-US" sz="2500" dirty="0"/>
+              <a:t>’</a:t>
+            </a:r>
+            <a:r>
+              <a:rPr lang="en-US" altLang="ja-JP" sz="2500" dirty="0"/>
+              <a:t> result in logical true</a:t>
+            </a:r>
+          </a:p>
+          <a:p>
+            <a:r>
+              <a:rPr lang="en-US" altLang="en-US" sz="2500" dirty="0">
+                <a:solidFill>
+                  <a:srgbClr val="FF0000"/>
+                </a:solidFill>
+                <a:ea typeface="ＭＳ Ｐゴシック" panose="020B0600070205080204" pitchFamily="34" charset="-128"/>
+              </a:rPr>
+              <a:t>This can lead to some common logical errors</a:t>
+            </a:r>
+          </a:p>
+          <a:p>
+            <a:r>
+              <a:rPr lang="en-US" altLang="en-US" sz="2500" dirty="0">
+                <a:ea typeface="ＭＳ Ｐゴシック" panose="020B0600070205080204" pitchFamily="34" charset="-128"/>
+              </a:rPr>
+              <a:t>For example, the following expressions are always true (because the “relational expressions” on the right, 6 and ‘N’, are nonzero so they are true; therefore, it does not matter what the results of the others are):</a:t>
+            </a:r>
+          </a:p>
+          <a:p>
+            <a:pPr marL="366713" lvl="1" indent="0">
+              <a:buFont typeface="Wingdings 2" panose="05020102010507070707" pitchFamily="18" charset="2"/>
+              <a:buNone/>
             </a:pPr>
             <a:r>
               <a:rPr lang="en-US" altLang="en-US" sz="2500" dirty="0">
-                <a:ea typeface="ＭＳ Ｐゴシック" panose="020B0600070205080204" pitchFamily="34" charset="-128"/>
-              </a:rPr>
-              <a:t>MATLAB also has an </a:t>
-            </a:r>
-            <a:r>
-              <a:rPr lang="en-US" altLang="en-US" sz="2500" b="1" dirty="0" err="1">
-                <a:ea typeface="ＭＳ Ｐゴシック" panose="020B0600070205080204" pitchFamily="34" charset="-128"/>
-              </a:rPr>
-              <a:t>elseif</a:t>
+                <a:latin typeface="Courier New" panose="02070309020205020404" pitchFamily="49" charset="0"/>
+                <a:ea typeface="ＭＳ Ｐゴシック" panose="020B0600070205080204" pitchFamily="34" charset="-128"/>
+                <a:cs typeface="Courier New" panose="02070309020205020404" pitchFamily="49" charset="0"/>
+              </a:rPr>
+              <a:t>  </a:t>
+            </a:r>
+            <a:r>
+              <a:rPr lang="en-US" altLang="en-US" sz="2500" dirty="0" smtClean="0">
+                <a:latin typeface="Courier New" panose="02070309020205020404" pitchFamily="49" charset="0"/>
+                <a:ea typeface="ＭＳ Ｐゴシック" panose="020B0600070205080204" pitchFamily="34" charset="-128"/>
+                <a:cs typeface="Courier New" panose="02070309020205020404" pitchFamily="49" charset="0"/>
+              </a:rPr>
+              <a:t>(number </a:t>
             </a:r>
             <a:r>
               <a:rPr lang="en-US" altLang="en-US" sz="2500" dirty="0">
-                <a:ea typeface="ＭＳ Ｐゴシック" panose="020B0600070205080204" pitchFamily="34" charset="-128"/>
-              </a:rPr>
-              <a:t> clause which shortens the code (and cuts down on the number of ends)</a:t>
-            </a:r>
-          </a:p>
-          <a:p>
-            <a:pPr>
-              <a:lnSpc>
-                <a:spcPct val="80000"/>
-              </a:lnSpc>
+                <a:latin typeface="Courier New" panose="02070309020205020404" pitchFamily="49" charset="0"/>
+                <a:ea typeface="ＭＳ Ｐゴシック" panose="020B0600070205080204" pitchFamily="34" charset="-128"/>
+                <a:cs typeface="Courier New" panose="02070309020205020404" pitchFamily="49" charset="0"/>
+              </a:rPr>
+              <a:t>&lt; </a:t>
+            </a:r>
+            <a:r>
+              <a:rPr lang="en-US" altLang="en-US" sz="2500" dirty="0" smtClean="0">
+                <a:latin typeface="Courier New" panose="02070309020205020404" pitchFamily="49" charset="0"/>
+                <a:ea typeface="ＭＳ Ｐゴシック" panose="020B0600070205080204" pitchFamily="34" charset="-128"/>
+                <a:cs typeface="Courier New" panose="02070309020205020404" pitchFamily="49" charset="0"/>
+              </a:rPr>
+              <a:t>5) </a:t>
+            </a:r>
+            <a:r>
+              <a:rPr lang="en-US" altLang="en-US" sz="2500" dirty="0">
+                <a:latin typeface="Courier New" panose="02070309020205020404" pitchFamily="49" charset="0"/>
+                <a:ea typeface="ＭＳ Ｐゴシック" panose="020B0600070205080204" pitchFamily="34" charset="-128"/>
+                <a:cs typeface="Courier New" panose="02070309020205020404" pitchFamily="49" charset="0"/>
+              </a:rPr>
+              <a:t>|| 6</a:t>
+            </a:r>
+          </a:p>
+          <a:p>
+            <a:pPr marL="366713" lvl="1" indent="0">
+              <a:buFont typeface="Wingdings 2" panose="05020102010507070707" pitchFamily="18" charset="2"/>
+              <a:buNone/>
             </a:pPr>
             <a:r>
               <a:rPr lang="en-US" altLang="en-US" sz="2500" dirty="0">
-                <a:ea typeface="ＭＳ Ｐゴシック" panose="020B0600070205080204" pitchFamily="34" charset="-128"/>
-              </a:rPr>
-              <a:t>General form:</a:t>
-            </a:r>
-          </a:p>
-          <a:p>
-            <a:pPr lvl="3">
-              <a:lnSpc>
-                <a:spcPct val="80000"/>
-              </a:lnSpc>
+                <a:latin typeface="Courier New" panose="02070309020205020404" pitchFamily="49" charset="0"/>
+                <a:ea typeface="ＭＳ Ｐゴシック" panose="020B0600070205080204" pitchFamily="34" charset="-128"/>
+                <a:cs typeface="Courier New" panose="02070309020205020404" pitchFamily="49" charset="0"/>
+              </a:rPr>
+              <a:t>  </a:t>
+            </a:r>
+            <a:r>
+              <a:rPr lang="en-US" altLang="en-US" sz="2500" dirty="0" smtClean="0">
+                <a:latin typeface="Courier New" panose="02070309020205020404" pitchFamily="49" charset="0"/>
+                <a:ea typeface="ＭＳ Ｐゴシック" panose="020B0600070205080204" pitchFamily="34" charset="-128"/>
+                <a:cs typeface="Courier New" panose="02070309020205020404" pitchFamily="49" charset="0"/>
+              </a:rPr>
+              <a:t>(letter </a:t>
+            </a:r>
+            <a:r>
+              <a:rPr lang="en-US" altLang="en-US" sz="2500" dirty="0">
+                <a:latin typeface="Courier New" panose="02070309020205020404" pitchFamily="49" charset="0"/>
+                <a:ea typeface="ＭＳ Ｐゴシック" panose="020B0600070205080204" pitchFamily="34" charset="-128"/>
+                <a:cs typeface="Courier New" panose="02070309020205020404" pitchFamily="49" charset="0"/>
+              </a:rPr>
+              <a:t>== </a:t>
+            </a:r>
+            <a:r>
+              <a:rPr lang="ja-JP" altLang="en-US" sz="2500" dirty="0"/>
+              <a:t>‘</a:t>
+            </a:r>
+            <a:r>
+              <a:rPr lang="en-US" altLang="ja-JP" sz="2500" dirty="0">
+                <a:latin typeface="Courier New" panose="02070309020205020404" pitchFamily="49" charset="0"/>
+                <a:cs typeface="Courier New" panose="02070309020205020404" pitchFamily="49" charset="0"/>
+              </a:rPr>
+              <a:t>n</a:t>
+            </a:r>
+            <a:r>
+              <a:rPr lang="ja-JP" altLang="en-US" sz="2500" dirty="0" smtClean="0"/>
+              <a:t>’</a:t>
+            </a:r>
+            <a:r>
+              <a:rPr lang="en-US" altLang="ja-JP" sz="2500" dirty="0" smtClean="0"/>
+              <a:t>)</a:t>
+            </a:r>
+            <a:r>
+              <a:rPr lang="en-US" altLang="ja-JP" sz="2500" dirty="0" smtClean="0">
+                <a:latin typeface="Courier New" panose="02070309020205020404" pitchFamily="49" charset="0"/>
+                <a:cs typeface="Courier New" panose="02070309020205020404" pitchFamily="49" charset="0"/>
+              </a:rPr>
+              <a:t> </a:t>
+            </a:r>
+            <a:r>
+              <a:rPr lang="en-US" altLang="ja-JP" sz="2500" dirty="0">
+                <a:latin typeface="Courier New" panose="02070309020205020404" pitchFamily="49" charset="0"/>
+                <a:cs typeface="Courier New" panose="02070309020205020404" pitchFamily="49" charset="0"/>
+              </a:rPr>
+              <a:t>|| </a:t>
+            </a:r>
+            <a:r>
+              <a:rPr lang="ja-JP" altLang="en-US" sz="2500" dirty="0"/>
+              <a:t>‘</a:t>
+            </a:r>
+            <a:r>
+              <a:rPr lang="en-US" altLang="ja-JP" sz="2500" dirty="0">
+                <a:latin typeface="Courier New" panose="02070309020205020404" pitchFamily="49" charset="0"/>
+                <a:cs typeface="Courier New" panose="02070309020205020404" pitchFamily="49" charset="0"/>
+              </a:rPr>
+              <a:t>N</a:t>
+            </a:r>
+            <a:r>
+              <a:rPr lang="ja-JP" altLang="en-US" sz="2500" dirty="0"/>
+              <a:t>’</a:t>
+            </a:r>
+            <a:endParaRPr lang="en-US" altLang="en-US" sz="2500" dirty="0">
+              <a:latin typeface="Courier New" panose="02070309020205020404" pitchFamily="49" charset="0"/>
+              <a:ea typeface="ＭＳ Ｐゴシック" panose="020B0600070205080204" pitchFamily="34" charset="-128"/>
+              <a:cs typeface="Courier New" panose="02070309020205020404" pitchFamily="49" charset="0"/>
+            </a:endParaRPr>
+          </a:p>
+        </p:txBody>
+      </p:sp>
+      <p:sp>
+        <p:nvSpPr>
+          <p:cNvPr id="4" name="Rounded Rectangle 3"/>
+          <p:cNvSpPr/>
+          <p:nvPr/>
+        </p:nvSpPr>
+        <p:spPr>
+          <a:xfrm>
+            <a:off x="1057275" y="4067176"/>
+            <a:ext cx="4229100" cy="1028700"/>
+          </a:xfrm>
+          <a:prstGeom prst="roundRect">
+            <a:avLst/>
+          </a:prstGeom>
+          <a:noFill/>
+          <a:ln>
+            <a:solidFill>
+              <a:srgbClr val="FF0000"/>
+            </a:solidFill>
+          </a:ln>
+        </p:spPr>
+        <p:style>
+          <a:lnRef idx="2">
+            <a:schemeClr val="accent1">
+              <a:shade val="50000"/>
+            </a:schemeClr>
+          </a:lnRef>
+          <a:fillRef idx="1">
+            <a:schemeClr val="accent1"/>
+          </a:fillRef>
+          <a:effectRef idx="0">
+            <a:schemeClr val="accent1"/>
+          </a:effectRef>
+          <a:fontRef idx="minor">
+            <a:schemeClr val="lt1"/>
+          </a:fontRef>
+        </p:style>
+        <p:txBody>
+          <a:bodyPr rtlCol="0" anchor="ctr"/>
+          <a:lstStyle/>
+          <a:p>
+            <a:pPr algn="ctr"/>
+            <a:endParaRPr lang="en-US"/>
+          </a:p>
+        </p:txBody>
+      </p:sp>
+      <p:sp>
+        <p:nvSpPr>
+          <p:cNvPr id="5" name="Rectangle 3"/>
+          <p:cNvSpPr txBox="1">
+            <a:spLocks/>
+          </p:cNvSpPr>
+          <p:nvPr/>
+        </p:nvSpPr>
+        <p:spPr>
+          <a:xfrm>
+            <a:off x="6942667" y="5095876"/>
+            <a:ext cx="4419600" cy="1018117"/>
+          </a:xfrm>
+          <a:prstGeom prst="rect">
+            <a:avLst/>
+          </a:prstGeom>
+        </p:spPr>
+        <p:txBody>
+          <a:bodyPr/>
+          <a:lstStyle>
+            <a:lvl1pPr marL="342891" indent="-342891" algn="l" defTabSz="914377" rtl="0" eaLnBrk="1" latinLnBrk="0" hangingPunct="1">
+              <a:spcBef>
+                <a:spcPct val="20000"/>
+              </a:spcBef>
+              <a:buFont typeface="Arial" pitchFamily="34" charset="0"/>
+              <a:buChar char="•"/>
+              <a:defRPr sz="3200" kern="1200">
+                <a:solidFill>
+                  <a:schemeClr val="tx1"/>
+                </a:solidFill>
+                <a:latin typeface="+mn-lt"/>
+                <a:ea typeface="+mn-ea"/>
+                <a:cs typeface="+mn-cs"/>
+              </a:defRPr>
+            </a:lvl1pPr>
+            <a:lvl2pPr marL="742932" indent="-285744" algn="l" defTabSz="914377" rtl="0" eaLnBrk="1" latinLnBrk="0" hangingPunct="1">
+              <a:spcBef>
+                <a:spcPct val="20000"/>
+              </a:spcBef>
+              <a:buFont typeface="Arial" pitchFamily="34" charset="0"/>
+              <a:buChar char="–"/>
+              <a:defRPr sz="2800" kern="1200">
+                <a:solidFill>
+                  <a:schemeClr val="tx1"/>
+                </a:solidFill>
+                <a:latin typeface="+mn-lt"/>
+                <a:ea typeface="+mn-ea"/>
+                <a:cs typeface="+mn-cs"/>
+              </a:defRPr>
+            </a:lvl2pPr>
+            <a:lvl3pPr marL="1142971" indent="-228594" algn="l" defTabSz="914377" rtl="0" eaLnBrk="1" latinLnBrk="0" hangingPunct="1">
+              <a:spcBef>
+                <a:spcPct val="20000"/>
+              </a:spcBef>
+              <a:buFont typeface="Arial" pitchFamily="34" charset="0"/>
+              <a:buChar char="•"/>
+              <a:defRPr sz="2400" kern="1200">
+                <a:solidFill>
+                  <a:schemeClr val="tx1"/>
+                </a:solidFill>
+                <a:latin typeface="+mn-lt"/>
+                <a:ea typeface="+mn-ea"/>
+                <a:cs typeface="+mn-cs"/>
+              </a:defRPr>
+            </a:lvl3pPr>
+            <a:lvl4pPr marL="1600160" indent="-228594" algn="l" defTabSz="914377" rtl="0" eaLnBrk="1" latinLnBrk="0" hangingPunct="1">
+              <a:spcBef>
+                <a:spcPct val="20000"/>
+              </a:spcBef>
+              <a:buFont typeface="Arial" pitchFamily="34" charset="0"/>
+              <a:buChar char="–"/>
+              <a:defRPr sz="2000" kern="1200">
+                <a:solidFill>
+                  <a:schemeClr val="tx1"/>
+                </a:solidFill>
+                <a:latin typeface="+mn-lt"/>
+                <a:ea typeface="+mn-ea"/>
+                <a:cs typeface="+mn-cs"/>
+              </a:defRPr>
+            </a:lvl4pPr>
+            <a:lvl5pPr marL="2057349" indent="-228594" algn="l" defTabSz="914377" rtl="0" eaLnBrk="1" latinLnBrk="0" hangingPunct="1">
+              <a:spcBef>
+                <a:spcPct val="20000"/>
+              </a:spcBef>
+              <a:buFont typeface="Arial" pitchFamily="34" charset="0"/>
+              <a:buChar char="»"/>
+              <a:defRPr sz="2000" kern="1200">
+                <a:solidFill>
+                  <a:schemeClr val="tx1"/>
+                </a:solidFill>
+                <a:latin typeface="+mn-lt"/>
+                <a:ea typeface="+mn-ea"/>
+                <a:cs typeface="+mn-cs"/>
+              </a:defRPr>
+            </a:lvl5pPr>
+            <a:lvl6pPr marL="2514537" indent="-228594" algn="l" defTabSz="914377" rtl="0" eaLnBrk="1" latinLnBrk="0" hangingPunct="1">
+              <a:spcBef>
+                <a:spcPct val="20000"/>
+              </a:spcBef>
+              <a:buFont typeface="Arial" pitchFamily="34" charset="0"/>
+              <a:buChar char="•"/>
+              <a:defRPr sz="2000" kern="1200">
+                <a:solidFill>
+                  <a:schemeClr val="tx1"/>
+                </a:solidFill>
+                <a:latin typeface="+mn-lt"/>
+                <a:ea typeface="+mn-ea"/>
+                <a:cs typeface="+mn-cs"/>
+              </a:defRPr>
+            </a:lvl6pPr>
+            <a:lvl7pPr marL="2971726" indent="-228594" algn="l" defTabSz="914377" rtl="0" eaLnBrk="1" latinLnBrk="0" hangingPunct="1">
+              <a:spcBef>
+                <a:spcPct val="20000"/>
+              </a:spcBef>
+              <a:buFont typeface="Arial" pitchFamily="34" charset="0"/>
+              <a:buChar char="•"/>
+              <a:defRPr sz="2000" kern="1200">
+                <a:solidFill>
+                  <a:schemeClr val="tx1"/>
+                </a:solidFill>
+                <a:latin typeface="+mn-lt"/>
+                <a:ea typeface="+mn-ea"/>
+                <a:cs typeface="+mn-cs"/>
+              </a:defRPr>
+            </a:lvl7pPr>
+            <a:lvl8pPr marL="3428914" indent="-228594" algn="l" defTabSz="914377" rtl="0" eaLnBrk="1" latinLnBrk="0" hangingPunct="1">
+              <a:spcBef>
+                <a:spcPct val="20000"/>
+              </a:spcBef>
+              <a:buFont typeface="Arial" pitchFamily="34" charset="0"/>
+              <a:buChar char="•"/>
+              <a:defRPr sz="2000" kern="1200">
+                <a:solidFill>
+                  <a:schemeClr val="tx1"/>
+                </a:solidFill>
+                <a:latin typeface="+mn-lt"/>
+                <a:ea typeface="+mn-ea"/>
+                <a:cs typeface="+mn-cs"/>
+              </a:defRPr>
+            </a:lvl8pPr>
+            <a:lvl9pPr marL="3886103" indent="-228594" algn="l" defTabSz="914377" rtl="0" eaLnBrk="1" latinLnBrk="0" hangingPunct="1">
+              <a:spcBef>
+                <a:spcPct val="20000"/>
+              </a:spcBef>
+              <a:buFont typeface="Arial" pitchFamily="34" charset="0"/>
+              <a:buChar char="•"/>
+              <a:defRPr sz="2000" kern="1200">
+                <a:solidFill>
+                  <a:schemeClr val="tx1"/>
+                </a:solidFill>
+                <a:latin typeface="+mn-lt"/>
+                <a:ea typeface="+mn-ea"/>
+                <a:cs typeface="+mn-cs"/>
+              </a:defRPr>
+            </a:lvl9pPr>
+          </a:lstStyle>
+          <a:p>
+            <a:pPr marL="0" indent="0">
               <a:buNone/>
             </a:pPr>
             <a:r>
-              <a:rPr lang="en-US" altLang="en-US" sz="2500" dirty="0">
-                <a:ea typeface="ＭＳ Ｐゴシック" panose="020B0600070205080204" pitchFamily="34" charset="-128"/>
-              </a:rPr>
-              <a:t>if condition1</a:t>
-            </a:r>
-          </a:p>
-          <a:p>
-            <a:pPr lvl="3">
-              <a:lnSpc>
-                <a:spcPct val="80000"/>
-              </a:lnSpc>
-              <a:buNone/>
-            </a:pPr>
-            <a:r>
-              <a:rPr lang="en-US" altLang="en-US" sz="2500" dirty="0">
-                <a:ea typeface="ＭＳ Ｐゴシック" panose="020B0600070205080204" pitchFamily="34" charset="-128"/>
-              </a:rPr>
-              <a:t>    action1</a:t>
-            </a:r>
-          </a:p>
-          <a:p>
-            <a:pPr lvl="3">
-              <a:lnSpc>
-                <a:spcPct val="80000"/>
-              </a:lnSpc>
-              <a:buNone/>
-            </a:pPr>
-            <a:r>
-              <a:rPr lang="en-US" altLang="en-US" sz="2500" dirty="0" err="1">
-                <a:ea typeface="ＭＳ Ｐゴシック" panose="020B0600070205080204" pitchFamily="34" charset="-128"/>
-              </a:rPr>
-              <a:t>elseif</a:t>
-            </a:r>
-            <a:r>
-              <a:rPr lang="en-US" altLang="en-US" sz="2500" dirty="0">
-                <a:ea typeface="ＭＳ Ｐゴシック" panose="020B0600070205080204" pitchFamily="34" charset="-128"/>
-              </a:rPr>
-              <a:t> condition2</a:t>
-            </a:r>
-          </a:p>
-          <a:p>
-            <a:pPr lvl="3">
-              <a:lnSpc>
-                <a:spcPct val="80000"/>
-              </a:lnSpc>
-              <a:buNone/>
-            </a:pPr>
-            <a:r>
-              <a:rPr lang="en-US" altLang="en-US" sz="2500" dirty="0">
-                <a:ea typeface="ＭＳ Ｐゴシック" panose="020B0600070205080204" pitchFamily="34" charset="-128"/>
-              </a:rPr>
-              <a:t>    action2</a:t>
-            </a:r>
-          </a:p>
-          <a:p>
-            <a:pPr lvl="3">
-              <a:lnSpc>
-                <a:spcPct val="80000"/>
-              </a:lnSpc>
-              <a:buNone/>
-            </a:pPr>
-            <a:r>
-              <a:rPr lang="en-US" altLang="en-US" sz="2500" dirty="0" err="1">
-                <a:ea typeface="ＭＳ Ｐゴシック" panose="020B0600070205080204" pitchFamily="34" charset="-128"/>
-              </a:rPr>
-              <a:t>elseif</a:t>
-            </a:r>
-            <a:r>
-              <a:rPr lang="en-US" altLang="en-US" sz="2500" dirty="0">
-                <a:ea typeface="ＭＳ Ｐゴシック" panose="020B0600070205080204" pitchFamily="34" charset="-128"/>
-              </a:rPr>
-              <a:t> condition3</a:t>
-            </a:r>
-          </a:p>
-          <a:p>
-            <a:pPr lvl="3">
-              <a:lnSpc>
-                <a:spcPct val="80000"/>
-              </a:lnSpc>
-              <a:buNone/>
-            </a:pPr>
-            <a:r>
-              <a:rPr lang="en-US" altLang="en-US" sz="2500" dirty="0">
-                <a:ea typeface="ＭＳ Ｐゴシック" panose="020B0600070205080204" pitchFamily="34" charset="-128"/>
-              </a:rPr>
-              <a:t>	action3</a:t>
-            </a:r>
-          </a:p>
-          <a:p>
-            <a:pPr lvl="3">
-              <a:lnSpc>
-                <a:spcPct val="80000"/>
-              </a:lnSpc>
-              <a:buNone/>
-            </a:pPr>
-            <a:r>
-              <a:rPr lang="en-US" altLang="en-US" sz="2500" dirty="0">
-                <a:ea typeface="ＭＳ Ｐゴシック" panose="020B0600070205080204" pitchFamily="34" charset="-128"/>
-              </a:rPr>
-              <a:t>% </a:t>
-            </a:r>
-            <a:r>
-              <a:rPr lang="en-US" altLang="en-US" sz="2500" dirty="0" err="1">
-                <a:ea typeface="ＭＳ Ｐゴシック" panose="020B0600070205080204" pitchFamily="34" charset="-128"/>
-              </a:rPr>
-              <a:t>etc</a:t>
-            </a:r>
-            <a:r>
-              <a:rPr lang="en-US" altLang="en-US" sz="2500" dirty="0">
-                <a:ea typeface="ＭＳ Ｐゴシック" panose="020B0600070205080204" pitchFamily="34" charset="-128"/>
-              </a:rPr>
-              <a:t>: there can be many of these</a:t>
-            </a:r>
-          </a:p>
-          <a:p>
-            <a:pPr lvl="3">
-              <a:lnSpc>
-                <a:spcPct val="80000"/>
-              </a:lnSpc>
-              <a:buNone/>
-            </a:pPr>
-            <a:r>
-              <a:rPr lang="en-US" altLang="en-US" sz="2500" dirty="0">
-                <a:ea typeface="ＭＳ Ｐゴシック" panose="020B0600070205080204" pitchFamily="34" charset="-128"/>
-              </a:rPr>
-              <a:t>else</a:t>
-            </a:r>
-          </a:p>
-          <a:p>
-            <a:pPr lvl="3">
-              <a:lnSpc>
-                <a:spcPct val="80000"/>
-              </a:lnSpc>
-              <a:buNone/>
-            </a:pPr>
-            <a:r>
-              <a:rPr lang="en-US" altLang="en-US" sz="2500" dirty="0">
-                <a:ea typeface="ＭＳ Ｐゴシック" panose="020B0600070205080204" pitchFamily="34" charset="-128"/>
-              </a:rPr>
-              <a:t>    </a:t>
-            </a:r>
-            <a:r>
-              <a:rPr lang="en-US" altLang="en-US" sz="2500" dirty="0" err="1">
-                <a:ea typeface="ＭＳ Ｐゴシック" panose="020B0600070205080204" pitchFamily="34" charset="-128"/>
-              </a:rPr>
-              <a:t>actionn</a:t>
-            </a:r>
-            <a:r>
-              <a:rPr lang="en-US" altLang="en-US" sz="2500" dirty="0">
-                <a:ea typeface="ＭＳ Ｐゴシック" panose="020B0600070205080204" pitchFamily="34" charset="-128"/>
-              </a:rPr>
-              <a:t>    % the nth action</a:t>
-            </a:r>
-          </a:p>
-          <a:p>
-            <a:pPr lvl="3">
-              <a:lnSpc>
-                <a:spcPct val="80000"/>
-              </a:lnSpc>
-              <a:buNone/>
-            </a:pPr>
-            <a:r>
-              <a:rPr lang="en-US" altLang="en-US" sz="2500" dirty="0">
-                <a:ea typeface="ＭＳ Ｐゴシック" panose="020B0600070205080204" pitchFamily="34" charset="-128"/>
-              </a:rPr>
-              <a:t>end</a:t>
-            </a:r>
-          </a:p>
-          <a:p>
+              <a:rPr lang="en-US" altLang="en-US" sz="2500" dirty="0" smtClean="0">
+                <a:ea typeface="ＭＳ Ｐゴシック" panose="020B0600070205080204" pitchFamily="34" charset="-128"/>
+                <a:cs typeface="Courier New" panose="02070309020205020404" pitchFamily="49" charset="0"/>
+              </a:rPr>
+              <a:t>You always check your answers using testing.</a:t>
+            </a:r>
             <a:endParaRPr lang="en-US" altLang="en-US" sz="2500" dirty="0">
               <a:ea typeface="ＭＳ Ｐゴシック" panose="020B0600070205080204" pitchFamily="34" charset="-128"/>
+              <a:cs typeface="Courier New" panose="02070309020205020404" pitchFamily="49" charset="0"/>
             </a:endParaRPr>
           </a:p>
         </p:txBody>
@@ -4817,7 +4914,7 @@
     </p:spTree>
     <p:extLst>
       <p:ext uri="{BB962C8B-B14F-4D97-AF65-F5344CB8AC3E}">
-        <p14:creationId xmlns:p14="http://schemas.microsoft.com/office/powerpoint/2010/main" val="1785677661"/>
+        <p14:creationId xmlns:p14="http://schemas.microsoft.com/office/powerpoint/2010/main" val="3415626669"/>
       </p:ext>
     </p:extLst>
   </p:cSld>
@@ -4867,46 +4964,16 @@
           <a:lstStyle/>
           <a:p>
             <a:r>
-              <a:rPr lang="en-US" altLang="en-US" dirty="0">
-                <a:ea typeface="ＭＳ Ｐゴシック" panose="020B0600070205080204" pitchFamily="34" charset="-128"/>
-              </a:rPr>
-              <a:t>The </a:t>
-            </a:r>
-            <a:r>
-              <a:rPr lang="en-US" altLang="en-US" dirty="0" err="1">
-                <a:ea typeface="ＭＳ Ｐゴシック" panose="020B0600070205080204" pitchFamily="34" charset="-128"/>
-              </a:rPr>
-              <a:t>elseif</a:t>
-            </a:r>
-            <a:r>
-              <a:rPr lang="en-US" altLang="en-US" dirty="0">
-                <a:ea typeface="ＭＳ Ｐゴシック" panose="020B0600070205080204" pitchFamily="34" charset="-128"/>
-              </a:rPr>
-              <a:t> </a:t>
-            </a:r>
-            <a:r>
-              <a:rPr lang="en-US" altLang="en-US" dirty="0" smtClean="0">
-                <a:ea typeface="ＭＳ Ｐゴシック" panose="020B0600070205080204" pitchFamily="34" charset="-128"/>
-              </a:rPr>
-              <a:t>Clause </a:t>
-            </a:r>
-            <a:r>
-              <a:rPr lang="en-US" altLang="en-US" dirty="0">
-                <a:ea typeface="ＭＳ Ｐゴシック" panose="020B0600070205080204" pitchFamily="34" charset="-128"/>
-              </a:rPr>
-              <a:t>is </a:t>
-            </a:r>
-            <a:r>
-              <a:rPr lang="en-US" altLang="en-US" dirty="0" smtClean="0">
-                <a:ea typeface="ＭＳ Ｐゴシック" panose="020B0600070205080204" pitchFamily="34" charset="-128"/>
-              </a:rPr>
-              <a:t>Not Always Necessary</a:t>
-            </a:r>
-            <a:r>
-              <a:rPr lang="en-US" altLang="en-US" dirty="0">
-                <a:ea typeface="ＭＳ Ｐゴシック" panose="020B0600070205080204" pitchFamily="34" charset="-128"/>
-              </a:rPr>
-              <a:t>!</a:t>
+              <a:rPr lang="en-US" dirty="0" smtClean="0">
+                <a:solidFill>
+                  <a:srgbClr val="FFFF00"/>
+                </a:solidFill>
+              </a:rPr>
+              <a:t>Revisit</a:t>
+            </a:r>
+            <a:r>
+              <a:rPr lang="en-US" dirty="0" smtClean="0"/>
+              <a:t>: Operator Precedence</a:t>
             </a:r>
             <a:endParaRPr lang="en-US" dirty="0"/>
           </a:p>
@@ -4914,439 +4981,84 @@
       </p:sp>
       <p:sp>
         <p:nvSpPr>
-          <p:cNvPr id="3" name="Rectangle 3"/>
-          <p:cNvSpPr txBox="1">
-            <a:spLocks/>
-          </p:cNvSpPr>
+          <p:cNvPr id="4" name="Rectangle 3"/>
+          <p:cNvSpPr/>
           <p:nvPr/>
         </p:nvSpPr>
         <p:spPr>
           <a:xfrm>
-            <a:off x="457200" y="1192213"/>
-            <a:ext cx="11080750" cy="4389437"/>
+            <a:off x="241300" y="1061533"/>
+            <a:ext cx="11414894" cy="830997"/>
           </a:xfrm>
           <a:prstGeom prst="rect">
             <a:avLst/>
           </a:prstGeom>
         </p:spPr>
         <p:txBody>
-          <a:bodyPr/>
-          <a:lstStyle>
-            <a:lvl1pPr marL="342891" indent="-342891" algn="l" defTabSz="914377" rtl="0" eaLnBrk="1" latinLnBrk="0" hangingPunct="1">
-              <a:spcBef>
-                <a:spcPct val="20000"/>
-              </a:spcBef>
-              <a:buFont typeface="Arial" pitchFamily="34" charset="0"/>
-              <a:buChar char="•"/>
-              <a:defRPr sz="3200" kern="1200">
-                <a:solidFill>
-                  <a:schemeClr val="tx1"/>
-                </a:solidFill>
-                <a:latin typeface="+mn-lt"/>
-                <a:ea typeface="+mn-ea"/>
-                <a:cs typeface="+mn-cs"/>
-              </a:defRPr>
-            </a:lvl1pPr>
-            <a:lvl2pPr marL="742932" indent="-285744" algn="l" defTabSz="914377" rtl="0" eaLnBrk="1" latinLnBrk="0" hangingPunct="1">
-              <a:spcBef>
-                <a:spcPct val="20000"/>
-              </a:spcBef>
-              <a:buFont typeface="Arial" pitchFamily="34" charset="0"/>
-              <a:buChar char="–"/>
-              <a:defRPr sz="2800" kern="1200">
-                <a:solidFill>
-                  <a:schemeClr val="tx1"/>
-                </a:solidFill>
-                <a:latin typeface="+mn-lt"/>
-                <a:ea typeface="+mn-ea"/>
-                <a:cs typeface="+mn-cs"/>
-              </a:defRPr>
-            </a:lvl2pPr>
-            <a:lvl3pPr marL="1142971" indent="-228594" algn="l" defTabSz="914377" rtl="0" eaLnBrk="1" latinLnBrk="0" hangingPunct="1">
-              <a:spcBef>
-                <a:spcPct val="20000"/>
-              </a:spcBef>
-              <a:buFont typeface="Arial" pitchFamily="34" charset="0"/>
-              <a:buChar char="•"/>
-              <a:defRPr sz="2400" kern="1200">
-                <a:solidFill>
-                  <a:schemeClr val="tx1"/>
-                </a:solidFill>
-                <a:latin typeface="+mn-lt"/>
-                <a:ea typeface="+mn-ea"/>
-                <a:cs typeface="+mn-cs"/>
-              </a:defRPr>
-            </a:lvl3pPr>
-            <a:lvl4pPr marL="1600160" indent="-228594" algn="l" defTabSz="914377" rtl="0" eaLnBrk="1" latinLnBrk="0" hangingPunct="1">
-              <a:spcBef>
-                <a:spcPct val="20000"/>
-              </a:spcBef>
-              <a:buFont typeface="Arial" pitchFamily="34" charset="0"/>
-              <a:buChar char="–"/>
-              <a:defRPr sz="2000" kern="1200">
-                <a:solidFill>
-                  <a:schemeClr val="tx1"/>
-                </a:solidFill>
-                <a:latin typeface="+mn-lt"/>
-                <a:ea typeface="+mn-ea"/>
-                <a:cs typeface="+mn-cs"/>
-              </a:defRPr>
-            </a:lvl4pPr>
-            <a:lvl5pPr marL="2057349" indent="-228594" algn="l" defTabSz="914377" rtl="0" eaLnBrk="1" latinLnBrk="0" hangingPunct="1">
-              <a:spcBef>
-                <a:spcPct val="20000"/>
-              </a:spcBef>
-              <a:buFont typeface="Arial" pitchFamily="34" charset="0"/>
-              <a:buChar char="»"/>
-              <a:defRPr sz="2000" kern="1200">
-                <a:solidFill>
-                  <a:schemeClr val="tx1"/>
-                </a:solidFill>
-                <a:latin typeface="+mn-lt"/>
-                <a:ea typeface="+mn-ea"/>
-                <a:cs typeface="+mn-cs"/>
-              </a:defRPr>
-            </a:lvl5pPr>
-            <a:lvl6pPr marL="2514537" indent="-228594" algn="l" defTabSz="914377" rtl="0" eaLnBrk="1" latinLnBrk="0" hangingPunct="1">
-              <a:spcBef>
-                <a:spcPct val="20000"/>
-              </a:spcBef>
-              <a:buFont typeface="Arial" pitchFamily="34" charset="0"/>
-              <a:buChar char="•"/>
-              <a:defRPr sz="2000" kern="1200">
-                <a:solidFill>
-                  <a:schemeClr val="tx1"/>
-                </a:solidFill>
-                <a:latin typeface="+mn-lt"/>
-                <a:ea typeface="+mn-ea"/>
-                <a:cs typeface="+mn-cs"/>
-              </a:defRPr>
-            </a:lvl6pPr>
-            <a:lvl7pPr marL="2971726" indent="-228594" algn="l" defTabSz="914377" rtl="0" eaLnBrk="1" latinLnBrk="0" hangingPunct="1">
-              <a:spcBef>
-                <a:spcPct val="20000"/>
-              </a:spcBef>
-              <a:buFont typeface="Arial" pitchFamily="34" charset="0"/>
-              <a:buChar char="•"/>
-              <a:defRPr sz="2000" kern="1200">
-                <a:solidFill>
-                  <a:schemeClr val="tx1"/>
-                </a:solidFill>
-                <a:latin typeface="+mn-lt"/>
-                <a:ea typeface="+mn-ea"/>
-                <a:cs typeface="+mn-cs"/>
-              </a:defRPr>
-            </a:lvl7pPr>
-            <a:lvl8pPr marL="3428914" indent="-228594" algn="l" defTabSz="914377" rtl="0" eaLnBrk="1" latinLnBrk="0" hangingPunct="1">
-              <a:spcBef>
-                <a:spcPct val="20000"/>
-              </a:spcBef>
-              <a:buFont typeface="Arial" pitchFamily="34" charset="0"/>
-              <a:buChar char="•"/>
-              <a:defRPr sz="2000" kern="1200">
-                <a:solidFill>
-                  <a:schemeClr val="tx1"/>
-                </a:solidFill>
-                <a:latin typeface="+mn-lt"/>
-                <a:ea typeface="+mn-ea"/>
-                <a:cs typeface="+mn-cs"/>
-              </a:defRPr>
-            </a:lvl8pPr>
-            <a:lvl9pPr marL="3886103" indent="-228594" algn="l" defTabSz="914377" rtl="0" eaLnBrk="1" latinLnBrk="0" hangingPunct="1">
-              <a:spcBef>
-                <a:spcPct val="20000"/>
-              </a:spcBef>
-              <a:buFont typeface="Arial" pitchFamily="34" charset="0"/>
-              <a:buChar char="•"/>
-              <a:defRPr sz="2000" kern="1200">
-                <a:solidFill>
-                  <a:schemeClr val="tx1"/>
-                </a:solidFill>
-                <a:latin typeface="+mn-lt"/>
-                <a:ea typeface="+mn-ea"/>
-                <a:cs typeface="+mn-cs"/>
-              </a:defRPr>
-            </a:lvl9pPr>
-          </a:lstStyle>
-          <a:p>
-            <a:r>
-              <a:rPr lang="en-US" altLang="en-US" sz="2000" dirty="0">
-                <a:ea typeface="ＭＳ Ｐゴシック" panose="020B0600070205080204" pitchFamily="34" charset="-128"/>
-              </a:rPr>
-              <a:t>Simplify this statement:</a:t>
-            </a:r>
-          </a:p>
-          <a:p>
-            <a:pPr lvl="2">
-              <a:buNone/>
-            </a:pPr>
-            <a:r>
-              <a:rPr lang="en-US" altLang="en-US" sz="2000" dirty="0">
-                <a:latin typeface="Courier New" panose="02070309020205020404" pitchFamily="49" charset="0"/>
-                <a:ea typeface="ＭＳ Ｐゴシック" panose="020B0600070205080204" pitchFamily="34" charset="-128"/>
-              </a:rPr>
-              <a:t>if </a:t>
-            </a:r>
-            <a:r>
-              <a:rPr lang="en-US" altLang="en-US" sz="2000" dirty="0" err="1">
-                <a:latin typeface="Courier New" panose="02070309020205020404" pitchFamily="49" charset="0"/>
-                <a:ea typeface="ＭＳ Ｐゴシック" panose="020B0600070205080204" pitchFamily="34" charset="-128"/>
-              </a:rPr>
-              <a:t>val</a:t>
-            </a:r>
-            <a:r>
-              <a:rPr lang="en-US" altLang="en-US" sz="2000" dirty="0">
-                <a:latin typeface="Courier New" panose="02070309020205020404" pitchFamily="49" charset="0"/>
-                <a:ea typeface="ＭＳ Ｐゴシック" panose="020B0600070205080204" pitchFamily="34" charset="-128"/>
-              </a:rPr>
-              <a:t> &gt;= 4</a:t>
-            </a:r>
-          </a:p>
-          <a:p>
-            <a:pPr lvl="2">
-              <a:buNone/>
-            </a:pPr>
-            <a:r>
-              <a:rPr lang="en-US" altLang="en-US" sz="2000" dirty="0">
-                <a:latin typeface="Courier New" panose="02070309020205020404" pitchFamily="49" charset="0"/>
-                <a:ea typeface="ＭＳ Ｐゴシック" panose="020B0600070205080204" pitchFamily="34" charset="-128"/>
-              </a:rPr>
-              <a:t>	</a:t>
-            </a:r>
-            <a:r>
-              <a:rPr lang="en-US" altLang="en-US" sz="2000" dirty="0" err="1">
-                <a:latin typeface="Courier New" panose="02070309020205020404" pitchFamily="49" charset="0"/>
-                <a:ea typeface="ＭＳ Ｐゴシック" panose="020B0600070205080204" pitchFamily="34" charset="-128"/>
-              </a:rPr>
-              <a:t>disp</a:t>
-            </a:r>
-            <a:r>
-              <a:rPr lang="en-US" altLang="en-US" sz="2000" dirty="0">
-                <a:latin typeface="Courier New" panose="02070309020205020404" pitchFamily="49" charset="0"/>
-                <a:ea typeface="ＭＳ Ｐゴシック" panose="020B0600070205080204" pitchFamily="34" charset="-128"/>
-              </a:rPr>
-              <a:t>('ok')</a:t>
-            </a:r>
-          </a:p>
-          <a:p>
-            <a:pPr lvl="2">
-              <a:buNone/>
-            </a:pPr>
-            <a:r>
-              <a:rPr lang="en-US" altLang="en-US" sz="2000" dirty="0" err="1">
-                <a:latin typeface="Courier New" panose="02070309020205020404" pitchFamily="49" charset="0"/>
-                <a:ea typeface="ＭＳ Ｐゴシック" panose="020B0600070205080204" pitchFamily="34" charset="-128"/>
-              </a:rPr>
-              <a:t>elseif</a:t>
-            </a:r>
-            <a:r>
-              <a:rPr lang="en-US" altLang="en-US" sz="2000" dirty="0">
-                <a:latin typeface="Courier New" panose="02070309020205020404" pitchFamily="49" charset="0"/>
-                <a:ea typeface="ＭＳ Ｐゴシック" panose="020B0600070205080204" pitchFamily="34" charset="-128"/>
-              </a:rPr>
-              <a:t> </a:t>
-            </a:r>
-            <a:r>
-              <a:rPr lang="en-US" altLang="en-US" sz="2000" dirty="0" err="1">
-                <a:latin typeface="Courier New" panose="02070309020205020404" pitchFamily="49" charset="0"/>
-                <a:ea typeface="ＭＳ Ｐゴシック" panose="020B0600070205080204" pitchFamily="34" charset="-128"/>
-              </a:rPr>
-              <a:t>val</a:t>
-            </a:r>
-            <a:r>
-              <a:rPr lang="en-US" altLang="en-US" sz="2000" dirty="0">
-                <a:latin typeface="Courier New" panose="02070309020205020404" pitchFamily="49" charset="0"/>
-                <a:ea typeface="ＭＳ Ｐゴシック" panose="020B0600070205080204" pitchFamily="34" charset="-128"/>
-              </a:rPr>
-              <a:t> &lt; 4</a:t>
-            </a:r>
-          </a:p>
-          <a:p>
-            <a:pPr lvl="2">
-              <a:buNone/>
-            </a:pPr>
-            <a:r>
-              <a:rPr lang="en-US" altLang="en-US" sz="2000" dirty="0">
-                <a:latin typeface="Courier New" panose="02070309020205020404" pitchFamily="49" charset="0"/>
-                <a:ea typeface="ＭＳ Ｐゴシック" panose="020B0600070205080204" pitchFamily="34" charset="-128"/>
-              </a:rPr>
-              <a:t>	</a:t>
-            </a:r>
-            <a:r>
-              <a:rPr lang="en-US" altLang="en-US" sz="2000" dirty="0" err="1">
-                <a:latin typeface="Courier New" panose="02070309020205020404" pitchFamily="49" charset="0"/>
-                <a:ea typeface="ＭＳ Ｐゴシック" panose="020B0600070205080204" pitchFamily="34" charset="-128"/>
-              </a:rPr>
-              <a:t>disp</a:t>
-            </a:r>
-            <a:r>
-              <a:rPr lang="en-US" altLang="en-US" sz="2000" dirty="0">
-                <a:latin typeface="Courier New" panose="02070309020205020404" pitchFamily="49" charset="0"/>
-                <a:ea typeface="ＭＳ Ｐゴシック" panose="020B0600070205080204" pitchFamily="34" charset="-128"/>
-              </a:rPr>
-              <a:t>('smaller')</a:t>
-            </a:r>
-          </a:p>
-          <a:p>
-            <a:pPr lvl="2">
-              <a:buNone/>
-            </a:pPr>
-            <a:r>
-              <a:rPr lang="en-US" altLang="en-US" sz="2000" dirty="0">
-                <a:latin typeface="Courier New" panose="02070309020205020404" pitchFamily="49" charset="0"/>
-                <a:ea typeface="ＭＳ Ｐゴシック" panose="020B0600070205080204" pitchFamily="34" charset="-128"/>
-              </a:rPr>
-              <a:t>end</a:t>
-            </a:r>
-          </a:p>
-          <a:p>
-            <a:r>
-              <a:rPr lang="en-US" altLang="en-US" sz="2000" dirty="0">
-                <a:ea typeface="ＭＳ Ｐゴシック" panose="020B0600070205080204" pitchFamily="34" charset="-128"/>
-              </a:rPr>
-              <a:t>Answer:</a:t>
-            </a:r>
-          </a:p>
-          <a:p>
-            <a:pPr lvl="2">
-              <a:buNone/>
-            </a:pPr>
-            <a:r>
-              <a:rPr lang="en-US" altLang="en-US" sz="2000" dirty="0">
-                <a:latin typeface="Courier New" panose="02070309020205020404" pitchFamily="49" charset="0"/>
-                <a:ea typeface="ＭＳ Ｐゴシック" panose="020B0600070205080204" pitchFamily="34" charset="-128"/>
-              </a:rPr>
-              <a:t>if </a:t>
-            </a:r>
-            <a:r>
-              <a:rPr lang="en-US" altLang="en-US" sz="2000" dirty="0" err="1">
-                <a:latin typeface="Courier New" panose="02070309020205020404" pitchFamily="49" charset="0"/>
-                <a:ea typeface="ＭＳ Ｐゴシック" panose="020B0600070205080204" pitchFamily="34" charset="-128"/>
-              </a:rPr>
-              <a:t>val</a:t>
-            </a:r>
-            <a:r>
-              <a:rPr lang="en-US" altLang="en-US" sz="2000" dirty="0">
-                <a:latin typeface="Courier New" panose="02070309020205020404" pitchFamily="49" charset="0"/>
-                <a:ea typeface="ＭＳ Ｐゴシック" panose="020B0600070205080204" pitchFamily="34" charset="-128"/>
-              </a:rPr>
-              <a:t> &gt;= 4</a:t>
-            </a:r>
-          </a:p>
-          <a:p>
-            <a:pPr lvl="2">
-              <a:buNone/>
-            </a:pPr>
-            <a:r>
-              <a:rPr lang="en-US" altLang="en-US" sz="2000" dirty="0">
-                <a:latin typeface="Courier New" panose="02070309020205020404" pitchFamily="49" charset="0"/>
-                <a:ea typeface="ＭＳ Ｐゴシック" panose="020B0600070205080204" pitchFamily="34" charset="-128"/>
-              </a:rPr>
-              <a:t>	</a:t>
-            </a:r>
-            <a:r>
-              <a:rPr lang="en-US" altLang="en-US" sz="2000" dirty="0" err="1">
-                <a:latin typeface="Courier New" panose="02070309020205020404" pitchFamily="49" charset="0"/>
-                <a:ea typeface="ＭＳ Ｐゴシック" panose="020B0600070205080204" pitchFamily="34" charset="-128"/>
-              </a:rPr>
-              <a:t>disp</a:t>
-            </a:r>
-            <a:r>
-              <a:rPr lang="en-US" altLang="en-US" sz="2000" dirty="0">
-                <a:latin typeface="Courier New" panose="02070309020205020404" pitchFamily="49" charset="0"/>
-                <a:ea typeface="ＭＳ Ｐゴシック" panose="020B0600070205080204" pitchFamily="34" charset="-128"/>
-              </a:rPr>
-              <a:t>('ok')</a:t>
-            </a:r>
-          </a:p>
-          <a:p>
-            <a:pPr lvl="2">
-              <a:buNone/>
-            </a:pPr>
-            <a:r>
-              <a:rPr lang="en-US" altLang="en-US" sz="2000" dirty="0">
-                <a:latin typeface="Courier New" panose="02070309020205020404" pitchFamily="49" charset="0"/>
-                <a:ea typeface="ＭＳ Ｐゴシック" panose="020B0600070205080204" pitchFamily="34" charset="-128"/>
-              </a:rPr>
-              <a:t>else</a:t>
-            </a:r>
-          </a:p>
-          <a:p>
-            <a:pPr lvl="2">
-              <a:buNone/>
-            </a:pPr>
-            <a:r>
-              <a:rPr lang="en-US" altLang="en-US" sz="2000" dirty="0">
-                <a:latin typeface="Courier New" panose="02070309020205020404" pitchFamily="49" charset="0"/>
-                <a:ea typeface="ＭＳ Ｐゴシック" panose="020B0600070205080204" pitchFamily="34" charset="-128"/>
-              </a:rPr>
-              <a:t>	</a:t>
-            </a:r>
-            <a:r>
-              <a:rPr lang="en-US" altLang="en-US" sz="2000" dirty="0" err="1">
-                <a:latin typeface="Courier New" panose="02070309020205020404" pitchFamily="49" charset="0"/>
-                <a:ea typeface="ＭＳ Ｐゴシック" panose="020B0600070205080204" pitchFamily="34" charset="-128"/>
-              </a:rPr>
-              <a:t>disp</a:t>
-            </a:r>
-            <a:r>
-              <a:rPr lang="en-US" altLang="en-US" sz="2000" dirty="0">
-                <a:latin typeface="Courier New" panose="02070309020205020404" pitchFamily="49" charset="0"/>
-                <a:ea typeface="ＭＳ Ｐゴシック" panose="020B0600070205080204" pitchFamily="34" charset="-128"/>
-              </a:rPr>
-              <a:t>('smaller')</a:t>
-            </a:r>
-          </a:p>
-          <a:p>
-            <a:pPr lvl="2">
-              <a:buNone/>
-            </a:pPr>
-            <a:r>
-              <a:rPr lang="en-US" altLang="en-US" sz="2000" dirty="0">
-                <a:latin typeface="Courier New" panose="02070309020205020404" pitchFamily="49" charset="0"/>
-                <a:ea typeface="ＭＳ Ｐゴシック" panose="020B0600070205080204" pitchFamily="34" charset="-128"/>
-              </a:rPr>
-              <a:t>end</a:t>
-            </a:r>
-          </a:p>
-          <a:p>
-            <a:r>
-              <a:rPr lang="en-US" altLang="en-US" sz="2000" dirty="0">
-                <a:ea typeface="ＭＳ Ｐゴシック" panose="020B0600070205080204" pitchFamily="34" charset="-128"/>
-              </a:rPr>
-              <a:t>The point is that if you get to the else clause, you know that the expression </a:t>
-            </a:r>
-            <a:r>
-              <a:rPr lang="en-US" altLang="en-US" sz="2000" dirty="0" err="1">
-                <a:ea typeface="ＭＳ Ｐゴシック" panose="020B0600070205080204" pitchFamily="34" charset="-128"/>
-              </a:rPr>
-              <a:t>val</a:t>
-            </a:r>
-            <a:r>
-              <a:rPr lang="en-US" altLang="en-US" sz="2000" dirty="0">
-                <a:ea typeface="ＭＳ Ｐゴシック" panose="020B0600070205080204" pitchFamily="34" charset="-128"/>
-              </a:rPr>
-              <a:t> &gt;= 4 is false – so, </a:t>
-            </a:r>
-            <a:r>
-              <a:rPr lang="en-US" altLang="en-US" sz="2000" dirty="0" err="1">
-                <a:ea typeface="ＭＳ Ｐゴシック" panose="020B0600070205080204" pitchFamily="34" charset="-128"/>
-              </a:rPr>
-              <a:t>val</a:t>
-            </a:r>
-            <a:r>
-              <a:rPr lang="en-US" altLang="en-US" sz="2000" dirty="0">
-                <a:ea typeface="ＭＳ Ｐゴシック" panose="020B0600070205080204" pitchFamily="34" charset="-128"/>
-              </a:rPr>
-              <a:t> must be less than 4 so there is no need to check that.</a:t>
+          <a:bodyPr wrap="square">
+            <a:spAutoFit/>
+          </a:bodyPr>
+          <a:lstStyle/>
+          <a:p>
+            <a:r>
+              <a:rPr lang="en-US" sz="2400" dirty="0"/>
+              <a:t>How to make an expression of ? in other words, how to write a code to check if x lies in between 5 and 10. If yes, 1 and otherwise 0. </a:t>
             </a:r>
           </a:p>
         </p:txBody>
       </p:sp>
+      <p:pic>
+        <p:nvPicPr>
+          <p:cNvPr id="5" name="Picture 4"/>
+          <p:cNvPicPr>
+            <a:picLocks noChangeAspect="1"/>
+          </p:cNvPicPr>
+          <p:nvPr/>
+        </p:nvPicPr>
+        <p:blipFill>
+          <a:blip r:embed="rId2"/>
+          <a:stretch>
+            <a:fillRect/>
+          </a:stretch>
+        </p:blipFill>
+        <p:spPr>
+          <a:xfrm>
+            <a:off x="677828" y="2484565"/>
+            <a:ext cx="4063429" cy="3637102"/>
+          </a:xfrm>
+          <a:prstGeom prst="rect">
+            <a:avLst/>
+          </a:prstGeom>
+        </p:spPr>
+      </p:pic>
+      <p:pic>
+        <p:nvPicPr>
+          <p:cNvPr id="6" name="Picture 5"/>
+          <p:cNvPicPr>
+            <a:picLocks noChangeAspect="1"/>
+          </p:cNvPicPr>
+          <p:nvPr/>
+        </p:nvPicPr>
+        <p:blipFill>
+          <a:blip r:embed="rId3"/>
+          <a:stretch>
+            <a:fillRect/>
+          </a:stretch>
+        </p:blipFill>
+        <p:spPr>
+          <a:xfrm>
+            <a:off x="8019900" y="2302142"/>
+            <a:ext cx="2524125" cy="3819525"/>
+          </a:xfrm>
+          <a:prstGeom prst="rect">
+            <a:avLst/>
+          </a:prstGeom>
+        </p:spPr>
+      </p:pic>
     </p:spTree>
     <p:extLst>
       <p:ext uri="{BB962C8B-B14F-4D97-AF65-F5344CB8AC3E}">
-        <p14:creationId xmlns:p14="http://schemas.microsoft.com/office/powerpoint/2010/main" val="3661143359"/>
+        <p14:creationId xmlns:p14="http://schemas.microsoft.com/office/powerpoint/2010/main" val="136432262"/>
       </p:ext>
     </p:extLst>
   </p:cSld>
@@ -5396,22 +5108,8 @@
           <a:lstStyle/>
           <a:p>
             <a:r>
-              <a:rPr lang="en-US" altLang="en-US" dirty="0">
-                <a:ea typeface="ＭＳ Ｐゴシック" panose="020B0600070205080204" pitchFamily="34" charset="-128"/>
-              </a:rPr>
-              <a:t>The </a:t>
-            </a:r>
-            <a:r>
-              <a:rPr lang="en-US" altLang="en-US" dirty="0" smtClean="0">
-                <a:ea typeface="ＭＳ Ｐゴシック" panose="020B0600070205080204" pitchFamily="34" charset="-128"/>
-              </a:rPr>
-              <a:t>Switch </a:t>
-            </a:r>
-            <a:r>
-              <a:rPr lang="en-US" altLang="en-US" dirty="0">
-                <a:ea typeface="ＭＳ Ｐゴシック" panose="020B0600070205080204" pitchFamily="34" charset="-128"/>
-              </a:rPr>
-              <a:t>Statement</a:t>
+              <a:rPr lang="en-US" altLang="en-US" dirty="0"/>
+              <a:t>If-else Statements</a:t>
             </a:r>
             <a:endParaRPr lang="en-US" dirty="0"/>
           </a:p>
@@ -5419,7 +5117,7 @@
       </p:sp>
       <p:sp>
         <p:nvSpPr>
-          <p:cNvPr id="3" name="Rectangle 3"/>
+          <p:cNvPr id="4" name="Rectangle 3"/>
           <p:cNvSpPr txBox="1">
             <a:spLocks/>
           </p:cNvSpPr>
@@ -5574,291 +5272,74 @@
             </a:lvl9pPr>
           </a:lstStyle>
           <a:p>
-            <a:pPr>
-              <a:lnSpc>
-                <a:spcPct val="90000"/>
-              </a:lnSpc>
+            <a:r>
+              <a:rPr lang="en-US" altLang="en-US" dirty="0"/>
+              <a:t>The </a:t>
+            </a:r>
+            <a:r>
+              <a:rPr lang="en-US" altLang="en-US" b="1" dirty="0"/>
+              <a:t>if-else</a:t>
+            </a:r>
+            <a:r>
+              <a:rPr lang="en-US" altLang="en-US" dirty="0"/>
+              <a:t> statement chooses between two actions</a:t>
+            </a:r>
+          </a:p>
+          <a:p>
+            <a:r>
+              <a:rPr lang="en-US" altLang="en-US" dirty="0"/>
+              <a:t>General form:</a:t>
+            </a:r>
+          </a:p>
+          <a:p>
+            <a:pPr lvl="3">
+              <a:buNone/>
             </a:pPr>
             <a:r>
-              <a:rPr lang="en-US" altLang="en-US" sz="2000" dirty="0">
-                <a:ea typeface="ＭＳ Ｐゴシック" panose="020B0600070205080204" pitchFamily="34" charset="-128"/>
-              </a:rPr>
-              <a:t>The </a:t>
-            </a:r>
-            <a:r>
-              <a:rPr lang="en-US" altLang="en-US" sz="2000" b="1" dirty="0">
-                <a:ea typeface="ＭＳ Ｐゴシック" panose="020B0600070205080204" pitchFamily="34" charset="-128"/>
-              </a:rPr>
-              <a:t>switch</a:t>
-            </a:r>
-            <a:r>
-              <a:rPr lang="en-US" altLang="en-US" sz="2000" dirty="0">
-                <a:ea typeface="ＭＳ Ｐゴシック" panose="020B0600070205080204" pitchFamily="34" charset="-128"/>
-              </a:rPr>
-              <a:t> statement can frequently be used in place of a nested </a:t>
-            </a:r>
-            <a:r>
-              <a:rPr lang="en-US" altLang="en-US" sz="2000" b="1" dirty="0">
-                <a:ea typeface="ＭＳ Ｐゴシック" panose="020B0600070205080204" pitchFamily="34" charset="-128"/>
-              </a:rPr>
-              <a:t>if-else</a:t>
-            </a:r>
-            <a:r>
-              <a:rPr lang="en-US" altLang="en-US" sz="2000" dirty="0">
-                <a:ea typeface="ＭＳ Ｐゴシック" panose="020B0600070205080204" pitchFamily="34" charset="-128"/>
-              </a:rPr>
-              <a:t> statement</a:t>
-            </a:r>
-          </a:p>
-          <a:p>
-            <a:pPr>
-              <a:lnSpc>
-                <a:spcPct val="90000"/>
-              </a:lnSpc>
+              <a:rPr lang="en-US" altLang="en-US" dirty="0"/>
+              <a:t>if condition</a:t>
+            </a:r>
+          </a:p>
+          <a:p>
+            <a:pPr lvl="3">
+              <a:buNone/>
             </a:pPr>
             <a:r>
-              <a:rPr lang="en-US" altLang="en-US" sz="2000" dirty="0">
-                <a:ea typeface="ＭＳ Ｐゴシック" panose="020B0600070205080204" pitchFamily="34" charset="-128"/>
-              </a:rPr>
-              <a:t>General form:</a:t>
-            </a:r>
-          </a:p>
-          <a:p>
-            <a:pPr lvl="2">
-              <a:lnSpc>
-                <a:spcPct val="90000"/>
-              </a:lnSpc>
+              <a:rPr lang="en-US" altLang="en-US" dirty="0"/>
+              <a:t>    action1</a:t>
+            </a:r>
+          </a:p>
+          <a:p>
+            <a:pPr lvl="3">
               <a:buNone/>
             </a:pPr>
             <a:r>
-              <a:rPr lang="en-US" altLang="en-US" sz="2000" dirty="0">
-                <a:latin typeface="Courier New" panose="02070309020205020404" pitchFamily="49" charset="0"/>
-                <a:ea typeface="ＭＳ Ｐゴシック" panose="020B0600070205080204" pitchFamily="34" charset="-128"/>
-              </a:rPr>
-              <a:t>switch </a:t>
-            </a:r>
-            <a:r>
-              <a:rPr lang="en-US" altLang="en-US" sz="2000" dirty="0" err="1">
-                <a:latin typeface="Courier New" panose="02070309020205020404" pitchFamily="49" charset="0"/>
-                <a:ea typeface="ＭＳ Ｐゴシック" panose="020B0600070205080204" pitchFamily="34" charset="-128"/>
-              </a:rPr>
-              <a:t>switch_expression</a:t>
-            </a:r>
-            <a:endParaRPr lang="en-US" altLang="en-US" sz="2000" dirty="0">
-              <a:latin typeface="Courier New" panose="02070309020205020404" pitchFamily="49" charset="0"/>
-              <a:ea typeface="ＭＳ Ｐゴシック" panose="020B0600070205080204" pitchFamily="34" charset="-128"/>
-            </a:endParaRPr>
-          </a:p>
-          <a:p>
-            <a:pPr lvl="2">
-              <a:lnSpc>
-                <a:spcPct val="90000"/>
-              </a:lnSpc>
+              <a:rPr lang="en-US" altLang="en-US" dirty="0"/>
+              <a:t>else</a:t>
+            </a:r>
+          </a:p>
+          <a:p>
+            <a:pPr lvl="3">
               <a:buNone/>
             </a:pPr>
             <a:r>
-              <a:rPr lang="en-US" altLang="en-US" sz="2000" dirty="0">
-                <a:latin typeface="Courier New" panose="02070309020205020404" pitchFamily="49" charset="0"/>
-                <a:ea typeface="ＭＳ Ｐゴシック" panose="020B0600070205080204" pitchFamily="34" charset="-128"/>
-              </a:rPr>
-              <a:t>  case caseexp1</a:t>
-            </a:r>
-          </a:p>
-          <a:p>
-            <a:pPr lvl="2">
-              <a:lnSpc>
-                <a:spcPct val="90000"/>
-              </a:lnSpc>
+              <a:rPr lang="en-US" altLang="en-US" dirty="0"/>
+              <a:t>    action2</a:t>
+            </a:r>
+          </a:p>
+          <a:p>
+            <a:pPr lvl="3">
               <a:buNone/>
             </a:pPr>
             <a:r>
-              <a:rPr lang="en-US" altLang="en-US" sz="2000" dirty="0">
-                <a:latin typeface="Courier New" panose="02070309020205020404" pitchFamily="49" charset="0"/>
-                <a:ea typeface="ＭＳ Ｐゴシック" panose="020B0600070205080204" pitchFamily="34" charset="-128"/>
-              </a:rPr>
-              <a:t>    action1</a:t>
-            </a:r>
-          </a:p>
-          <a:p>
-            <a:pPr lvl="2">
-              <a:lnSpc>
-                <a:spcPct val="90000"/>
-              </a:lnSpc>
-              <a:buNone/>
-            </a:pPr>
-            <a:r>
-              <a:rPr lang="en-US" altLang="en-US" sz="2000" dirty="0">
-                <a:latin typeface="Courier New" panose="02070309020205020404" pitchFamily="49" charset="0"/>
-                <a:ea typeface="ＭＳ Ｐゴシック" panose="020B0600070205080204" pitchFamily="34" charset="-128"/>
-              </a:rPr>
-              <a:t>  case caseexp2</a:t>
-            </a:r>
-          </a:p>
-          <a:p>
-            <a:pPr lvl="2">
-              <a:lnSpc>
-                <a:spcPct val="90000"/>
-              </a:lnSpc>
-              <a:buNone/>
-            </a:pPr>
-            <a:r>
-              <a:rPr lang="en-US" altLang="en-US" sz="2000" dirty="0">
-                <a:latin typeface="Courier New" panose="02070309020205020404" pitchFamily="49" charset="0"/>
-                <a:ea typeface="ＭＳ Ｐゴシック" panose="020B0600070205080204" pitchFamily="34" charset="-128"/>
-              </a:rPr>
-              <a:t>    action2</a:t>
-            </a:r>
-          </a:p>
-          <a:p>
-            <a:pPr lvl="2">
-              <a:lnSpc>
-                <a:spcPct val="90000"/>
-              </a:lnSpc>
-              <a:buNone/>
-            </a:pPr>
-            <a:r>
-              <a:rPr lang="en-US" altLang="en-US" sz="2000" dirty="0">
-                <a:latin typeface="Courier New" panose="02070309020205020404" pitchFamily="49" charset="0"/>
-                <a:ea typeface="ＭＳ Ｐゴシック" panose="020B0600070205080204" pitchFamily="34" charset="-128"/>
-              </a:rPr>
-              <a:t>  case caseexp3</a:t>
-            </a:r>
-          </a:p>
-          <a:p>
-            <a:pPr lvl="2">
-              <a:lnSpc>
-                <a:spcPct val="90000"/>
-              </a:lnSpc>
-              <a:buNone/>
-            </a:pPr>
-            <a:r>
-              <a:rPr lang="en-US" altLang="en-US" sz="2000" dirty="0">
-                <a:latin typeface="Courier New" panose="02070309020205020404" pitchFamily="49" charset="0"/>
-                <a:ea typeface="ＭＳ Ｐゴシック" panose="020B0600070205080204" pitchFamily="34" charset="-128"/>
-              </a:rPr>
-              <a:t>    action3</a:t>
-            </a:r>
-          </a:p>
-          <a:p>
-            <a:pPr lvl="2">
-              <a:lnSpc>
-                <a:spcPct val="90000"/>
-              </a:lnSpc>
-              <a:buNone/>
-            </a:pPr>
-            <a:r>
-              <a:rPr lang="en-US" altLang="en-US" sz="2000" dirty="0">
-                <a:latin typeface="Courier New" panose="02070309020205020404" pitchFamily="49" charset="0"/>
-                <a:ea typeface="ＭＳ Ｐゴシック" panose="020B0600070205080204" pitchFamily="34" charset="-128"/>
-              </a:rPr>
-              <a:t>  % </a:t>
-            </a:r>
-            <a:r>
-              <a:rPr lang="en-US" altLang="en-US" sz="2000" dirty="0" err="1">
-                <a:latin typeface="Courier New" panose="02070309020205020404" pitchFamily="49" charset="0"/>
-                <a:ea typeface="ＭＳ Ｐゴシック" panose="020B0600070205080204" pitchFamily="34" charset="-128"/>
-              </a:rPr>
-              <a:t>etc</a:t>
-            </a:r>
-            <a:r>
-              <a:rPr lang="en-US" altLang="en-US" sz="2000" dirty="0">
-                <a:latin typeface="Courier New" panose="02070309020205020404" pitchFamily="49" charset="0"/>
-                <a:ea typeface="ＭＳ Ｐゴシック" panose="020B0600070205080204" pitchFamily="34" charset="-128"/>
-              </a:rPr>
-              <a:t>: there can be many of these</a:t>
-            </a:r>
-          </a:p>
-          <a:p>
-            <a:pPr lvl="2">
-              <a:lnSpc>
-                <a:spcPct val="90000"/>
-              </a:lnSpc>
-              <a:buNone/>
-            </a:pPr>
-            <a:r>
-              <a:rPr lang="en-US" altLang="en-US" sz="2000" dirty="0">
-                <a:latin typeface="Courier New" panose="02070309020205020404" pitchFamily="49" charset="0"/>
-                <a:ea typeface="ＭＳ Ｐゴシック" panose="020B0600070205080204" pitchFamily="34" charset="-128"/>
-              </a:rPr>
-              <a:t>  otherwise</a:t>
-            </a:r>
-          </a:p>
-          <a:p>
-            <a:pPr lvl="2">
-              <a:lnSpc>
-                <a:spcPct val="90000"/>
-              </a:lnSpc>
-              <a:buNone/>
-            </a:pPr>
-            <a:r>
-              <a:rPr lang="en-US" altLang="en-US" sz="2000" dirty="0">
-                <a:latin typeface="Courier New" panose="02070309020205020404" pitchFamily="49" charset="0"/>
-                <a:ea typeface="ＭＳ Ｐゴシック" panose="020B0600070205080204" pitchFamily="34" charset="-128"/>
-              </a:rPr>
-              <a:t>    </a:t>
-            </a:r>
-            <a:r>
-              <a:rPr lang="en-US" altLang="en-US" sz="2000" dirty="0" err="1">
-                <a:latin typeface="Courier New" panose="02070309020205020404" pitchFamily="49" charset="0"/>
-                <a:ea typeface="ＭＳ Ｐゴシック" panose="020B0600070205080204" pitchFamily="34" charset="-128"/>
-              </a:rPr>
-              <a:t>actionn</a:t>
-            </a:r>
-            <a:endParaRPr lang="en-US" altLang="en-US" sz="2000" dirty="0">
-              <a:latin typeface="Courier New" panose="02070309020205020404" pitchFamily="49" charset="0"/>
-              <a:ea typeface="ＭＳ Ｐゴシック" panose="020B0600070205080204" pitchFamily="34" charset="-128"/>
-            </a:endParaRPr>
-          </a:p>
-          <a:p>
-            <a:pPr lvl="2">
-              <a:lnSpc>
-                <a:spcPct val="90000"/>
-              </a:lnSpc>
-              <a:buNone/>
-            </a:pPr>
-            <a:r>
-              <a:rPr lang="en-US" altLang="en-US" sz="2000" dirty="0">
-                <a:latin typeface="Courier New" panose="02070309020205020404" pitchFamily="49" charset="0"/>
-                <a:ea typeface="ＭＳ Ｐゴシック" panose="020B0600070205080204" pitchFamily="34" charset="-128"/>
-              </a:rPr>
+              <a:rPr lang="en-US" altLang="en-US" dirty="0"/>
               <a:t>end</a:t>
             </a:r>
           </a:p>
           <a:p>
-            <a:pPr>
-              <a:lnSpc>
-                <a:spcPct val="90000"/>
-              </a:lnSpc>
-            </a:pPr>
-            <a:r>
-              <a:rPr lang="en-US" altLang="en-US" sz="2000" dirty="0">
-                <a:ea typeface="ＭＳ Ｐゴシック" panose="020B0600070205080204" pitchFamily="34" charset="-128"/>
-              </a:rPr>
-              <a:t>this can be used when comparing the </a:t>
-            </a:r>
-            <a:r>
-              <a:rPr lang="en-US" altLang="en-US" sz="2000" dirty="0" err="1">
-                <a:ea typeface="ＭＳ Ｐゴシック" panose="020B0600070205080204" pitchFamily="34" charset="-128"/>
-              </a:rPr>
-              <a:t>switch_expression</a:t>
-            </a:r>
-            <a:r>
-              <a:rPr lang="en-US" altLang="en-US" sz="2000" dirty="0">
-                <a:ea typeface="ＭＳ Ｐゴシック" panose="020B0600070205080204" pitchFamily="34" charset="-128"/>
-              </a:rPr>
-              <a:t> to see if it is equal to the values on the case labels (the </a:t>
-            </a:r>
-            <a:r>
-              <a:rPr lang="en-US" altLang="en-US" sz="2000" b="1" dirty="0">
-                <a:ea typeface="ＭＳ Ｐゴシック" panose="020B0600070205080204" pitchFamily="34" charset="-128"/>
-              </a:rPr>
-              <a:t>otherwise</a:t>
-            </a:r>
-            <a:r>
-              <a:rPr lang="en-US" altLang="en-US" sz="2000" dirty="0">
-                <a:ea typeface="ＭＳ Ｐゴシック" panose="020B0600070205080204" pitchFamily="34" charset="-128"/>
-              </a:rPr>
-              <a:t> clause handles all other possible values)</a:t>
+            <a:r>
+              <a:rPr lang="en-US" altLang="en-US" dirty="0"/>
+              <a:t>One and only one action is executed; which one depends on the value of the condition (action1 if it is logical true or action2 if it is false)</a:t>
             </a:r>
           </a:p>
         </p:txBody>
@@ -5866,7 +5347,7 @@
     </p:spTree>
     <p:extLst>
       <p:ext uri="{BB962C8B-B14F-4D97-AF65-F5344CB8AC3E}">
-        <p14:creationId xmlns:p14="http://schemas.microsoft.com/office/powerpoint/2010/main" val="2433440492"/>
+        <p14:creationId xmlns:p14="http://schemas.microsoft.com/office/powerpoint/2010/main" val="2178031073"/>
       </p:ext>
     </p:extLst>
   </p:cSld>
@@ -5919,7 +5400,31 @@
               <a:rPr lang="en-US" altLang="en-US" dirty="0">
                 <a:ea typeface="ＭＳ Ｐゴシック" panose="020B0600070205080204" pitchFamily="34" charset="-128"/>
               </a:rPr>
-              <a:t>The “is” functions</a:t>
+              <a:t>If-else </a:t>
+            </a:r>
+            <a:r>
+              <a:rPr lang="en-US" altLang="en-US" dirty="0" smtClean="0">
+                <a:ea typeface="ＭＳ Ｐゴシック" panose="020B0600070205080204" pitchFamily="34" charset="-128"/>
+              </a:rPr>
+              <a:t>Statements </a:t>
+            </a:r>
+            <a:r>
+              <a:rPr lang="en-US" altLang="en-US" dirty="0">
+                <a:ea typeface="ＭＳ Ｐゴシック" panose="020B0600070205080204" pitchFamily="34" charset="-128"/>
+              </a:rPr>
+              <a:t>are not </a:t>
+            </a:r>
+            <a:r>
+              <a:rPr lang="en-US" altLang="en-US" dirty="0" smtClean="0">
+                <a:ea typeface="ＭＳ Ｐゴシック" panose="020B0600070205080204" pitchFamily="34" charset="-128"/>
+              </a:rPr>
+              <a:t>Always Necessary</a:t>
+            </a:r>
+            <a:r>
+              <a:rPr lang="en-US" altLang="en-US" dirty="0">
+                <a:ea typeface="ＭＳ Ｐゴシック" panose="020B0600070205080204" pitchFamily="34" charset="-128"/>
+              </a:rPr>
+              <a:t>!</a:t>
             </a:r>
             <a:endParaRPr lang="en-US" dirty="0"/>
           </a:p>
@@ -5935,8 +5440,8 @@
         </p:nvSpPr>
         <p:spPr>
           <a:xfrm>
-            <a:off x="457200" y="1192213"/>
-            <a:ext cx="11080750" cy="4389437"/>
+            <a:off x="457200" y="1116013"/>
+            <a:ext cx="10834828" cy="4389437"/>
           </a:xfrm>
           <a:prstGeom prst="rect">
             <a:avLst/>
@@ -6083,85 +5588,153 @@
           </a:lstStyle>
           <a:p>
             <a:r>
-              <a:rPr lang="en-US" altLang="en-US" sz="2800" dirty="0">
-                <a:ea typeface="ＭＳ Ｐゴシック" panose="020B0600070205080204" pitchFamily="34" charset="-128"/>
-              </a:rPr>
-              <a:t>There are many </a:t>
-            </a:r>
-            <a:r>
-              <a:rPr lang="ja-JP" altLang="en-US" sz="2800" dirty="0"/>
-              <a:t>“</a:t>
-            </a:r>
-            <a:r>
-              <a:rPr lang="en-US" altLang="ja-JP" sz="2800" dirty="0"/>
-              <a:t>is</a:t>
-            </a:r>
-            <a:r>
-              <a:rPr lang="ja-JP" altLang="en-US" sz="2800" dirty="0"/>
-              <a:t>”</a:t>
-            </a:r>
-            <a:r>
-              <a:rPr lang="en-US" altLang="ja-JP" sz="2800" dirty="0"/>
-              <a:t> functions in MATLAB that essentially ask a true/false question, and return logical 1 for true or 0 for false</a:t>
-            </a:r>
-          </a:p>
-          <a:p>
-            <a:r>
-              <a:rPr lang="en-US" altLang="ja-JP" sz="2800" b="1" dirty="0" err="1"/>
-              <a:t>isletter</a:t>
-            </a:r>
-            <a:r>
-              <a:rPr lang="en-US" altLang="ja-JP" sz="2800" dirty="0"/>
-              <a:t> returns 1 or 0 for every character in a string – whether it is a letter of the alphabet or not</a:t>
-            </a:r>
-          </a:p>
-          <a:p>
-            <a:r>
-              <a:rPr lang="en-US" altLang="ja-JP" sz="2800" b="1" dirty="0" err="1"/>
-              <a:t>isempty</a:t>
-            </a:r>
-            <a:r>
-              <a:rPr lang="en-US" altLang="ja-JP" sz="2800" b="1" dirty="0"/>
-              <a:t> </a:t>
-            </a:r>
-            <a:r>
-              <a:rPr lang="en-US" altLang="ja-JP" sz="2800" dirty="0"/>
-              <a:t>returns 1 if the variable argument is empty, or 0 if not</a:t>
-            </a:r>
-          </a:p>
-          <a:p>
-            <a:r>
-              <a:rPr lang="en-US" altLang="ja-JP" sz="2800" b="1" dirty="0" err="1"/>
-              <a:t>iskeyword</a:t>
-            </a:r>
-            <a:r>
-              <a:rPr lang="en-US" altLang="ja-JP" sz="2800" dirty="0"/>
-              <a:t> returns 1 if the string argument is a keyword, or 0 if not</a:t>
-            </a:r>
-          </a:p>
-          <a:p>
-            <a:r>
-              <a:rPr lang="en-US" altLang="en-US" sz="2800" b="1" dirty="0" err="1">
-                <a:ea typeface="ＭＳ Ｐゴシック" panose="020B0600070205080204" pitchFamily="34" charset="-128"/>
-              </a:rPr>
-              <a:t>isa</a:t>
-            </a:r>
-            <a:r>
-              <a:rPr lang="en-US" altLang="en-US" sz="2800" dirty="0">
-                <a:ea typeface="ＭＳ Ｐゴシック" panose="020B0600070205080204" pitchFamily="34" charset="-128"/>
-              </a:rPr>
-              <a:t> determines whether the first argument is a specified type</a:t>
-            </a:r>
-            <a:endParaRPr lang="en-US" altLang="en-US" sz="2800" b="1" dirty="0">
+              <a:rPr lang="en-US" altLang="en-US" sz="2500" dirty="0" smtClean="0">
+                <a:ea typeface="ＭＳ Ｐゴシック" panose="020B0600070205080204" pitchFamily="34" charset="-128"/>
+              </a:rPr>
+              <a:t>Simplify this statement:</a:t>
+            </a:r>
+          </a:p>
+          <a:p>
+            <a:pPr lvl="2">
+              <a:buNone/>
+            </a:pPr>
+            <a:r>
+              <a:rPr lang="pt-BR" altLang="en-US" sz="2500" dirty="0" smtClean="0">
+                <a:ea typeface="ＭＳ Ｐゴシック" panose="020B0600070205080204" pitchFamily="34" charset="-128"/>
+              </a:rPr>
+              <a:t>if num &lt; 0</a:t>
+            </a:r>
+          </a:p>
+          <a:p>
+            <a:pPr lvl="2">
+              <a:buNone/>
+            </a:pPr>
+            <a:r>
+              <a:rPr lang="pt-BR" altLang="en-US" sz="2500" dirty="0" smtClean="0">
+                <a:ea typeface="ＭＳ Ｐゴシック" panose="020B0600070205080204" pitchFamily="34" charset="-128"/>
+              </a:rPr>
+              <a:t>	num = 0;</a:t>
+            </a:r>
+          </a:p>
+          <a:p>
+            <a:pPr lvl="2">
+              <a:buNone/>
+            </a:pPr>
+            <a:r>
+              <a:rPr lang="pt-BR" altLang="en-US" sz="2500" dirty="0" smtClean="0">
+                <a:ea typeface="ＭＳ Ｐゴシック" panose="020B0600070205080204" pitchFamily="34" charset="-128"/>
+              </a:rPr>
+              <a:t>else</a:t>
+            </a:r>
+          </a:p>
+          <a:p>
+            <a:pPr lvl="2">
+              <a:buNone/>
+            </a:pPr>
+            <a:r>
+              <a:rPr lang="pt-BR" altLang="en-US" sz="2500" dirty="0" smtClean="0">
+                <a:ea typeface="ＭＳ Ｐゴシック" panose="020B0600070205080204" pitchFamily="34" charset="-128"/>
+              </a:rPr>
+              <a:t>	num = num;</a:t>
+            </a:r>
+          </a:p>
+          <a:p>
+            <a:pPr lvl="2">
+              <a:buNone/>
+            </a:pPr>
+            <a:r>
+              <a:rPr lang="pt-BR" altLang="en-US" sz="2500" dirty="0" smtClean="0">
+                <a:ea typeface="ＭＳ Ｐゴシック" panose="020B0600070205080204" pitchFamily="34" charset="-128"/>
+              </a:rPr>
+              <a:t>end</a:t>
+            </a:r>
+            <a:endParaRPr lang="en-US" altLang="en-US" sz="2500" dirty="0" smtClean="0">
               <a:ea typeface="ＭＳ Ｐゴシック" panose="020B0600070205080204" pitchFamily="34" charset="-128"/>
             </a:endParaRPr>
           </a:p>
           <a:p>
-            <a:pPr>
-              <a:buFont typeface="Wingdings 2" panose="05020102010507070707" pitchFamily="18" charset="2"/>
+            <a:r>
+              <a:rPr lang="en-US" altLang="en-US" sz="2500" dirty="0" smtClean="0">
+                <a:ea typeface="ＭＳ Ｐゴシック" panose="020B0600070205080204" pitchFamily="34" charset="-128"/>
+              </a:rPr>
+              <a:t>Answer:</a:t>
+            </a:r>
+          </a:p>
+          <a:p>
+            <a:pPr lvl="2">
               <a:buNone/>
             </a:pPr>
-            <a:endParaRPr lang="en-US" altLang="en-US" sz="2800" dirty="0">
+            <a:r>
+              <a:rPr lang="pt-BR" altLang="en-US" sz="2500" dirty="0" smtClean="0">
+                <a:ea typeface="ＭＳ Ｐゴシック" panose="020B0600070205080204" pitchFamily="34" charset="-128"/>
+              </a:rPr>
+              <a:t>if num &lt; 0</a:t>
+            </a:r>
+          </a:p>
+          <a:p>
+            <a:pPr lvl="2">
+              <a:buNone/>
+            </a:pPr>
+            <a:r>
+              <a:rPr lang="pt-BR" altLang="en-US" sz="2500" dirty="0" smtClean="0">
+                <a:ea typeface="ＭＳ Ｐゴシック" panose="020B0600070205080204" pitchFamily="34" charset="-128"/>
+              </a:rPr>
+              <a:t>	num = 0;</a:t>
+            </a:r>
+          </a:p>
+          <a:p>
+            <a:pPr lvl="2">
+              <a:buNone/>
+            </a:pPr>
+            <a:r>
+              <a:rPr lang="pt-BR" altLang="en-US" sz="2500" dirty="0" smtClean="0">
+                <a:ea typeface="ＭＳ Ｐゴシック" panose="020B0600070205080204" pitchFamily="34" charset="-128"/>
+              </a:rPr>
+              <a:t>end</a:t>
+            </a:r>
+            <a:endParaRPr lang="en-US" altLang="en-US" sz="2500" dirty="0" smtClean="0">
+              <a:ea typeface="ＭＳ Ｐゴシック" panose="020B0600070205080204" pitchFamily="34" charset="-128"/>
+            </a:endParaRPr>
+          </a:p>
+          <a:p>
+            <a:r>
+              <a:rPr lang="en-US" altLang="en-US" sz="2500" dirty="0" smtClean="0">
+                <a:ea typeface="ＭＳ Ｐゴシック" panose="020B0600070205080204" pitchFamily="34" charset="-128"/>
+              </a:rPr>
+              <a:t>The point is that the </a:t>
+            </a:r>
+            <a:r>
+              <a:rPr lang="en-US" altLang="en-US" sz="2500" b="1" dirty="0" smtClean="0">
+                <a:ea typeface="ＭＳ Ｐゴシック" panose="020B0600070205080204" pitchFamily="34" charset="-128"/>
+              </a:rPr>
+              <a:t>else</a:t>
+            </a:r>
+            <a:r>
+              <a:rPr lang="en-US" altLang="en-US" sz="2500" dirty="0" smtClean="0">
+                <a:ea typeface="ＭＳ Ｐゴシック" panose="020B0600070205080204" pitchFamily="34" charset="-128"/>
+              </a:rPr>
+              <a:t> clause does not accomplish anything, so it is not necessary … sometimes just an </a:t>
+            </a:r>
+            <a:r>
+              <a:rPr lang="en-US" altLang="en-US" sz="2500" b="1" dirty="0" smtClean="0">
+                <a:ea typeface="ＭＳ Ｐゴシック" panose="020B0600070205080204" pitchFamily="34" charset="-128"/>
+              </a:rPr>
+              <a:t>if</a:t>
+            </a:r>
+            <a:r>
+              <a:rPr lang="en-US" altLang="en-US" sz="2500" dirty="0" smtClean="0">
+                <a:ea typeface="ＭＳ Ｐゴシック" panose="020B0600070205080204" pitchFamily="34" charset="-128"/>
+              </a:rPr>
+              <a:t> statement is all you need!</a:t>
+            </a:r>
+          </a:p>
+          <a:p>
+            <a:endParaRPr lang="en-US" altLang="en-US" sz="2500" dirty="0" smtClean="0">
+              <a:ea typeface="ＭＳ Ｐゴシック" panose="020B0600070205080204" pitchFamily="34" charset="-128"/>
+            </a:endParaRPr>
+          </a:p>
+          <a:p>
+            <a:endParaRPr lang="en-US" altLang="en-US" sz="2500" dirty="0">
               <a:ea typeface="ＭＳ Ｐゴシック" panose="020B0600070205080204" pitchFamily="34" charset="-128"/>
             </a:endParaRPr>
           </a:p>
@@ -6170,7 +5743,7 @@
     </p:spTree>
     <p:extLst>
       <p:ext uri="{BB962C8B-B14F-4D97-AF65-F5344CB8AC3E}">
-        <p14:creationId xmlns:p14="http://schemas.microsoft.com/office/powerpoint/2010/main" val="494544428"/>
+        <p14:creationId xmlns:p14="http://schemas.microsoft.com/office/powerpoint/2010/main" val="320897346"/>
       </p:ext>
     </p:extLst>
   </p:cSld>
@@ -6220,309 +5793,178 @@
           <a:lstStyle/>
           <a:p>
             <a:r>
+              <a:rPr lang="en-US" dirty="0">
+                <a:solidFill>
+                  <a:srgbClr val="FFFF00"/>
+                </a:solidFill>
+              </a:rPr>
+              <a:t>Example</a:t>
+            </a:r>
+            <a:r>
+              <a:rPr lang="en-US" dirty="0" smtClean="0">
+                <a:solidFill>
+                  <a:srgbClr val="FFFF00"/>
+                </a:solidFill>
+              </a:rPr>
+              <a:t>: </a:t>
+            </a:r>
+            <a:r>
               <a:rPr lang="en-US" dirty="0" smtClean="0"/>
-              <a:t>Common Pitfalls</a:t>
+              <a:t>Rectifier</a:t>
             </a:r>
             <a:endParaRPr lang="en-US" dirty="0"/>
           </a:p>
         </p:txBody>
       </p:sp>
-      <p:sp>
-        <p:nvSpPr>
-          <p:cNvPr id="3" name="Rectangle 3"/>
-          <p:cNvSpPr txBox="1">
-            <a:spLocks/>
-          </p:cNvSpPr>
-          <p:nvPr/>
-        </p:nvSpPr>
-        <p:spPr>
-          <a:xfrm>
-            <a:off x="457200" y="1192213"/>
-            <a:ext cx="11080750" cy="4389437"/>
-          </a:xfrm>
-          <a:prstGeom prst="rect">
-            <a:avLst/>
-          </a:prstGeom>
-        </p:spPr>
-        <p:txBody>
-          <a:bodyPr/>
-          <a:lstStyle>
-            <a:lvl1pPr marL="342891" indent="-342891" algn="l" defTabSz="914377" rtl="0" eaLnBrk="1" latinLnBrk="0" hangingPunct="1">
-              <a:spcBef>
-                <a:spcPct val="20000"/>
-              </a:spcBef>
-              <a:buFont typeface="Arial" pitchFamily="34" charset="0"/>
-              <a:buChar char="•"/>
-              <a:defRPr sz="3200" kern="1200">
-                <a:solidFill>
-                  <a:schemeClr val="tx1"/>
-                </a:solidFill>
-                <a:latin typeface="+mn-lt"/>
-                <a:ea typeface="+mn-ea"/>
-                <a:cs typeface="+mn-cs"/>
-              </a:defRPr>
-            </a:lvl1pPr>
-            <a:lvl2pPr marL="742932" indent="-285744" algn="l" defTabSz="914377" rtl="0" eaLnBrk="1" latinLnBrk="0" hangingPunct="1">
-              <a:spcBef>
-                <a:spcPct val="20000"/>
-              </a:spcBef>
-              <a:buFont typeface="Arial" pitchFamily="34" charset="0"/>
-              <a:buChar char="–"/>
-              <a:defRPr sz="2800" kern="1200">
-                <a:solidFill>
-                  <a:schemeClr val="tx1"/>
-                </a:solidFill>
-                <a:latin typeface="+mn-lt"/>
-                <a:ea typeface="+mn-ea"/>
-                <a:cs typeface="+mn-cs"/>
-              </a:defRPr>
-            </a:lvl2pPr>
-            <a:lvl3pPr marL="1142971" indent="-228594" algn="l" defTabSz="914377" rtl="0" eaLnBrk="1" latinLnBrk="0" hangingPunct="1">
-              <a:spcBef>
-                <a:spcPct val="20000"/>
-              </a:spcBef>
-              <a:buFont typeface="Arial" pitchFamily="34" charset="0"/>
-              <a:buChar char="•"/>
-              <a:defRPr sz="2400" kern="1200">
-                <a:solidFill>
-                  <a:schemeClr val="tx1"/>
-                </a:solidFill>
-                <a:latin typeface="+mn-lt"/>
-                <a:ea typeface="+mn-ea"/>
-                <a:cs typeface="+mn-cs"/>
-              </a:defRPr>
-            </a:lvl3pPr>
-            <a:lvl4pPr marL="1600160" indent="-228594" algn="l" defTabSz="914377" rtl="0" eaLnBrk="1" latinLnBrk="0" hangingPunct="1">
-              <a:spcBef>
-                <a:spcPct val="20000"/>
-              </a:spcBef>
-              <a:buFont typeface="Arial" pitchFamily="34" charset="0"/>
-              <a:buChar char="–"/>
-              <a:defRPr sz="2000" kern="1200">
-                <a:solidFill>
-                  <a:schemeClr val="tx1"/>
-                </a:solidFill>
-                <a:latin typeface="+mn-lt"/>
-                <a:ea typeface="+mn-ea"/>
-                <a:cs typeface="+mn-cs"/>
-              </a:defRPr>
-            </a:lvl4pPr>
-            <a:lvl5pPr marL="2057349" indent="-228594" algn="l" defTabSz="914377" rtl="0" eaLnBrk="1" latinLnBrk="0" hangingPunct="1">
-              <a:spcBef>
-                <a:spcPct val="20000"/>
-              </a:spcBef>
-              <a:buFont typeface="Arial" pitchFamily="34" charset="0"/>
-              <a:buChar char="»"/>
-              <a:defRPr sz="2000" kern="1200">
-                <a:solidFill>
-                  <a:schemeClr val="tx1"/>
-                </a:solidFill>
-                <a:latin typeface="+mn-lt"/>
-                <a:ea typeface="+mn-ea"/>
-                <a:cs typeface="+mn-cs"/>
-              </a:defRPr>
-            </a:lvl5pPr>
-            <a:lvl6pPr marL="2514537" indent="-228594" algn="l" defTabSz="914377" rtl="0" eaLnBrk="1" latinLnBrk="0" hangingPunct="1">
-              <a:spcBef>
-                <a:spcPct val="20000"/>
-              </a:spcBef>
-              <a:buFont typeface="Arial" pitchFamily="34" charset="0"/>
-              <a:buChar char="•"/>
-              <a:defRPr sz="2000" kern="1200">
-                <a:solidFill>
-                  <a:schemeClr val="tx1"/>
-                </a:solidFill>
-                <a:latin typeface="+mn-lt"/>
-                <a:ea typeface="+mn-ea"/>
-                <a:cs typeface="+mn-cs"/>
-              </a:defRPr>
-            </a:lvl6pPr>
-            <a:lvl7pPr marL="2971726" indent="-228594" algn="l" defTabSz="914377" rtl="0" eaLnBrk="1" latinLnBrk="0" hangingPunct="1">
-              <a:spcBef>
-                <a:spcPct val="20000"/>
-              </a:spcBef>
-              <a:buFont typeface="Arial" pitchFamily="34" charset="0"/>
-              <a:buChar char="•"/>
-              <a:defRPr sz="2000" kern="1200">
-                <a:solidFill>
-                  <a:schemeClr val="tx1"/>
-                </a:solidFill>
-                <a:latin typeface="+mn-lt"/>
-                <a:ea typeface="+mn-ea"/>
-                <a:cs typeface="+mn-cs"/>
-              </a:defRPr>
-            </a:lvl7pPr>
-            <a:lvl8pPr marL="3428914" indent="-228594" algn="l" defTabSz="914377" rtl="0" eaLnBrk="1" latinLnBrk="0" hangingPunct="1">
-              <a:spcBef>
-                <a:spcPct val="20000"/>
-              </a:spcBef>
-              <a:buFont typeface="Arial" pitchFamily="34" charset="0"/>
-              <a:buChar char="•"/>
-              <a:defRPr sz="2000" kern="1200">
-                <a:solidFill>
-                  <a:schemeClr val="tx1"/>
-                </a:solidFill>
-                <a:latin typeface="+mn-lt"/>
-                <a:ea typeface="+mn-ea"/>
-                <a:cs typeface="+mn-cs"/>
-              </a:defRPr>
-            </a:lvl8pPr>
-            <a:lvl9pPr marL="3886103" indent="-228594" algn="l" defTabSz="914377" rtl="0" eaLnBrk="1" latinLnBrk="0" hangingPunct="1">
-              <a:spcBef>
-                <a:spcPct val="20000"/>
-              </a:spcBef>
-              <a:buFont typeface="Arial" pitchFamily="34" charset="0"/>
-              <a:buChar char="•"/>
-              <a:defRPr sz="2000" kern="1200">
-                <a:solidFill>
-                  <a:schemeClr val="tx1"/>
-                </a:solidFill>
-                <a:latin typeface="+mn-lt"/>
-                <a:ea typeface="+mn-ea"/>
-                <a:cs typeface="+mn-cs"/>
-              </a:defRPr>
-            </a:lvl9pPr>
-          </a:lstStyle>
-          <a:p>
-            <a:r>
-              <a:rPr lang="en-US" altLang="en-US" dirty="0">
-                <a:ea typeface="ＭＳ Ｐゴシック" panose="020B0600070205080204" pitchFamily="34" charset="-128"/>
-              </a:rPr>
-              <a:t>Some common pitfalls have been pointed out already; others include:</a:t>
-            </a:r>
-          </a:p>
-          <a:p>
-            <a:pPr lvl="1"/>
-            <a:r>
-              <a:rPr lang="en-US" altLang="en-US" u="sng" dirty="0">
-                <a:solidFill>
-                  <a:srgbClr val="FF0000"/>
-                </a:solidFill>
-                <a:ea typeface="ＭＳ Ｐゴシック" panose="020B0600070205080204" pitchFamily="34" charset="-128"/>
-              </a:rPr>
-              <a:t>Using = instead of == for equality in conditions</a:t>
-            </a:r>
-          </a:p>
-          <a:p>
-            <a:pPr lvl="1"/>
-            <a:r>
-              <a:rPr lang="en-US" altLang="en-US" dirty="0">
-                <a:ea typeface="ＭＳ Ｐゴシック" panose="020B0600070205080204" pitchFamily="34" charset="-128"/>
-              </a:rPr>
-              <a:t>Putting a space in the keyword </a:t>
-            </a:r>
-            <a:r>
-              <a:rPr lang="en-US" altLang="en-US" b="1" u="sng" dirty="0" err="1">
-                <a:ea typeface="ＭＳ Ｐゴシック" panose="020B0600070205080204" pitchFamily="34" charset="-128"/>
-              </a:rPr>
-              <a:t>elseif</a:t>
-            </a:r>
-            <a:endParaRPr lang="en-US" altLang="en-US" dirty="0">
-              <a:ea typeface="ＭＳ Ｐゴシック" panose="020B0600070205080204" pitchFamily="34" charset="-128"/>
-            </a:endParaRPr>
-          </a:p>
-          <a:p>
-            <a:pPr lvl="1"/>
-            <a:r>
-              <a:rPr lang="en-US" altLang="en-US" dirty="0">
-                <a:ea typeface="ＭＳ Ｐゴシック" panose="020B0600070205080204" pitchFamily="34" charset="-128"/>
-              </a:rPr>
-              <a:t>Not using quotes when comparing a string variable to a string, such as </a:t>
-            </a:r>
-          </a:p>
-          <a:p>
-            <a:pPr marL="939800" lvl="3" indent="0">
-              <a:buFont typeface="Wingdings 2" panose="05020102010507070707" pitchFamily="18" charset="2"/>
-              <a:buNone/>
-            </a:pPr>
-            <a:r>
-              <a:rPr lang="en-US" altLang="en-US" dirty="0">
-                <a:ea typeface="ＭＳ Ｐゴシック" panose="020B0600070205080204" pitchFamily="34" charset="-128"/>
-              </a:rPr>
-              <a:t>letter == y</a:t>
-            </a:r>
-          </a:p>
-          <a:p>
-            <a:pPr marL="666750" lvl="2" indent="0">
-              <a:buFont typeface="Wingdings 2" panose="05020102010507070707" pitchFamily="18" charset="2"/>
-              <a:buNone/>
-            </a:pPr>
-            <a:r>
-              <a:rPr lang="en-US" altLang="en-US" dirty="0">
-                <a:ea typeface="ＭＳ Ｐゴシック" panose="020B0600070205080204" pitchFamily="34" charset="-128"/>
-              </a:rPr>
-              <a:t>instead of </a:t>
-            </a:r>
-          </a:p>
-          <a:p>
-            <a:pPr marL="939800" lvl="3" indent="0">
-              <a:buFont typeface="Wingdings 2" panose="05020102010507070707" pitchFamily="18" charset="2"/>
-              <a:buNone/>
-            </a:pPr>
-            <a:r>
-              <a:rPr lang="en-US" altLang="en-US" u="sng" dirty="0">
-                <a:solidFill>
-                  <a:srgbClr val="FF0000"/>
-                </a:solidFill>
-                <a:ea typeface="ＭＳ Ｐゴシック" panose="020B0600070205080204" pitchFamily="34" charset="-128"/>
-              </a:rPr>
-              <a:t>letter == 'y'</a:t>
-            </a:r>
-          </a:p>
-          <a:p>
-            <a:pPr lvl="1"/>
-            <a:r>
-              <a:rPr lang="en-US" altLang="en-US" dirty="0">
-                <a:ea typeface="ＭＳ Ｐゴシック" panose="020B0600070205080204" pitchFamily="34" charset="-128"/>
-              </a:rPr>
-              <a:t>Writing conditions that are more complicated than necessary, such as </a:t>
-            </a:r>
-          </a:p>
-          <a:p>
-            <a:pPr marL="939800" lvl="3" indent="0">
-              <a:buFont typeface="Wingdings 2" panose="05020102010507070707" pitchFamily="18" charset="2"/>
-              <a:buNone/>
-            </a:pPr>
-            <a:r>
-              <a:rPr lang="en-US" altLang="en-US" dirty="0">
-                <a:ea typeface="ＭＳ Ｐゴシック" panose="020B0600070205080204" pitchFamily="34" charset="-128"/>
-              </a:rPr>
-              <a:t>if </a:t>
-            </a:r>
-            <a:r>
-              <a:rPr lang="en-US" altLang="en-US" dirty="0">
-                <a:latin typeface="Courier New" panose="02070309020205020404" pitchFamily="49" charset="0"/>
-                <a:ea typeface="ＭＳ Ｐゴシック" panose="020B0600070205080204" pitchFamily="34" charset="-128"/>
-                <a:cs typeface="Courier New" panose="02070309020205020404" pitchFamily="49" charset="0"/>
-              </a:rPr>
-              <a:t>(x &lt; 5) == 1  </a:t>
-            </a:r>
-            <a:r>
-              <a:rPr lang="en-US" altLang="en-US" dirty="0">
-                <a:ea typeface="ＭＳ Ｐゴシック" panose="020B0600070205080204" pitchFamily="34" charset="-128"/>
-              </a:rPr>
-              <a:t>instead of just      </a:t>
-            </a:r>
-            <a:r>
-              <a:rPr lang="en-US" altLang="en-US" dirty="0">
-                <a:latin typeface="Courier New" panose="02070309020205020404" pitchFamily="49" charset="0"/>
-                <a:ea typeface="ＭＳ Ｐゴシック" panose="020B0600070205080204" pitchFamily="34" charset="-128"/>
-                <a:cs typeface="Courier New" panose="02070309020205020404" pitchFamily="49" charset="0"/>
-              </a:rPr>
-              <a:t> if (x &lt; 5)</a:t>
-            </a:r>
-          </a:p>
-          <a:p>
-            <a:endParaRPr lang="en-US" altLang="en-US" dirty="0">
-              <a:ea typeface="ＭＳ Ｐゴシック" panose="020B0600070205080204" pitchFamily="34" charset="-128"/>
-            </a:endParaRPr>
-          </a:p>
-        </p:txBody>
-      </p:sp>
+      <mc:AlternateContent xmlns:mc="http://schemas.openxmlformats.org/markup-compatibility/2006" xmlns:a14="http://schemas.microsoft.com/office/drawing/2010/main">
+        <mc:Choice Requires="a14">
+          <p:sp>
+            <p:nvSpPr>
+              <p:cNvPr id="3" name="TextBox 2"/>
+              <p:cNvSpPr txBox="1"/>
+              <p:nvPr/>
+            </p:nvSpPr>
+            <p:spPr>
+              <a:xfrm>
+                <a:off x="394977" y="1360778"/>
+                <a:ext cx="3149004" cy="492443"/>
+              </a:xfrm>
+              <a:prstGeom prst="rect">
+                <a:avLst/>
+              </a:prstGeom>
+              <a:noFill/>
+            </p:spPr>
+            <p:txBody>
+              <a:bodyPr wrap="none" lIns="0" tIns="0" rIns="0" bIns="0" rtlCol="0">
+                <a:spAutoFit/>
+              </a:bodyPr>
+              <a:lstStyle/>
+              <a:p>
+                <a:pPr/>
+                <a14:m>
+                  <m:oMathPara xmlns:m="http://schemas.openxmlformats.org/officeDocument/2006/math">
+                    <m:oMathParaPr>
+                      <m:jc m:val="centerGroup"/>
+                    </m:oMathParaPr>
+                    <m:oMath xmlns:m="http://schemas.openxmlformats.org/officeDocument/2006/math">
+                      <m:r>
+                        <a:rPr lang="en-US" sz="3200" b="0" i="1" smtClean="0">
+                          <a:latin typeface="Cambria Math" panose="02040503050406030204" pitchFamily="18" charset="0"/>
+                          <a:cs typeface="Arial" pitchFamily="34" charset="0"/>
+                        </a:rPr>
+                        <m:t>𝑓</m:t>
+                      </m:r>
+                      <m:d>
+                        <m:dPr>
+                          <m:ctrlPr>
+                            <a:rPr lang="en-US" sz="3200" b="0" i="1" smtClean="0">
+                              <a:latin typeface="Cambria Math" panose="02040503050406030204" pitchFamily="18" charset="0"/>
+                              <a:cs typeface="Arial" pitchFamily="34" charset="0"/>
+                            </a:rPr>
+                          </m:ctrlPr>
+                        </m:dPr>
+                        <m:e>
+                          <m:r>
+                            <a:rPr lang="en-US" sz="3200" b="0" i="1" smtClean="0">
+                              <a:latin typeface="Cambria Math" panose="02040503050406030204" pitchFamily="18" charset="0"/>
+                              <a:cs typeface="Arial" pitchFamily="34" charset="0"/>
+                            </a:rPr>
+                            <m:t>𝑥</m:t>
+                          </m:r>
+                        </m:e>
+                      </m:d>
+                      <m:r>
+                        <a:rPr lang="en-US" sz="3200" b="0" i="1" smtClean="0">
+                          <a:latin typeface="Cambria Math" panose="02040503050406030204" pitchFamily="18" charset="0"/>
+                          <a:cs typeface="Arial" pitchFamily="34" charset="0"/>
+                        </a:rPr>
+                        <m:t>=</m:t>
+                      </m:r>
+                      <m:r>
+                        <m:rPr>
+                          <m:sty m:val="p"/>
+                        </m:rPr>
+                        <a:rPr lang="en-US" sz="3200" b="0" i="0" smtClean="0">
+                          <a:latin typeface="Cambria Math" panose="02040503050406030204" pitchFamily="18" charset="0"/>
+                          <a:cs typeface="Arial" pitchFamily="34" charset="0"/>
+                        </a:rPr>
+                        <m:t>max</m:t>
+                      </m:r>
+                      <m:r>
+                        <a:rPr lang="en-US" sz="3200" b="0" i="1" smtClean="0">
+                          <a:latin typeface="Cambria Math" panose="02040503050406030204" pitchFamily="18" charset="0"/>
+                          <a:cs typeface="Arial" pitchFamily="34" charset="0"/>
+                        </a:rPr>
+                        <m:t>⁡(0, </m:t>
+                      </m:r>
+                      <m:r>
+                        <a:rPr lang="en-US" sz="3200" b="0" i="1" smtClean="0">
+                          <a:latin typeface="Cambria Math" panose="02040503050406030204" pitchFamily="18" charset="0"/>
+                          <a:cs typeface="Arial" pitchFamily="34" charset="0"/>
+                        </a:rPr>
+                        <m:t>𝑥</m:t>
+                      </m:r>
+                      <m:r>
+                        <a:rPr lang="en-US" sz="3200" b="0" i="1" smtClean="0">
+                          <a:latin typeface="Cambria Math" panose="02040503050406030204" pitchFamily="18" charset="0"/>
+                          <a:cs typeface="Arial" pitchFamily="34" charset="0"/>
+                        </a:rPr>
+                        <m:t>)</m:t>
+                      </m:r>
+                    </m:oMath>
+                  </m:oMathPara>
+                </a14:m>
+                <a:endParaRPr lang="en-US" sz="3200" dirty="0" smtClean="0">
+                  <a:latin typeface="Arial" pitchFamily="34" charset="0"/>
+                  <a:cs typeface="Arial" pitchFamily="34" charset="0"/>
+                </a:endParaRPr>
+              </a:p>
+            </p:txBody>
+          </p:sp>
+        </mc:Choice>
+        <mc:Fallback xmlns="">
+          <p:sp>
+            <p:nvSpPr>
+              <p:cNvPr id="3" name="TextBox 2"/>
+              <p:cNvSpPr txBox="1">
+                <a:spLocks noRot="1" noChangeAspect="1" noMove="1" noResize="1" noEditPoints="1" noAdjustHandles="1" noChangeArrowheads="1" noChangeShapeType="1" noTextEdit="1"/>
+              </p:cNvSpPr>
+              <p:nvPr/>
+            </p:nvSpPr>
+            <p:spPr>
+              <a:xfrm>
+                <a:off x="394977" y="1360778"/>
+                <a:ext cx="3149004" cy="492443"/>
+              </a:xfrm>
+              <a:prstGeom prst="rect">
+                <a:avLst/>
+              </a:prstGeom>
+              <a:blipFill>
+                <a:blip r:embed="rId2"/>
+                <a:stretch>
+                  <a:fillRect/>
+                </a:stretch>
+              </a:blipFill>
+            </p:spPr>
+            <p:txBody>
+              <a:bodyPr/>
+              <a:lstStyle/>
+              <a:p>
+                <a:r>
+                  <a:rPr lang="en-US">
+                    <a:noFill/>
+                  </a:rPr>
+                  <a:t> </a:t>
+                </a:r>
+              </a:p>
+            </p:txBody>
+          </p:sp>
+        </mc:Fallback>
+      </mc:AlternateContent>
     </p:spTree>
     <p:extLst>
       <p:ext uri="{BB962C8B-B14F-4D97-AF65-F5344CB8AC3E}">
-        <p14:creationId xmlns:p14="http://schemas.microsoft.com/office/powerpoint/2010/main" val="3239964528"/>
+        <p14:creationId xmlns:p14="http://schemas.microsoft.com/office/powerpoint/2010/main" val="68598893"/>
       </p:ext>
     </p:extLst>
   </p:cSld>
@@ -6573,7 +6015,7 @@
           <a:p>
             <a:r>
               <a:rPr lang="en-US" dirty="0" smtClean="0"/>
-              <a:t>Programming Style Guidelines</a:t>
+              <a:t>Throwing an Error</a:t>
             </a:r>
             <a:endParaRPr lang="en-US" dirty="0"/>
           </a:p>
@@ -6589,7 +6031,7 @@
         </p:nvSpPr>
         <p:spPr>
           <a:xfrm>
-            <a:off x="462611" y="1197624"/>
+            <a:off x="457200" y="1192213"/>
             <a:ext cx="11080750" cy="4389437"/>
           </a:xfrm>
           <a:prstGeom prst="rect">
@@ -6737,83 +6179,107 @@
           </a:lstStyle>
           <a:p>
             <a:r>
-              <a:rPr lang="en-US" altLang="en-US" sz="2800" dirty="0">
-                <a:ea typeface="ＭＳ Ｐゴシック" panose="020B0600070205080204" pitchFamily="34" charset="-128"/>
-              </a:rPr>
-              <a:t>Use indentation to show the structure of a script or function.  In particular, the actions in an </a:t>
-            </a:r>
-            <a:r>
-              <a:rPr lang="en-US" altLang="en-US" sz="2800" b="1" u="sng" dirty="0">
-                <a:ea typeface="ＭＳ Ｐゴシック" panose="020B0600070205080204" pitchFamily="34" charset="-128"/>
-              </a:rPr>
-              <a:t>if</a:t>
-            </a:r>
-            <a:r>
-              <a:rPr lang="en-US" altLang="en-US" sz="2800" dirty="0">
-                <a:ea typeface="ＭＳ Ｐゴシック" panose="020B0600070205080204" pitchFamily="34" charset="-128"/>
-              </a:rPr>
-              <a:t> statement should be indented.</a:t>
-            </a:r>
-          </a:p>
-          <a:p>
-            <a:r>
-              <a:rPr lang="en-US" altLang="en-US" sz="2800" dirty="0">
-                <a:ea typeface="ＭＳ Ｐゴシック" panose="020B0600070205080204" pitchFamily="34" charset="-128"/>
-              </a:rPr>
-              <a:t>When the </a:t>
-            </a:r>
-            <a:r>
-              <a:rPr lang="en-US" altLang="en-US" sz="2800" b="1" u="sng" dirty="0">
-                <a:ea typeface="ＭＳ Ｐゴシック" panose="020B0600070205080204" pitchFamily="34" charset="-128"/>
-              </a:rPr>
-              <a:t>else</a:t>
-            </a:r>
-            <a:r>
-              <a:rPr lang="en-US" altLang="en-US" sz="2800" dirty="0">
-                <a:ea typeface="ＭＳ Ｐゴシック" panose="020B0600070205080204" pitchFamily="34" charset="-128"/>
-              </a:rPr>
-              <a:t> clause isn’t needed, use an </a:t>
-            </a:r>
-            <a:r>
-              <a:rPr lang="en-US" altLang="en-US" sz="2800" b="1" u="sng" dirty="0">
-                <a:ea typeface="ＭＳ Ｐゴシック" panose="020B0600070205080204" pitchFamily="34" charset="-128"/>
-              </a:rPr>
-              <a:t>if</a:t>
-            </a:r>
-            <a:r>
-              <a:rPr lang="en-US" altLang="en-US" sz="2800" dirty="0">
-                <a:ea typeface="ＭＳ Ｐゴシック" panose="020B0600070205080204" pitchFamily="34" charset="-128"/>
-              </a:rPr>
-              <a:t> statement rather than an </a:t>
-            </a:r>
-            <a:r>
-              <a:rPr lang="en-US" altLang="en-US" sz="2800" b="1" u="sng" dirty="0">
-                <a:ea typeface="ＭＳ Ｐゴシック" panose="020B0600070205080204" pitchFamily="34" charset="-128"/>
-              </a:rPr>
-              <a:t>if-else</a:t>
-            </a:r>
-            <a:r>
-              <a:rPr lang="en-US" altLang="en-US" sz="2800" dirty="0">
-                <a:ea typeface="ＭＳ Ｐゴシック" panose="020B0600070205080204" pitchFamily="34" charset="-128"/>
-              </a:rPr>
-              <a:t> statement </a:t>
-            </a:r>
-          </a:p>
-          <a:p>
-            <a:pPr>
+              <a:rPr lang="en-US" altLang="en-US" sz="2500" dirty="0">
+                <a:ea typeface="ＭＳ Ｐゴシック" panose="020B0600070205080204" pitchFamily="34" charset="-128"/>
+              </a:rPr>
+              <a:t>MATLAB has an </a:t>
+            </a:r>
+            <a:r>
+              <a:rPr lang="en-US" altLang="en-US" sz="2500" b="1" dirty="0">
+                <a:ea typeface="ＭＳ Ｐゴシック" panose="020B0600070205080204" pitchFamily="34" charset="-128"/>
+              </a:rPr>
+              <a:t>error</a:t>
+            </a:r>
+            <a:r>
+              <a:rPr lang="en-US" altLang="en-US" sz="2500" dirty="0">
+                <a:ea typeface="ＭＳ Ｐゴシック" panose="020B0600070205080204" pitchFamily="34" charset="-128"/>
+              </a:rPr>
+              <a:t> function that can be used to display an error message in red, similar to the error messages generated by MATLAB</a:t>
+            </a:r>
+          </a:p>
+          <a:p>
+            <a:pPr marL="641350" lvl="2" indent="0">
               <a:buFont typeface="Wingdings 2" panose="05020102010507070707" pitchFamily="18" charset="2"/>
               <a:buNone/>
             </a:pPr>
-            <a:endParaRPr lang="en-US" altLang="en-US" sz="2800" dirty="0">
+            <a:r>
+              <a:rPr lang="en-US" altLang="en-US" sz="2500" i="1" dirty="0">
+                <a:ea typeface="ＭＳ Ｐゴシック" panose="020B0600070205080204" pitchFamily="34" charset="-128"/>
+              </a:rPr>
+              <a:t> if radius &lt;= 0</a:t>
+            </a:r>
+            <a:endParaRPr lang="en-US" altLang="en-US" sz="2500" dirty="0">
               <a:ea typeface="ＭＳ Ｐゴシック" panose="020B0600070205080204" pitchFamily="34" charset="-128"/>
             </a:endParaRPr>
+          </a:p>
+          <a:p>
+            <a:pPr marL="641350" lvl="2" indent="0">
+              <a:buFont typeface="Wingdings 2" panose="05020102010507070707" pitchFamily="18" charset="2"/>
+              <a:buNone/>
+            </a:pPr>
+            <a:r>
+              <a:rPr lang="en-US" altLang="en-US" sz="2500" i="1" dirty="0">
+                <a:ea typeface="ＭＳ Ｐゴシック" panose="020B0600070205080204" pitchFamily="34" charset="-128"/>
+              </a:rPr>
+              <a:t>     error('Sorry; %.2f is not a valid radius\n', radius)</a:t>
+            </a:r>
+            <a:endParaRPr lang="en-US" altLang="en-US" sz="2500" dirty="0">
+              <a:ea typeface="ＭＳ Ｐゴシック" panose="020B0600070205080204" pitchFamily="34" charset="-128"/>
+            </a:endParaRPr>
+          </a:p>
+          <a:p>
+            <a:pPr marL="641350" lvl="2" indent="0">
+              <a:buFont typeface="Wingdings 2" panose="05020102010507070707" pitchFamily="18" charset="2"/>
+              <a:buNone/>
+            </a:pPr>
+            <a:r>
+              <a:rPr lang="en-US" altLang="en-US" sz="2500" i="1" dirty="0">
+                <a:ea typeface="ＭＳ Ｐゴシック" panose="020B0600070205080204" pitchFamily="34" charset="-128"/>
+              </a:rPr>
+              <a:t>else</a:t>
+            </a:r>
+          </a:p>
+          <a:p>
+            <a:pPr marL="641350" lvl="2" indent="0">
+              <a:buFont typeface="Wingdings 2" panose="05020102010507070707" pitchFamily="18" charset="2"/>
+              <a:buNone/>
+            </a:pPr>
+            <a:r>
+              <a:rPr lang="en-US" altLang="en-US" sz="2500" i="1" dirty="0">
+                <a:ea typeface="ＭＳ Ｐゴシック" panose="020B0600070205080204" pitchFamily="34" charset="-128"/>
+              </a:rPr>
+              <a:t>     % carry on</a:t>
+            </a:r>
+          </a:p>
+          <a:p>
+            <a:pPr marL="641350" lvl="2" indent="0">
+              <a:buFont typeface="Wingdings 2" panose="05020102010507070707" pitchFamily="18" charset="2"/>
+              <a:buNone/>
+            </a:pPr>
+            <a:r>
+              <a:rPr lang="en-US" altLang="en-US" sz="2500" i="1" dirty="0">
+                <a:ea typeface="ＭＳ Ｐゴシック" panose="020B0600070205080204" pitchFamily="34" charset="-128"/>
+              </a:rPr>
+              <a:t>end</a:t>
+            </a:r>
+            <a:endParaRPr lang="en-US" altLang="en-US" sz="2500" dirty="0">
+              <a:ea typeface="ＭＳ Ｐゴシック" panose="020B0600070205080204" pitchFamily="34" charset="-128"/>
+            </a:endParaRPr>
+          </a:p>
+          <a:p>
+            <a:r>
+              <a:rPr lang="en-US" altLang="en-US" sz="2500" dirty="0">
+                <a:ea typeface="ＭＳ Ｐゴシック" panose="020B0600070205080204" pitchFamily="34" charset="-128"/>
+              </a:rPr>
+              <a:t>When an error is thrown in a script, the script stops executing</a:t>
+            </a:r>
           </a:p>
         </p:txBody>
       </p:sp>
     </p:spTree>
     <p:extLst>
       <p:ext uri="{BB962C8B-B14F-4D97-AF65-F5344CB8AC3E}">
-        <p14:creationId xmlns:p14="http://schemas.microsoft.com/office/powerpoint/2010/main" val="433370322"/>
+        <p14:creationId xmlns:p14="http://schemas.microsoft.com/office/powerpoint/2010/main" val="2501338390"/>
       </p:ext>
     </p:extLst>
   </p:cSld>
@@ -6863,8 +6329,82 @@
           <a:lstStyle/>
           <a:p>
             <a:r>
-              <a:rPr lang="en-US" dirty="0" smtClean="0"/>
-              <a:t>Slide Credits and References</a:t>
+              <a:rPr lang="en-US" dirty="0">
+                <a:solidFill>
+                  <a:srgbClr val="FFFF00"/>
+                </a:solidFill>
+              </a:rPr>
+              <a:t>Example</a:t>
+            </a:r>
+            <a:r>
+              <a:rPr lang="en-US" dirty="0" smtClean="0">
+                <a:solidFill>
+                  <a:srgbClr val="FFFF00"/>
+                </a:solidFill>
+              </a:rPr>
+              <a:t>:</a:t>
+            </a:r>
+            <a:endParaRPr lang="en-US" dirty="0"/>
+          </a:p>
+        </p:txBody>
+      </p:sp>
+    </p:spTree>
+    <p:extLst>
+      <p:ext uri="{BB962C8B-B14F-4D97-AF65-F5344CB8AC3E}">
+        <p14:creationId xmlns:p14="http://schemas.microsoft.com/office/powerpoint/2010/main" val="2082832497"/>
+      </p:ext>
+    </p:extLst>
+  </p:cSld>
+  <p:clrMapOvr>
+    <a:masterClrMapping/>
+  </p:clrMapOvr>
+  <p:timing>
+    <p:tnLst>
+      <p:par>
+        <p:cTn id="1" dur="indefinite" restart="never" nodeType="tmRoot"/>
+      </p:par>
+    </p:tnLst>
+  </p:timing>
+</p:sld>
+</file>
+
+<file path=ppt/slides/slide17.xml><?xml version="1.0" encoding="utf-8"?>
+<p:sld xmlns:a="http://schemas.openxmlformats.org/drawingml/2006/main" xmlns:r="http://schemas.openxmlformats.org/officeDocument/2006/relationships" xmlns:p="http://schemas.openxmlformats.org/presentationml/2006/main">
+  <p:cSld>
+    <p:spTree>
+      <p:nvGrpSpPr>
+        <p:cNvPr id="1" name=""/>
+        <p:cNvGrpSpPr/>
+        <p:nvPr/>
+      </p:nvGrpSpPr>
+      <p:grpSpPr>
+        <a:xfrm>
+          <a:off x="0" y="0"/>
+          <a:ext cx="0" cy="0"/>
+          <a:chOff x="0" y="0"/>
+          <a:chExt cx="0" cy="0"/>
+        </a:xfrm>
+      </p:grpSpPr>
+      <p:sp>
+        <p:nvSpPr>
+          <p:cNvPr id="2" name="Text Placeholder 1"/>
+          <p:cNvSpPr>
+            <a:spLocks noGrp="1"/>
+          </p:cNvSpPr>
+          <p:nvPr>
+            <p:ph type="body" sz="quarter" idx="10"/>
+          </p:nvPr>
+        </p:nvSpPr>
+        <p:spPr/>
+        <p:txBody>
+          <a:bodyPr/>
+          <a:lstStyle/>
+          <a:p>
+            <a:r>
+              <a:rPr lang="en-US" altLang="en-US" dirty="0">
+                <a:ea typeface="ＭＳ Ｐゴシック" panose="020B0600070205080204" pitchFamily="34" charset="-128"/>
+              </a:rPr>
+              <a:t>Nested if-else Statements</a:t>
             </a:r>
             <a:endParaRPr lang="en-US" dirty="0"/>
           </a:p>
@@ -6872,163 +6412,462 @@
       </p:sp>
       <p:sp>
         <p:nvSpPr>
-          <p:cNvPr id="5" name="Rectangle 4"/>
-          <p:cNvSpPr/>
+          <p:cNvPr id="3" name="Rectangle 3"/>
+          <p:cNvSpPr txBox="1">
+            <a:spLocks/>
+          </p:cNvSpPr>
           <p:nvPr/>
         </p:nvSpPr>
         <p:spPr>
           <a:xfrm>
-            <a:off x="345332" y="1072277"/>
-            <a:ext cx="11503767" cy="1429622"/>
+            <a:off x="457200" y="1087438"/>
+            <a:ext cx="10834828" cy="4389437"/>
           </a:xfrm>
           <a:prstGeom prst="rect">
             <a:avLst/>
           </a:prstGeom>
         </p:spPr>
         <p:txBody>
-          <a:bodyPr wrap="square">
-            <a:spAutoFit/>
-          </a:bodyPr>
-          <a:lstStyle/>
-          <a:p>
-            <a:pPr marL="285750" indent="-285750">
+          <a:bodyPr/>
+          <a:lstStyle>
+            <a:lvl1pPr marL="342891" indent="-342891" algn="l" defTabSz="914377" rtl="0" eaLnBrk="1" latinLnBrk="0" hangingPunct="1">
+              <a:spcBef>
+                <a:spcPct val="20000"/>
+              </a:spcBef>
+              <a:buFont typeface="Arial" pitchFamily="34" charset="0"/>
+              <a:buChar char="•"/>
+              <a:defRPr sz="3200" kern="1200">
+                <a:solidFill>
+                  <a:schemeClr val="tx1"/>
+                </a:solidFill>
+                <a:latin typeface="+mn-lt"/>
+                <a:ea typeface="+mn-ea"/>
+                <a:cs typeface="+mn-cs"/>
+              </a:defRPr>
+            </a:lvl1pPr>
+            <a:lvl2pPr marL="742932" indent="-285744" algn="l" defTabSz="914377" rtl="0" eaLnBrk="1" latinLnBrk="0" hangingPunct="1">
+              <a:spcBef>
+                <a:spcPct val="20000"/>
+              </a:spcBef>
+              <a:buFont typeface="Arial" pitchFamily="34" charset="0"/>
+              <a:buChar char="–"/>
+              <a:defRPr sz="2800" kern="1200">
+                <a:solidFill>
+                  <a:schemeClr val="tx1"/>
+                </a:solidFill>
+                <a:latin typeface="+mn-lt"/>
+                <a:ea typeface="+mn-ea"/>
+                <a:cs typeface="+mn-cs"/>
+              </a:defRPr>
+            </a:lvl2pPr>
+            <a:lvl3pPr marL="1142971" indent="-228594" algn="l" defTabSz="914377" rtl="0" eaLnBrk="1" latinLnBrk="0" hangingPunct="1">
+              <a:spcBef>
+                <a:spcPct val="20000"/>
+              </a:spcBef>
+              <a:buFont typeface="Arial" pitchFamily="34" charset="0"/>
+              <a:buChar char="•"/>
+              <a:defRPr sz="2400" kern="1200">
+                <a:solidFill>
+                  <a:schemeClr val="tx1"/>
+                </a:solidFill>
+                <a:latin typeface="+mn-lt"/>
+                <a:ea typeface="+mn-ea"/>
+                <a:cs typeface="+mn-cs"/>
+              </a:defRPr>
+            </a:lvl3pPr>
+            <a:lvl4pPr marL="1600160" indent="-228594" algn="l" defTabSz="914377" rtl="0" eaLnBrk="1" latinLnBrk="0" hangingPunct="1">
+              <a:spcBef>
+                <a:spcPct val="20000"/>
+              </a:spcBef>
+              <a:buFont typeface="Arial" pitchFamily="34" charset="0"/>
+              <a:buChar char="–"/>
+              <a:defRPr sz="2000" kern="1200">
+                <a:solidFill>
+                  <a:schemeClr val="tx1"/>
+                </a:solidFill>
+                <a:latin typeface="+mn-lt"/>
+                <a:ea typeface="+mn-ea"/>
+                <a:cs typeface="+mn-cs"/>
+              </a:defRPr>
+            </a:lvl4pPr>
+            <a:lvl5pPr marL="2057349" indent="-228594" algn="l" defTabSz="914377" rtl="0" eaLnBrk="1" latinLnBrk="0" hangingPunct="1">
+              <a:spcBef>
+                <a:spcPct val="20000"/>
+              </a:spcBef>
+              <a:buFont typeface="Arial" pitchFamily="34" charset="0"/>
+              <a:buChar char="»"/>
+              <a:defRPr sz="2000" kern="1200">
+                <a:solidFill>
+                  <a:schemeClr val="tx1"/>
+                </a:solidFill>
+                <a:latin typeface="+mn-lt"/>
+                <a:ea typeface="+mn-ea"/>
+                <a:cs typeface="+mn-cs"/>
+              </a:defRPr>
+            </a:lvl5pPr>
+            <a:lvl6pPr marL="2514537" indent="-228594" algn="l" defTabSz="914377" rtl="0" eaLnBrk="1" latinLnBrk="0" hangingPunct="1">
+              <a:spcBef>
+                <a:spcPct val="20000"/>
+              </a:spcBef>
+              <a:buFont typeface="Arial" pitchFamily="34" charset="0"/>
+              <a:buChar char="•"/>
+              <a:defRPr sz="2000" kern="1200">
+                <a:solidFill>
+                  <a:schemeClr val="tx1"/>
+                </a:solidFill>
+                <a:latin typeface="+mn-lt"/>
+                <a:ea typeface="+mn-ea"/>
+                <a:cs typeface="+mn-cs"/>
+              </a:defRPr>
+            </a:lvl6pPr>
+            <a:lvl7pPr marL="2971726" indent="-228594" algn="l" defTabSz="914377" rtl="0" eaLnBrk="1" latinLnBrk="0" hangingPunct="1">
+              <a:spcBef>
+                <a:spcPct val="20000"/>
+              </a:spcBef>
+              <a:buFont typeface="Arial" pitchFamily="34" charset="0"/>
+              <a:buChar char="•"/>
+              <a:defRPr sz="2000" kern="1200">
+                <a:solidFill>
+                  <a:schemeClr val="tx1"/>
+                </a:solidFill>
+                <a:latin typeface="+mn-lt"/>
+                <a:ea typeface="+mn-ea"/>
+                <a:cs typeface="+mn-cs"/>
+              </a:defRPr>
+            </a:lvl7pPr>
+            <a:lvl8pPr marL="3428914" indent="-228594" algn="l" defTabSz="914377" rtl="0" eaLnBrk="1" latinLnBrk="0" hangingPunct="1">
+              <a:spcBef>
+                <a:spcPct val="20000"/>
+              </a:spcBef>
+              <a:buFont typeface="Arial" pitchFamily="34" charset="0"/>
+              <a:buChar char="•"/>
+              <a:defRPr sz="2000" kern="1200">
+                <a:solidFill>
+                  <a:schemeClr val="tx1"/>
+                </a:solidFill>
+                <a:latin typeface="+mn-lt"/>
+                <a:ea typeface="+mn-ea"/>
+                <a:cs typeface="+mn-cs"/>
+              </a:defRPr>
+            </a:lvl8pPr>
+            <a:lvl9pPr marL="3886103" indent="-228594" algn="l" defTabSz="914377" rtl="0" eaLnBrk="1" latinLnBrk="0" hangingPunct="1">
+              <a:spcBef>
+                <a:spcPct val="20000"/>
+              </a:spcBef>
+              <a:buFont typeface="Arial" pitchFamily="34" charset="0"/>
+              <a:buChar char="•"/>
+              <a:defRPr sz="2000" kern="1200">
+                <a:solidFill>
+                  <a:schemeClr val="tx1"/>
+                </a:solidFill>
+                <a:latin typeface="+mn-lt"/>
+                <a:ea typeface="+mn-ea"/>
+                <a:cs typeface="+mn-cs"/>
+              </a:defRPr>
+            </a:lvl9pPr>
+          </a:lstStyle>
+          <a:p>
+            <a:pPr>
               <a:lnSpc>
-                <a:spcPct val="150000"/>
+                <a:spcPct val="80000"/>
               </a:lnSpc>
-              <a:buFont typeface="Arial" panose="020B0604020202020204" pitchFamily="34" charset="0"/>
-              <a:buChar char="•"/>
             </a:pPr>
             <a:r>
-              <a:rPr lang="en-US" sz="2000" dirty="0" smtClean="0">
-                <a:cs typeface="Arial" pitchFamily="34" charset="0"/>
-              </a:rPr>
-              <a:t>Stormy </a:t>
-            </a:r>
-            <a:r>
-              <a:rPr lang="en-US" sz="2000" dirty="0" err="1" smtClean="0">
-                <a:cs typeface="Arial" pitchFamily="34" charset="0"/>
-              </a:rPr>
-              <a:t>Attaway</a:t>
-            </a:r>
-            <a:r>
-              <a:rPr lang="en-US" sz="2000" dirty="0" smtClean="0">
-                <a:cs typeface="Arial" pitchFamily="34" charset="0"/>
-              </a:rPr>
-              <a:t>, 2018, </a:t>
-            </a:r>
-            <a:r>
-              <a:rPr lang="en-US" sz="2000" dirty="0" err="1" smtClean="0">
-                <a:cs typeface="Arial" pitchFamily="34" charset="0"/>
-              </a:rPr>
-              <a:t>Matlab</a:t>
-            </a:r>
-            <a:r>
-              <a:rPr lang="en-US" sz="2000" dirty="0" smtClean="0">
-                <a:cs typeface="Arial" pitchFamily="34" charset="0"/>
-              </a:rPr>
-              <a:t>: A </a:t>
-            </a:r>
-            <a:r>
-              <a:rPr lang="en-US" sz="2000" dirty="0">
-                <a:cs typeface="Arial" pitchFamily="34" charset="0"/>
-              </a:rPr>
-              <a:t>Practical Introduction to Programming and Problem </a:t>
-            </a:r>
-            <a:r>
-              <a:rPr lang="en-US" sz="2000" dirty="0" smtClean="0">
-                <a:cs typeface="Arial" pitchFamily="34" charset="0"/>
-              </a:rPr>
-              <a:t>Solving, 5</a:t>
-            </a:r>
-            <a:r>
-              <a:rPr lang="en-US" sz="2000" baseline="30000" dirty="0" smtClean="0">
-                <a:cs typeface="Arial" pitchFamily="34" charset="0"/>
-              </a:rPr>
-              <a:t>th</a:t>
-            </a:r>
-            <a:r>
-              <a:rPr lang="en-US" sz="2000" dirty="0" smtClean="0">
-                <a:cs typeface="Arial" pitchFamily="34" charset="0"/>
-              </a:rPr>
-              <a:t> edition</a:t>
-            </a:r>
-          </a:p>
-          <a:p>
-            <a:pPr marL="285750" indent="-285750">
+              <a:rPr lang="en-US" altLang="en-US" sz="2200" dirty="0">
+                <a:ea typeface="ＭＳ Ｐゴシック" panose="020B0600070205080204" pitchFamily="34" charset="-128"/>
+              </a:rPr>
+              <a:t>To choose from more than two actions, </a:t>
+            </a:r>
+            <a:r>
+              <a:rPr lang="en-US" altLang="en-US" sz="2200" b="1" i="1" dirty="0">
+                <a:ea typeface="ＭＳ Ｐゴシック" panose="020B0600070205080204" pitchFamily="34" charset="-128"/>
+              </a:rPr>
+              <a:t>nested</a:t>
+            </a:r>
+            <a:r>
+              <a:rPr lang="en-US" altLang="en-US" sz="2200" dirty="0">
+                <a:ea typeface="ＭＳ Ｐゴシック" panose="020B0600070205080204" pitchFamily="34" charset="-128"/>
+              </a:rPr>
+              <a:t> </a:t>
+            </a:r>
+            <a:r>
+              <a:rPr lang="en-US" altLang="en-US" sz="2200" b="1" dirty="0">
+                <a:ea typeface="ＭＳ Ｐゴシック" panose="020B0600070205080204" pitchFamily="34" charset="-128"/>
+              </a:rPr>
+              <a:t>if-else </a:t>
+            </a:r>
+            <a:r>
+              <a:rPr lang="en-US" altLang="en-US" sz="2200" dirty="0">
+                <a:ea typeface="ＭＳ Ｐゴシック" panose="020B0600070205080204" pitchFamily="34" charset="-128"/>
+              </a:rPr>
+              <a:t>statements can be used (an </a:t>
+            </a:r>
+            <a:r>
+              <a:rPr lang="en-US" altLang="en-US" sz="2200" b="1" dirty="0">
+                <a:ea typeface="ＭＳ Ｐゴシック" panose="020B0600070205080204" pitchFamily="34" charset="-128"/>
+              </a:rPr>
+              <a:t>if</a:t>
+            </a:r>
+            <a:r>
+              <a:rPr lang="en-US" altLang="en-US" sz="2200" dirty="0">
+                <a:ea typeface="ＭＳ Ｐゴシック" panose="020B0600070205080204" pitchFamily="34" charset="-128"/>
+              </a:rPr>
+              <a:t> or </a:t>
+            </a:r>
+            <a:r>
+              <a:rPr lang="en-US" altLang="en-US" sz="2200" b="1" dirty="0">
+                <a:ea typeface="ＭＳ Ｐゴシック" panose="020B0600070205080204" pitchFamily="34" charset="-128"/>
+              </a:rPr>
+              <a:t>if-else </a:t>
+            </a:r>
+            <a:r>
+              <a:rPr lang="en-US" altLang="en-US" sz="2200" dirty="0">
+                <a:ea typeface="ＭＳ Ｐゴシック" panose="020B0600070205080204" pitchFamily="34" charset="-128"/>
+              </a:rPr>
+              <a:t>statement as the action of another)</a:t>
+            </a:r>
+          </a:p>
+          <a:p>
+            <a:pPr>
               <a:lnSpc>
-                <a:spcPct val="150000"/>
+                <a:spcPct val="80000"/>
               </a:lnSpc>
-              <a:buFont typeface="Arial" panose="020B0604020202020204" pitchFamily="34" charset="0"/>
-              <a:buChar char="•"/>
             </a:pPr>
             <a:r>
-              <a:rPr lang="en-US" sz="2000" dirty="0" smtClean="0">
-                <a:cs typeface="Arial" pitchFamily="34" charset="0"/>
-              </a:rPr>
-              <a:t>Lecture </a:t>
-            </a:r>
-            <a:r>
-              <a:rPr lang="en-US" sz="2000" dirty="0">
-                <a:cs typeface="Arial" pitchFamily="34" charset="0"/>
-              </a:rPr>
-              <a:t>slides for </a:t>
-            </a:r>
-            <a:r>
-              <a:rPr lang="en-US" sz="2000" dirty="0" smtClean="0">
-                <a:cs typeface="Arial" pitchFamily="34" charset="0"/>
-              </a:rPr>
-              <a:t>“</a:t>
-            </a:r>
-            <a:r>
-              <a:rPr lang="en-US" sz="2000" dirty="0" err="1" smtClean="0">
-                <a:cs typeface="Arial" pitchFamily="34" charset="0"/>
-              </a:rPr>
-              <a:t>Matlab</a:t>
-            </a:r>
-            <a:r>
-              <a:rPr lang="en-US" sz="2000" dirty="0">
-                <a:cs typeface="Arial" pitchFamily="34" charset="0"/>
-              </a:rPr>
-              <a:t>: A Practical Introduction to Programming and Problem </a:t>
-            </a:r>
-            <a:r>
-              <a:rPr lang="en-US" sz="2000" dirty="0" smtClean="0">
-                <a:cs typeface="Arial" pitchFamily="34" charset="0"/>
-              </a:rPr>
-              <a:t>Solving”</a:t>
-            </a:r>
-            <a:endParaRPr lang="en-US" sz="2000" dirty="0">
-              <a:cs typeface="Arial" pitchFamily="34" charset="0"/>
-            </a:endParaRPr>
-          </a:p>
-          <a:p>
-            <a:pPr marL="285750" indent="-285750">
+              <a:rPr lang="en-US" altLang="en-US" sz="2200" dirty="0">
+                <a:ea typeface="ＭＳ Ｐゴシック" panose="020B0600070205080204" pitchFamily="34" charset="-128"/>
+              </a:rPr>
+              <a:t>General form:</a:t>
+            </a:r>
+          </a:p>
+          <a:p>
+            <a:pPr lvl="3">
               <a:lnSpc>
-                <a:spcPct val="150000"/>
+                <a:spcPct val="80000"/>
               </a:lnSpc>
-              <a:buFont typeface="Arial" panose="020B0604020202020204" pitchFamily="34" charset="0"/>
-              <a:buChar char="•"/>
+              <a:buNone/>
             </a:pPr>
             <a:r>
-              <a:rPr lang="en-US" sz="2000" dirty="0" smtClean="0">
-                <a:cs typeface="Arial" pitchFamily="34" charset="0"/>
-              </a:rPr>
-              <a:t>Holly Moore, 2018, MATLAB for Engineers, 5</a:t>
-            </a:r>
-            <a:r>
-              <a:rPr lang="en-US" sz="2000" baseline="30000" dirty="0" smtClean="0">
-                <a:cs typeface="Arial" pitchFamily="34" charset="0"/>
-              </a:rPr>
-              <a:t>th</a:t>
-            </a:r>
-            <a:r>
-              <a:rPr lang="en-US" sz="2000" dirty="0" smtClean="0">
-                <a:cs typeface="Arial" pitchFamily="34" charset="0"/>
-              </a:rPr>
-              <a:t> edition</a:t>
-            </a:r>
-            <a:endParaRPr lang="en-US" sz="2000" dirty="0">
-              <a:cs typeface="Arial" pitchFamily="34" charset="0"/>
+              <a:rPr lang="en-US" altLang="en-US" sz="2200" dirty="0">
+                <a:ea typeface="ＭＳ Ｐゴシック" panose="020B0600070205080204" pitchFamily="34" charset="-128"/>
+              </a:rPr>
+              <a:t>if condition1</a:t>
+            </a:r>
+          </a:p>
+          <a:p>
+            <a:pPr lvl="3">
+              <a:lnSpc>
+                <a:spcPct val="80000"/>
+              </a:lnSpc>
+              <a:buNone/>
+            </a:pPr>
+            <a:r>
+              <a:rPr lang="en-US" altLang="en-US" sz="2200" dirty="0">
+                <a:ea typeface="ＭＳ Ｐゴシック" panose="020B0600070205080204" pitchFamily="34" charset="-128"/>
+              </a:rPr>
+              <a:t>    action1</a:t>
+            </a:r>
+          </a:p>
+          <a:p>
+            <a:pPr lvl="3">
+              <a:lnSpc>
+                <a:spcPct val="80000"/>
+              </a:lnSpc>
+              <a:buNone/>
+            </a:pPr>
+            <a:r>
+              <a:rPr lang="en-US" altLang="en-US" sz="2200" dirty="0">
+                <a:ea typeface="ＭＳ Ｐゴシック" panose="020B0600070205080204" pitchFamily="34" charset="-128"/>
+              </a:rPr>
+              <a:t>else</a:t>
+            </a:r>
+          </a:p>
+          <a:p>
+            <a:pPr lvl="3">
+              <a:lnSpc>
+                <a:spcPct val="80000"/>
+              </a:lnSpc>
+              <a:buNone/>
+            </a:pPr>
+            <a:r>
+              <a:rPr lang="en-US" altLang="en-US" sz="2200" dirty="0">
+                <a:ea typeface="ＭＳ Ｐゴシック" panose="020B0600070205080204" pitchFamily="34" charset="-128"/>
+              </a:rPr>
+              <a:t>     if condition2</a:t>
+            </a:r>
+          </a:p>
+          <a:p>
+            <a:pPr lvl="3">
+              <a:lnSpc>
+                <a:spcPct val="80000"/>
+              </a:lnSpc>
+              <a:buNone/>
+            </a:pPr>
+            <a:r>
+              <a:rPr lang="en-US" altLang="en-US" sz="2200" dirty="0">
+                <a:ea typeface="ＭＳ Ｐゴシック" panose="020B0600070205080204" pitchFamily="34" charset="-128"/>
+              </a:rPr>
+              <a:t>          action2</a:t>
+            </a:r>
+          </a:p>
+          <a:p>
+            <a:pPr lvl="3">
+              <a:lnSpc>
+                <a:spcPct val="80000"/>
+              </a:lnSpc>
+              <a:buNone/>
+            </a:pPr>
+            <a:r>
+              <a:rPr lang="en-US" altLang="en-US" sz="2200" dirty="0">
+                <a:ea typeface="ＭＳ Ｐゴシック" panose="020B0600070205080204" pitchFamily="34" charset="-128"/>
+              </a:rPr>
+              <a:t>     else</a:t>
+            </a:r>
+          </a:p>
+          <a:p>
+            <a:pPr lvl="3">
+              <a:lnSpc>
+                <a:spcPct val="80000"/>
+              </a:lnSpc>
+              <a:buNone/>
+            </a:pPr>
+            <a:r>
+              <a:rPr lang="en-US" altLang="en-US" sz="2200" dirty="0">
+                <a:ea typeface="ＭＳ Ｐゴシック" panose="020B0600070205080204" pitchFamily="34" charset="-128"/>
+              </a:rPr>
+              <a:t>           if condition3</a:t>
+            </a:r>
+          </a:p>
+          <a:p>
+            <a:pPr lvl="3">
+              <a:lnSpc>
+                <a:spcPct val="80000"/>
+              </a:lnSpc>
+              <a:buNone/>
+            </a:pPr>
+            <a:r>
+              <a:rPr lang="en-US" altLang="en-US" sz="2200" dirty="0">
+                <a:ea typeface="ＭＳ Ｐゴシック" panose="020B0600070205080204" pitchFamily="34" charset="-128"/>
+              </a:rPr>
+              <a:t>	            action3</a:t>
+            </a:r>
+          </a:p>
+          <a:p>
+            <a:pPr lvl="3">
+              <a:lnSpc>
+                <a:spcPct val="80000"/>
+              </a:lnSpc>
+              <a:buNone/>
+            </a:pPr>
+            <a:r>
+              <a:rPr lang="en-US" altLang="en-US" sz="2200" dirty="0">
+                <a:ea typeface="ＭＳ Ｐゴシック" panose="020B0600070205080204" pitchFamily="34" charset="-128"/>
+              </a:rPr>
+              <a:t>           % </a:t>
+            </a:r>
+            <a:r>
+              <a:rPr lang="en-US" altLang="en-US" sz="2200" dirty="0" err="1">
+                <a:ea typeface="ＭＳ Ｐゴシック" panose="020B0600070205080204" pitchFamily="34" charset="-128"/>
+              </a:rPr>
+              <a:t>etc</a:t>
+            </a:r>
+            <a:r>
+              <a:rPr lang="en-US" altLang="en-US" sz="2200" dirty="0">
+                <a:ea typeface="ＭＳ Ｐゴシック" panose="020B0600070205080204" pitchFamily="34" charset="-128"/>
+              </a:rPr>
+              <a:t>: there can be many of these</a:t>
+            </a:r>
+          </a:p>
+          <a:p>
+            <a:pPr lvl="3">
+              <a:lnSpc>
+                <a:spcPct val="80000"/>
+              </a:lnSpc>
+              <a:buNone/>
+            </a:pPr>
+            <a:r>
+              <a:rPr lang="en-US" altLang="en-US" sz="2200" dirty="0">
+                <a:ea typeface="ＭＳ Ｐゴシック" panose="020B0600070205080204" pitchFamily="34" charset="-128"/>
+              </a:rPr>
+              <a:t>           else</a:t>
+            </a:r>
+          </a:p>
+          <a:p>
+            <a:pPr lvl="3">
+              <a:lnSpc>
+                <a:spcPct val="80000"/>
+              </a:lnSpc>
+              <a:buNone/>
+            </a:pPr>
+            <a:r>
+              <a:rPr lang="en-US" altLang="en-US" sz="2200" dirty="0">
+                <a:ea typeface="ＭＳ Ｐゴシック" panose="020B0600070205080204" pitchFamily="34" charset="-128"/>
+              </a:rPr>
+              <a:t>                 </a:t>
+            </a:r>
+            <a:r>
+              <a:rPr lang="en-US" altLang="en-US" sz="2200" dirty="0" err="1">
+                <a:ea typeface="ＭＳ Ｐゴシック" panose="020B0600070205080204" pitchFamily="34" charset="-128"/>
+              </a:rPr>
+              <a:t>actionn</a:t>
+            </a:r>
+            <a:r>
+              <a:rPr lang="en-US" altLang="en-US" sz="2200" dirty="0">
+                <a:ea typeface="ＭＳ Ｐゴシック" panose="020B0600070205080204" pitchFamily="34" charset="-128"/>
+              </a:rPr>
+              <a:t>    % the nth action</a:t>
+            </a:r>
+          </a:p>
+          <a:p>
+            <a:pPr lvl="3">
+              <a:lnSpc>
+                <a:spcPct val="80000"/>
+              </a:lnSpc>
+              <a:buNone/>
+            </a:pPr>
+            <a:r>
+              <a:rPr lang="en-US" altLang="en-US" sz="2200" dirty="0">
+                <a:ea typeface="ＭＳ Ｐゴシック" panose="020B0600070205080204" pitchFamily="34" charset="-128"/>
+              </a:rPr>
+              <a:t>            end</a:t>
+            </a:r>
+          </a:p>
+          <a:p>
+            <a:pPr lvl="3">
+              <a:lnSpc>
+                <a:spcPct val="80000"/>
+              </a:lnSpc>
+              <a:buNone/>
+            </a:pPr>
+            <a:r>
+              <a:rPr lang="en-US" altLang="en-US" sz="2200" dirty="0">
+                <a:ea typeface="ＭＳ Ｐゴシック" panose="020B0600070205080204" pitchFamily="34" charset="-128"/>
+              </a:rPr>
+              <a:t>      end</a:t>
+            </a:r>
+          </a:p>
+          <a:p>
+            <a:pPr lvl="3">
+              <a:lnSpc>
+                <a:spcPct val="80000"/>
+              </a:lnSpc>
+              <a:buNone/>
+            </a:pPr>
+            <a:r>
+              <a:rPr lang="en-US" altLang="en-US" sz="2200" dirty="0">
+                <a:ea typeface="ＭＳ Ｐゴシック" panose="020B0600070205080204" pitchFamily="34" charset="-128"/>
+              </a:rPr>
+              <a:t>end</a:t>
+            </a:r>
+          </a:p>
+          <a:p>
+            <a:pPr>
+              <a:lnSpc>
+                <a:spcPct val="80000"/>
+              </a:lnSpc>
+            </a:pPr>
+            <a:endParaRPr lang="en-US" altLang="en-US" sz="2200" dirty="0">
+              <a:ea typeface="ＭＳ Ｐゴシック" panose="020B0600070205080204" pitchFamily="34" charset="-128"/>
             </a:endParaRPr>
           </a:p>
         </p:txBody>
@@ -7036,7 +6875,536 @@
     </p:spTree>
     <p:extLst>
       <p:ext uri="{BB962C8B-B14F-4D97-AF65-F5344CB8AC3E}">
-        <p14:creationId xmlns:p14="http://schemas.microsoft.com/office/powerpoint/2010/main" val="3778152393"/>
+        <p14:creationId xmlns:p14="http://schemas.microsoft.com/office/powerpoint/2010/main" val="1389944060"/>
+      </p:ext>
+    </p:extLst>
+  </p:cSld>
+  <p:clrMapOvr>
+    <a:masterClrMapping/>
+  </p:clrMapOvr>
+  <p:timing>
+    <p:tnLst>
+      <p:par>
+        <p:cTn id="1" dur="indefinite" restart="never" nodeType="tmRoot"/>
+      </p:par>
+    </p:tnLst>
+  </p:timing>
+</p:sld>
+</file>
+
+<file path=ppt/slides/slide18.xml><?xml version="1.0" encoding="utf-8"?>
+<p:sld xmlns:a="http://schemas.openxmlformats.org/drawingml/2006/main" xmlns:r="http://schemas.openxmlformats.org/officeDocument/2006/relationships" xmlns:p="http://schemas.openxmlformats.org/presentationml/2006/main">
+  <p:cSld>
+    <p:spTree>
+      <p:nvGrpSpPr>
+        <p:cNvPr id="1" name=""/>
+        <p:cNvGrpSpPr/>
+        <p:nvPr/>
+      </p:nvGrpSpPr>
+      <p:grpSpPr>
+        <a:xfrm>
+          <a:off x="0" y="0"/>
+          <a:ext cx="0" cy="0"/>
+          <a:chOff x="0" y="0"/>
+          <a:chExt cx="0" cy="0"/>
+        </a:xfrm>
+      </p:grpSpPr>
+      <p:sp>
+        <p:nvSpPr>
+          <p:cNvPr id="2" name="Text Placeholder 1"/>
+          <p:cNvSpPr>
+            <a:spLocks noGrp="1"/>
+          </p:cNvSpPr>
+          <p:nvPr>
+            <p:ph type="body" sz="quarter" idx="10"/>
+          </p:nvPr>
+        </p:nvSpPr>
+        <p:spPr/>
+        <p:txBody>
+          <a:bodyPr/>
+          <a:lstStyle/>
+          <a:p>
+            <a:r>
+              <a:rPr lang="en-US" dirty="0">
+                <a:solidFill>
+                  <a:srgbClr val="FFFF00"/>
+                </a:solidFill>
+              </a:rPr>
+              <a:t>Example</a:t>
+            </a:r>
+            <a:r>
+              <a:rPr lang="en-US" dirty="0" smtClean="0">
+                <a:solidFill>
+                  <a:srgbClr val="FFFF00"/>
+                </a:solidFill>
+              </a:rPr>
+              <a:t>:</a:t>
+            </a:r>
+            <a:endParaRPr lang="en-US" dirty="0"/>
+          </a:p>
+        </p:txBody>
+      </p:sp>
+    </p:spTree>
+    <p:extLst>
+      <p:ext uri="{BB962C8B-B14F-4D97-AF65-F5344CB8AC3E}">
+        <p14:creationId xmlns:p14="http://schemas.microsoft.com/office/powerpoint/2010/main" val="490118439"/>
+      </p:ext>
+    </p:extLst>
+  </p:cSld>
+  <p:clrMapOvr>
+    <a:masterClrMapping/>
+  </p:clrMapOvr>
+  <p:timing>
+    <p:tnLst>
+      <p:par>
+        <p:cTn id="1" dur="indefinite" restart="never" nodeType="tmRoot"/>
+      </p:par>
+    </p:tnLst>
+  </p:timing>
+</p:sld>
+</file>
+
+<file path=ppt/slides/slide19.xml><?xml version="1.0" encoding="utf-8"?>
+<p:sld xmlns:a="http://schemas.openxmlformats.org/drawingml/2006/main" xmlns:r="http://schemas.openxmlformats.org/officeDocument/2006/relationships" xmlns:p="http://schemas.openxmlformats.org/presentationml/2006/main">
+  <p:cSld>
+    <p:spTree>
+      <p:nvGrpSpPr>
+        <p:cNvPr id="1" name=""/>
+        <p:cNvGrpSpPr/>
+        <p:nvPr/>
+      </p:nvGrpSpPr>
+      <p:grpSpPr>
+        <a:xfrm>
+          <a:off x="0" y="0"/>
+          <a:ext cx="0" cy="0"/>
+          <a:chOff x="0" y="0"/>
+          <a:chExt cx="0" cy="0"/>
+        </a:xfrm>
+      </p:grpSpPr>
+      <p:sp>
+        <p:nvSpPr>
+          <p:cNvPr id="2" name="Text Placeholder 1"/>
+          <p:cNvSpPr>
+            <a:spLocks noGrp="1"/>
+          </p:cNvSpPr>
+          <p:nvPr>
+            <p:ph type="body" sz="quarter" idx="10"/>
+          </p:nvPr>
+        </p:nvSpPr>
+        <p:spPr/>
+        <p:txBody>
+          <a:bodyPr/>
+          <a:lstStyle/>
+          <a:p>
+            <a:r>
+              <a:rPr lang="en-US" altLang="en-US" dirty="0">
+                <a:ea typeface="ＭＳ Ｐゴシック" panose="020B0600070205080204" pitchFamily="34" charset="-128"/>
+              </a:rPr>
+              <a:t>The </a:t>
+            </a:r>
+            <a:r>
+              <a:rPr lang="en-US" altLang="en-US" dirty="0" err="1">
+                <a:ea typeface="ＭＳ Ｐゴシック" panose="020B0600070205080204" pitchFamily="34" charset="-128"/>
+              </a:rPr>
+              <a:t>elseif</a:t>
+            </a:r>
+            <a:r>
+              <a:rPr lang="en-US" altLang="en-US" dirty="0">
+                <a:ea typeface="ＭＳ Ｐゴシック" panose="020B0600070205080204" pitchFamily="34" charset="-128"/>
+              </a:rPr>
+              <a:t> </a:t>
+            </a:r>
+            <a:r>
+              <a:rPr lang="en-US" altLang="en-US" dirty="0" smtClean="0">
+                <a:ea typeface="ＭＳ Ｐゴシック" panose="020B0600070205080204" pitchFamily="34" charset="-128"/>
+              </a:rPr>
+              <a:t>Clause</a:t>
+            </a:r>
+            <a:endParaRPr lang="en-US" dirty="0"/>
+          </a:p>
+        </p:txBody>
+      </p:sp>
+      <p:sp>
+        <p:nvSpPr>
+          <p:cNvPr id="3" name="Rectangle 3"/>
+          <p:cNvSpPr txBox="1">
+            <a:spLocks/>
+          </p:cNvSpPr>
+          <p:nvPr/>
+        </p:nvSpPr>
+        <p:spPr>
+          <a:xfrm>
+            <a:off x="457200" y="1192213"/>
+            <a:ext cx="11176000" cy="4389437"/>
+          </a:xfrm>
+          <a:prstGeom prst="rect">
+            <a:avLst/>
+          </a:prstGeom>
+        </p:spPr>
+        <p:txBody>
+          <a:bodyPr/>
+          <a:lstStyle>
+            <a:lvl1pPr marL="342891" indent="-342891" algn="l" defTabSz="914377" rtl="0" eaLnBrk="1" latinLnBrk="0" hangingPunct="1">
+              <a:spcBef>
+                <a:spcPct val="20000"/>
+              </a:spcBef>
+              <a:buFont typeface="Arial" pitchFamily="34" charset="0"/>
+              <a:buChar char="•"/>
+              <a:defRPr sz="3200" kern="1200">
+                <a:solidFill>
+                  <a:schemeClr val="tx1"/>
+                </a:solidFill>
+                <a:latin typeface="+mn-lt"/>
+                <a:ea typeface="+mn-ea"/>
+                <a:cs typeface="+mn-cs"/>
+              </a:defRPr>
+            </a:lvl1pPr>
+            <a:lvl2pPr marL="742932" indent="-285744" algn="l" defTabSz="914377" rtl="0" eaLnBrk="1" latinLnBrk="0" hangingPunct="1">
+              <a:spcBef>
+                <a:spcPct val="20000"/>
+              </a:spcBef>
+              <a:buFont typeface="Arial" pitchFamily="34" charset="0"/>
+              <a:buChar char="–"/>
+              <a:defRPr sz="2800" kern="1200">
+                <a:solidFill>
+                  <a:schemeClr val="tx1"/>
+                </a:solidFill>
+                <a:latin typeface="+mn-lt"/>
+                <a:ea typeface="+mn-ea"/>
+                <a:cs typeface="+mn-cs"/>
+              </a:defRPr>
+            </a:lvl2pPr>
+            <a:lvl3pPr marL="1142971" indent="-228594" algn="l" defTabSz="914377" rtl="0" eaLnBrk="1" latinLnBrk="0" hangingPunct="1">
+              <a:spcBef>
+                <a:spcPct val="20000"/>
+              </a:spcBef>
+              <a:buFont typeface="Arial" pitchFamily="34" charset="0"/>
+              <a:buChar char="•"/>
+              <a:defRPr sz="2400" kern="1200">
+                <a:solidFill>
+                  <a:schemeClr val="tx1"/>
+                </a:solidFill>
+                <a:latin typeface="+mn-lt"/>
+                <a:ea typeface="+mn-ea"/>
+                <a:cs typeface="+mn-cs"/>
+              </a:defRPr>
+            </a:lvl3pPr>
+            <a:lvl4pPr marL="1600160" indent="-228594" algn="l" defTabSz="914377" rtl="0" eaLnBrk="1" latinLnBrk="0" hangingPunct="1">
+              <a:spcBef>
+                <a:spcPct val="20000"/>
+              </a:spcBef>
+              <a:buFont typeface="Arial" pitchFamily="34" charset="0"/>
+              <a:buChar char="–"/>
+              <a:defRPr sz="2000" kern="1200">
+                <a:solidFill>
+                  <a:schemeClr val="tx1"/>
+                </a:solidFill>
+                <a:latin typeface="+mn-lt"/>
+                <a:ea typeface="+mn-ea"/>
+                <a:cs typeface="+mn-cs"/>
+              </a:defRPr>
+            </a:lvl4pPr>
+            <a:lvl5pPr marL="2057349" indent="-228594" algn="l" defTabSz="914377" rtl="0" eaLnBrk="1" latinLnBrk="0" hangingPunct="1">
+              <a:spcBef>
+                <a:spcPct val="20000"/>
+              </a:spcBef>
+              <a:buFont typeface="Arial" pitchFamily="34" charset="0"/>
+              <a:buChar char="»"/>
+              <a:defRPr sz="2000" kern="1200">
+                <a:solidFill>
+                  <a:schemeClr val="tx1"/>
+                </a:solidFill>
+                <a:latin typeface="+mn-lt"/>
+                <a:ea typeface="+mn-ea"/>
+                <a:cs typeface="+mn-cs"/>
+              </a:defRPr>
+            </a:lvl5pPr>
+            <a:lvl6pPr marL="2514537" indent="-228594" algn="l" defTabSz="914377" rtl="0" eaLnBrk="1" latinLnBrk="0" hangingPunct="1">
+              <a:spcBef>
+                <a:spcPct val="20000"/>
+              </a:spcBef>
+              <a:buFont typeface="Arial" pitchFamily="34" charset="0"/>
+              <a:buChar char="•"/>
+              <a:defRPr sz="2000" kern="1200">
+                <a:solidFill>
+                  <a:schemeClr val="tx1"/>
+                </a:solidFill>
+                <a:latin typeface="+mn-lt"/>
+                <a:ea typeface="+mn-ea"/>
+                <a:cs typeface="+mn-cs"/>
+              </a:defRPr>
+            </a:lvl6pPr>
+            <a:lvl7pPr marL="2971726" indent="-228594" algn="l" defTabSz="914377" rtl="0" eaLnBrk="1" latinLnBrk="0" hangingPunct="1">
+              <a:spcBef>
+                <a:spcPct val="20000"/>
+              </a:spcBef>
+              <a:buFont typeface="Arial" pitchFamily="34" charset="0"/>
+              <a:buChar char="•"/>
+              <a:defRPr sz="2000" kern="1200">
+                <a:solidFill>
+                  <a:schemeClr val="tx1"/>
+                </a:solidFill>
+                <a:latin typeface="+mn-lt"/>
+                <a:ea typeface="+mn-ea"/>
+                <a:cs typeface="+mn-cs"/>
+              </a:defRPr>
+            </a:lvl7pPr>
+            <a:lvl8pPr marL="3428914" indent="-228594" algn="l" defTabSz="914377" rtl="0" eaLnBrk="1" latinLnBrk="0" hangingPunct="1">
+              <a:spcBef>
+                <a:spcPct val="20000"/>
+              </a:spcBef>
+              <a:buFont typeface="Arial" pitchFamily="34" charset="0"/>
+              <a:buChar char="•"/>
+              <a:defRPr sz="2000" kern="1200">
+                <a:solidFill>
+                  <a:schemeClr val="tx1"/>
+                </a:solidFill>
+                <a:latin typeface="+mn-lt"/>
+                <a:ea typeface="+mn-ea"/>
+                <a:cs typeface="+mn-cs"/>
+              </a:defRPr>
+            </a:lvl8pPr>
+            <a:lvl9pPr marL="3886103" indent="-228594" algn="l" defTabSz="914377" rtl="0" eaLnBrk="1" latinLnBrk="0" hangingPunct="1">
+              <a:spcBef>
+                <a:spcPct val="20000"/>
+              </a:spcBef>
+              <a:buFont typeface="Arial" pitchFamily="34" charset="0"/>
+              <a:buChar char="•"/>
+              <a:defRPr sz="2000" kern="1200">
+                <a:solidFill>
+                  <a:schemeClr val="tx1"/>
+                </a:solidFill>
+                <a:latin typeface="+mn-lt"/>
+                <a:ea typeface="+mn-ea"/>
+                <a:cs typeface="+mn-cs"/>
+              </a:defRPr>
+            </a:lvl9pPr>
+          </a:lstStyle>
+          <a:p>
+            <a:pPr>
+              <a:lnSpc>
+                <a:spcPct val="80000"/>
+              </a:lnSpc>
+            </a:pPr>
+            <a:r>
+              <a:rPr lang="en-US" altLang="en-US" sz="2500" dirty="0">
+                <a:ea typeface="ＭＳ Ｐゴシック" panose="020B0600070205080204" pitchFamily="34" charset="-128"/>
+              </a:rPr>
+              <a:t>MATLAB also has an </a:t>
+            </a:r>
+            <a:r>
+              <a:rPr lang="en-US" altLang="en-US" sz="2500" b="1" dirty="0" err="1">
+                <a:ea typeface="ＭＳ Ｐゴシック" panose="020B0600070205080204" pitchFamily="34" charset="-128"/>
+              </a:rPr>
+              <a:t>elseif</a:t>
+            </a:r>
+            <a:r>
+              <a:rPr lang="en-US" altLang="en-US" sz="2500" dirty="0">
+                <a:ea typeface="ＭＳ Ｐゴシック" panose="020B0600070205080204" pitchFamily="34" charset="-128"/>
+              </a:rPr>
+              <a:t> clause which shortens the code (and cuts down on the number of ends)</a:t>
+            </a:r>
+          </a:p>
+          <a:p>
+            <a:pPr>
+              <a:lnSpc>
+                <a:spcPct val="80000"/>
+              </a:lnSpc>
+            </a:pPr>
+            <a:r>
+              <a:rPr lang="en-US" altLang="en-US" sz="2500" dirty="0">
+                <a:ea typeface="ＭＳ Ｐゴシック" panose="020B0600070205080204" pitchFamily="34" charset="-128"/>
+              </a:rPr>
+              <a:t>General form:</a:t>
+            </a:r>
+          </a:p>
+          <a:p>
+            <a:pPr lvl="3">
+              <a:lnSpc>
+                <a:spcPct val="80000"/>
+              </a:lnSpc>
+              <a:buNone/>
+            </a:pPr>
+            <a:r>
+              <a:rPr lang="en-US" altLang="en-US" sz="2500" dirty="0">
+                <a:ea typeface="ＭＳ Ｐゴシック" panose="020B0600070205080204" pitchFamily="34" charset="-128"/>
+              </a:rPr>
+              <a:t>if condition1</a:t>
+            </a:r>
+          </a:p>
+          <a:p>
+            <a:pPr lvl="3">
+              <a:lnSpc>
+                <a:spcPct val="80000"/>
+              </a:lnSpc>
+              <a:buNone/>
+            </a:pPr>
+            <a:r>
+              <a:rPr lang="en-US" altLang="en-US" sz="2500" dirty="0">
+                <a:ea typeface="ＭＳ Ｐゴシック" panose="020B0600070205080204" pitchFamily="34" charset="-128"/>
+              </a:rPr>
+              <a:t>    action1</a:t>
+            </a:r>
+          </a:p>
+          <a:p>
+            <a:pPr lvl="3">
+              <a:lnSpc>
+                <a:spcPct val="80000"/>
+              </a:lnSpc>
+              <a:buNone/>
+            </a:pPr>
+            <a:r>
+              <a:rPr lang="en-US" altLang="en-US" sz="2500" dirty="0" err="1">
+                <a:ea typeface="ＭＳ Ｐゴシック" panose="020B0600070205080204" pitchFamily="34" charset="-128"/>
+              </a:rPr>
+              <a:t>elseif</a:t>
+            </a:r>
+            <a:r>
+              <a:rPr lang="en-US" altLang="en-US" sz="2500" dirty="0">
+                <a:ea typeface="ＭＳ Ｐゴシック" panose="020B0600070205080204" pitchFamily="34" charset="-128"/>
+              </a:rPr>
+              <a:t> condition2</a:t>
+            </a:r>
+          </a:p>
+          <a:p>
+            <a:pPr lvl="3">
+              <a:lnSpc>
+                <a:spcPct val="80000"/>
+              </a:lnSpc>
+              <a:buNone/>
+            </a:pPr>
+            <a:r>
+              <a:rPr lang="en-US" altLang="en-US" sz="2500" dirty="0">
+                <a:ea typeface="ＭＳ Ｐゴシック" panose="020B0600070205080204" pitchFamily="34" charset="-128"/>
+              </a:rPr>
+              <a:t>    action2</a:t>
+            </a:r>
+          </a:p>
+          <a:p>
+            <a:pPr lvl="3">
+              <a:lnSpc>
+                <a:spcPct val="80000"/>
+              </a:lnSpc>
+              <a:buNone/>
+            </a:pPr>
+            <a:r>
+              <a:rPr lang="en-US" altLang="en-US" sz="2500" dirty="0" err="1">
+                <a:ea typeface="ＭＳ Ｐゴシック" panose="020B0600070205080204" pitchFamily="34" charset="-128"/>
+              </a:rPr>
+              <a:t>elseif</a:t>
+            </a:r>
+            <a:r>
+              <a:rPr lang="en-US" altLang="en-US" sz="2500" dirty="0">
+                <a:ea typeface="ＭＳ Ｐゴシック" panose="020B0600070205080204" pitchFamily="34" charset="-128"/>
+              </a:rPr>
+              <a:t> condition3</a:t>
+            </a:r>
+          </a:p>
+          <a:p>
+            <a:pPr lvl="3">
+              <a:lnSpc>
+                <a:spcPct val="80000"/>
+              </a:lnSpc>
+              <a:buNone/>
+            </a:pPr>
+            <a:r>
+              <a:rPr lang="en-US" altLang="en-US" sz="2500" dirty="0">
+                <a:ea typeface="ＭＳ Ｐゴシック" panose="020B0600070205080204" pitchFamily="34" charset="-128"/>
+              </a:rPr>
+              <a:t>	action3</a:t>
+            </a:r>
+          </a:p>
+          <a:p>
+            <a:pPr lvl="3">
+              <a:lnSpc>
+                <a:spcPct val="80000"/>
+              </a:lnSpc>
+              <a:buNone/>
+            </a:pPr>
+            <a:r>
+              <a:rPr lang="en-US" altLang="en-US" sz="2500" dirty="0">
+                <a:ea typeface="ＭＳ Ｐゴシック" panose="020B0600070205080204" pitchFamily="34" charset="-128"/>
+              </a:rPr>
+              <a:t>% </a:t>
+            </a:r>
+            <a:r>
+              <a:rPr lang="en-US" altLang="en-US" sz="2500" dirty="0" err="1">
+                <a:ea typeface="ＭＳ Ｐゴシック" panose="020B0600070205080204" pitchFamily="34" charset="-128"/>
+              </a:rPr>
+              <a:t>etc</a:t>
+            </a:r>
+            <a:r>
+              <a:rPr lang="en-US" altLang="en-US" sz="2500" dirty="0">
+                <a:ea typeface="ＭＳ Ｐゴシック" panose="020B0600070205080204" pitchFamily="34" charset="-128"/>
+              </a:rPr>
+              <a:t>: there can be many of these</a:t>
+            </a:r>
+          </a:p>
+          <a:p>
+            <a:pPr lvl="3">
+              <a:lnSpc>
+                <a:spcPct val="80000"/>
+              </a:lnSpc>
+              <a:buNone/>
+            </a:pPr>
+            <a:r>
+              <a:rPr lang="en-US" altLang="en-US" sz="2500" dirty="0">
+                <a:ea typeface="ＭＳ Ｐゴシック" panose="020B0600070205080204" pitchFamily="34" charset="-128"/>
+              </a:rPr>
+              <a:t>else</a:t>
+            </a:r>
+          </a:p>
+          <a:p>
+            <a:pPr lvl="3">
+              <a:lnSpc>
+                <a:spcPct val="80000"/>
+              </a:lnSpc>
+              <a:buNone/>
+            </a:pPr>
+            <a:r>
+              <a:rPr lang="en-US" altLang="en-US" sz="2500" dirty="0">
+                <a:ea typeface="ＭＳ Ｐゴシック" panose="020B0600070205080204" pitchFamily="34" charset="-128"/>
+              </a:rPr>
+              <a:t>    </a:t>
+            </a:r>
+            <a:r>
+              <a:rPr lang="en-US" altLang="en-US" sz="2500" dirty="0" err="1">
+                <a:ea typeface="ＭＳ Ｐゴシック" panose="020B0600070205080204" pitchFamily="34" charset="-128"/>
+              </a:rPr>
+              <a:t>actionn</a:t>
+            </a:r>
+            <a:r>
+              <a:rPr lang="en-US" altLang="en-US" sz="2500" dirty="0">
+                <a:ea typeface="ＭＳ Ｐゴシック" panose="020B0600070205080204" pitchFamily="34" charset="-128"/>
+              </a:rPr>
+              <a:t>    % the nth action</a:t>
+            </a:r>
+          </a:p>
+          <a:p>
+            <a:pPr lvl="3">
+              <a:lnSpc>
+                <a:spcPct val="80000"/>
+              </a:lnSpc>
+              <a:buNone/>
+            </a:pPr>
+            <a:r>
+              <a:rPr lang="en-US" altLang="en-US" sz="2500" dirty="0">
+                <a:ea typeface="ＭＳ Ｐゴシック" panose="020B0600070205080204" pitchFamily="34" charset="-128"/>
+              </a:rPr>
+              <a:t>end</a:t>
+            </a:r>
+          </a:p>
+          <a:p>
+            <a:endParaRPr lang="en-US" altLang="en-US" sz="2500" dirty="0">
+              <a:ea typeface="ＭＳ Ｐゴシック" panose="020B0600070205080204" pitchFamily="34" charset="-128"/>
+            </a:endParaRPr>
+          </a:p>
+        </p:txBody>
+      </p:sp>
+    </p:spTree>
+    <p:extLst>
+      <p:ext uri="{BB962C8B-B14F-4D97-AF65-F5344CB8AC3E}">
+        <p14:creationId xmlns:p14="http://schemas.microsoft.com/office/powerpoint/2010/main" val="1785677661"/>
       </p:ext>
     </p:extLst>
   </p:cSld>
@@ -7520,6 +7888,2085 @@
 </p:sld>
 </file>
 
+<file path=ppt/slides/slide20.xml><?xml version="1.0" encoding="utf-8"?>
+<p:sld xmlns:a="http://schemas.openxmlformats.org/drawingml/2006/main" xmlns:r="http://schemas.openxmlformats.org/officeDocument/2006/relationships" xmlns:p="http://schemas.openxmlformats.org/presentationml/2006/main">
+  <p:cSld>
+    <p:spTree>
+      <p:nvGrpSpPr>
+        <p:cNvPr id="1" name=""/>
+        <p:cNvGrpSpPr/>
+        <p:nvPr/>
+      </p:nvGrpSpPr>
+      <p:grpSpPr>
+        <a:xfrm>
+          <a:off x="0" y="0"/>
+          <a:ext cx="0" cy="0"/>
+          <a:chOff x="0" y="0"/>
+          <a:chExt cx="0" cy="0"/>
+        </a:xfrm>
+      </p:grpSpPr>
+      <p:sp>
+        <p:nvSpPr>
+          <p:cNvPr id="2" name="Text Placeholder 1"/>
+          <p:cNvSpPr>
+            <a:spLocks noGrp="1"/>
+          </p:cNvSpPr>
+          <p:nvPr>
+            <p:ph type="body" sz="quarter" idx="10"/>
+          </p:nvPr>
+        </p:nvSpPr>
+        <p:spPr/>
+        <p:txBody>
+          <a:bodyPr/>
+          <a:lstStyle/>
+          <a:p>
+            <a:r>
+              <a:rPr lang="en-US" altLang="en-US" dirty="0">
+                <a:ea typeface="ＭＳ Ｐゴシック" panose="020B0600070205080204" pitchFamily="34" charset="-128"/>
+              </a:rPr>
+              <a:t>The </a:t>
+            </a:r>
+            <a:r>
+              <a:rPr lang="en-US" altLang="en-US" dirty="0" err="1">
+                <a:ea typeface="ＭＳ Ｐゴシック" panose="020B0600070205080204" pitchFamily="34" charset="-128"/>
+              </a:rPr>
+              <a:t>elseif</a:t>
+            </a:r>
+            <a:r>
+              <a:rPr lang="en-US" altLang="en-US" dirty="0">
+                <a:ea typeface="ＭＳ Ｐゴシック" panose="020B0600070205080204" pitchFamily="34" charset="-128"/>
+              </a:rPr>
+              <a:t> </a:t>
+            </a:r>
+            <a:r>
+              <a:rPr lang="en-US" altLang="en-US" dirty="0" smtClean="0">
+                <a:ea typeface="ＭＳ Ｐゴシック" panose="020B0600070205080204" pitchFamily="34" charset="-128"/>
+              </a:rPr>
+              <a:t>Clause </a:t>
+            </a:r>
+            <a:r>
+              <a:rPr lang="en-US" altLang="en-US" dirty="0">
+                <a:ea typeface="ＭＳ Ｐゴシック" panose="020B0600070205080204" pitchFamily="34" charset="-128"/>
+              </a:rPr>
+              <a:t>is </a:t>
+            </a:r>
+            <a:r>
+              <a:rPr lang="en-US" altLang="en-US" dirty="0" smtClean="0">
+                <a:ea typeface="ＭＳ Ｐゴシック" panose="020B0600070205080204" pitchFamily="34" charset="-128"/>
+              </a:rPr>
+              <a:t>Not Always Necessary</a:t>
+            </a:r>
+            <a:r>
+              <a:rPr lang="en-US" altLang="en-US" dirty="0">
+                <a:ea typeface="ＭＳ Ｐゴシック" panose="020B0600070205080204" pitchFamily="34" charset="-128"/>
+              </a:rPr>
+              <a:t>!</a:t>
+            </a:r>
+            <a:endParaRPr lang="en-US" dirty="0"/>
+          </a:p>
+        </p:txBody>
+      </p:sp>
+      <p:sp>
+        <p:nvSpPr>
+          <p:cNvPr id="3" name="Rectangle 3"/>
+          <p:cNvSpPr txBox="1">
+            <a:spLocks/>
+          </p:cNvSpPr>
+          <p:nvPr/>
+        </p:nvSpPr>
+        <p:spPr>
+          <a:xfrm>
+            <a:off x="457200" y="1192213"/>
+            <a:ext cx="11080750" cy="4389437"/>
+          </a:xfrm>
+          <a:prstGeom prst="rect">
+            <a:avLst/>
+          </a:prstGeom>
+        </p:spPr>
+        <p:txBody>
+          <a:bodyPr/>
+          <a:lstStyle>
+            <a:lvl1pPr marL="342891" indent="-342891" algn="l" defTabSz="914377" rtl="0" eaLnBrk="1" latinLnBrk="0" hangingPunct="1">
+              <a:spcBef>
+                <a:spcPct val="20000"/>
+              </a:spcBef>
+              <a:buFont typeface="Arial" pitchFamily="34" charset="0"/>
+              <a:buChar char="•"/>
+              <a:defRPr sz="3200" kern="1200">
+                <a:solidFill>
+                  <a:schemeClr val="tx1"/>
+                </a:solidFill>
+                <a:latin typeface="+mn-lt"/>
+                <a:ea typeface="+mn-ea"/>
+                <a:cs typeface="+mn-cs"/>
+              </a:defRPr>
+            </a:lvl1pPr>
+            <a:lvl2pPr marL="742932" indent="-285744" algn="l" defTabSz="914377" rtl="0" eaLnBrk="1" latinLnBrk="0" hangingPunct="1">
+              <a:spcBef>
+                <a:spcPct val="20000"/>
+              </a:spcBef>
+              <a:buFont typeface="Arial" pitchFamily="34" charset="0"/>
+              <a:buChar char="–"/>
+              <a:defRPr sz="2800" kern="1200">
+                <a:solidFill>
+                  <a:schemeClr val="tx1"/>
+                </a:solidFill>
+                <a:latin typeface="+mn-lt"/>
+                <a:ea typeface="+mn-ea"/>
+                <a:cs typeface="+mn-cs"/>
+              </a:defRPr>
+            </a:lvl2pPr>
+            <a:lvl3pPr marL="1142971" indent="-228594" algn="l" defTabSz="914377" rtl="0" eaLnBrk="1" latinLnBrk="0" hangingPunct="1">
+              <a:spcBef>
+                <a:spcPct val="20000"/>
+              </a:spcBef>
+              <a:buFont typeface="Arial" pitchFamily="34" charset="0"/>
+              <a:buChar char="•"/>
+              <a:defRPr sz="2400" kern="1200">
+                <a:solidFill>
+                  <a:schemeClr val="tx1"/>
+                </a:solidFill>
+                <a:latin typeface="+mn-lt"/>
+                <a:ea typeface="+mn-ea"/>
+                <a:cs typeface="+mn-cs"/>
+              </a:defRPr>
+            </a:lvl3pPr>
+            <a:lvl4pPr marL="1600160" indent="-228594" algn="l" defTabSz="914377" rtl="0" eaLnBrk="1" latinLnBrk="0" hangingPunct="1">
+              <a:spcBef>
+                <a:spcPct val="20000"/>
+              </a:spcBef>
+              <a:buFont typeface="Arial" pitchFamily="34" charset="0"/>
+              <a:buChar char="–"/>
+              <a:defRPr sz="2000" kern="1200">
+                <a:solidFill>
+                  <a:schemeClr val="tx1"/>
+                </a:solidFill>
+                <a:latin typeface="+mn-lt"/>
+                <a:ea typeface="+mn-ea"/>
+                <a:cs typeface="+mn-cs"/>
+              </a:defRPr>
+            </a:lvl4pPr>
+            <a:lvl5pPr marL="2057349" indent="-228594" algn="l" defTabSz="914377" rtl="0" eaLnBrk="1" latinLnBrk="0" hangingPunct="1">
+              <a:spcBef>
+                <a:spcPct val="20000"/>
+              </a:spcBef>
+              <a:buFont typeface="Arial" pitchFamily="34" charset="0"/>
+              <a:buChar char="»"/>
+              <a:defRPr sz="2000" kern="1200">
+                <a:solidFill>
+                  <a:schemeClr val="tx1"/>
+                </a:solidFill>
+                <a:latin typeface="+mn-lt"/>
+                <a:ea typeface="+mn-ea"/>
+                <a:cs typeface="+mn-cs"/>
+              </a:defRPr>
+            </a:lvl5pPr>
+            <a:lvl6pPr marL="2514537" indent="-228594" algn="l" defTabSz="914377" rtl="0" eaLnBrk="1" latinLnBrk="0" hangingPunct="1">
+              <a:spcBef>
+                <a:spcPct val="20000"/>
+              </a:spcBef>
+              <a:buFont typeface="Arial" pitchFamily="34" charset="0"/>
+              <a:buChar char="•"/>
+              <a:defRPr sz="2000" kern="1200">
+                <a:solidFill>
+                  <a:schemeClr val="tx1"/>
+                </a:solidFill>
+                <a:latin typeface="+mn-lt"/>
+                <a:ea typeface="+mn-ea"/>
+                <a:cs typeface="+mn-cs"/>
+              </a:defRPr>
+            </a:lvl6pPr>
+            <a:lvl7pPr marL="2971726" indent="-228594" algn="l" defTabSz="914377" rtl="0" eaLnBrk="1" latinLnBrk="0" hangingPunct="1">
+              <a:spcBef>
+                <a:spcPct val="20000"/>
+              </a:spcBef>
+              <a:buFont typeface="Arial" pitchFamily="34" charset="0"/>
+              <a:buChar char="•"/>
+              <a:defRPr sz="2000" kern="1200">
+                <a:solidFill>
+                  <a:schemeClr val="tx1"/>
+                </a:solidFill>
+                <a:latin typeface="+mn-lt"/>
+                <a:ea typeface="+mn-ea"/>
+                <a:cs typeface="+mn-cs"/>
+              </a:defRPr>
+            </a:lvl7pPr>
+            <a:lvl8pPr marL="3428914" indent="-228594" algn="l" defTabSz="914377" rtl="0" eaLnBrk="1" latinLnBrk="0" hangingPunct="1">
+              <a:spcBef>
+                <a:spcPct val="20000"/>
+              </a:spcBef>
+              <a:buFont typeface="Arial" pitchFamily="34" charset="0"/>
+              <a:buChar char="•"/>
+              <a:defRPr sz="2000" kern="1200">
+                <a:solidFill>
+                  <a:schemeClr val="tx1"/>
+                </a:solidFill>
+                <a:latin typeface="+mn-lt"/>
+                <a:ea typeface="+mn-ea"/>
+                <a:cs typeface="+mn-cs"/>
+              </a:defRPr>
+            </a:lvl8pPr>
+            <a:lvl9pPr marL="3886103" indent="-228594" algn="l" defTabSz="914377" rtl="0" eaLnBrk="1" latinLnBrk="0" hangingPunct="1">
+              <a:spcBef>
+                <a:spcPct val="20000"/>
+              </a:spcBef>
+              <a:buFont typeface="Arial" pitchFamily="34" charset="0"/>
+              <a:buChar char="•"/>
+              <a:defRPr sz="2000" kern="1200">
+                <a:solidFill>
+                  <a:schemeClr val="tx1"/>
+                </a:solidFill>
+                <a:latin typeface="+mn-lt"/>
+                <a:ea typeface="+mn-ea"/>
+                <a:cs typeface="+mn-cs"/>
+              </a:defRPr>
+            </a:lvl9pPr>
+          </a:lstStyle>
+          <a:p>
+            <a:r>
+              <a:rPr lang="en-US" altLang="en-US" sz="2000" dirty="0">
+                <a:ea typeface="ＭＳ Ｐゴシック" panose="020B0600070205080204" pitchFamily="34" charset="-128"/>
+              </a:rPr>
+              <a:t>Simplify this statement:</a:t>
+            </a:r>
+          </a:p>
+          <a:p>
+            <a:pPr lvl="2">
+              <a:buNone/>
+            </a:pPr>
+            <a:r>
+              <a:rPr lang="en-US" altLang="en-US" sz="2000" dirty="0">
+                <a:latin typeface="Courier New" panose="02070309020205020404" pitchFamily="49" charset="0"/>
+                <a:ea typeface="ＭＳ Ｐゴシック" panose="020B0600070205080204" pitchFamily="34" charset="-128"/>
+              </a:rPr>
+              <a:t>if </a:t>
+            </a:r>
+            <a:r>
+              <a:rPr lang="en-US" altLang="en-US" sz="2000" dirty="0" err="1">
+                <a:latin typeface="Courier New" panose="02070309020205020404" pitchFamily="49" charset="0"/>
+                <a:ea typeface="ＭＳ Ｐゴシック" panose="020B0600070205080204" pitchFamily="34" charset="-128"/>
+              </a:rPr>
+              <a:t>val</a:t>
+            </a:r>
+            <a:r>
+              <a:rPr lang="en-US" altLang="en-US" sz="2000" dirty="0">
+                <a:latin typeface="Courier New" panose="02070309020205020404" pitchFamily="49" charset="0"/>
+                <a:ea typeface="ＭＳ Ｐゴシック" panose="020B0600070205080204" pitchFamily="34" charset="-128"/>
+              </a:rPr>
+              <a:t> &gt;= 4</a:t>
+            </a:r>
+          </a:p>
+          <a:p>
+            <a:pPr lvl="2">
+              <a:buNone/>
+            </a:pPr>
+            <a:r>
+              <a:rPr lang="en-US" altLang="en-US" sz="2000" dirty="0">
+                <a:latin typeface="Courier New" panose="02070309020205020404" pitchFamily="49" charset="0"/>
+                <a:ea typeface="ＭＳ Ｐゴシック" panose="020B0600070205080204" pitchFamily="34" charset="-128"/>
+              </a:rPr>
+              <a:t>	</a:t>
+            </a:r>
+            <a:r>
+              <a:rPr lang="en-US" altLang="en-US" sz="2000" dirty="0" err="1">
+                <a:latin typeface="Courier New" panose="02070309020205020404" pitchFamily="49" charset="0"/>
+                <a:ea typeface="ＭＳ Ｐゴシック" panose="020B0600070205080204" pitchFamily="34" charset="-128"/>
+              </a:rPr>
+              <a:t>disp</a:t>
+            </a:r>
+            <a:r>
+              <a:rPr lang="en-US" altLang="en-US" sz="2000" dirty="0">
+                <a:latin typeface="Courier New" panose="02070309020205020404" pitchFamily="49" charset="0"/>
+                <a:ea typeface="ＭＳ Ｐゴシック" panose="020B0600070205080204" pitchFamily="34" charset="-128"/>
+              </a:rPr>
+              <a:t>('ok')</a:t>
+            </a:r>
+          </a:p>
+          <a:p>
+            <a:pPr lvl="2">
+              <a:buNone/>
+            </a:pPr>
+            <a:r>
+              <a:rPr lang="en-US" altLang="en-US" sz="2000" dirty="0" err="1">
+                <a:latin typeface="Courier New" panose="02070309020205020404" pitchFamily="49" charset="0"/>
+                <a:ea typeface="ＭＳ Ｐゴシック" panose="020B0600070205080204" pitchFamily="34" charset="-128"/>
+              </a:rPr>
+              <a:t>elseif</a:t>
+            </a:r>
+            <a:r>
+              <a:rPr lang="en-US" altLang="en-US" sz="2000" dirty="0">
+                <a:latin typeface="Courier New" panose="02070309020205020404" pitchFamily="49" charset="0"/>
+                <a:ea typeface="ＭＳ Ｐゴシック" panose="020B0600070205080204" pitchFamily="34" charset="-128"/>
+              </a:rPr>
+              <a:t> </a:t>
+            </a:r>
+            <a:r>
+              <a:rPr lang="en-US" altLang="en-US" sz="2000" dirty="0" err="1">
+                <a:latin typeface="Courier New" panose="02070309020205020404" pitchFamily="49" charset="0"/>
+                <a:ea typeface="ＭＳ Ｐゴシック" panose="020B0600070205080204" pitchFamily="34" charset="-128"/>
+              </a:rPr>
+              <a:t>val</a:t>
+            </a:r>
+            <a:r>
+              <a:rPr lang="en-US" altLang="en-US" sz="2000" dirty="0">
+                <a:latin typeface="Courier New" panose="02070309020205020404" pitchFamily="49" charset="0"/>
+                <a:ea typeface="ＭＳ Ｐゴシック" panose="020B0600070205080204" pitchFamily="34" charset="-128"/>
+              </a:rPr>
+              <a:t> &lt; 4</a:t>
+            </a:r>
+          </a:p>
+          <a:p>
+            <a:pPr lvl="2">
+              <a:buNone/>
+            </a:pPr>
+            <a:r>
+              <a:rPr lang="en-US" altLang="en-US" sz="2000" dirty="0">
+                <a:latin typeface="Courier New" panose="02070309020205020404" pitchFamily="49" charset="0"/>
+                <a:ea typeface="ＭＳ Ｐゴシック" panose="020B0600070205080204" pitchFamily="34" charset="-128"/>
+              </a:rPr>
+              <a:t>	</a:t>
+            </a:r>
+            <a:r>
+              <a:rPr lang="en-US" altLang="en-US" sz="2000" dirty="0" err="1">
+                <a:latin typeface="Courier New" panose="02070309020205020404" pitchFamily="49" charset="0"/>
+                <a:ea typeface="ＭＳ Ｐゴシック" panose="020B0600070205080204" pitchFamily="34" charset="-128"/>
+              </a:rPr>
+              <a:t>disp</a:t>
+            </a:r>
+            <a:r>
+              <a:rPr lang="en-US" altLang="en-US" sz="2000" dirty="0">
+                <a:latin typeface="Courier New" panose="02070309020205020404" pitchFamily="49" charset="0"/>
+                <a:ea typeface="ＭＳ Ｐゴシック" panose="020B0600070205080204" pitchFamily="34" charset="-128"/>
+              </a:rPr>
+              <a:t>('smaller')</a:t>
+            </a:r>
+          </a:p>
+          <a:p>
+            <a:pPr lvl="2">
+              <a:buNone/>
+            </a:pPr>
+            <a:r>
+              <a:rPr lang="en-US" altLang="en-US" sz="2000" dirty="0">
+                <a:latin typeface="Courier New" panose="02070309020205020404" pitchFamily="49" charset="0"/>
+                <a:ea typeface="ＭＳ Ｐゴシック" panose="020B0600070205080204" pitchFamily="34" charset="-128"/>
+              </a:rPr>
+              <a:t>end</a:t>
+            </a:r>
+          </a:p>
+          <a:p>
+            <a:r>
+              <a:rPr lang="en-US" altLang="en-US" sz="2000" dirty="0">
+                <a:ea typeface="ＭＳ Ｐゴシック" panose="020B0600070205080204" pitchFamily="34" charset="-128"/>
+              </a:rPr>
+              <a:t>Answer:</a:t>
+            </a:r>
+          </a:p>
+          <a:p>
+            <a:pPr lvl="2">
+              <a:buNone/>
+            </a:pPr>
+            <a:r>
+              <a:rPr lang="en-US" altLang="en-US" sz="2000" dirty="0">
+                <a:latin typeface="Courier New" panose="02070309020205020404" pitchFamily="49" charset="0"/>
+                <a:ea typeface="ＭＳ Ｐゴシック" panose="020B0600070205080204" pitchFamily="34" charset="-128"/>
+              </a:rPr>
+              <a:t>if </a:t>
+            </a:r>
+            <a:r>
+              <a:rPr lang="en-US" altLang="en-US" sz="2000" dirty="0" err="1">
+                <a:latin typeface="Courier New" panose="02070309020205020404" pitchFamily="49" charset="0"/>
+                <a:ea typeface="ＭＳ Ｐゴシック" panose="020B0600070205080204" pitchFamily="34" charset="-128"/>
+              </a:rPr>
+              <a:t>val</a:t>
+            </a:r>
+            <a:r>
+              <a:rPr lang="en-US" altLang="en-US" sz="2000" dirty="0">
+                <a:latin typeface="Courier New" panose="02070309020205020404" pitchFamily="49" charset="0"/>
+                <a:ea typeface="ＭＳ Ｐゴシック" panose="020B0600070205080204" pitchFamily="34" charset="-128"/>
+              </a:rPr>
+              <a:t> &gt;= 4</a:t>
+            </a:r>
+          </a:p>
+          <a:p>
+            <a:pPr lvl="2">
+              <a:buNone/>
+            </a:pPr>
+            <a:r>
+              <a:rPr lang="en-US" altLang="en-US" sz="2000" dirty="0">
+                <a:latin typeface="Courier New" panose="02070309020205020404" pitchFamily="49" charset="0"/>
+                <a:ea typeface="ＭＳ Ｐゴシック" panose="020B0600070205080204" pitchFamily="34" charset="-128"/>
+              </a:rPr>
+              <a:t>	</a:t>
+            </a:r>
+            <a:r>
+              <a:rPr lang="en-US" altLang="en-US" sz="2000" dirty="0" err="1">
+                <a:latin typeface="Courier New" panose="02070309020205020404" pitchFamily="49" charset="0"/>
+                <a:ea typeface="ＭＳ Ｐゴシック" panose="020B0600070205080204" pitchFamily="34" charset="-128"/>
+              </a:rPr>
+              <a:t>disp</a:t>
+            </a:r>
+            <a:r>
+              <a:rPr lang="en-US" altLang="en-US" sz="2000" dirty="0">
+                <a:latin typeface="Courier New" panose="02070309020205020404" pitchFamily="49" charset="0"/>
+                <a:ea typeface="ＭＳ Ｐゴシック" panose="020B0600070205080204" pitchFamily="34" charset="-128"/>
+              </a:rPr>
+              <a:t>('ok')</a:t>
+            </a:r>
+          </a:p>
+          <a:p>
+            <a:pPr lvl="2">
+              <a:buNone/>
+            </a:pPr>
+            <a:r>
+              <a:rPr lang="en-US" altLang="en-US" sz="2000" dirty="0">
+                <a:latin typeface="Courier New" panose="02070309020205020404" pitchFamily="49" charset="0"/>
+                <a:ea typeface="ＭＳ Ｐゴシック" panose="020B0600070205080204" pitchFamily="34" charset="-128"/>
+              </a:rPr>
+              <a:t>else</a:t>
+            </a:r>
+          </a:p>
+          <a:p>
+            <a:pPr lvl="2">
+              <a:buNone/>
+            </a:pPr>
+            <a:r>
+              <a:rPr lang="en-US" altLang="en-US" sz="2000" dirty="0">
+                <a:latin typeface="Courier New" panose="02070309020205020404" pitchFamily="49" charset="0"/>
+                <a:ea typeface="ＭＳ Ｐゴシック" panose="020B0600070205080204" pitchFamily="34" charset="-128"/>
+              </a:rPr>
+              <a:t>	</a:t>
+            </a:r>
+            <a:r>
+              <a:rPr lang="en-US" altLang="en-US" sz="2000" dirty="0" err="1">
+                <a:latin typeface="Courier New" panose="02070309020205020404" pitchFamily="49" charset="0"/>
+                <a:ea typeface="ＭＳ Ｐゴシック" panose="020B0600070205080204" pitchFamily="34" charset="-128"/>
+              </a:rPr>
+              <a:t>disp</a:t>
+            </a:r>
+            <a:r>
+              <a:rPr lang="en-US" altLang="en-US" sz="2000" dirty="0">
+                <a:latin typeface="Courier New" panose="02070309020205020404" pitchFamily="49" charset="0"/>
+                <a:ea typeface="ＭＳ Ｐゴシック" panose="020B0600070205080204" pitchFamily="34" charset="-128"/>
+              </a:rPr>
+              <a:t>('smaller')</a:t>
+            </a:r>
+          </a:p>
+          <a:p>
+            <a:pPr lvl="2">
+              <a:buNone/>
+            </a:pPr>
+            <a:r>
+              <a:rPr lang="en-US" altLang="en-US" sz="2000" dirty="0">
+                <a:latin typeface="Courier New" panose="02070309020205020404" pitchFamily="49" charset="0"/>
+                <a:ea typeface="ＭＳ Ｐゴシック" panose="020B0600070205080204" pitchFamily="34" charset="-128"/>
+              </a:rPr>
+              <a:t>end</a:t>
+            </a:r>
+          </a:p>
+          <a:p>
+            <a:r>
+              <a:rPr lang="en-US" altLang="en-US" sz="2000" dirty="0">
+                <a:ea typeface="ＭＳ Ｐゴシック" panose="020B0600070205080204" pitchFamily="34" charset="-128"/>
+              </a:rPr>
+              <a:t>The point is that if you get to the else clause, you know that the expression </a:t>
+            </a:r>
+            <a:r>
+              <a:rPr lang="en-US" altLang="en-US" sz="2000" dirty="0" err="1">
+                <a:ea typeface="ＭＳ Ｐゴシック" panose="020B0600070205080204" pitchFamily="34" charset="-128"/>
+              </a:rPr>
+              <a:t>val</a:t>
+            </a:r>
+            <a:r>
+              <a:rPr lang="en-US" altLang="en-US" sz="2000" dirty="0">
+                <a:ea typeface="ＭＳ Ｐゴシック" panose="020B0600070205080204" pitchFamily="34" charset="-128"/>
+              </a:rPr>
+              <a:t> &gt;= 4 is false – so, </a:t>
+            </a:r>
+            <a:r>
+              <a:rPr lang="en-US" altLang="en-US" sz="2000" dirty="0" err="1">
+                <a:ea typeface="ＭＳ Ｐゴシック" panose="020B0600070205080204" pitchFamily="34" charset="-128"/>
+              </a:rPr>
+              <a:t>val</a:t>
+            </a:r>
+            <a:r>
+              <a:rPr lang="en-US" altLang="en-US" sz="2000" dirty="0">
+                <a:ea typeface="ＭＳ Ｐゴシック" panose="020B0600070205080204" pitchFamily="34" charset="-128"/>
+              </a:rPr>
+              <a:t> must be less than 4 so there is no need to check that.</a:t>
+            </a:r>
+          </a:p>
+        </p:txBody>
+      </p:sp>
+    </p:spTree>
+    <p:extLst>
+      <p:ext uri="{BB962C8B-B14F-4D97-AF65-F5344CB8AC3E}">
+        <p14:creationId xmlns:p14="http://schemas.microsoft.com/office/powerpoint/2010/main" val="3661143359"/>
+      </p:ext>
+    </p:extLst>
+  </p:cSld>
+  <p:clrMapOvr>
+    <a:masterClrMapping/>
+  </p:clrMapOvr>
+  <p:timing>
+    <p:tnLst>
+      <p:par>
+        <p:cTn id="1" dur="indefinite" restart="never" nodeType="tmRoot"/>
+      </p:par>
+    </p:tnLst>
+  </p:timing>
+</p:sld>
+</file>
+
+<file path=ppt/slides/slide21.xml><?xml version="1.0" encoding="utf-8"?>
+<p:sld xmlns:a="http://schemas.openxmlformats.org/drawingml/2006/main" xmlns:r="http://schemas.openxmlformats.org/officeDocument/2006/relationships" xmlns:p="http://schemas.openxmlformats.org/presentationml/2006/main">
+  <p:cSld>
+    <p:spTree>
+      <p:nvGrpSpPr>
+        <p:cNvPr id="1" name=""/>
+        <p:cNvGrpSpPr/>
+        <p:nvPr/>
+      </p:nvGrpSpPr>
+      <p:grpSpPr>
+        <a:xfrm>
+          <a:off x="0" y="0"/>
+          <a:ext cx="0" cy="0"/>
+          <a:chOff x="0" y="0"/>
+          <a:chExt cx="0" cy="0"/>
+        </a:xfrm>
+      </p:grpSpPr>
+      <p:sp>
+        <p:nvSpPr>
+          <p:cNvPr id="2" name="Text Placeholder 1"/>
+          <p:cNvSpPr>
+            <a:spLocks noGrp="1"/>
+          </p:cNvSpPr>
+          <p:nvPr>
+            <p:ph type="body" sz="quarter" idx="10"/>
+          </p:nvPr>
+        </p:nvSpPr>
+        <p:spPr/>
+        <p:txBody>
+          <a:bodyPr/>
+          <a:lstStyle/>
+          <a:p>
+            <a:r>
+              <a:rPr lang="en-US" dirty="0">
+                <a:solidFill>
+                  <a:srgbClr val="FFFF00"/>
+                </a:solidFill>
+              </a:rPr>
+              <a:t>Example</a:t>
+            </a:r>
+            <a:r>
+              <a:rPr lang="en-US" dirty="0" smtClean="0">
+                <a:solidFill>
+                  <a:srgbClr val="FFFF00"/>
+                </a:solidFill>
+              </a:rPr>
+              <a:t>:</a:t>
+            </a:r>
+            <a:endParaRPr lang="en-US" dirty="0"/>
+          </a:p>
+        </p:txBody>
+      </p:sp>
+    </p:spTree>
+    <p:extLst>
+      <p:ext uri="{BB962C8B-B14F-4D97-AF65-F5344CB8AC3E}">
+        <p14:creationId xmlns:p14="http://schemas.microsoft.com/office/powerpoint/2010/main" val="3634800589"/>
+      </p:ext>
+    </p:extLst>
+  </p:cSld>
+  <p:clrMapOvr>
+    <a:masterClrMapping/>
+  </p:clrMapOvr>
+  <p:timing>
+    <p:tnLst>
+      <p:par>
+        <p:cTn id="1" dur="indefinite" restart="never" nodeType="tmRoot"/>
+      </p:par>
+    </p:tnLst>
+  </p:timing>
+</p:sld>
+</file>
+
+<file path=ppt/slides/slide22.xml><?xml version="1.0" encoding="utf-8"?>
+<p:sld xmlns:a="http://schemas.openxmlformats.org/drawingml/2006/main" xmlns:r="http://schemas.openxmlformats.org/officeDocument/2006/relationships" xmlns:p="http://schemas.openxmlformats.org/presentationml/2006/main">
+  <p:cSld>
+    <p:spTree>
+      <p:nvGrpSpPr>
+        <p:cNvPr id="1" name=""/>
+        <p:cNvGrpSpPr/>
+        <p:nvPr/>
+      </p:nvGrpSpPr>
+      <p:grpSpPr>
+        <a:xfrm>
+          <a:off x="0" y="0"/>
+          <a:ext cx="0" cy="0"/>
+          <a:chOff x="0" y="0"/>
+          <a:chExt cx="0" cy="0"/>
+        </a:xfrm>
+      </p:grpSpPr>
+      <p:sp>
+        <p:nvSpPr>
+          <p:cNvPr id="2" name="Text Placeholder 1"/>
+          <p:cNvSpPr>
+            <a:spLocks noGrp="1"/>
+          </p:cNvSpPr>
+          <p:nvPr>
+            <p:ph type="body" sz="quarter" idx="10"/>
+          </p:nvPr>
+        </p:nvSpPr>
+        <p:spPr/>
+        <p:txBody>
+          <a:bodyPr/>
+          <a:lstStyle/>
+          <a:p>
+            <a:r>
+              <a:rPr lang="en-US" altLang="en-US" dirty="0">
+                <a:ea typeface="ＭＳ Ｐゴシック" panose="020B0600070205080204" pitchFamily="34" charset="-128"/>
+              </a:rPr>
+              <a:t>The </a:t>
+            </a:r>
+            <a:r>
+              <a:rPr lang="en-US" altLang="en-US" dirty="0" smtClean="0">
+                <a:ea typeface="ＭＳ Ｐゴシック" panose="020B0600070205080204" pitchFamily="34" charset="-128"/>
+              </a:rPr>
+              <a:t>Switch </a:t>
+            </a:r>
+            <a:r>
+              <a:rPr lang="en-US" altLang="en-US" dirty="0">
+                <a:ea typeface="ＭＳ Ｐゴシック" panose="020B0600070205080204" pitchFamily="34" charset="-128"/>
+              </a:rPr>
+              <a:t>Statement</a:t>
+            </a:r>
+            <a:endParaRPr lang="en-US" dirty="0"/>
+          </a:p>
+        </p:txBody>
+      </p:sp>
+      <p:sp>
+        <p:nvSpPr>
+          <p:cNvPr id="3" name="Rectangle 3"/>
+          <p:cNvSpPr txBox="1">
+            <a:spLocks/>
+          </p:cNvSpPr>
+          <p:nvPr/>
+        </p:nvSpPr>
+        <p:spPr>
+          <a:xfrm>
+            <a:off x="457200" y="1192213"/>
+            <a:ext cx="11080750" cy="4389437"/>
+          </a:xfrm>
+          <a:prstGeom prst="rect">
+            <a:avLst/>
+          </a:prstGeom>
+        </p:spPr>
+        <p:txBody>
+          <a:bodyPr/>
+          <a:lstStyle>
+            <a:lvl1pPr marL="342891" indent="-342891" algn="l" defTabSz="914377" rtl="0" eaLnBrk="1" latinLnBrk="0" hangingPunct="1">
+              <a:spcBef>
+                <a:spcPct val="20000"/>
+              </a:spcBef>
+              <a:buFont typeface="Arial" pitchFamily="34" charset="0"/>
+              <a:buChar char="•"/>
+              <a:defRPr sz="3200" kern="1200">
+                <a:solidFill>
+                  <a:schemeClr val="tx1"/>
+                </a:solidFill>
+                <a:latin typeface="+mn-lt"/>
+                <a:ea typeface="+mn-ea"/>
+                <a:cs typeface="+mn-cs"/>
+              </a:defRPr>
+            </a:lvl1pPr>
+            <a:lvl2pPr marL="742932" indent="-285744" algn="l" defTabSz="914377" rtl="0" eaLnBrk="1" latinLnBrk="0" hangingPunct="1">
+              <a:spcBef>
+                <a:spcPct val="20000"/>
+              </a:spcBef>
+              <a:buFont typeface="Arial" pitchFamily="34" charset="0"/>
+              <a:buChar char="–"/>
+              <a:defRPr sz="2800" kern="1200">
+                <a:solidFill>
+                  <a:schemeClr val="tx1"/>
+                </a:solidFill>
+                <a:latin typeface="+mn-lt"/>
+                <a:ea typeface="+mn-ea"/>
+                <a:cs typeface="+mn-cs"/>
+              </a:defRPr>
+            </a:lvl2pPr>
+            <a:lvl3pPr marL="1142971" indent="-228594" algn="l" defTabSz="914377" rtl="0" eaLnBrk="1" latinLnBrk="0" hangingPunct="1">
+              <a:spcBef>
+                <a:spcPct val="20000"/>
+              </a:spcBef>
+              <a:buFont typeface="Arial" pitchFamily="34" charset="0"/>
+              <a:buChar char="•"/>
+              <a:defRPr sz="2400" kern="1200">
+                <a:solidFill>
+                  <a:schemeClr val="tx1"/>
+                </a:solidFill>
+                <a:latin typeface="+mn-lt"/>
+                <a:ea typeface="+mn-ea"/>
+                <a:cs typeface="+mn-cs"/>
+              </a:defRPr>
+            </a:lvl3pPr>
+            <a:lvl4pPr marL="1600160" indent="-228594" algn="l" defTabSz="914377" rtl="0" eaLnBrk="1" latinLnBrk="0" hangingPunct="1">
+              <a:spcBef>
+                <a:spcPct val="20000"/>
+              </a:spcBef>
+              <a:buFont typeface="Arial" pitchFamily="34" charset="0"/>
+              <a:buChar char="–"/>
+              <a:defRPr sz="2000" kern="1200">
+                <a:solidFill>
+                  <a:schemeClr val="tx1"/>
+                </a:solidFill>
+                <a:latin typeface="+mn-lt"/>
+                <a:ea typeface="+mn-ea"/>
+                <a:cs typeface="+mn-cs"/>
+              </a:defRPr>
+            </a:lvl4pPr>
+            <a:lvl5pPr marL="2057349" indent="-228594" algn="l" defTabSz="914377" rtl="0" eaLnBrk="1" latinLnBrk="0" hangingPunct="1">
+              <a:spcBef>
+                <a:spcPct val="20000"/>
+              </a:spcBef>
+              <a:buFont typeface="Arial" pitchFamily="34" charset="0"/>
+              <a:buChar char="»"/>
+              <a:defRPr sz="2000" kern="1200">
+                <a:solidFill>
+                  <a:schemeClr val="tx1"/>
+                </a:solidFill>
+                <a:latin typeface="+mn-lt"/>
+                <a:ea typeface="+mn-ea"/>
+                <a:cs typeface="+mn-cs"/>
+              </a:defRPr>
+            </a:lvl5pPr>
+            <a:lvl6pPr marL="2514537" indent="-228594" algn="l" defTabSz="914377" rtl="0" eaLnBrk="1" latinLnBrk="0" hangingPunct="1">
+              <a:spcBef>
+                <a:spcPct val="20000"/>
+              </a:spcBef>
+              <a:buFont typeface="Arial" pitchFamily="34" charset="0"/>
+              <a:buChar char="•"/>
+              <a:defRPr sz="2000" kern="1200">
+                <a:solidFill>
+                  <a:schemeClr val="tx1"/>
+                </a:solidFill>
+                <a:latin typeface="+mn-lt"/>
+                <a:ea typeface="+mn-ea"/>
+                <a:cs typeface="+mn-cs"/>
+              </a:defRPr>
+            </a:lvl6pPr>
+            <a:lvl7pPr marL="2971726" indent="-228594" algn="l" defTabSz="914377" rtl="0" eaLnBrk="1" latinLnBrk="0" hangingPunct="1">
+              <a:spcBef>
+                <a:spcPct val="20000"/>
+              </a:spcBef>
+              <a:buFont typeface="Arial" pitchFamily="34" charset="0"/>
+              <a:buChar char="•"/>
+              <a:defRPr sz="2000" kern="1200">
+                <a:solidFill>
+                  <a:schemeClr val="tx1"/>
+                </a:solidFill>
+                <a:latin typeface="+mn-lt"/>
+                <a:ea typeface="+mn-ea"/>
+                <a:cs typeface="+mn-cs"/>
+              </a:defRPr>
+            </a:lvl7pPr>
+            <a:lvl8pPr marL="3428914" indent="-228594" algn="l" defTabSz="914377" rtl="0" eaLnBrk="1" latinLnBrk="0" hangingPunct="1">
+              <a:spcBef>
+                <a:spcPct val="20000"/>
+              </a:spcBef>
+              <a:buFont typeface="Arial" pitchFamily="34" charset="0"/>
+              <a:buChar char="•"/>
+              <a:defRPr sz="2000" kern="1200">
+                <a:solidFill>
+                  <a:schemeClr val="tx1"/>
+                </a:solidFill>
+                <a:latin typeface="+mn-lt"/>
+                <a:ea typeface="+mn-ea"/>
+                <a:cs typeface="+mn-cs"/>
+              </a:defRPr>
+            </a:lvl8pPr>
+            <a:lvl9pPr marL="3886103" indent="-228594" algn="l" defTabSz="914377" rtl="0" eaLnBrk="1" latinLnBrk="0" hangingPunct="1">
+              <a:spcBef>
+                <a:spcPct val="20000"/>
+              </a:spcBef>
+              <a:buFont typeface="Arial" pitchFamily="34" charset="0"/>
+              <a:buChar char="•"/>
+              <a:defRPr sz="2000" kern="1200">
+                <a:solidFill>
+                  <a:schemeClr val="tx1"/>
+                </a:solidFill>
+                <a:latin typeface="+mn-lt"/>
+                <a:ea typeface="+mn-ea"/>
+                <a:cs typeface="+mn-cs"/>
+              </a:defRPr>
+            </a:lvl9pPr>
+          </a:lstStyle>
+          <a:p>
+            <a:pPr>
+              <a:lnSpc>
+                <a:spcPct val="90000"/>
+              </a:lnSpc>
+            </a:pPr>
+            <a:r>
+              <a:rPr lang="en-US" altLang="en-US" sz="2000" dirty="0">
+                <a:ea typeface="ＭＳ Ｐゴシック" panose="020B0600070205080204" pitchFamily="34" charset="-128"/>
+              </a:rPr>
+              <a:t>The </a:t>
+            </a:r>
+            <a:r>
+              <a:rPr lang="en-US" altLang="en-US" sz="2000" b="1" dirty="0">
+                <a:ea typeface="ＭＳ Ｐゴシック" panose="020B0600070205080204" pitchFamily="34" charset="-128"/>
+              </a:rPr>
+              <a:t>switch</a:t>
+            </a:r>
+            <a:r>
+              <a:rPr lang="en-US" altLang="en-US" sz="2000" dirty="0">
+                <a:ea typeface="ＭＳ Ｐゴシック" panose="020B0600070205080204" pitchFamily="34" charset="-128"/>
+              </a:rPr>
+              <a:t> statement can frequently be used in place of a nested </a:t>
+            </a:r>
+            <a:r>
+              <a:rPr lang="en-US" altLang="en-US" sz="2000" b="1" dirty="0">
+                <a:ea typeface="ＭＳ Ｐゴシック" panose="020B0600070205080204" pitchFamily="34" charset="-128"/>
+              </a:rPr>
+              <a:t>if-else</a:t>
+            </a:r>
+            <a:r>
+              <a:rPr lang="en-US" altLang="en-US" sz="2000" dirty="0">
+                <a:ea typeface="ＭＳ Ｐゴシック" panose="020B0600070205080204" pitchFamily="34" charset="-128"/>
+              </a:rPr>
+              <a:t> statement</a:t>
+            </a:r>
+          </a:p>
+          <a:p>
+            <a:pPr>
+              <a:lnSpc>
+                <a:spcPct val="90000"/>
+              </a:lnSpc>
+            </a:pPr>
+            <a:r>
+              <a:rPr lang="en-US" altLang="en-US" sz="2000" dirty="0">
+                <a:ea typeface="ＭＳ Ｐゴシック" panose="020B0600070205080204" pitchFamily="34" charset="-128"/>
+              </a:rPr>
+              <a:t>General form:</a:t>
+            </a:r>
+          </a:p>
+          <a:p>
+            <a:pPr lvl="2">
+              <a:lnSpc>
+                <a:spcPct val="90000"/>
+              </a:lnSpc>
+              <a:buNone/>
+            </a:pPr>
+            <a:r>
+              <a:rPr lang="en-US" altLang="en-US" sz="2000" dirty="0">
+                <a:latin typeface="Courier New" panose="02070309020205020404" pitchFamily="49" charset="0"/>
+                <a:ea typeface="ＭＳ Ｐゴシック" panose="020B0600070205080204" pitchFamily="34" charset="-128"/>
+              </a:rPr>
+              <a:t>switch </a:t>
+            </a:r>
+            <a:r>
+              <a:rPr lang="en-US" altLang="en-US" sz="2000" dirty="0" err="1">
+                <a:latin typeface="Courier New" panose="02070309020205020404" pitchFamily="49" charset="0"/>
+                <a:ea typeface="ＭＳ Ｐゴシック" panose="020B0600070205080204" pitchFamily="34" charset="-128"/>
+              </a:rPr>
+              <a:t>switch_expression</a:t>
+            </a:r>
+            <a:endParaRPr lang="en-US" altLang="en-US" sz="2000" dirty="0">
+              <a:latin typeface="Courier New" panose="02070309020205020404" pitchFamily="49" charset="0"/>
+              <a:ea typeface="ＭＳ Ｐゴシック" panose="020B0600070205080204" pitchFamily="34" charset="-128"/>
+            </a:endParaRPr>
+          </a:p>
+          <a:p>
+            <a:pPr lvl="2">
+              <a:lnSpc>
+                <a:spcPct val="90000"/>
+              </a:lnSpc>
+              <a:buNone/>
+            </a:pPr>
+            <a:r>
+              <a:rPr lang="en-US" altLang="en-US" sz="2000" dirty="0">
+                <a:latin typeface="Courier New" panose="02070309020205020404" pitchFamily="49" charset="0"/>
+                <a:ea typeface="ＭＳ Ｐゴシック" panose="020B0600070205080204" pitchFamily="34" charset="-128"/>
+              </a:rPr>
+              <a:t>  case caseexp1</a:t>
+            </a:r>
+          </a:p>
+          <a:p>
+            <a:pPr lvl="2">
+              <a:lnSpc>
+                <a:spcPct val="90000"/>
+              </a:lnSpc>
+              <a:buNone/>
+            </a:pPr>
+            <a:r>
+              <a:rPr lang="en-US" altLang="en-US" sz="2000" dirty="0">
+                <a:latin typeface="Courier New" panose="02070309020205020404" pitchFamily="49" charset="0"/>
+                <a:ea typeface="ＭＳ Ｐゴシック" panose="020B0600070205080204" pitchFamily="34" charset="-128"/>
+              </a:rPr>
+              <a:t>    action1</a:t>
+            </a:r>
+          </a:p>
+          <a:p>
+            <a:pPr lvl="2">
+              <a:lnSpc>
+                <a:spcPct val="90000"/>
+              </a:lnSpc>
+              <a:buNone/>
+            </a:pPr>
+            <a:r>
+              <a:rPr lang="en-US" altLang="en-US" sz="2000" dirty="0">
+                <a:latin typeface="Courier New" panose="02070309020205020404" pitchFamily="49" charset="0"/>
+                <a:ea typeface="ＭＳ Ｐゴシック" panose="020B0600070205080204" pitchFamily="34" charset="-128"/>
+              </a:rPr>
+              <a:t>  case caseexp2</a:t>
+            </a:r>
+          </a:p>
+          <a:p>
+            <a:pPr lvl="2">
+              <a:lnSpc>
+                <a:spcPct val="90000"/>
+              </a:lnSpc>
+              <a:buNone/>
+            </a:pPr>
+            <a:r>
+              <a:rPr lang="en-US" altLang="en-US" sz="2000" dirty="0">
+                <a:latin typeface="Courier New" panose="02070309020205020404" pitchFamily="49" charset="0"/>
+                <a:ea typeface="ＭＳ Ｐゴシック" panose="020B0600070205080204" pitchFamily="34" charset="-128"/>
+              </a:rPr>
+              <a:t>    action2</a:t>
+            </a:r>
+          </a:p>
+          <a:p>
+            <a:pPr lvl="2">
+              <a:lnSpc>
+                <a:spcPct val="90000"/>
+              </a:lnSpc>
+              <a:buNone/>
+            </a:pPr>
+            <a:r>
+              <a:rPr lang="en-US" altLang="en-US" sz="2000" dirty="0">
+                <a:latin typeface="Courier New" panose="02070309020205020404" pitchFamily="49" charset="0"/>
+                <a:ea typeface="ＭＳ Ｐゴシック" panose="020B0600070205080204" pitchFamily="34" charset="-128"/>
+              </a:rPr>
+              <a:t>  case caseexp3</a:t>
+            </a:r>
+          </a:p>
+          <a:p>
+            <a:pPr lvl="2">
+              <a:lnSpc>
+                <a:spcPct val="90000"/>
+              </a:lnSpc>
+              <a:buNone/>
+            </a:pPr>
+            <a:r>
+              <a:rPr lang="en-US" altLang="en-US" sz="2000" dirty="0">
+                <a:latin typeface="Courier New" panose="02070309020205020404" pitchFamily="49" charset="0"/>
+                <a:ea typeface="ＭＳ Ｐゴシック" panose="020B0600070205080204" pitchFamily="34" charset="-128"/>
+              </a:rPr>
+              <a:t>    action3</a:t>
+            </a:r>
+          </a:p>
+          <a:p>
+            <a:pPr lvl="2">
+              <a:lnSpc>
+                <a:spcPct val="90000"/>
+              </a:lnSpc>
+              <a:buNone/>
+            </a:pPr>
+            <a:r>
+              <a:rPr lang="en-US" altLang="en-US" sz="2000" dirty="0">
+                <a:latin typeface="Courier New" panose="02070309020205020404" pitchFamily="49" charset="0"/>
+                <a:ea typeface="ＭＳ Ｐゴシック" panose="020B0600070205080204" pitchFamily="34" charset="-128"/>
+              </a:rPr>
+              <a:t>  % </a:t>
+            </a:r>
+            <a:r>
+              <a:rPr lang="en-US" altLang="en-US" sz="2000" dirty="0" err="1">
+                <a:latin typeface="Courier New" panose="02070309020205020404" pitchFamily="49" charset="0"/>
+                <a:ea typeface="ＭＳ Ｐゴシック" panose="020B0600070205080204" pitchFamily="34" charset="-128"/>
+              </a:rPr>
+              <a:t>etc</a:t>
+            </a:r>
+            <a:r>
+              <a:rPr lang="en-US" altLang="en-US" sz="2000" dirty="0">
+                <a:latin typeface="Courier New" panose="02070309020205020404" pitchFamily="49" charset="0"/>
+                <a:ea typeface="ＭＳ Ｐゴシック" panose="020B0600070205080204" pitchFamily="34" charset="-128"/>
+              </a:rPr>
+              <a:t>: there can be many of these</a:t>
+            </a:r>
+          </a:p>
+          <a:p>
+            <a:pPr lvl="2">
+              <a:lnSpc>
+                <a:spcPct val="90000"/>
+              </a:lnSpc>
+              <a:buNone/>
+            </a:pPr>
+            <a:r>
+              <a:rPr lang="en-US" altLang="en-US" sz="2000" dirty="0">
+                <a:latin typeface="Courier New" panose="02070309020205020404" pitchFamily="49" charset="0"/>
+                <a:ea typeface="ＭＳ Ｐゴシック" panose="020B0600070205080204" pitchFamily="34" charset="-128"/>
+              </a:rPr>
+              <a:t>  otherwise</a:t>
+            </a:r>
+          </a:p>
+          <a:p>
+            <a:pPr lvl="2">
+              <a:lnSpc>
+                <a:spcPct val="90000"/>
+              </a:lnSpc>
+              <a:buNone/>
+            </a:pPr>
+            <a:r>
+              <a:rPr lang="en-US" altLang="en-US" sz="2000" dirty="0">
+                <a:latin typeface="Courier New" panose="02070309020205020404" pitchFamily="49" charset="0"/>
+                <a:ea typeface="ＭＳ Ｐゴシック" panose="020B0600070205080204" pitchFamily="34" charset="-128"/>
+              </a:rPr>
+              <a:t>    </a:t>
+            </a:r>
+            <a:r>
+              <a:rPr lang="en-US" altLang="en-US" sz="2000" dirty="0" err="1">
+                <a:latin typeface="Courier New" panose="02070309020205020404" pitchFamily="49" charset="0"/>
+                <a:ea typeface="ＭＳ Ｐゴシック" panose="020B0600070205080204" pitchFamily="34" charset="-128"/>
+              </a:rPr>
+              <a:t>actionn</a:t>
+            </a:r>
+            <a:endParaRPr lang="en-US" altLang="en-US" sz="2000" dirty="0">
+              <a:latin typeface="Courier New" panose="02070309020205020404" pitchFamily="49" charset="0"/>
+              <a:ea typeface="ＭＳ Ｐゴシック" panose="020B0600070205080204" pitchFamily="34" charset="-128"/>
+            </a:endParaRPr>
+          </a:p>
+          <a:p>
+            <a:pPr lvl="2">
+              <a:lnSpc>
+                <a:spcPct val="90000"/>
+              </a:lnSpc>
+              <a:buNone/>
+            </a:pPr>
+            <a:r>
+              <a:rPr lang="en-US" altLang="en-US" sz="2000" dirty="0">
+                <a:latin typeface="Courier New" panose="02070309020205020404" pitchFamily="49" charset="0"/>
+                <a:ea typeface="ＭＳ Ｐゴシック" panose="020B0600070205080204" pitchFamily="34" charset="-128"/>
+              </a:rPr>
+              <a:t>end</a:t>
+            </a:r>
+          </a:p>
+          <a:p>
+            <a:pPr>
+              <a:lnSpc>
+                <a:spcPct val="90000"/>
+              </a:lnSpc>
+            </a:pPr>
+            <a:r>
+              <a:rPr lang="en-US" altLang="en-US" sz="2000" dirty="0">
+                <a:ea typeface="ＭＳ Ｐゴシック" panose="020B0600070205080204" pitchFamily="34" charset="-128"/>
+              </a:rPr>
+              <a:t>this can be used when comparing the </a:t>
+            </a:r>
+            <a:r>
+              <a:rPr lang="en-US" altLang="en-US" sz="2000" dirty="0" err="1">
+                <a:ea typeface="ＭＳ Ｐゴシック" panose="020B0600070205080204" pitchFamily="34" charset="-128"/>
+              </a:rPr>
+              <a:t>switch_expression</a:t>
+            </a:r>
+            <a:r>
+              <a:rPr lang="en-US" altLang="en-US" sz="2000" dirty="0">
+                <a:ea typeface="ＭＳ Ｐゴシック" panose="020B0600070205080204" pitchFamily="34" charset="-128"/>
+              </a:rPr>
+              <a:t> to see if it is equal to the values on the case labels (the </a:t>
+            </a:r>
+            <a:r>
+              <a:rPr lang="en-US" altLang="en-US" sz="2000" b="1" dirty="0">
+                <a:ea typeface="ＭＳ Ｐゴシック" panose="020B0600070205080204" pitchFamily="34" charset="-128"/>
+              </a:rPr>
+              <a:t>otherwise</a:t>
+            </a:r>
+            <a:r>
+              <a:rPr lang="en-US" altLang="en-US" sz="2000" dirty="0">
+                <a:ea typeface="ＭＳ Ｐゴシック" panose="020B0600070205080204" pitchFamily="34" charset="-128"/>
+              </a:rPr>
+              <a:t> clause handles all other possible values)</a:t>
+            </a:r>
+          </a:p>
+        </p:txBody>
+      </p:sp>
+    </p:spTree>
+    <p:extLst>
+      <p:ext uri="{BB962C8B-B14F-4D97-AF65-F5344CB8AC3E}">
+        <p14:creationId xmlns:p14="http://schemas.microsoft.com/office/powerpoint/2010/main" val="2433440492"/>
+      </p:ext>
+    </p:extLst>
+  </p:cSld>
+  <p:clrMapOvr>
+    <a:masterClrMapping/>
+  </p:clrMapOvr>
+  <p:timing>
+    <p:tnLst>
+      <p:par>
+        <p:cTn id="1" dur="indefinite" restart="never" nodeType="tmRoot"/>
+      </p:par>
+    </p:tnLst>
+  </p:timing>
+</p:sld>
+</file>
+
+<file path=ppt/slides/slide23.xml><?xml version="1.0" encoding="utf-8"?>
+<p:sld xmlns:a="http://schemas.openxmlformats.org/drawingml/2006/main" xmlns:r="http://schemas.openxmlformats.org/officeDocument/2006/relationships" xmlns:p="http://schemas.openxmlformats.org/presentationml/2006/main">
+  <p:cSld>
+    <p:spTree>
+      <p:nvGrpSpPr>
+        <p:cNvPr id="1" name=""/>
+        <p:cNvGrpSpPr/>
+        <p:nvPr/>
+      </p:nvGrpSpPr>
+      <p:grpSpPr>
+        <a:xfrm>
+          <a:off x="0" y="0"/>
+          <a:ext cx="0" cy="0"/>
+          <a:chOff x="0" y="0"/>
+          <a:chExt cx="0" cy="0"/>
+        </a:xfrm>
+      </p:grpSpPr>
+      <p:sp>
+        <p:nvSpPr>
+          <p:cNvPr id="2" name="Text Placeholder 1"/>
+          <p:cNvSpPr>
+            <a:spLocks noGrp="1"/>
+          </p:cNvSpPr>
+          <p:nvPr>
+            <p:ph type="body" sz="quarter" idx="10"/>
+          </p:nvPr>
+        </p:nvSpPr>
+        <p:spPr/>
+        <p:txBody>
+          <a:bodyPr/>
+          <a:lstStyle/>
+          <a:p>
+            <a:r>
+              <a:rPr lang="en-US" dirty="0">
+                <a:solidFill>
+                  <a:srgbClr val="FFFF00"/>
+                </a:solidFill>
+              </a:rPr>
+              <a:t>Example</a:t>
+            </a:r>
+            <a:r>
+              <a:rPr lang="en-US" dirty="0" smtClean="0">
+                <a:solidFill>
+                  <a:srgbClr val="FFFF00"/>
+                </a:solidFill>
+              </a:rPr>
+              <a:t>:</a:t>
+            </a:r>
+            <a:endParaRPr lang="en-US" dirty="0"/>
+          </a:p>
+        </p:txBody>
+      </p:sp>
+    </p:spTree>
+    <p:extLst>
+      <p:ext uri="{BB962C8B-B14F-4D97-AF65-F5344CB8AC3E}">
+        <p14:creationId xmlns:p14="http://schemas.microsoft.com/office/powerpoint/2010/main" val="1180584216"/>
+      </p:ext>
+    </p:extLst>
+  </p:cSld>
+  <p:clrMapOvr>
+    <a:masterClrMapping/>
+  </p:clrMapOvr>
+  <p:timing>
+    <p:tnLst>
+      <p:par>
+        <p:cTn id="1" dur="indefinite" restart="never" nodeType="tmRoot"/>
+      </p:par>
+    </p:tnLst>
+  </p:timing>
+</p:sld>
+</file>
+
+<file path=ppt/slides/slide24.xml><?xml version="1.0" encoding="utf-8"?>
+<p:sld xmlns:a="http://schemas.openxmlformats.org/drawingml/2006/main" xmlns:r="http://schemas.openxmlformats.org/officeDocument/2006/relationships" xmlns:p="http://schemas.openxmlformats.org/presentationml/2006/main">
+  <p:cSld>
+    <p:spTree>
+      <p:nvGrpSpPr>
+        <p:cNvPr id="1" name=""/>
+        <p:cNvGrpSpPr/>
+        <p:nvPr/>
+      </p:nvGrpSpPr>
+      <p:grpSpPr>
+        <a:xfrm>
+          <a:off x="0" y="0"/>
+          <a:ext cx="0" cy="0"/>
+          <a:chOff x="0" y="0"/>
+          <a:chExt cx="0" cy="0"/>
+        </a:xfrm>
+      </p:grpSpPr>
+      <p:sp>
+        <p:nvSpPr>
+          <p:cNvPr id="2" name="Text Placeholder 1"/>
+          <p:cNvSpPr>
+            <a:spLocks noGrp="1"/>
+          </p:cNvSpPr>
+          <p:nvPr>
+            <p:ph type="body" sz="quarter" idx="10"/>
+          </p:nvPr>
+        </p:nvSpPr>
+        <p:spPr/>
+        <p:txBody>
+          <a:bodyPr/>
+          <a:lstStyle/>
+          <a:p>
+            <a:r>
+              <a:rPr lang="en-US" dirty="0" smtClean="0"/>
+              <a:t>Common Pitfalls</a:t>
+            </a:r>
+            <a:endParaRPr lang="en-US" dirty="0"/>
+          </a:p>
+        </p:txBody>
+      </p:sp>
+      <p:sp>
+        <p:nvSpPr>
+          <p:cNvPr id="3" name="Rectangle 3"/>
+          <p:cNvSpPr txBox="1">
+            <a:spLocks/>
+          </p:cNvSpPr>
+          <p:nvPr/>
+        </p:nvSpPr>
+        <p:spPr>
+          <a:xfrm>
+            <a:off x="457199" y="1192213"/>
+            <a:ext cx="11315701" cy="4389437"/>
+          </a:xfrm>
+          <a:prstGeom prst="rect">
+            <a:avLst/>
+          </a:prstGeom>
+        </p:spPr>
+        <p:txBody>
+          <a:bodyPr/>
+          <a:lstStyle>
+            <a:lvl1pPr marL="342891" indent="-342891" algn="l" defTabSz="914377" rtl="0" eaLnBrk="1" latinLnBrk="0" hangingPunct="1">
+              <a:spcBef>
+                <a:spcPct val="20000"/>
+              </a:spcBef>
+              <a:buFont typeface="Arial" pitchFamily="34" charset="0"/>
+              <a:buChar char="•"/>
+              <a:defRPr sz="3200" kern="1200">
+                <a:solidFill>
+                  <a:schemeClr val="tx1"/>
+                </a:solidFill>
+                <a:latin typeface="+mn-lt"/>
+                <a:ea typeface="+mn-ea"/>
+                <a:cs typeface="+mn-cs"/>
+              </a:defRPr>
+            </a:lvl1pPr>
+            <a:lvl2pPr marL="742932" indent="-285744" algn="l" defTabSz="914377" rtl="0" eaLnBrk="1" latinLnBrk="0" hangingPunct="1">
+              <a:spcBef>
+                <a:spcPct val="20000"/>
+              </a:spcBef>
+              <a:buFont typeface="Arial" pitchFamily="34" charset="0"/>
+              <a:buChar char="–"/>
+              <a:defRPr sz="2800" kern="1200">
+                <a:solidFill>
+                  <a:schemeClr val="tx1"/>
+                </a:solidFill>
+                <a:latin typeface="+mn-lt"/>
+                <a:ea typeface="+mn-ea"/>
+                <a:cs typeface="+mn-cs"/>
+              </a:defRPr>
+            </a:lvl2pPr>
+            <a:lvl3pPr marL="1142971" indent="-228594" algn="l" defTabSz="914377" rtl="0" eaLnBrk="1" latinLnBrk="0" hangingPunct="1">
+              <a:spcBef>
+                <a:spcPct val="20000"/>
+              </a:spcBef>
+              <a:buFont typeface="Arial" pitchFamily="34" charset="0"/>
+              <a:buChar char="•"/>
+              <a:defRPr sz="2400" kern="1200">
+                <a:solidFill>
+                  <a:schemeClr val="tx1"/>
+                </a:solidFill>
+                <a:latin typeface="+mn-lt"/>
+                <a:ea typeface="+mn-ea"/>
+                <a:cs typeface="+mn-cs"/>
+              </a:defRPr>
+            </a:lvl3pPr>
+            <a:lvl4pPr marL="1600160" indent="-228594" algn="l" defTabSz="914377" rtl="0" eaLnBrk="1" latinLnBrk="0" hangingPunct="1">
+              <a:spcBef>
+                <a:spcPct val="20000"/>
+              </a:spcBef>
+              <a:buFont typeface="Arial" pitchFamily="34" charset="0"/>
+              <a:buChar char="–"/>
+              <a:defRPr sz="2000" kern="1200">
+                <a:solidFill>
+                  <a:schemeClr val="tx1"/>
+                </a:solidFill>
+                <a:latin typeface="+mn-lt"/>
+                <a:ea typeface="+mn-ea"/>
+                <a:cs typeface="+mn-cs"/>
+              </a:defRPr>
+            </a:lvl4pPr>
+            <a:lvl5pPr marL="2057349" indent="-228594" algn="l" defTabSz="914377" rtl="0" eaLnBrk="1" latinLnBrk="0" hangingPunct="1">
+              <a:spcBef>
+                <a:spcPct val="20000"/>
+              </a:spcBef>
+              <a:buFont typeface="Arial" pitchFamily="34" charset="0"/>
+              <a:buChar char="»"/>
+              <a:defRPr sz="2000" kern="1200">
+                <a:solidFill>
+                  <a:schemeClr val="tx1"/>
+                </a:solidFill>
+                <a:latin typeface="+mn-lt"/>
+                <a:ea typeface="+mn-ea"/>
+                <a:cs typeface="+mn-cs"/>
+              </a:defRPr>
+            </a:lvl5pPr>
+            <a:lvl6pPr marL="2514537" indent="-228594" algn="l" defTabSz="914377" rtl="0" eaLnBrk="1" latinLnBrk="0" hangingPunct="1">
+              <a:spcBef>
+                <a:spcPct val="20000"/>
+              </a:spcBef>
+              <a:buFont typeface="Arial" pitchFamily="34" charset="0"/>
+              <a:buChar char="•"/>
+              <a:defRPr sz="2000" kern="1200">
+                <a:solidFill>
+                  <a:schemeClr val="tx1"/>
+                </a:solidFill>
+                <a:latin typeface="+mn-lt"/>
+                <a:ea typeface="+mn-ea"/>
+                <a:cs typeface="+mn-cs"/>
+              </a:defRPr>
+            </a:lvl6pPr>
+            <a:lvl7pPr marL="2971726" indent="-228594" algn="l" defTabSz="914377" rtl="0" eaLnBrk="1" latinLnBrk="0" hangingPunct="1">
+              <a:spcBef>
+                <a:spcPct val="20000"/>
+              </a:spcBef>
+              <a:buFont typeface="Arial" pitchFamily="34" charset="0"/>
+              <a:buChar char="•"/>
+              <a:defRPr sz="2000" kern="1200">
+                <a:solidFill>
+                  <a:schemeClr val="tx1"/>
+                </a:solidFill>
+                <a:latin typeface="+mn-lt"/>
+                <a:ea typeface="+mn-ea"/>
+                <a:cs typeface="+mn-cs"/>
+              </a:defRPr>
+            </a:lvl7pPr>
+            <a:lvl8pPr marL="3428914" indent="-228594" algn="l" defTabSz="914377" rtl="0" eaLnBrk="1" latinLnBrk="0" hangingPunct="1">
+              <a:spcBef>
+                <a:spcPct val="20000"/>
+              </a:spcBef>
+              <a:buFont typeface="Arial" pitchFamily="34" charset="0"/>
+              <a:buChar char="•"/>
+              <a:defRPr sz="2000" kern="1200">
+                <a:solidFill>
+                  <a:schemeClr val="tx1"/>
+                </a:solidFill>
+                <a:latin typeface="+mn-lt"/>
+                <a:ea typeface="+mn-ea"/>
+                <a:cs typeface="+mn-cs"/>
+              </a:defRPr>
+            </a:lvl8pPr>
+            <a:lvl9pPr marL="3886103" indent="-228594" algn="l" defTabSz="914377" rtl="0" eaLnBrk="1" latinLnBrk="0" hangingPunct="1">
+              <a:spcBef>
+                <a:spcPct val="20000"/>
+              </a:spcBef>
+              <a:buFont typeface="Arial" pitchFamily="34" charset="0"/>
+              <a:buChar char="•"/>
+              <a:defRPr sz="2000" kern="1200">
+                <a:solidFill>
+                  <a:schemeClr val="tx1"/>
+                </a:solidFill>
+                <a:latin typeface="+mn-lt"/>
+                <a:ea typeface="+mn-ea"/>
+                <a:cs typeface="+mn-cs"/>
+              </a:defRPr>
+            </a:lvl9pPr>
+          </a:lstStyle>
+          <a:p>
+            <a:r>
+              <a:rPr lang="en-US" altLang="en-US" sz="2500" dirty="0">
+                <a:ea typeface="ＭＳ Ｐゴシック" panose="020B0600070205080204" pitchFamily="34" charset="-128"/>
+              </a:rPr>
+              <a:t>Some common pitfalls have been pointed out already; others include:</a:t>
+            </a:r>
+          </a:p>
+          <a:p>
+            <a:pPr lvl="1"/>
+            <a:r>
+              <a:rPr lang="en-US" altLang="en-US" sz="2500" u="sng" dirty="0">
+                <a:solidFill>
+                  <a:srgbClr val="FF0000"/>
+                </a:solidFill>
+                <a:ea typeface="ＭＳ Ｐゴシック" panose="020B0600070205080204" pitchFamily="34" charset="-128"/>
+              </a:rPr>
+              <a:t>Using = instead of == for equality in conditions</a:t>
+            </a:r>
+          </a:p>
+          <a:p>
+            <a:pPr lvl="1"/>
+            <a:r>
+              <a:rPr lang="en-US" altLang="en-US" sz="2500" dirty="0">
+                <a:ea typeface="ＭＳ Ｐゴシック" panose="020B0600070205080204" pitchFamily="34" charset="-128"/>
+              </a:rPr>
+              <a:t>Putting a space in the keyword </a:t>
+            </a:r>
+            <a:r>
+              <a:rPr lang="en-US" altLang="en-US" sz="2500" b="1" u="sng" dirty="0" err="1">
+                <a:ea typeface="ＭＳ Ｐゴシック" panose="020B0600070205080204" pitchFamily="34" charset="-128"/>
+              </a:rPr>
+              <a:t>elseif</a:t>
+            </a:r>
+            <a:endParaRPr lang="en-US" altLang="en-US" sz="2500" dirty="0">
+              <a:ea typeface="ＭＳ Ｐゴシック" panose="020B0600070205080204" pitchFamily="34" charset="-128"/>
+            </a:endParaRPr>
+          </a:p>
+          <a:p>
+            <a:pPr lvl="1"/>
+            <a:r>
+              <a:rPr lang="en-US" altLang="en-US" sz="2500" dirty="0">
+                <a:ea typeface="ＭＳ Ｐゴシック" panose="020B0600070205080204" pitchFamily="34" charset="-128"/>
+              </a:rPr>
+              <a:t>Not using quotes when comparing a string variable to a string, such as </a:t>
+            </a:r>
+          </a:p>
+          <a:p>
+            <a:pPr marL="939800" lvl="3" indent="0">
+              <a:buFont typeface="Wingdings 2" panose="05020102010507070707" pitchFamily="18" charset="2"/>
+              <a:buNone/>
+            </a:pPr>
+            <a:r>
+              <a:rPr lang="en-US" altLang="en-US" sz="2500" dirty="0">
+                <a:ea typeface="ＭＳ Ｐゴシック" panose="020B0600070205080204" pitchFamily="34" charset="-128"/>
+              </a:rPr>
+              <a:t>letter == y</a:t>
+            </a:r>
+          </a:p>
+          <a:p>
+            <a:pPr marL="666750" lvl="2" indent="0">
+              <a:buFont typeface="Wingdings 2" panose="05020102010507070707" pitchFamily="18" charset="2"/>
+              <a:buNone/>
+            </a:pPr>
+            <a:r>
+              <a:rPr lang="en-US" altLang="en-US" sz="2500" dirty="0">
+                <a:ea typeface="ＭＳ Ｐゴシック" panose="020B0600070205080204" pitchFamily="34" charset="-128"/>
+              </a:rPr>
+              <a:t>instead of </a:t>
+            </a:r>
+          </a:p>
+          <a:p>
+            <a:pPr marL="939800" lvl="3" indent="0">
+              <a:buFont typeface="Wingdings 2" panose="05020102010507070707" pitchFamily="18" charset="2"/>
+              <a:buNone/>
+            </a:pPr>
+            <a:r>
+              <a:rPr lang="en-US" altLang="en-US" sz="2500" u="sng" dirty="0">
+                <a:solidFill>
+                  <a:srgbClr val="FF0000"/>
+                </a:solidFill>
+                <a:ea typeface="ＭＳ Ｐゴシック" panose="020B0600070205080204" pitchFamily="34" charset="-128"/>
+              </a:rPr>
+              <a:t>letter == 'y'</a:t>
+            </a:r>
+          </a:p>
+          <a:p>
+            <a:pPr lvl="1"/>
+            <a:r>
+              <a:rPr lang="en-US" altLang="en-US" sz="2500" dirty="0">
+                <a:ea typeface="ＭＳ Ｐゴシック" panose="020B0600070205080204" pitchFamily="34" charset="-128"/>
+              </a:rPr>
+              <a:t>Writing conditions that are more complicated than necessary, such as </a:t>
+            </a:r>
+          </a:p>
+          <a:p>
+            <a:pPr marL="939800" lvl="3" indent="0">
+              <a:buFont typeface="Wingdings 2" panose="05020102010507070707" pitchFamily="18" charset="2"/>
+              <a:buNone/>
+            </a:pPr>
+            <a:r>
+              <a:rPr lang="en-US" altLang="en-US" sz="2500" u="sng" dirty="0">
+                <a:solidFill>
+                  <a:srgbClr val="FF0000"/>
+                </a:solidFill>
+                <a:ea typeface="ＭＳ Ｐゴシック" panose="020B0600070205080204" pitchFamily="34" charset="-128"/>
+              </a:rPr>
+              <a:t>if </a:t>
+            </a:r>
+            <a:r>
+              <a:rPr lang="en-US" altLang="en-US" sz="2500" u="sng" dirty="0">
+                <a:solidFill>
+                  <a:srgbClr val="FF0000"/>
+                </a:solidFill>
+                <a:ea typeface="ＭＳ Ｐゴシック" panose="020B0600070205080204" pitchFamily="34" charset="-128"/>
+                <a:cs typeface="Courier New" panose="02070309020205020404" pitchFamily="49" charset="0"/>
+              </a:rPr>
+              <a:t>(x &lt; 5) == 1  </a:t>
+            </a:r>
+            <a:r>
+              <a:rPr lang="en-US" altLang="en-US" sz="2500" u="sng" dirty="0">
+                <a:solidFill>
+                  <a:srgbClr val="FF0000"/>
+                </a:solidFill>
+                <a:ea typeface="ＭＳ Ｐゴシック" panose="020B0600070205080204" pitchFamily="34" charset="-128"/>
+              </a:rPr>
+              <a:t>instead of just   </a:t>
+            </a:r>
+            <a:r>
+              <a:rPr lang="en-US" altLang="en-US" sz="2500" u="sng" dirty="0" smtClean="0">
+                <a:solidFill>
+                  <a:srgbClr val="FF0000"/>
+                </a:solidFill>
+                <a:ea typeface="ＭＳ Ｐゴシック" panose="020B0600070205080204" pitchFamily="34" charset="-128"/>
+                <a:cs typeface="Courier New" panose="02070309020205020404" pitchFamily="49" charset="0"/>
+              </a:rPr>
+              <a:t>if </a:t>
+            </a:r>
+            <a:r>
+              <a:rPr lang="en-US" altLang="en-US" sz="2500" u="sng" dirty="0">
+                <a:solidFill>
+                  <a:srgbClr val="FF0000"/>
+                </a:solidFill>
+                <a:ea typeface="ＭＳ Ｐゴシック" panose="020B0600070205080204" pitchFamily="34" charset="-128"/>
+                <a:cs typeface="Courier New" panose="02070309020205020404" pitchFamily="49" charset="0"/>
+              </a:rPr>
+              <a:t>(x &lt; 5)</a:t>
+            </a:r>
+          </a:p>
+          <a:p>
+            <a:endParaRPr lang="en-US" altLang="en-US" sz="2500" dirty="0">
+              <a:ea typeface="ＭＳ Ｐゴシック" panose="020B0600070205080204" pitchFamily="34" charset="-128"/>
+            </a:endParaRPr>
+          </a:p>
+        </p:txBody>
+      </p:sp>
+    </p:spTree>
+    <p:extLst>
+      <p:ext uri="{BB962C8B-B14F-4D97-AF65-F5344CB8AC3E}">
+        <p14:creationId xmlns:p14="http://schemas.microsoft.com/office/powerpoint/2010/main" val="3239964528"/>
+      </p:ext>
+    </p:extLst>
+  </p:cSld>
+  <p:clrMapOvr>
+    <a:masterClrMapping/>
+  </p:clrMapOvr>
+  <p:timing>
+    <p:tnLst>
+      <p:par>
+        <p:cTn id="1" dur="indefinite" restart="never" nodeType="tmRoot"/>
+      </p:par>
+    </p:tnLst>
+  </p:timing>
+</p:sld>
+</file>
+
+<file path=ppt/slides/slide25.xml><?xml version="1.0" encoding="utf-8"?>
+<p:sld xmlns:a="http://schemas.openxmlformats.org/drawingml/2006/main" xmlns:r="http://schemas.openxmlformats.org/officeDocument/2006/relationships" xmlns:p="http://schemas.openxmlformats.org/presentationml/2006/main">
+  <p:cSld>
+    <p:spTree>
+      <p:nvGrpSpPr>
+        <p:cNvPr id="1" name=""/>
+        <p:cNvGrpSpPr/>
+        <p:nvPr/>
+      </p:nvGrpSpPr>
+      <p:grpSpPr>
+        <a:xfrm>
+          <a:off x="0" y="0"/>
+          <a:ext cx="0" cy="0"/>
+          <a:chOff x="0" y="0"/>
+          <a:chExt cx="0" cy="0"/>
+        </a:xfrm>
+      </p:grpSpPr>
+      <p:sp>
+        <p:nvSpPr>
+          <p:cNvPr id="2" name="Text Placeholder 1"/>
+          <p:cNvSpPr>
+            <a:spLocks noGrp="1"/>
+          </p:cNvSpPr>
+          <p:nvPr>
+            <p:ph type="body" sz="quarter" idx="10"/>
+          </p:nvPr>
+        </p:nvSpPr>
+        <p:spPr/>
+        <p:txBody>
+          <a:bodyPr/>
+          <a:lstStyle/>
+          <a:p>
+            <a:r>
+              <a:rPr lang="en-US" dirty="0" smtClean="0"/>
+              <a:t>Programming Style Guidelines</a:t>
+            </a:r>
+            <a:endParaRPr lang="en-US" dirty="0"/>
+          </a:p>
+        </p:txBody>
+      </p:sp>
+      <p:sp>
+        <p:nvSpPr>
+          <p:cNvPr id="3" name="Rectangle 3"/>
+          <p:cNvSpPr txBox="1">
+            <a:spLocks/>
+          </p:cNvSpPr>
+          <p:nvPr/>
+        </p:nvSpPr>
+        <p:spPr>
+          <a:xfrm>
+            <a:off x="462611" y="1197624"/>
+            <a:ext cx="11080750" cy="4389437"/>
+          </a:xfrm>
+          <a:prstGeom prst="rect">
+            <a:avLst/>
+          </a:prstGeom>
+        </p:spPr>
+        <p:txBody>
+          <a:bodyPr/>
+          <a:lstStyle>
+            <a:lvl1pPr marL="342891" indent="-342891" algn="l" defTabSz="914377" rtl="0" eaLnBrk="1" latinLnBrk="0" hangingPunct="1">
+              <a:spcBef>
+                <a:spcPct val="20000"/>
+              </a:spcBef>
+              <a:buFont typeface="Arial" pitchFamily="34" charset="0"/>
+              <a:buChar char="•"/>
+              <a:defRPr sz="3200" kern="1200">
+                <a:solidFill>
+                  <a:schemeClr val="tx1"/>
+                </a:solidFill>
+                <a:latin typeface="+mn-lt"/>
+                <a:ea typeface="+mn-ea"/>
+                <a:cs typeface="+mn-cs"/>
+              </a:defRPr>
+            </a:lvl1pPr>
+            <a:lvl2pPr marL="742932" indent="-285744" algn="l" defTabSz="914377" rtl="0" eaLnBrk="1" latinLnBrk="0" hangingPunct="1">
+              <a:spcBef>
+                <a:spcPct val="20000"/>
+              </a:spcBef>
+              <a:buFont typeface="Arial" pitchFamily="34" charset="0"/>
+              <a:buChar char="–"/>
+              <a:defRPr sz="2800" kern="1200">
+                <a:solidFill>
+                  <a:schemeClr val="tx1"/>
+                </a:solidFill>
+                <a:latin typeface="+mn-lt"/>
+                <a:ea typeface="+mn-ea"/>
+                <a:cs typeface="+mn-cs"/>
+              </a:defRPr>
+            </a:lvl2pPr>
+            <a:lvl3pPr marL="1142971" indent="-228594" algn="l" defTabSz="914377" rtl="0" eaLnBrk="1" latinLnBrk="0" hangingPunct="1">
+              <a:spcBef>
+                <a:spcPct val="20000"/>
+              </a:spcBef>
+              <a:buFont typeface="Arial" pitchFamily="34" charset="0"/>
+              <a:buChar char="•"/>
+              <a:defRPr sz="2400" kern="1200">
+                <a:solidFill>
+                  <a:schemeClr val="tx1"/>
+                </a:solidFill>
+                <a:latin typeface="+mn-lt"/>
+                <a:ea typeface="+mn-ea"/>
+                <a:cs typeface="+mn-cs"/>
+              </a:defRPr>
+            </a:lvl3pPr>
+            <a:lvl4pPr marL="1600160" indent="-228594" algn="l" defTabSz="914377" rtl="0" eaLnBrk="1" latinLnBrk="0" hangingPunct="1">
+              <a:spcBef>
+                <a:spcPct val="20000"/>
+              </a:spcBef>
+              <a:buFont typeface="Arial" pitchFamily="34" charset="0"/>
+              <a:buChar char="–"/>
+              <a:defRPr sz="2000" kern="1200">
+                <a:solidFill>
+                  <a:schemeClr val="tx1"/>
+                </a:solidFill>
+                <a:latin typeface="+mn-lt"/>
+                <a:ea typeface="+mn-ea"/>
+                <a:cs typeface="+mn-cs"/>
+              </a:defRPr>
+            </a:lvl4pPr>
+            <a:lvl5pPr marL="2057349" indent="-228594" algn="l" defTabSz="914377" rtl="0" eaLnBrk="1" latinLnBrk="0" hangingPunct="1">
+              <a:spcBef>
+                <a:spcPct val="20000"/>
+              </a:spcBef>
+              <a:buFont typeface="Arial" pitchFamily="34" charset="0"/>
+              <a:buChar char="»"/>
+              <a:defRPr sz="2000" kern="1200">
+                <a:solidFill>
+                  <a:schemeClr val="tx1"/>
+                </a:solidFill>
+                <a:latin typeface="+mn-lt"/>
+                <a:ea typeface="+mn-ea"/>
+                <a:cs typeface="+mn-cs"/>
+              </a:defRPr>
+            </a:lvl5pPr>
+            <a:lvl6pPr marL="2514537" indent="-228594" algn="l" defTabSz="914377" rtl="0" eaLnBrk="1" latinLnBrk="0" hangingPunct="1">
+              <a:spcBef>
+                <a:spcPct val="20000"/>
+              </a:spcBef>
+              <a:buFont typeface="Arial" pitchFamily="34" charset="0"/>
+              <a:buChar char="•"/>
+              <a:defRPr sz="2000" kern="1200">
+                <a:solidFill>
+                  <a:schemeClr val="tx1"/>
+                </a:solidFill>
+                <a:latin typeface="+mn-lt"/>
+                <a:ea typeface="+mn-ea"/>
+                <a:cs typeface="+mn-cs"/>
+              </a:defRPr>
+            </a:lvl6pPr>
+            <a:lvl7pPr marL="2971726" indent="-228594" algn="l" defTabSz="914377" rtl="0" eaLnBrk="1" latinLnBrk="0" hangingPunct="1">
+              <a:spcBef>
+                <a:spcPct val="20000"/>
+              </a:spcBef>
+              <a:buFont typeface="Arial" pitchFamily="34" charset="0"/>
+              <a:buChar char="•"/>
+              <a:defRPr sz="2000" kern="1200">
+                <a:solidFill>
+                  <a:schemeClr val="tx1"/>
+                </a:solidFill>
+                <a:latin typeface="+mn-lt"/>
+                <a:ea typeface="+mn-ea"/>
+                <a:cs typeface="+mn-cs"/>
+              </a:defRPr>
+            </a:lvl7pPr>
+            <a:lvl8pPr marL="3428914" indent="-228594" algn="l" defTabSz="914377" rtl="0" eaLnBrk="1" latinLnBrk="0" hangingPunct="1">
+              <a:spcBef>
+                <a:spcPct val="20000"/>
+              </a:spcBef>
+              <a:buFont typeface="Arial" pitchFamily="34" charset="0"/>
+              <a:buChar char="•"/>
+              <a:defRPr sz="2000" kern="1200">
+                <a:solidFill>
+                  <a:schemeClr val="tx1"/>
+                </a:solidFill>
+                <a:latin typeface="+mn-lt"/>
+                <a:ea typeface="+mn-ea"/>
+                <a:cs typeface="+mn-cs"/>
+              </a:defRPr>
+            </a:lvl8pPr>
+            <a:lvl9pPr marL="3886103" indent="-228594" algn="l" defTabSz="914377" rtl="0" eaLnBrk="1" latinLnBrk="0" hangingPunct="1">
+              <a:spcBef>
+                <a:spcPct val="20000"/>
+              </a:spcBef>
+              <a:buFont typeface="Arial" pitchFamily="34" charset="0"/>
+              <a:buChar char="•"/>
+              <a:defRPr sz="2000" kern="1200">
+                <a:solidFill>
+                  <a:schemeClr val="tx1"/>
+                </a:solidFill>
+                <a:latin typeface="+mn-lt"/>
+                <a:ea typeface="+mn-ea"/>
+                <a:cs typeface="+mn-cs"/>
+              </a:defRPr>
+            </a:lvl9pPr>
+          </a:lstStyle>
+          <a:p>
+            <a:r>
+              <a:rPr lang="en-US" altLang="en-US" sz="2500" dirty="0">
+                <a:ea typeface="ＭＳ Ｐゴシック" panose="020B0600070205080204" pitchFamily="34" charset="-128"/>
+              </a:rPr>
+              <a:t>Use indentation to show the structure of a script or function.  In particular, the actions in an </a:t>
+            </a:r>
+            <a:r>
+              <a:rPr lang="en-US" altLang="en-US" sz="2500" b="1" u="sng" dirty="0">
+                <a:ea typeface="ＭＳ Ｐゴシック" panose="020B0600070205080204" pitchFamily="34" charset="-128"/>
+              </a:rPr>
+              <a:t>if</a:t>
+            </a:r>
+            <a:r>
+              <a:rPr lang="en-US" altLang="en-US" sz="2500" dirty="0">
+                <a:ea typeface="ＭＳ Ｐゴシック" panose="020B0600070205080204" pitchFamily="34" charset="-128"/>
+              </a:rPr>
+              <a:t> statement should be indented.</a:t>
+            </a:r>
+          </a:p>
+          <a:p>
+            <a:r>
+              <a:rPr lang="en-US" altLang="en-US" sz="2500" dirty="0">
+                <a:ea typeface="ＭＳ Ｐゴシック" panose="020B0600070205080204" pitchFamily="34" charset="-128"/>
+              </a:rPr>
+              <a:t>When the </a:t>
+            </a:r>
+            <a:r>
+              <a:rPr lang="en-US" altLang="en-US" sz="2500" b="1" u="sng" dirty="0">
+                <a:ea typeface="ＭＳ Ｐゴシック" panose="020B0600070205080204" pitchFamily="34" charset="-128"/>
+              </a:rPr>
+              <a:t>else</a:t>
+            </a:r>
+            <a:r>
+              <a:rPr lang="en-US" altLang="en-US" sz="2500" dirty="0">
+                <a:ea typeface="ＭＳ Ｐゴシック" panose="020B0600070205080204" pitchFamily="34" charset="-128"/>
+              </a:rPr>
+              <a:t> clause isn’t needed, use an </a:t>
+            </a:r>
+            <a:r>
+              <a:rPr lang="en-US" altLang="en-US" sz="2500" b="1" u="sng" dirty="0">
+                <a:ea typeface="ＭＳ Ｐゴシック" panose="020B0600070205080204" pitchFamily="34" charset="-128"/>
+              </a:rPr>
+              <a:t>if</a:t>
+            </a:r>
+            <a:r>
+              <a:rPr lang="en-US" altLang="en-US" sz="2500" dirty="0">
+                <a:ea typeface="ＭＳ Ｐゴシック" panose="020B0600070205080204" pitchFamily="34" charset="-128"/>
+              </a:rPr>
+              <a:t> statement rather than an </a:t>
+            </a:r>
+            <a:r>
+              <a:rPr lang="en-US" altLang="en-US" sz="2500" b="1" u="sng" dirty="0">
+                <a:ea typeface="ＭＳ Ｐゴシック" panose="020B0600070205080204" pitchFamily="34" charset="-128"/>
+              </a:rPr>
+              <a:t>if-else</a:t>
+            </a:r>
+            <a:r>
+              <a:rPr lang="en-US" altLang="en-US" sz="2500" dirty="0">
+                <a:ea typeface="ＭＳ Ｐゴシック" panose="020B0600070205080204" pitchFamily="34" charset="-128"/>
+              </a:rPr>
+              <a:t> statement </a:t>
+            </a:r>
+          </a:p>
+          <a:p>
+            <a:pPr>
+              <a:buFont typeface="Wingdings 2" panose="05020102010507070707" pitchFamily="18" charset="2"/>
+              <a:buNone/>
+            </a:pPr>
+            <a:endParaRPr lang="en-US" altLang="en-US" sz="2500" dirty="0">
+              <a:ea typeface="ＭＳ Ｐゴシック" panose="020B0600070205080204" pitchFamily="34" charset="-128"/>
+            </a:endParaRPr>
+          </a:p>
+        </p:txBody>
+      </p:sp>
+    </p:spTree>
+    <p:extLst>
+      <p:ext uri="{BB962C8B-B14F-4D97-AF65-F5344CB8AC3E}">
+        <p14:creationId xmlns:p14="http://schemas.microsoft.com/office/powerpoint/2010/main" val="433370322"/>
+      </p:ext>
+    </p:extLst>
+  </p:cSld>
+  <p:clrMapOvr>
+    <a:masterClrMapping/>
+  </p:clrMapOvr>
+  <p:timing>
+    <p:tnLst>
+      <p:par>
+        <p:cTn id="1" dur="indefinite" restart="never" nodeType="tmRoot"/>
+      </p:par>
+    </p:tnLst>
+  </p:timing>
+</p:sld>
+</file>
+
+<file path=ppt/slides/slide26.xml><?xml version="1.0" encoding="utf-8"?>
+<p:sld xmlns:a="http://schemas.openxmlformats.org/drawingml/2006/main" xmlns:r="http://schemas.openxmlformats.org/officeDocument/2006/relationships" xmlns:p="http://schemas.openxmlformats.org/presentationml/2006/main">
+  <p:cSld>
+    <p:spTree>
+      <p:nvGrpSpPr>
+        <p:cNvPr id="1" name=""/>
+        <p:cNvGrpSpPr/>
+        <p:nvPr/>
+      </p:nvGrpSpPr>
+      <p:grpSpPr>
+        <a:xfrm>
+          <a:off x="0" y="0"/>
+          <a:ext cx="0" cy="0"/>
+          <a:chOff x="0" y="0"/>
+          <a:chExt cx="0" cy="0"/>
+        </a:xfrm>
+      </p:grpSpPr>
+      <p:sp>
+        <p:nvSpPr>
+          <p:cNvPr id="2" name="Text Placeholder 1"/>
+          <p:cNvSpPr>
+            <a:spLocks noGrp="1"/>
+          </p:cNvSpPr>
+          <p:nvPr>
+            <p:ph type="body" sz="quarter" idx="10"/>
+          </p:nvPr>
+        </p:nvSpPr>
+        <p:spPr/>
+        <p:txBody>
+          <a:bodyPr/>
+          <a:lstStyle/>
+          <a:p>
+            <a:r>
+              <a:rPr lang="en-US" dirty="0" smtClean="0"/>
+              <a:t>Slide Credits and References</a:t>
+            </a:r>
+            <a:endParaRPr lang="en-US" dirty="0"/>
+          </a:p>
+        </p:txBody>
+      </p:sp>
+      <p:sp>
+        <p:nvSpPr>
+          <p:cNvPr id="5" name="Rectangle 4"/>
+          <p:cNvSpPr/>
+          <p:nvPr/>
+        </p:nvSpPr>
+        <p:spPr>
+          <a:xfrm>
+            <a:off x="345332" y="1072277"/>
+            <a:ext cx="11503767" cy="1429622"/>
+          </a:xfrm>
+          <a:prstGeom prst="rect">
+            <a:avLst/>
+          </a:prstGeom>
+        </p:spPr>
+        <p:txBody>
+          <a:bodyPr wrap="square">
+            <a:spAutoFit/>
+          </a:bodyPr>
+          <a:lstStyle/>
+          <a:p>
+            <a:pPr marL="285750" indent="-285750">
+              <a:lnSpc>
+                <a:spcPct val="150000"/>
+              </a:lnSpc>
+              <a:buFont typeface="Arial" panose="020B0604020202020204" pitchFamily="34" charset="0"/>
+              <a:buChar char="•"/>
+            </a:pPr>
+            <a:r>
+              <a:rPr lang="en-US" sz="2000" dirty="0" smtClean="0">
+                <a:cs typeface="Arial" pitchFamily="34" charset="0"/>
+              </a:rPr>
+              <a:t>Stormy </a:t>
+            </a:r>
+            <a:r>
+              <a:rPr lang="en-US" sz="2000" dirty="0" err="1" smtClean="0">
+                <a:cs typeface="Arial" pitchFamily="34" charset="0"/>
+              </a:rPr>
+              <a:t>Attaway</a:t>
+            </a:r>
+            <a:r>
+              <a:rPr lang="en-US" sz="2000" dirty="0" smtClean="0">
+                <a:cs typeface="Arial" pitchFamily="34" charset="0"/>
+              </a:rPr>
+              <a:t>, 2018, </a:t>
+            </a:r>
+            <a:r>
+              <a:rPr lang="en-US" sz="2000" dirty="0" err="1" smtClean="0">
+                <a:cs typeface="Arial" pitchFamily="34" charset="0"/>
+              </a:rPr>
+              <a:t>Matlab</a:t>
+            </a:r>
+            <a:r>
+              <a:rPr lang="en-US" sz="2000" dirty="0" smtClean="0">
+                <a:cs typeface="Arial" pitchFamily="34" charset="0"/>
+              </a:rPr>
+              <a:t>: A </a:t>
+            </a:r>
+            <a:r>
+              <a:rPr lang="en-US" sz="2000" dirty="0">
+                <a:cs typeface="Arial" pitchFamily="34" charset="0"/>
+              </a:rPr>
+              <a:t>Practical Introduction to Programming and Problem </a:t>
+            </a:r>
+            <a:r>
+              <a:rPr lang="en-US" sz="2000" dirty="0" smtClean="0">
+                <a:cs typeface="Arial" pitchFamily="34" charset="0"/>
+              </a:rPr>
+              <a:t>Solving, 5</a:t>
+            </a:r>
+            <a:r>
+              <a:rPr lang="en-US" sz="2000" baseline="30000" dirty="0" smtClean="0">
+                <a:cs typeface="Arial" pitchFamily="34" charset="0"/>
+              </a:rPr>
+              <a:t>th</a:t>
+            </a:r>
+            <a:r>
+              <a:rPr lang="en-US" sz="2000" dirty="0" smtClean="0">
+                <a:cs typeface="Arial" pitchFamily="34" charset="0"/>
+              </a:rPr>
+              <a:t> edition</a:t>
+            </a:r>
+          </a:p>
+          <a:p>
+            <a:pPr marL="285750" indent="-285750">
+              <a:lnSpc>
+                <a:spcPct val="150000"/>
+              </a:lnSpc>
+              <a:buFont typeface="Arial" panose="020B0604020202020204" pitchFamily="34" charset="0"/>
+              <a:buChar char="•"/>
+            </a:pPr>
+            <a:r>
+              <a:rPr lang="en-US" sz="2000" dirty="0" smtClean="0">
+                <a:cs typeface="Arial" pitchFamily="34" charset="0"/>
+              </a:rPr>
+              <a:t>Lecture </a:t>
+            </a:r>
+            <a:r>
+              <a:rPr lang="en-US" sz="2000" dirty="0">
+                <a:cs typeface="Arial" pitchFamily="34" charset="0"/>
+              </a:rPr>
+              <a:t>slides for </a:t>
+            </a:r>
+            <a:r>
+              <a:rPr lang="en-US" sz="2000" dirty="0" smtClean="0">
+                <a:cs typeface="Arial" pitchFamily="34" charset="0"/>
+              </a:rPr>
+              <a:t>“</a:t>
+            </a:r>
+            <a:r>
+              <a:rPr lang="en-US" sz="2000" dirty="0" err="1" smtClean="0">
+                <a:cs typeface="Arial" pitchFamily="34" charset="0"/>
+              </a:rPr>
+              <a:t>Matlab</a:t>
+            </a:r>
+            <a:r>
+              <a:rPr lang="en-US" sz="2000" dirty="0">
+                <a:cs typeface="Arial" pitchFamily="34" charset="0"/>
+              </a:rPr>
+              <a:t>: A Practical Introduction to Programming and Problem </a:t>
+            </a:r>
+            <a:r>
+              <a:rPr lang="en-US" sz="2000" dirty="0" smtClean="0">
+                <a:cs typeface="Arial" pitchFamily="34" charset="0"/>
+              </a:rPr>
+              <a:t>Solving”</a:t>
+            </a:r>
+            <a:endParaRPr lang="en-US" sz="2000" dirty="0">
+              <a:cs typeface="Arial" pitchFamily="34" charset="0"/>
+            </a:endParaRPr>
+          </a:p>
+          <a:p>
+            <a:pPr marL="285750" indent="-285750">
+              <a:lnSpc>
+                <a:spcPct val="150000"/>
+              </a:lnSpc>
+              <a:buFont typeface="Arial" panose="020B0604020202020204" pitchFamily="34" charset="0"/>
+              <a:buChar char="•"/>
+            </a:pPr>
+            <a:r>
+              <a:rPr lang="en-US" sz="2000" dirty="0" smtClean="0">
+                <a:cs typeface="Arial" pitchFamily="34" charset="0"/>
+              </a:rPr>
+              <a:t>Holly Moore, 2018, MATLAB for Engineers, 5</a:t>
+            </a:r>
+            <a:r>
+              <a:rPr lang="en-US" sz="2000" baseline="30000" dirty="0" smtClean="0">
+                <a:cs typeface="Arial" pitchFamily="34" charset="0"/>
+              </a:rPr>
+              <a:t>th</a:t>
+            </a:r>
+            <a:r>
+              <a:rPr lang="en-US" sz="2000" dirty="0" smtClean="0">
+                <a:cs typeface="Arial" pitchFamily="34" charset="0"/>
+              </a:rPr>
+              <a:t> edition</a:t>
+            </a:r>
+            <a:endParaRPr lang="en-US" sz="2000" dirty="0">
+              <a:cs typeface="Arial" pitchFamily="34" charset="0"/>
+            </a:endParaRPr>
+          </a:p>
+        </p:txBody>
+      </p:sp>
+    </p:spTree>
+    <p:extLst>
+      <p:ext uri="{BB962C8B-B14F-4D97-AF65-F5344CB8AC3E}">
+        <p14:creationId xmlns:p14="http://schemas.microsoft.com/office/powerpoint/2010/main" val="3778152393"/>
+      </p:ext>
+    </p:extLst>
+  </p:cSld>
+  <p:clrMapOvr>
+    <a:masterClrMapping/>
+  </p:clrMapOvr>
+  <p:timing>
+    <p:tnLst>
+      <p:par>
+        <p:cTn id="1" dur="indefinite" restart="never" nodeType="tmRoot"/>
+      </p:par>
+    </p:tnLst>
+  </p:timing>
+</p:sld>
+</file>
+
 <file path=ppt/slides/slide3.xml><?xml version="1.0" encoding="utf-8"?>
 <p:sld xmlns:a="http://schemas.openxmlformats.org/drawingml/2006/main" xmlns:r="http://schemas.openxmlformats.org/officeDocument/2006/relationships" xmlns:p="http://schemas.openxmlformats.org/presentationml/2006/main">
   <p:cSld>
@@ -7553,338 +10000,81 @@
           <a:lstStyle/>
           <a:p>
             <a:r>
+              <a:rPr lang="en-US" dirty="0">
+                <a:solidFill>
+                  <a:srgbClr val="FFFF00"/>
+                </a:solidFill>
+              </a:rPr>
+              <a:t>Example</a:t>
+            </a:r>
+            <a:r>
+              <a:rPr lang="en-US" dirty="0" smtClean="0">
+                <a:solidFill>
+                  <a:srgbClr val="FFFF00"/>
+                </a:solidFill>
+              </a:rPr>
+              <a:t>: </a:t>
+            </a:r>
+            <a:r>
               <a:rPr lang="en-US" dirty="0" smtClean="0"/>
-              <a:t>If Statement</a:t>
+              <a:t>Relational Expressions</a:t>
             </a:r>
             <a:endParaRPr lang="en-US" dirty="0"/>
           </a:p>
         </p:txBody>
       </p:sp>
-      <p:sp>
-        <p:nvSpPr>
-          <p:cNvPr id="3" name="Rectangle 3"/>
-          <p:cNvSpPr txBox="1">
-            <a:spLocks/>
-          </p:cNvSpPr>
+      <p:pic>
+        <p:nvPicPr>
+          <p:cNvPr id="4" name="Picture 3"/>
+          <p:cNvPicPr>
+            <a:picLocks noChangeAspect="1"/>
+          </p:cNvPicPr>
           <p:nvPr/>
-        </p:nvSpPr>
+        </p:nvPicPr>
+        <p:blipFill>
+          <a:blip r:embed="rId2"/>
+          <a:stretch>
+            <a:fillRect/>
+          </a:stretch>
+        </p:blipFill>
         <p:spPr>
           <a:xfrm>
-            <a:off x="457200" y="1192213"/>
-            <a:ext cx="11080750" cy="4389437"/>
+            <a:off x="241300" y="1181100"/>
+            <a:ext cx="5273788" cy="4229100"/>
           </a:xfrm>
           <a:prstGeom prst="rect">
             <a:avLst/>
           </a:prstGeom>
         </p:spPr>
-        <p:txBody>
-          <a:bodyPr/>
-          <a:lstStyle>
-            <a:lvl1pPr marL="342891" indent="-342891" algn="l" defTabSz="914377" rtl="0" eaLnBrk="1" latinLnBrk="0" hangingPunct="1">
-              <a:spcBef>
-                <a:spcPct val="20000"/>
-              </a:spcBef>
-              <a:buFont typeface="Arial" pitchFamily="34" charset="0"/>
-              <a:buChar char="•"/>
-              <a:defRPr sz="3200" kern="1200">
-                <a:solidFill>
-                  <a:schemeClr val="tx1"/>
-                </a:solidFill>
-                <a:latin typeface="+mn-lt"/>
-                <a:ea typeface="+mn-ea"/>
-                <a:cs typeface="+mn-cs"/>
-              </a:defRPr>
-            </a:lvl1pPr>
-            <a:lvl2pPr marL="742932" indent="-285744" algn="l" defTabSz="914377" rtl="0" eaLnBrk="1" latinLnBrk="0" hangingPunct="1">
-              <a:spcBef>
-                <a:spcPct val="20000"/>
-              </a:spcBef>
-              <a:buFont typeface="Arial" pitchFamily="34" charset="0"/>
-              <a:buChar char="–"/>
-              <a:defRPr sz="2800" kern="1200">
-                <a:solidFill>
-                  <a:schemeClr val="tx1"/>
-                </a:solidFill>
-                <a:latin typeface="+mn-lt"/>
-                <a:ea typeface="+mn-ea"/>
-                <a:cs typeface="+mn-cs"/>
-              </a:defRPr>
-            </a:lvl2pPr>
-            <a:lvl3pPr marL="1142971" indent="-228594" algn="l" defTabSz="914377" rtl="0" eaLnBrk="1" latinLnBrk="0" hangingPunct="1">
-              <a:spcBef>
-                <a:spcPct val="20000"/>
-              </a:spcBef>
-              <a:buFont typeface="Arial" pitchFamily="34" charset="0"/>
-              <a:buChar char="•"/>
-              <a:defRPr sz="2400" kern="1200">
-                <a:solidFill>
-                  <a:schemeClr val="tx1"/>
-                </a:solidFill>
-                <a:latin typeface="+mn-lt"/>
-                <a:ea typeface="+mn-ea"/>
-                <a:cs typeface="+mn-cs"/>
-              </a:defRPr>
-            </a:lvl3pPr>
-            <a:lvl4pPr marL="1600160" indent="-228594" algn="l" defTabSz="914377" rtl="0" eaLnBrk="1" latinLnBrk="0" hangingPunct="1">
-              <a:spcBef>
-                <a:spcPct val="20000"/>
-              </a:spcBef>
-              <a:buFont typeface="Arial" pitchFamily="34" charset="0"/>
-              <a:buChar char="–"/>
-              <a:defRPr sz="2000" kern="1200">
-                <a:solidFill>
-                  <a:schemeClr val="tx1"/>
-                </a:solidFill>
-                <a:latin typeface="+mn-lt"/>
-                <a:ea typeface="+mn-ea"/>
-                <a:cs typeface="+mn-cs"/>
-              </a:defRPr>
-            </a:lvl4pPr>
-            <a:lvl5pPr marL="2057349" indent="-228594" algn="l" defTabSz="914377" rtl="0" eaLnBrk="1" latinLnBrk="0" hangingPunct="1">
-              <a:spcBef>
-                <a:spcPct val="20000"/>
-              </a:spcBef>
-              <a:buFont typeface="Arial" pitchFamily="34" charset="0"/>
-              <a:buChar char="»"/>
-              <a:defRPr sz="2000" kern="1200">
-                <a:solidFill>
-                  <a:schemeClr val="tx1"/>
-                </a:solidFill>
-                <a:latin typeface="+mn-lt"/>
-                <a:ea typeface="+mn-ea"/>
-                <a:cs typeface="+mn-cs"/>
-              </a:defRPr>
-            </a:lvl5pPr>
-            <a:lvl6pPr marL="2514537" indent="-228594" algn="l" defTabSz="914377" rtl="0" eaLnBrk="1" latinLnBrk="0" hangingPunct="1">
-              <a:spcBef>
-                <a:spcPct val="20000"/>
-              </a:spcBef>
-              <a:buFont typeface="Arial" pitchFamily="34" charset="0"/>
-              <a:buChar char="•"/>
-              <a:defRPr sz="2000" kern="1200">
-                <a:solidFill>
-                  <a:schemeClr val="tx1"/>
-                </a:solidFill>
-                <a:latin typeface="+mn-lt"/>
-                <a:ea typeface="+mn-ea"/>
-                <a:cs typeface="+mn-cs"/>
-              </a:defRPr>
-            </a:lvl6pPr>
-            <a:lvl7pPr marL="2971726" indent="-228594" algn="l" defTabSz="914377" rtl="0" eaLnBrk="1" latinLnBrk="0" hangingPunct="1">
-              <a:spcBef>
-                <a:spcPct val="20000"/>
-              </a:spcBef>
-              <a:buFont typeface="Arial" pitchFamily="34" charset="0"/>
-              <a:buChar char="•"/>
-              <a:defRPr sz="2000" kern="1200">
-                <a:solidFill>
-                  <a:schemeClr val="tx1"/>
-                </a:solidFill>
-                <a:latin typeface="+mn-lt"/>
-                <a:ea typeface="+mn-ea"/>
-                <a:cs typeface="+mn-cs"/>
-              </a:defRPr>
-            </a:lvl7pPr>
-            <a:lvl8pPr marL="3428914" indent="-228594" algn="l" defTabSz="914377" rtl="0" eaLnBrk="1" latinLnBrk="0" hangingPunct="1">
-              <a:spcBef>
-                <a:spcPct val="20000"/>
-              </a:spcBef>
-              <a:buFont typeface="Arial" pitchFamily="34" charset="0"/>
-              <a:buChar char="•"/>
-              <a:defRPr sz="2000" kern="1200">
-                <a:solidFill>
-                  <a:schemeClr val="tx1"/>
-                </a:solidFill>
-                <a:latin typeface="+mn-lt"/>
-                <a:ea typeface="+mn-ea"/>
-                <a:cs typeface="+mn-cs"/>
-              </a:defRPr>
-            </a:lvl8pPr>
-            <a:lvl9pPr marL="3886103" indent="-228594" algn="l" defTabSz="914377" rtl="0" eaLnBrk="1" latinLnBrk="0" hangingPunct="1">
-              <a:spcBef>
-                <a:spcPct val="20000"/>
-              </a:spcBef>
-              <a:buFont typeface="Arial" pitchFamily="34" charset="0"/>
-              <a:buChar char="•"/>
-              <a:defRPr sz="2000" kern="1200">
-                <a:solidFill>
-                  <a:schemeClr val="tx1"/>
-                </a:solidFill>
-                <a:latin typeface="+mn-lt"/>
-                <a:ea typeface="+mn-ea"/>
-                <a:cs typeface="+mn-cs"/>
-              </a:defRPr>
-            </a:lvl9pPr>
-          </a:lstStyle>
-          <a:p>
-            <a:pPr>
-              <a:lnSpc>
-                <a:spcPct val="80000"/>
-              </a:lnSpc>
-            </a:pPr>
-            <a:r>
-              <a:rPr lang="en-US" altLang="en-US" sz="2500" dirty="0">
-                <a:ea typeface="ＭＳ Ｐゴシック" panose="020B0600070205080204" pitchFamily="34" charset="-128"/>
-              </a:rPr>
-              <a:t>The </a:t>
-            </a:r>
-            <a:r>
-              <a:rPr lang="en-US" altLang="en-US" sz="2500" b="1" dirty="0">
-                <a:ea typeface="ＭＳ Ｐゴシック" panose="020B0600070205080204" pitchFamily="34" charset="-128"/>
-              </a:rPr>
-              <a:t>if</a:t>
-            </a:r>
-            <a:r>
-              <a:rPr lang="en-US" altLang="en-US" sz="2500" dirty="0">
-                <a:ea typeface="ＭＳ Ｐゴシック" panose="020B0600070205080204" pitchFamily="34" charset="-128"/>
-              </a:rPr>
-              <a:t> statement is used to determine whether or not a statement or group of statements is to be executed</a:t>
-            </a:r>
-          </a:p>
-          <a:p>
-            <a:pPr>
-              <a:lnSpc>
-                <a:spcPct val="80000"/>
-              </a:lnSpc>
-            </a:pPr>
-            <a:r>
-              <a:rPr lang="en-US" altLang="en-US" sz="2500" dirty="0">
-                <a:ea typeface="ＭＳ Ｐゴシック" panose="020B0600070205080204" pitchFamily="34" charset="-128"/>
-              </a:rPr>
-              <a:t>General form:</a:t>
-            </a:r>
-          </a:p>
-          <a:p>
-            <a:pPr lvl="2">
-              <a:lnSpc>
-                <a:spcPct val="80000"/>
-              </a:lnSpc>
-              <a:buNone/>
-            </a:pPr>
-            <a:r>
-              <a:rPr lang="en-US" altLang="en-US" sz="2500" dirty="0">
-                <a:ea typeface="ＭＳ Ｐゴシック" panose="020B0600070205080204" pitchFamily="34" charset="-128"/>
-              </a:rPr>
-              <a:t>if condition</a:t>
-            </a:r>
-          </a:p>
-          <a:p>
-            <a:pPr lvl="2">
-              <a:lnSpc>
-                <a:spcPct val="80000"/>
-              </a:lnSpc>
-              <a:buNone/>
-            </a:pPr>
-            <a:r>
-              <a:rPr lang="en-US" altLang="en-US" sz="2500" dirty="0">
-                <a:ea typeface="ＭＳ Ｐゴシック" panose="020B0600070205080204" pitchFamily="34" charset="-128"/>
-              </a:rPr>
-              <a:t>    action</a:t>
-            </a:r>
-          </a:p>
-          <a:p>
-            <a:pPr lvl="2">
-              <a:lnSpc>
-                <a:spcPct val="80000"/>
-              </a:lnSpc>
-              <a:buNone/>
-            </a:pPr>
-            <a:r>
-              <a:rPr lang="en-US" altLang="en-US" sz="2500" dirty="0">
-                <a:ea typeface="ＭＳ Ｐゴシック" panose="020B0600070205080204" pitchFamily="34" charset="-128"/>
-              </a:rPr>
-              <a:t>end</a:t>
-            </a:r>
-          </a:p>
-          <a:p>
-            <a:pPr>
-              <a:lnSpc>
-                <a:spcPct val="80000"/>
-              </a:lnSpc>
-            </a:pPr>
-            <a:r>
-              <a:rPr lang="en-US" altLang="en-US" sz="2500" dirty="0">
-                <a:ea typeface="ＭＳ Ｐゴシック" panose="020B0600070205080204" pitchFamily="34" charset="-128"/>
-              </a:rPr>
-              <a:t>the </a:t>
-            </a:r>
-            <a:r>
-              <a:rPr lang="en-US" altLang="en-US" sz="2500" i="1" dirty="0">
-                <a:ea typeface="ＭＳ Ｐゴシック" panose="020B0600070205080204" pitchFamily="34" charset="-128"/>
-              </a:rPr>
-              <a:t>condition</a:t>
-            </a:r>
-            <a:r>
-              <a:rPr lang="en-US" altLang="en-US" sz="2500" dirty="0">
-                <a:ea typeface="ＭＳ Ｐゴシック" panose="020B0600070205080204" pitchFamily="34" charset="-128"/>
-              </a:rPr>
-              <a:t> is any relational expression</a:t>
-            </a:r>
-          </a:p>
-          <a:p>
-            <a:pPr>
-              <a:lnSpc>
-                <a:spcPct val="80000"/>
-              </a:lnSpc>
-            </a:pPr>
-            <a:r>
-              <a:rPr lang="en-US" altLang="en-US" sz="2500" dirty="0">
-                <a:ea typeface="ＭＳ Ｐゴシック" panose="020B0600070205080204" pitchFamily="34" charset="-128"/>
-              </a:rPr>
-              <a:t>the </a:t>
-            </a:r>
-            <a:r>
-              <a:rPr lang="en-US" altLang="en-US" sz="2500" i="1" dirty="0">
-                <a:ea typeface="ＭＳ Ｐゴシック" panose="020B0600070205080204" pitchFamily="34" charset="-128"/>
-              </a:rPr>
-              <a:t>action</a:t>
-            </a:r>
-            <a:r>
-              <a:rPr lang="en-US" altLang="en-US" sz="2500" dirty="0">
-                <a:ea typeface="ＭＳ Ｐゴシック" panose="020B0600070205080204" pitchFamily="34" charset="-128"/>
-              </a:rPr>
-              <a:t> is any number of valid statements (including, possibly, just one)</a:t>
-            </a:r>
-          </a:p>
-          <a:p>
-            <a:pPr>
-              <a:lnSpc>
-                <a:spcPct val="80000"/>
-              </a:lnSpc>
-            </a:pPr>
-            <a:r>
-              <a:rPr lang="en-US" altLang="en-US" sz="2500" dirty="0">
-                <a:ea typeface="ＭＳ Ｐゴシック" panose="020B0600070205080204" pitchFamily="34" charset="-128"/>
-              </a:rPr>
-              <a:t>if the condition is true, the action is executed – </a:t>
-            </a:r>
-            <a:r>
-              <a:rPr lang="en-US" altLang="en-US" sz="2500" u="sng" dirty="0">
-                <a:solidFill>
-                  <a:srgbClr val="FF0000"/>
-                </a:solidFill>
-                <a:ea typeface="ＭＳ Ｐゴシック" panose="020B0600070205080204" pitchFamily="34" charset="-128"/>
-              </a:rPr>
-              <a:t>otherwise, it is skipped entirely</a:t>
-            </a:r>
-          </a:p>
-          <a:p>
-            <a:pPr>
-              <a:lnSpc>
-                <a:spcPct val="80000"/>
-              </a:lnSpc>
-              <a:buNone/>
-            </a:pPr>
-            <a:endParaRPr lang="en-US" altLang="en-US" sz="2500" dirty="0">
-              <a:ea typeface="ＭＳ Ｐゴシック" panose="020B0600070205080204" pitchFamily="34" charset="-128"/>
-            </a:endParaRPr>
-          </a:p>
-        </p:txBody>
-      </p:sp>
+      </p:pic>
+      <p:pic>
+        <p:nvPicPr>
+          <p:cNvPr id="5" name="Picture 4"/>
+          <p:cNvPicPr>
+            <a:picLocks noChangeAspect="1"/>
+          </p:cNvPicPr>
+          <p:nvPr/>
+        </p:nvPicPr>
+        <p:blipFill>
+          <a:blip r:embed="rId3"/>
+          <a:stretch>
+            <a:fillRect/>
+          </a:stretch>
+        </p:blipFill>
+        <p:spPr>
+          <a:xfrm>
+            <a:off x="5938837" y="1181100"/>
+            <a:ext cx="2310505" cy="5467350"/>
+          </a:xfrm>
+          <a:prstGeom prst="rect">
+            <a:avLst/>
+          </a:prstGeom>
+        </p:spPr>
+      </p:pic>
     </p:spTree>
     <p:extLst>
       <p:ext uri="{BB962C8B-B14F-4D97-AF65-F5344CB8AC3E}">
-        <p14:creationId xmlns:p14="http://schemas.microsoft.com/office/powerpoint/2010/main" val="3629692193"/>
+        <p14:creationId xmlns:p14="http://schemas.microsoft.com/office/powerpoint/2010/main" val="2226995545"/>
       </p:ext>
     </p:extLst>
   </p:cSld>
@@ -7934,16 +10124,10 @@
           <a:lstStyle/>
           <a:p>
             <a:r>
-              <a:rPr lang="en-US" dirty="0" smtClean="0"/>
-              <a:t>Exchanging (Swapping) Values </a:t>
-            </a:r>
-            <a:r>
-              <a:rPr lang="en-US" dirty="0"/>
-              <a:t>of </a:t>
-            </a:r>
-            <a:r>
-              <a:rPr lang="en-US" dirty="0" smtClean="0"/>
-              <a:t>Variables</a:t>
+              <a:rPr lang="en-US" altLang="en-US" dirty="0">
+                <a:ea typeface="ＭＳ Ｐゴシック" panose="020B0600070205080204" pitchFamily="34" charset="-128"/>
+              </a:rPr>
+              <a:t>The “is” functions</a:t>
             </a:r>
             <a:endParaRPr lang="en-US" dirty="0"/>
           </a:p>
@@ -7951,35 +10135,7 @@
       </p:sp>
       <p:sp>
         <p:nvSpPr>
-          <p:cNvPr id="5" name="Rectangle 4"/>
-          <p:cNvSpPr/>
-          <p:nvPr/>
-        </p:nvSpPr>
-        <p:spPr>
-          <a:xfrm>
-            <a:off x="5968401" y="3244334"/>
-            <a:ext cx="255198" cy="369332"/>
-          </a:xfrm>
-          <a:prstGeom prst="rect">
-            <a:avLst/>
-          </a:prstGeom>
-        </p:spPr>
-        <p:txBody>
-          <a:bodyPr wrap="none">
-            <a:spAutoFit/>
-          </a:bodyPr>
-          <a:lstStyle/>
-          <a:p>
-            <a:r>
-              <a:rPr lang="en-US" dirty="0"/>
-              <a:t>-</a:t>
-            </a:r>
-          </a:p>
-        </p:txBody>
-      </p:sp>
-      <p:sp>
-        <p:nvSpPr>
-          <p:cNvPr id="6" name="Rectangle 3"/>
+          <p:cNvPr id="3" name="Rectangle 3"/>
           <p:cNvSpPr txBox="1">
             <a:spLocks/>
           </p:cNvSpPr>
@@ -7987,7 +10143,7 @@
         </p:nvSpPr>
         <p:spPr>
           <a:xfrm>
-            <a:off x="457200" y="1252632"/>
+            <a:off x="457200" y="1192213"/>
             <a:ext cx="11080750" cy="4389437"/>
           </a:xfrm>
           <a:prstGeom prst="rect">
@@ -8138,150 +10294,48 @@
               <a:rPr lang="en-US" altLang="en-US" sz="2500" dirty="0">
                 <a:ea typeface="ＭＳ Ｐゴシック" panose="020B0600070205080204" pitchFamily="34" charset="-128"/>
               </a:rPr>
-              <a:t>Useful, for example, when the value of one variable is supposed to be less than another – if that is not the case, exchange their values (so, an </a:t>
-            </a:r>
-            <a:r>
-              <a:rPr lang="en-US" altLang="en-US" sz="2500" b="1" dirty="0">
-                <a:ea typeface="ＭＳ Ｐゴシック" panose="020B0600070205080204" pitchFamily="34" charset="-128"/>
-              </a:rPr>
-              <a:t>if</a:t>
-            </a:r>
-            <a:r>
-              <a:rPr lang="en-US" altLang="en-US" sz="2500" dirty="0">
-                <a:ea typeface="ＭＳ Ｐゴシック" panose="020B0600070205080204" pitchFamily="34" charset="-128"/>
-              </a:rPr>
-              <a:t> statement is used to determine whether this is necessary or not)</a:t>
-            </a:r>
-          </a:p>
-          <a:p>
-            <a:r>
-              <a:rPr lang="en-US" altLang="en-US" sz="2500" dirty="0">
-                <a:ea typeface="ＭＳ Ｐゴシック" panose="020B0600070205080204" pitchFamily="34" charset="-128"/>
-              </a:rPr>
-              <a:t>A temporary variable is necessary </a:t>
-            </a:r>
-          </a:p>
-          <a:p>
-            <a:r>
-              <a:rPr lang="en-US" altLang="en-US" sz="2500" dirty="0">
-                <a:ea typeface="ＭＳ Ｐゴシック" panose="020B0600070205080204" pitchFamily="34" charset="-128"/>
-              </a:rPr>
-              <a:t>Algorithm to exchange values of variables </a:t>
-            </a:r>
-            <a:r>
-              <a:rPr lang="en-US" altLang="en-US" sz="2500" i="1" dirty="0">
-                <a:ea typeface="ＭＳ Ｐゴシック" panose="020B0600070205080204" pitchFamily="34" charset="-128"/>
-              </a:rPr>
-              <a:t>a</a:t>
-            </a:r>
-            <a:r>
-              <a:rPr lang="en-US" altLang="en-US" sz="2500" dirty="0">
-                <a:ea typeface="ＭＳ Ｐゴシック" panose="020B0600070205080204" pitchFamily="34" charset="-128"/>
-              </a:rPr>
-              <a:t> and </a:t>
-            </a:r>
-            <a:r>
-              <a:rPr lang="en-US" altLang="en-US" sz="2500" i="1" dirty="0">
-                <a:ea typeface="ＭＳ Ｐゴシック" panose="020B0600070205080204" pitchFamily="34" charset="-128"/>
-              </a:rPr>
-              <a:t>b</a:t>
-            </a:r>
-            <a:r>
-              <a:rPr lang="en-US" altLang="en-US" sz="2500" dirty="0">
-                <a:ea typeface="ＭＳ Ｐゴシック" panose="020B0600070205080204" pitchFamily="34" charset="-128"/>
-              </a:rPr>
-              <a:t>:</a:t>
-            </a:r>
-          </a:p>
-          <a:p>
-            <a:pPr lvl="1"/>
-            <a:r>
-              <a:rPr lang="en-US" altLang="en-US" sz="2500" dirty="0">
-                <a:ea typeface="ＭＳ Ｐゴシック" panose="020B0600070205080204" pitchFamily="34" charset="-128"/>
-              </a:rPr>
-              <a:t>Assign  the value of </a:t>
-            </a:r>
-            <a:r>
-              <a:rPr lang="en-US" altLang="en-US" sz="2500" i="1" dirty="0">
-                <a:ea typeface="ＭＳ Ｐゴシック" panose="020B0600070205080204" pitchFamily="34" charset="-128"/>
-              </a:rPr>
-              <a:t>a</a:t>
-            </a:r>
-            <a:r>
-              <a:rPr lang="en-US" altLang="en-US" sz="2500" dirty="0">
-                <a:ea typeface="ＭＳ Ｐゴシック" panose="020B0600070205080204" pitchFamily="34" charset="-128"/>
-              </a:rPr>
-              <a:t> to </a:t>
-            </a:r>
-            <a:r>
-              <a:rPr lang="en-US" altLang="en-US" sz="2500" i="1" dirty="0">
-                <a:ea typeface="ＭＳ Ｐゴシック" panose="020B0600070205080204" pitchFamily="34" charset="-128"/>
-              </a:rPr>
-              <a:t>temp</a:t>
-            </a:r>
-            <a:endParaRPr lang="en-US" altLang="en-US" sz="2500" dirty="0">
-              <a:ea typeface="ＭＳ Ｐゴシック" panose="020B0600070205080204" pitchFamily="34" charset="-128"/>
-            </a:endParaRPr>
-          </a:p>
-          <a:p>
-            <a:pPr lvl="1"/>
-            <a:r>
-              <a:rPr lang="en-US" altLang="en-US" sz="2500" dirty="0">
-                <a:ea typeface="ＭＳ Ｐゴシック" panose="020B0600070205080204" pitchFamily="34" charset="-128"/>
-              </a:rPr>
-              <a:t>Assign the value of </a:t>
-            </a:r>
-            <a:r>
-              <a:rPr lang="en-US" altLang="en-US" sz="2500" i="1" dirty="0">
-                <a:ea typeface="ＭＳ Ｐゴシック" panose="020B0600070205080204" pitchFamily="34" charset="-128"/>
-              </a:rPr>
-              <a:t>b</a:t>
-            </a:r>
-            <a:r>
-              <a:rPr lang="en-US" altLang="en-US" sz="2500" dirty="0">
-                <a:ea typeface="ＭＳ Ｐゴシック" panose="020B0600070205080204" pitchFamily="34" charset="-128"/>
-              </a:rPr>
-              <a:t> to </a:t>
-            </a:r>
-            <a:r>
-              <a:rPr lang="en-US" altLang="en-US" sz="2500" i="1" dirty="0">
-                <a:ea typeface="ＭＳ Ｐゴシック" panose="020B0600070205080204" pitchFamily="34" charset="-128"/>
-              </a:rPr>
-              <a:t>a</a:t>
-            </a:r>
-            <a:endParaRPr lang="en-US" altLang="en-US" sz="2500" dirty="0">
-              <a:ea typeface="ＭＳ Ｐゴシック" panose="020B0600070205080204" pitchFamily="34" charset="-128"/>
-            </a:endParaRPr>
-          </a:p>
-          <a:p>
-            <a:pPr lvl="1"/>
-            <a:r>
-              <a:rPr lang="en-US" altLang="en-US" sz="2500" dirty="0">
-                <a:ea typeface="ＭＳ Ｐゴシック" panose="020B0600070205080204" pitchFamily="34" charset="-128"/>
-              </a:rPr>
-              <a:t>Assign the value of </a:t>
-            </a:r>
-            <a:r>
-              <a:rPr lang="en-US" altLang="en-US" sz="2500" i="1" dirty="0">
-                <a:ea typeface="ＭＳ Ｐゴシック" panose="020B0600070205080204" pitchFamily="34" charset="-128"/>
-              </a:rPr>
-              <a:t>temp</a:t>
-            </a:r>
-            <a:r>
-              <a:rPr lang="en-US" altLang="en-US" sz="2500" dirty="0">
-                <a:ea typeface="ＭＳ Ｐゴシック" panose="020B0600070205080204" pitchFamily="34" charset="-128"/>
-              </a:rPr>
-              <a:t> to </a:t>
-            </a:r>
-            <a:r>
-              <a:rPr lang="en-US" altLang="en-US" sz="2500" i="1" dirty="0">
-                <a:ea typeface="ＭＳ Ｐゴシック" panose="020B0600070205080204" pitchFamily="34" charset="-128"/>
-              </a:rPr>
-              <a:t>b</a:t>
-            </a:r>
-            <a:endParaRPr lang="en-US" altLang="en-US" sz="2500" dirty="0">
-              <a:ea typeface="ＭＳ Ｐゴシック" panose="020B0600070205080204" pitchFamily="34" charset="-128"/>
-            </a:endParaRPr>
+              <a:t>There are many </a:t>
+            </a:r>
+            <a:r>
+              <a:rPr lang="ja-JP" altLang="en-US" sz="2500" dirty="0"/>
+              <a:t>“</a:t>
+            </a:r>
+            <a:r>
+              <a:rPr lang="en-US" altLang="ja-JP" sz="2500" dirty="0"/>
+              <a:t>is</a:t>
+            </a:r>
+            <a:r>
+              <a:rPr lang="ja-JP" altLang="en-US" sz="2500" dirty="0"/>
+              <a:t>”</a:t>
+            </a:r>
+            <a:r>
+              <a:rPr lang="en-US" altLang="ja-JP" sz="2500" dirty="0"/>
+              <a:t> functions in MATLAB that essentially ask a true/false question, and return logical 1 for true or 0 for false</a:t>
+            </a:r>
+          </a:p>
+          <a:p>
+            <a:r>
+              <a:rPr lang="en-US" altLang="ja-JP" sz="2500" b="1" dirty="0" err="1" smtClean="0"/>
+              <a:t>isletter</a:t>
+            </a:r>
+            <a:r>
+              <a:rPr lang="en-US" altLang="ja-JP" sz="2500" dirty="0" smtClean="0"/>
+              <a:t> returns 1 or 0 for every character in a string – whether it is a letter of the alphabet or not</a:t>
+            </a:r>
+          </a:p>
+          <a:p>
+            <a:r>
+              <a:rPr lang="en-US" altLang="ja-JP" sz="2500" b="1" dirty="0" err="1" smtClean="0"/>
+              <a:t>isempty</a:t>
+            </a:r>
+            <a:r>
+              <a:rPr lang="en-US" altLang="ja-JP" sz="2500" b="1" dirty="0" smtClean="0"/>
+              <a:t> </a:t>
+            </a:r>
+            <a:r>
+              <a:rPr lang="en-US" altLang="ja-JP" sz="2500" dirty="0"/>
+              <a:t>returns 1 if the variable argument is empty, or 0 if not</a:t>
+            </a:r>
           </a:p>
           <a:p>
             <a:pPr>
@@ -8297,7 +10351,7 @@
     </p:spTree>
     <p:extLst>
       <p:ext uri="{BB962C8B-B14F-4D97-AF65-F5344CB8AC3E}">
-        <p14:creationId xmlns:p14="http://schemas.microsoft.com/office/powerpoint/2010/main" val="2117956680"/>
+        <p14:creationId xmlns:p14="http://schemas.microsoft.com/office/powerpoint/2010/main" val="1521349167"/>
       </p:ext>
     </p:extLst>
   </p:cSld>
@@ -8347,371 +10401,211 @@
           <a:lstStyle/>
           <a:p>
             <a:r>
-              <a:rPr lang="en-US" dirty="0"/>
-              <a:t>Representing </a:t>
+              <a:rPr lang="en-US" dirty="0">
+                <a:solidFill>
+                  <a:srgbClr val="FFFF00"/>
+                </a:solidFill>
+              </a:rPr>
+              <a:t>Example</a:t>
+            </a:r>
+            <a:r>
+              <a:rPr lang="en-US" dirty="0" smtClean="0">
+                <a:solidFill>
+                  <a:srgbClr val="FFFF00"/>
+                </a:solidFill>
+              </a:rPr>
+              <a:t>: </a:t>
+            </a:r>
+            <a:r>
+              <a:rPr lang="en-US" dirty="0" err="1"/>
+              <a:t>i</a:t>
+            </a:r>
+            <a:r>
+              <a:rPr lang="en-US" dirty="0" err="1" smtClean="0"/>
+              <a:t>sscalar</a:t>
             </a:r>
             <a:r>
               <a:rPr lang="en-US" dirty="0" smtClean="0"/>
-              <a:t>True/False Concepts</a:t>
+              <a:t>, </a:t>
+            </a:r>
+            <a:r>
+              <a:rPr lang="en-US" dirty="0" err="1" smtClean="0"/>
+              <a:t>isvector</a:t>
+            </a:r>
+            <a:r>
+              <a:rPr lang="en-US" dirty="0" smtClean="0"/>
+              <a:t>, and </a:t>
+            </a:r>
+            <a:r>
+              <a:rPr lang="en-US" dirty="0" err="1" smtClean="0"/>
+              <a:t>ismatrix</a:t>
             </a:r>
             <a:endParaRPr lang="en-US" dirty="0"/>
           </a:p>
         </p:txBody>
       </p:sp>
+      <p:pic>
+        <p:nvPicPr>
+          <p:cNvPr id="3" name="Picture 2"/>
+          <p:cNvPicPr>
+            <a:picLocks noChangeAspect="1"/>
+          </p:cNvPicPr>
+          <p:nvPr/>
+        </p:nvPicPr>
+        <p:blipFill>
+          <a:blip r:embed="rId2"/>
+          <a:stretch>
+            <a:fillRect/>
+          </a:stretch>
+        </p:blipFill>
+        <p:spPr>
+          <a:xfrm>
+            <a:off x="346075" y="1174750"/>
+            <a:ext cx="5048250" cy="5334000"/>
+          </a:xfrm>
+          <a:prstGeom prst="rect">
+            <a:avLst/>
+          </a:prstGeom>
+        </p:spPr>
+      </p:pic>
+      <p:pic>
+        <p:nvPicPr>
+          <p:cNvPr id="4" name="Picture 3"/>
+          <p:cNvPicPr>
+            <a:picLocks noChangeAspect="1"/>
+          </p:cNvPicPr>
+          <p:nvPr/>
+        </p:nvPicPr>
+        <p:blipFill rotWithShape="1">
+          <a:blip r:embed="rId3"/>
+          <a:srcRect b="52165"/>
+          <a:stretch/>
+        </p:blipFill>
+        <p:spPr>
+          <a:xfrm>
+            <a:off x="5768290" y="1073151"/>
+            <a:ext cx="2155200" cy="4545056"/>
+          </a:xfrm>
+          <a:prstGeom prst="rect">
+            <a:avLst/>
+          </a:prstGeom>
+        </p:spPr>
+      </p:pic>
+      <p:pic>
+        <p:nvPicPr>
+          <p:cNvPr id="5" name="Picture 4"/>
+          <p:cNvPicPr>
+            <a:picLocks noChangeAspect="1"/>
+          </p:cNvPicPr>
+          <p:nvPr/>
+        </p:nvPicPr>
+        <p:blipFill rotWithShape="1">
+          <a:blip r:embed="rId3"/>
+          <a:srcRect t="46938"/>
+          <a:stretch/>
+        </p:blipFill>
+        <p:spPr>
+          <a:xfrm>
+            <a:off x="8590865" y="1174750"/>
+            <a:ext cx="1989719" cy="4654550"/>
+          </a:xfrm>
+          <a:prstGeom prst="rect">
+            <a:avLst/>
+          </a:prstGeom>
+        </p:spPr>
+      </p:pic>
       <p:sp>
         <p:nvSpPr>
-          <p:cNvPr id="3" name="Rectangle 3"/>
-          <p:cNvSpPr txBox="1">
-            <a:spLocks/>
-          </p:cNvSpPr>
+          <p:cNvPr id="6" name="Rectangle 5"/>
+          <p:cNvSpPr/>
           <p:nvPr/>
         </p:nvSpPr>
         <p:spPr>
           <a:xfrm>
-            <a:off x="457200" y="1192213"/>
-            <a:ext cx="11080750" cy="4389437"/>
+            <a:off x="5645150" y="5829300"/>
+            <a:ext cx="6323330" cy="646331"/>
           </a:xfrm>
           <a:prstGeom prst="rect">
             <a:avLst/>
           </a:prstGeom>
         </p:spPr>
         <p:txBody>
-          <a:bodyPr/>
-          <a:lstStyle>
-            <a:lvl1pPr marL="342891" indent="-342891" algn="l" defTabSz="914377" rtl="0" eaLnBrk="1" latinLnBrk="0" hangingPunct="1">
-              <a:spcBef>
-                <a:spcPct val="20000"/>
-              </a:spcBef>
-              <a:buFont typeface="Arial" pitchFamily="34" charset="0"/>
+          <a:bodyPr wrap="square">
+            <a:spAutoFit/>
+          </a:bodyPr>
+          <a:lstStyle/>
+          <a:p>
+            <a:pPr>
+              <a:buFont typeface="Arial" panose="020B0604020202020204" pitchFamily="34" charset="0"/>
               <a:buChar char="•"/>
-              <a:defRPr sz="3200" kern="1200">
-                <a:solidFill>
-                  <a:schemeClr val="tx1"/>
-                </a:solidFill>
-                <a:latin typeface="+mn-lt"/>
-                <a:ea typeface="+mn-ea"/>
-                <a:cs typeface="+mn-cs"/>
-              </a:defRPr>
-            </a:lvl1pPr>
-            <a:lvl2pPr marL="742932" indent="-285744" algn="l" defTabSz="914377" rtl="0" eaLnBrk="1" latinLnBrk="0" hangingPunct="1">
-              <a:spcBef>
-                <a:spcPct val="20000"/>
-              </a:spcBef>
-              <a:buFont typeface="Arial" pitchFamily="34" charset="0"/>
-              <a:buChar char="–"/>
-              <a:defRPr sz="2800" kern="1200">
-                <a:solidFill>
-                  <a:schemeClr val="tx1"/>
-                </a:solidFill>
-                <a:latin typeface="+mn-lt"/>
-                <a:ea typeface="+mn-ea"/>
-                <a:cs typeface="+mn-cs"/>
-              </a:defRPr>
-            </a:lvl2pPr>
-            <a:lvl3pPr marL="1142971" indent="-228594" algn="l" defTabSz="914377" rtl="0" eaLnBrk="1" latinLnBrk="0" hangingPunct="1">
-              <a:spcBef>
-                <a:spcPct val="20000"/>
-              </a:spcBef>
-              <a:buFont typeface="Arial" pitchFamily="34" charset="0"/>
+            </a:pPr>
+            <a:r>
+              <a:rPr lang="en-US" dirty="0" smtClean="0">
+                <a:solidFill>
+                  <a:srgbClr val="000000"/>
+                </a:solidFill>
+                <a:latin typeface="Helvetica" panose="020B0604020202020204" pitchFamily="34" charset="0"/>
+              </a:rPr>
+              <a:t> A </a:t>
+            </a:r>
+            <a:r>
+              <a:rPr lang="en-US" dirty="0">
+                <a:solidFill>
+                  <a:srgbClr val="000000"/>
+                </a:solidFill>
+                <a:latin typeface="Helvetica" panose="020B0604020202020204" pitchFamily="34" charset="0"/>
+              </a:rPr>
+              <a:t>scalar is considered to be a 1 x 1 vector or 1 x 1 matrix.</a:t>
+            </a:r>
+          </a:p>
+          <a:p>
+            <a:pPr>
+              <a:buFont typeface="Arial" panose="020B0604020202020204" pitchFamily="34" charset="0"/>
               <a:buChar char="•"/>
-              <a:defRPr sz="2400" kern="1200">
-                <a:solidFill>
-                  <a:schemeClr val="tx1"/>
-                </a:solidFill>
-                <a:latin typeface="+mn-lt"/>
-                <a:ea typeface="+mn-ea"/>
-                <a:cs typeface="+mn-cs"/>
-              </a:defRPr>
-            </a:lvl3pPr>
-            <a:lvl4pPr marL="1600160" indent="-228594" algn="l" defTabSz="914377" rtl="0" eaLnBrk="1" latinLnBrk="0" hangingPunct="1">
-              <a:spcBef>
-                <a:spcPct val="20000"/>
-              </a:spcBef>
-              <a:buFont typeface="Arial" pitchFamily="34" charset="0"/>
-              <a:buChar char="–"/>
-              <a:defRPr sz="2000" kern="1200">
-                <a:solidFill>
-                  <a:schemeClr val="tx1"/>
-                </a:solidFill>
-                <a:latin typeface="+mn-lt"/>
-                <a:ea typeface="+mn-ea"/>
-                <a:cs typeface="+mn-cs"/>
-              </a:defRPr>
-            </a:lvl4pPr>
-            <a:lvl5pPr marL="2057349" indent="-228594" algn="l" defTabSz="914377" rtl="0" eaLnBrk="1" latinLnBrk="0" hangingPunct="1">
-              <a:spcBef>
-                <a:spcPct val="20000"/>
-              </a:spcBef>
-              <a:buFont typeface="Arial" pitchFamily="34" charset="0"/>
-              <a:buChar char="»"/>
-              <a:defRPr sz="2000" kern="1200">
-                <a:solidFill>
-                  <a:schemeClr val="tx1"/>
-                </a:solidFill>
-                <a:latin typeface="+mn-lt"/>
-                <a:ea typeface="+mn-ea"/>
-                <a:cs typeface="+mn-cs"/>
-              </a:defRPr>
-            </a:lvl5pPr>
-            <a:lvl6pPr marL="2514537" indent="-228594" algn="l" defTabSz="914377" rtl="0" eaLnBrk="1" latinLnBrk="0" hangingPunct="1">
-              <a:spcBef>
-                <a:spcPct val="20000"/>
-              </a:spcBef>
-              <a:buFont typeface="Arial" pitchFamily="34" charset="0"/>
-              <a:buChar char="•"/>
-              <a:defRPr sz="2000" kern="1200">
-                <a:solidFill>
-                  <a:schemeClr val="tx1"/>
-                </a:solidFill>
-                <a:latin typeface="+mn-lt"/>
-                <a:ea typeface="+mn-ea"/>
-                <a:cs typeface="+mn-cs"/>
-              </a:defRPr>
-            </a:lvl6pPr>
-            <a:lvl7pPr marL="2971726" indent="-228594" algn="l" defTabSz="914377" rtl="0" eaLnBrk="1" latinLnBrk="0" hangingPunct="1">
-              <a:spcBef>
-                <a:spcPct val="20000"/>
-              </a:spcBef>
-              <a:buFont typeface="Arial" pitchFamily="34" charset="0"/>
-              <a:buChar char="•"/>
-              <a:defRPr sz="2000" kern="1200">
-                <a:solidFill>
-                  <a:schemeClr val="tx1"/>
-                </a:solidFill>
-                <a:latin typeface="+mn-lt"/>
-                <a:ea typeface="+mn-ea"/>
-                <a:cs typeface="+mn-cs"/>
-              </a:defRPr>
-            </a:lvl7pPr>
-            <a:lvl8pPr marL="3428914" indent="-228594" algn="l" defTabSz="914377" rtl="0" eaLnBrk="1" latinLnBrk="0" hangingPunct="1">
-              <a:spcBef>
-                <a:spcPct val="20000"/>
-              </a:spcBef>
-              <a:buFont typeface="Arial" pitchFamily="34" charset="0"/>
-              <a:buChar char="•"/>
-              <a:defRPr sz="2000" kern="1200">
-                <a:solidFill>
-                  <a:schemeClr val="tx1"/>
-                </a:solidFill>
-                <a:latin typeface="+mn-lt"/>
-                <a:ea typeface="+mn-ea"/>
-                <a:cs typeface="+mn-cs"/>
-              </a:defRPr>
-            </a:lvl8pPr>
-            <a:lvl9pPr marL="3886103" indent="-228594" algn="l" defTabSz="914377" rtl="0" eaLnBrk="1" latinLnBrk="0" hangingPunct="1">
-              <a:spcBef>
-                <a:spcPct val="20000"/>
-              </a:spcBef>
-              <a:buFont typeface="Arial" pitchFamily="34" charset="0"/>
-              <a:buChar char="•"/>
-              <a:defRPr sz="2000" kern="1200">
-                <a:solidFill>
-                  <a:schemeClr val="tx1"/>
-                </a:solidFill>
-                <a:latin typeface="+mn-lt"/>
-                <a:ea typeface="+mn-ea"/>
-                <a:cs typeface="+mn-cs"/>
-              </a:defRPr>
-            </a:lvl9pPr>
-          </a:lstStyle>
-          <a:p>
-            <a:r>
-              <a:rPr lang="en-US" altLang="en-US" sz="2500" dirty="0">
-                <a:ea typeface="ＭＳ Ｐゴシック" panose="020B0600070205080204" pitchFamily="34" charset="-128"/>
-              </a:rPr>
-              <a:t>Note: to represent the concept of false, </a:t>
-            </a:r>
-            <a:r>
-              <a:rPr lang="en-US" altLang="en-US" sz="2500" dirty="0">
-                <a:latin typeface="Courier New" panose="02070309020205020404" pitchFamily="49" charset="0"/>
-                <a:ea typeface="ＭＳ Ｐゴシック" panose="020B0600070205080204" pitchFamily="34" charset="-128"/>
-                <a:cs typeface="Courier New" panose="02070309020205020404" pitchFamily="49" charset="0"/>
-              </a:rPr>
-              <a:t>0</a:t>
-            </a:r>
-            <a:r>
-              <a:rPr lang="en-US" altLang="en-US" sz="2500" dirty="0">
-                <a:ea typeface="ＭＳ Ｐゴシック" panose="020B0600070205080204" pitchFamily="34" charset="-128"/>
-              </a:rPr>
-              <a:t> is used.  To represent the concept of true, any nonzero value can be used – so expressions like 5 or </a:t>
-            </a:r>
-            <a:r>
-              <a:rPr lang="ja-JP" altLang="en-US" sz="2500" dirty="0"/>
-              <a:t>‘</a:t>
-            </a:r>
-            <a:r>
-              <a:rPr lang="en-US" altLang="ja-JP" sz="2500" dirty="0"/>
-              <a:t>x</a:t>
-            </a:r>
-            <a:r>
-              <a:rPr lang="ja-JP" altLang="en-US" sz="2500" dirty="0"/>
-              <a:t>’</a:t>
-            </a:r>
-            <a:r>
-              <a:rPr lang="en-US" altLang="ja-JP" sz="2500" dirty="0"/>
-              <a:t> result in logical true</a:t>
-            </a:r>
-          </a:p>
-          <a:p>
-            <a:r>
-              <a:rPr lang="en-US" altLang="en-US" sz="2500" dirty="0">
-                <a:ea typeface="ＭＳ Ｐゴシック" panose="020B0600070205080204" pitchFamily="34" charset="-128"/>
-              </a:rPr>
-              <a:t>This can lead to some common logical errors</a:t>
-            </a:r>
-          </a:p>
-          <a:p>
-            <a:r>
-              <a:rPr lang="en-US" altLang="en-US" sz="2500" dirty="0">
-                <a:ea typeface="ＭＳ Ｐゴシック" panose="020B0600070205080204" pitchFamily="34" charset="-128"/>
-              </a:rPr>
-              <a:t>For example, the following expressions are always true (because the “relational expressions” on the right, 6 and ‘N’, are nonzero so they are true; therefore, it does not matter what the results of the others are):</a:t>
-            </a:r>
-          </a:p>
-          <a:p>
-            <a:pPr marL="366713" lvl="1" indent="0">
-              <a:buFont typeface="Wingdings 2" panose="05020102010507070707" pitchFamily="18" charset="2"/>
-              <a:buNone/>
             </a:pPr>
             <a:r>
-              <a:rPr lang="en-US" altLang="en-US" sz="2500" dirty="0">
-                <a:latin typeface="Courier New" panose="02070309020205020404" pitchFamily="49" charset="0"/>
-                <a:ea typeface="ＭＳ Ｐゴシック" panose="020B0600070205080204" pitchFamily="34" charset="-128"/>
-                <a:cs typeface="Courier New" panose="02070309020205020404" pitchFamily="49" charset="0"/>
-              </a:rPr>
-              <a:t>  </a:t>
-            </a:r>
-            <a:r>
-              <a:rPr lang="en-US" altLang="en-US" sz="2500" dirty="0" smtClean="0">
-                <a:latin typeface="Courier New" panose="02070309020205020404" pitchFamily="49" charset="0"/>
-                <a:ea typeface="ＭＳ Ｐゴシック" panose="020B0600070205080204" pitchFamily="34" charset="-128"/>
-                <a:cs typeface="Courier New" panose="02070309020205020404" pitchFamily="49" charset="0"/>
-              </a:rPr>
-              <a:t>(number </a:t>
-            </a:r>
-            <a:r>
-              <a:rPr lang="en-US" altLang="en-US" sz="2500" dirty="0">
-                <a:latin typeface="Courier New" panose="02070309020205020404" pitchFamily="49" charset="0"/>
-                <a:ea typeface="ＭＳ Ｐゴシック" panose="020B0600070205080204" pitchFamily="34" charset="-128"/>
-                <a:cs typeface="Courier New" panose="02070309020205020404" pitchFamily="49" charset="0"/>
-              </a:rPr>
-              <a:t>&lt; </a:t>
-            </a:r>
-            <a:r>
-              <a:rPr lang="en-US" altLang="en-US" sz="2500" dirty="0" smtClean="0">
-                <a:latin typeface="Courier New" panose="02070309020205020404" pitchFamily="49" charset="0"/>
-                <a:ea typeface="ＭＳ Ｐゴシック" panose="020B0600070205080204" pitchFamily="34" charset="-128"/>
-                <a:cs typeface="Courier New" panose="02070309020205020404" pitchFamily="49" charset="0"/>
-              </a:rPr>
-              <a:t>5) </a:t>
-            </a:r>
-            <a:r>
-              <a:rPr lang="en-US" altLang="en-US" sz="2500" dirty="0">
-                <a:latin typeface="Courier New" panose="02070309020205020404" pitchFamily="49" charset="0"/>
-                <a:ea typeface="ＭＳ Ｐゴシック" panose="020B0600070205080204" pitchFamily="34" charset="-128"/>
-                <a:cs typeface="Courier New" panose="02070309020205020404" pitchFamily="49" charset="0"/>
-              </a:rPr>
-              <a:t>|| 6</a:t>
-            </a:r>
-          </a:p>
-          <a:p>
-            <a:pPr marL="366713" lvl="1" indent="0">
-              <a:buFont typeface="Wingdings 2" panose="05020102010507070707" pitchFamily="18" charset="2"/>
-              <a:buNone/>
-            </a:pPr>
-            <a:r>
-              <a:rPr lang="en-US" altLang="en-US" sz="2500" dirty="0">
-                <a:latin typeface="Courier New" panose="02070309020205020404" pitchFamily="49" charset="0"/>
-                <a:ea typeface="ＭＳ Ｐゴシック" panose="020B0600070205080204" pitchFamily="34" charset="-128"/>
-                <a:cs typeface="Courier New" panose="02070309020205020404" pitchFamily="49" charset="0"/>
-              </a:rPr>
-              <a:t>  </a:t>
-            </a:r>
-            <a:r>
-              <a:rPr lang="en-US" altLang="en-US" sz="2500" dirty="0" smtClean="0">
-                <a:latin typeface="Courier New" panose="02070309020205020404" pitchFamily="49" charset="0"/>
-                <a:ea typeface="ＭＳ Ｐゴシック" panose="020B0600070205080204" pitchFamily="34" charset="-128"/>
-                <a:cs typeface="Courier New" panose="02070309020205020404" pitchFamily="49" charset="0"/>
-              </a:rPr>
-              <a:t>(letter </a:t>
-            </a:r>
-            <a:r>
-              <a:rPr lang="en-US" altLang="en-US" sz="2500" dirty="0">
-                <a:latin typeface="Courier New" panose="02070309020205020404" pitchFamily="49" charset="0"/>
-                <a:ea typeface="ＭＳ Ｐゴシック" panose="020B0600070205080204" pitchFamily="34" charset="-128"/>
-                <a:cs typeface="Courier New" panose="02070309020205020404" pitchFamily="49" charset="0"/>
-              </a:rPr>
-              <a:t>== </a:t>
-            </a:r>
-            <a:r>
-              <a:rPr lang="ja-JP" altLang="en-US" sz="2500" dirty="0"/>
-              <a:t>‘</a:t>
-            </a:r>
-            <a:r>
-              <a:rPr lang="en-US" altLang="ja-JP" sz="2500" dirty="0">
-                <a:latin typeface="Courier New" panose="02070309020205020404" pitchFamily="49" charset="0"/>
-                <a:cs typeface="Courier New" panose="02070309020205020404" pitchFamily="49" charset="0"/>
-              </a:rPr>
-              <a:t>n</a:t>
-            </a:r>
-            <a:r>
-              <a:rPr lang="ja-JP" altLang="en-US" sz="2500" dirty="0" smtClean="0"/>
-              <a:t>’</a:t>
-            </a:r>
-            <a:r>
-              <a:rPr lang="en-US" altLang="ja-JP" sz="2500" dirty="0" smtClean="0"/>
-              <a:t>)</a:t>
-            </a:r>
-            <a:r>
-              <a:rPr lang="en-US" altLang="ja-JP" sz="2500" dirty="0" smtClean="0">
-                <a:latin typeface="Courier New" panose="02070309020205020404" pitchFamily="49" charset="0"/>
-                <a:cs typeface="Courier New" panose="02070309020205020404" pitchFamily="49" charset="0"/>
-              </a:rPr>
-              <a:t> </a:t>
-            </a:r>
-            <a:r>
-              <a:rPr lang="en-US" altLang="ja-JP" sz="2500" dirty="0">
-                <a:latin typeface="Courier New" panose="02070309020205020404" pitchFamily="49" charset="0"/>
-                <a:cs typeface="Courier New" panose="02070309020205020404" pitchFamily="49" charset="0"/>
-              </a:rPr>
-              <a:t>|| </a:t>
-            </a:r>
-            <a:r>
-              <a:rPr lang="ja-JP" altLang="en-US" sz="2500" dirty="0"/>
-              <a:t>‘</a:t>
-            </a:r>
-            <a:r>
-              <a:rPr lang="en-US" altLang="ja-JP" sz="2500" dirty="0">
-                <a:latin typeface="Courier New" panose="02070309020205020404" pitchFamily="49" charset="0"/>
-                <a:cs typeface="Courier New" panose="02070309020205020404" pitchFamily="49" charset="0"/>
-              </a:rPr>
-              <a:t>N</a:t>
-            </a:r>
-            <a:r>
-              <a:rPr lang="ja-JP" altLang="en-US" sz="2500" dirty="0"/>
-              <a:t>’</a:t>
-            </a:r>
-            <a:endParaRPr lang="en-US" altLang="en-US" sz="2500" dirty="0">
-              <a:latin typeface="Courier New" panose="02070309020205020404" pitchFamily="49" charset="0"/>
-              <a:ea typeface="ＭＳ Ｐゴシック" panose="020B0600070205080204" pitchFamily="34" charset="-128"/>
-              <a:cs typeface="Courier New" panose="02070309020205020404" pitchFamily="49" charset="0"/>
+              <a:rPr lang="en-US" dirty="0" smtClean="0">
+                <a:solidFill>
+                  <a:srgbClr val="000000"/>
+                </a:solidFill>
+                <a:latin typeface="Helvetica" panose="020B0604020202020204" pitchFamily="34" charset="0"/>
+              </a:rPr>
+              <a:t> A </a:t>
+            </a:r>
+            <a:r>
+              <a:rPr lang="en-US" dirty="0">
+                <a:solidFill>
+                  <a:srgbClr val="000000"/>
+                </a:solidFill>
+                <a:latin typeface="Helvetica" panose="020B0604020202020204" pitchFamily="34" charset="0"/>
+              </a:rPr>
+              <a:t>n x 1 vector is considered to be a n x 1 matrix.</a:t>
+            </a:r>
+            <a:endParaRPr lang="en-US" b="0" i="0" u="none" strike="noStrike" dirty="0">
+              <a:solidFill>
+                <a:srgbClr val="000000"/>
+              </a:solidFill>
+              <a:effectLst/>
+              <a:latin typeface="Helvetica" panose="020B0604020202020204" pitchFamily="34" charset="0"/>
             </a:endParaRPr>
           </a:p>
         </p:txBody>
       </p:sp>
       <p:sp>
         <p:nvSpPr>
-          <p:cNvPr id="4" name="Rounded Rectangle 3"/>
+          <p:cNvPr id="7" name="Rounded Rectangle 6"/>
           <p:cNvSpPr/>
           <p:nvPr/>
         </p:nvSpPr>
         <p:spPr>
           <a:xfrm>
-            <a:off x="1057275" y="4067176"/>
-            <a:ext cx="4229100" cy="1028700"/>
+            <a:off x="412750" y="2698750"/>
+            <a:ext cx="4914900" cy="781050"/>
           </a:xfrm>
           <a:prstGeom prst="roundRect">
-            <a:avLst/>
+            <a:avLst>
+              <a:gd name="adj" fmla="val 0"/>
+            </a:avLst>
           </a:prstGeom>
           <a:noFill/>
           <a:ln>
@@ -8748,7 +10642,7 @@
     </p:spTree>
     <p:extLst>
       <p:ext uri="{BB962C8B-B14F-4D97-AF65-F5344CB8AC3E}">
-        <p14:creationId xmlns:p14="http://schemas.microsoft.com/office/powerpoint/2010/main" val="3415626669"/>
+        <p14:creationId xmlns:p14="http://schemas.microsoft.com/office/powerpoint/2010/main" val="3595217104"/>
       </p:ext>
     </p:extLst>
   </p:cSld>
@@ -8798,8 +10692,36 @@
           <a:lstStyle/>
           <a:p>
             <a:r>
+              <a:rPr lang="en-US" dirty="0">
+                <a:solidFill>
+                  <a:srgbClr val="FFFF00"/>
+                </a:solidFill>
+              </a:rPr>
+              <a:t>Example</a:t>
+            </a:r>
+            <a:r>
+              <a:rPr lang="en-US" dirty="0" smtClean="0">
+                <a:solidFill>
+                  <a:srgbClr val="FFFF00"/>
+                </a:solidFill>
+              </a:rPr>
+              <a:t>: </a:t>
+            </a:r>
+            <a:r>
               <a:rPr lang="en-US" dirty="0" smtClean="0"/>
-              <a:t>Operator Precedence</a:t>
+              <a:t>isrow, </a:t>
+            </a:r>
+            <a:r>
+              <a:rPr lang="en-US" dirty="0" err="1" smtClean="0"/>
+              <a:t>iscolumn</a:t>
+            </a:r>
+            <a:r>
+              <a:rPr lang="en-US" dirty="0" smtClean="0"/>
+              <a:t>, </a:t>
+            </a:r>
+            <a:r>
+              <a:rPr lang="en-US" dirty="0" err="1" smtClean="0"/>
+              <a:t>isempty</a:t>
             </a:r>
             <a:endParaRPr lang="en-US" dirty="0"/>
           </a:p>
@@ -8807,7 +10729,7 @@
       </p:sp>
       <p:pic>
         <p:nvPicPr>
-          <p:cNvPr id="3" name="Picture 2"/>
+          <p:cNvPr id="7" name="Picture 6"/>
           <p:cNvPicPr>
             <a:picLocks noChangeAspect="1"/>
           </p:cNvPicPr>
@@ -8821,49 +10743,90 @@
         </p:blipFill>
         <p:spPr>
           <a:xfrm>
-            <a:off x="241300" y="1002353"/>
-            <a:ext cx="10220325" cy="5522272"/>
+            <a:off x="307975" y="1196975"/>
+            <a:ext cx="3786926" cy="2867025"/>
           </a:xfrm>
           <a:prstGeom prst="rect">
             <a:avLst/>
           </a:prstGeom>
         </p:spPr>
       </p:pic>
-      <p:sp>
-        <p:nvSpPr>
-          <p:cNvPr id="4" name="Rectangle 3"/>
-          <p:cNvSpPr/>
+      <p:pic>
+        <p:nvPicPr>
+          <p:cNvPr id="8" name="Picture 7"/>
+          <p:cNvPicPr>
+            <a:picLocks noChangeAspect="1"/>
+          </p:cNvPicPr>
           <p:nvPr/>
-        </p:nvSpPr>
+        </p:nvPicPr>
+        <p:blipFill>
+          <a:blip r:embed="rId3"/>
+          <a:stretch>
+            <a:fillRect/>
+          </a:stretch>
+        </p:blipFill>
         <p:spPr>
           <a:xfrm>
-            <a:off x="4905375" y="5972860"/>
-            <a:ext cx="8172450" cy="338554"/>
+            <a:off x="4259263" y="1196975"/>
+            <a:ext cx="2360126" cy="4378325"/>
           </a:xfrm>
           <a:prstGeom prst="rect">
             <a:avLst/>
           </a:prstGeom>
         </p:spPr>
-        <p:txBody>
-          <a:bodyPr wrap="square">
-            <a:spAutoFit/>
-          </a:bodyPr>
-          <a:lstStyle/>
-          <a:p>
-            <a:r>
-              <a:rPr lang="en-US" sz="1600" dirty="0">
-                <a:hlinkClick r:id="rId3"/>
-              </a:rPr>
-              <a:t>https://www.mathworks.com/help/matlab/matlab_prog/operator-precedence.html</a:t>
-            </a:r>
-            <a:endParaRPr lang="en-US" sz="1600" dirty="0"/>
-          </a:p>
-        </p:txBody>
-      </p:sp>
+      </p:pic>
+      <p:pic>
+        <p:nvPicPr>
+          <p:cNvPr id="9" name="Picture 8"/>
+          <p:cNvPicPr>
+            <a:picLocks noChangeAspect="1"/>
+          </p:cNvPicPr>
+          <p:nvPr/>
+        </p:nvPicPr>
+        <p:blipFill>
+          <a:blip r:embed="rId4"/>
+          <a:stretch>
+            <a:fillRect/>
+          </a:stretch>
+        </p:blipFill>
+        <p:spPr>
+          <a:xfrm>
+            <a:off x="6469063" y="1196975"/>
+            <a:ext cx="3128038" cy="3413125"/>
+          </a:xfrm>
+          <a:prstGeom prst="rect">
+            <a:avLst/>
+          </a:prstGeom>
+        </p:spPr>
+      </p:pic>
+      <p:pic>
+        <p:nvPicPr>
+          <p:cNvPr id="10" name="Picture 9"/>
+          <p:cNvPicPr>
+            <a:picLocks noChangeAspect="1"/>
+          </p:cNvPicPr>
+          <p:nvPr/>
+        </p:nvPicPr>
+        <p:blipFill>
+          <a:blip r:embed="rId5"/>
+          <a:stretch>
+            <a:fillRect/>
+          </a:stretch>
+        </p:blipFill>
+        <p:spPr>
+          <a:xfrm>
+            <a:off x="8257250" y="3971924"/>
+            <a:ext cx="3077499" cy="2396053"/>
+          </a:xfrm>
+          <a:prstGeom prst="rect">
+            <a:avLst/>
+          </a:prstGeom>
+        </p:spPr>
+      </p:pic>
     </p:spTree>
     <p:extLst>
       <p:ext uri="{BB962C8B-B14F-4D97-AF65-F5344CB8AC3E}">
-        <p14:creationId xmlns:p14="http://schemas.microsoft.com/office/powerpoint/2010/main" val="567283278"/>
+        <p14:creationId xmlns:p14="http://schemas.microsoft.com/office/powerpoint/2010/main" val="2528338679"/>
       </p:ext>
     </p:extLst>
   </p:cSld>
@@ -8913,339 +10876,111 @@
           <a:lstStyle/>
           <a:p>
             <a:r>
-              <a:rPr lang="en-US" altLang="en-US" dirty="0">
-                <a:ea typeface="ＭＳ Ｐゴシック" panose="020B0600070205080204" pitchFamily="34" charset="-128"/>
-              </a:rPr>
-              <a:t>Nested if-else Statements</a:t>
+              <a:rPr lang="en-US" dirty="0">
+                <a:solidFill>
+                  <a:srgbClr val="FFFF00"/>
+                </a:solidFill>
+              </a:rPr>
+              <a:t>Example: </a:t>
+            </a:r>
+            <a:r>
+              <a:rPr lang="en-US" dirty="0" err="1"/>
+              <a:t>ischar</a:t>
+            </a:r>
+            <a:r>
+              <a:rPr lang="en-US" dirty="0"/>
+              <a:t>, </a:t>
+            </a:r>
+            <a:r>
+              <a:rPr lang="en-US" dirty="0" err="1"/>
+              <a:t>isletter</a:t>
+            </a:r>
+            <a:r>
+              <a:rPr lang="en-US" dirty="0"/>
+              <a:t>, and </a:t>
+            </a:r>
+            <a:r>
+              <a:rPr lang="en-US" dirty="0" err="1"/>
+              <a:t>isspace</a:t>
             </a:r>
             <a:endParaRPr lang="en-US" dirty="0"/>
           </a:p>
         </p:txBody>
       </p:sp>
-      <p:sp>
-        <p:nvSpPr>
-          <p:cNvPr id="3" name="Rectangle 3"/>
-          <p:cNvSpPr txBox="1">
-            <a:spLocks/>
-          </p:cNvSpPr>
+      <p:pic>
+        <p:nvPicPr>
+          <p:cNvPr id="3" name="Picture 2"/>
+          <p:cNvPicPr>
+            <a:picLocks noChangeAspect="1"/>
+          </p:cNvPicPr>
           <p:nvPr/>
-        </p:nvSpPr>
+        </p:nvPicPr>
+        <p:blipFill>
+          <a:blip r:embed="rId2"/>
+          <a:stretch>
+            <a:fillRect/>
+          </a:stretch>
+        </p:blipFill>
         <p:spPr>
           <a:xfrm>
-            <a:off x="457200" y="1192213"/>
-            <a:ext cx="10834828" cy="4389437"/>
+            <a:off x="241301" y="1182370"/>
+            <a:ext cx="4031626" cy="4456430"/>
           </a:xfrm>
           <a:prstGeom prst="rect">
             <a:avLst/>
           </a:prstGeom>
         </p:spPr>
-        <p:txBody>
-          <a:bodyPr/>
-          <a:lstStyle>
-            <a:lvl1pPr marL="342891" indent="-342891" algn="l" defTabSz="914377" rtl="0" eaLnBrk="1" latinLnBrk="0" hangingPunct="1">
-              <a:spcBef>
-                <a:spcPct val="20000"/>
-              </a:spcBef>
-              <a:buFont typeface="Arial" pitchFamily="34" charset="0"/>
-              <a:buChar char="•"/>
-              <a:defRPr sz="3200" kern="1200">
-                <a:solidFill>
-                  <a:schemeClr val="tx1"/>
-                </a:solidFill>
-                <a:latin typeface="+mn-lt"/>
-                <a:ea typeface="+mn-ea"/>
-                <a:cs typeface="+mn-cs"/>
-              </a:defRPr>
-            </a:lvl1pPr>
-            <a:lvl2pPr marL="742932" indent="-285744" algn="l" defTabSz="914377" rtl="0" eaLnBrk="1" latinLnBrk="0" hangingPunct="1">
-              <a:spcBef>
-                <a:spcPct val="20000"/>
-              </a:spcBef>
-              <a:buFont typeface="Arial" pitchFamily="34" charset="0"/>
-              <a:buChar char="–"/>
-              <a:defRPr sz="2800" kern="1200">
-                <a:solidFill>
-                  <a:schemeClr val="tx1"/>
-                </a:solidFill>
-                <a:latin typeface="+mn-lt"/>
-                <a:ea typeface="+mn-ea"/>
-                <a:cs typeface="+mn-cs"/>
-              </a:defRPr>
-            </a:lvl2pPr>
-            <a:lvl3pPr marL="1142971" indent="-228594" algn="l" defTabSz="914377" rtl="0" eaLnBrk="1" latinLnBrk="0" hangingPunct="1">
-              <a:spcBef>
-                <a:spcPct val="20000"/>
-              </a:spcBef>
-              <a:buFont typeface="Arial" pitchFamily="34" charset="0"/>
-              <a:buChar char="•"/>
-              <a:defRPr sz="2400" kern="1200">
-                <a:solidFill>
-                  <a:schemeClr val="tx1"/>
-                </a:solidFill>
-                <a:latin typeface="+mn-lt"/>
-                <a:ea typeface="+mn-ea"/>
-                <a:cs typeface="+mn-cs"/>
-              </a:defRPr>
-            </a:lvl3pPr>
-            <a:lvl4pPr marL="1600160" indent="-228594" algn="l" defTabSz="914377" rtl="0" eaLnBrk="1" latinLnBrk="0" hangingPunct="1">
-              <a:spcBef>
-                <a:spcPct val="20000"/>
-              </a:spcBef>
-              <a:buFont typeface="Arial" pitchFamily="34" charset="0"/>
-              <a:buChar char="–"/>
-              <a:defRPr sz="2000" kern="1200">
-                <a:solidFill>
-                  <a:schemeClr val="tx1"/>
-                </a:solidFill>
-                <a:latin typeface="+mn-lt"/>
-                <a:ea typeface="+mn-ea"/>
-                <a:cs typeface="+mn-cs"/>
-              </a:defRPr>
-            </a:lvl4pPr>
-            <a:lvl5pPr marL="2057349" indent="-228594" algn="l" defTabSz="914377" rtl="0" eaLnBrk="1" latinLnBrk="0" hangingPunct="1">
-              <a:spcBef>
-                <a:spcPct val="20000"/>
-              </a:spcBef>
-              <a:buFont typeface="Arial" pitchFamily="34" charset="0"/>
-              <a:buChar char="»"/>
-              <a:defRPr sz="2000" kern="1200">
-                <a:solidFill>
-                  <a:schemeClr val="tx1"/>
-                </a:solidFill>
-                <a:latin typeface="+mn-lt"/>
-                <a:ea typeface="+mn-ea"/>
-                <a:cs typeface="+mn-cs"/>
-              </a:defRPr>
-            </a:lvl5pPr>
-            <a:lvl6pPr marL="2514537" indent="-228594" algn="l" defTabSz="914377" rtl="0" eaLnBrk="1" latinLnBrk="0" hangingPunct="1">
-              <a:spcBef>
-                <a:spcPct val="20000"/>
-              </a:spcBef>
-              <a:buFont typeface="Arial" pitchFamily="34" charset="0"/>
-              <a:buChar char="•"/>
-              <a:defRPr sz="2000" kern="1200">
-                <a:solidFill>
-                  <a:schemeClr val="tx1"/>
-                </a:solidFill>
-                <a:latin typeface="+mn-lt"/>
-                <a:ea typeface="+mn-ea"/>
-                <a:cs typeface="+mn-cs"/>
-              </a:defRPr>
-            </a:lvl6pPr>
-            <a:lvl7pPr marL="2971726" indent="-228594" algn="l" defTabSz="914377" rtl="0" eaLnBrk="1" latinLnBrk="0" hangingPunct="1">
-              <a:spcBef>
-                <a:spcPct val="20000"/>
-              </a:spcBef>
-              <a:buFont typeface="Arial" pitchFamily="34" charset="0"/>
-              <a:buChar char="•"/>
-              <a:defRPr sz="2000" kern="1200">
-                <a:solidFill>
-                  <a:schemeClr val="tx1"/>
-                </a:solidFill>
-                <a:latin typeface="+mn-lt"/>
-                <a:ea typeface="+mn-ea"/>
-                <a:cs typeface="+mn-cs"/>
-              </a:defRPr>
-            </a:lvl7pPr>
-            <a:lvl8pPr marL="3428914" indent="-228594" algn="l" defTabSz="914377" rtl="0" eaLnBrk="1" latinLnBrk="0" hangingPunct="1">
-              <a:spcBef>
-                <a:spcPct val="20000"/>
-              </a:spcBef>
-              <a:buFont typeface="Arial" pitchFamily="34" charset="0"/>
-              <a:buChar char="•"/>
-              <a:defRPr sz="2000" kern="1200">
-                <a:solidFill>
-                  <a:schemeClr val="tx1"/>
-                </a:solidFill>
-                <a:latin typeface="+mn-lt"/>
-                <a:ea typeface="+mn-ea"/>
-                <a:cs typeface="+mn-cs"/>
-              </a:defRPr>
-            </a:lvl8pPr>
-            <a:lvl9pPr marL="3886103" indent="-228594" algn="l" defTabSz="914377" rtl="0" eaLnBrk="1" latinLnBrk="0" hangingPunct="1">
-              <a:spcBef>
-                <a:spcPct val="20000"/>
-              </a:spcBef>
-              <a:buFont typeface="Arial" pitchFamily="34" charset="0"/>
-              <a:buChar char="•"/>
-              <a:defRPr sz="2000" kern="1200">
-                <a:solidFill>
-                  <a:schemeClr val="tx1"/>
-                </a:solidFill>
-                <a:latin typeface="+mn-lt"/>
-                <a:ea typeface="+mn-ea"/>
-                <a:cs typeface="+mn-cs"/>
-              </a:defRPr>
-            </a:lvl9pPr>
-          </a:lstStyle>
-          <a:p>
-            <a:r>
-              <a:rPr lang="en-US" altLang="en-US" sz="2200" dirty="0" smtClean="0">
-                <a:ea typeface="ＭＳ Ｐゴシック" panose="020B0600070205080204" pitchFamily="34" charset="-128"/>
-              </a:rPr>
-              <a:t>Simplify this statement:</a:t>
-            </a:r>
-          </a:p>
-          <a:p>
-            <a:pPr lvl="2">
-              <a:buNone/>
-            </a:pPr>
-            <a:r>
-              <a:rPr lang="pt-BR" altLang="en-US" sz="1900" dirty="0" smtClean="0">
-                <a:latin typeface="Courier New" panose="02070309020205020404" pitchFamily="49" charset="0"/>
-                <a:ea typeface="ＭＳ Ｐゴシック" panose="020B0600070205080204" pitchFamily="34" charset="-128"/>
-              </a:rPr>
-              <a:t>if num &lt; 0</a:t>
-            </a:r>
-          </a:p>
-          <a:p>
-            <a:pPr lvl="2">
-              <a:buNone/>
-            </a:pPr>
-            <a:r>
-              <a:rPr lang="pt-BR" altLang="en-US" sz="1900" dirty="0" smtClean="0">
-                <a:latin typeface="Courier New" panose="02070309020205020404" pitchFamily="49" charset="0"/>
-                <a:ea typeface="ＭＳ Ｐゴシック" panose="020B0600070205080204" pitchFamily="34" charset="-128"/>
-              </a:rPr>
-              <a:t>	num = 0;</a:t>
-            </a:r>
-          </a:p>
-          <a:p>
-            <a:pPr lvl="2">
-              <a:buNone/>
-            </a:pPr>
-            <a:r>
-              <a:rPr lang="pt-BR" altLang="en-US" sz="1900" dirty="0" smtClean="0">
-                <a:latin typeface="Courier New" panose="02070309020205020404" pitchFamily="49" charset="0"/>
-                <a:ea typeface="ＭＳ Ｐゴシック" panose="020B0600070205080204" pitchFamily="34" charset="-128"/>
-              </a:rPr>
-              <a:t>else</a:t>
-            </a:r>
-          </a:p>
-          <a:p>
-            <a:pPr lvl="2">
-              <a:buNone/>
-            </a:pPr>
-            <a:r>
-              <a:rPr lang="pt-BR" altLang="en-US" sz="1900" dirty="0" smtClean="0">
-                <a:latin typeface="Courier New" panose="02070309020205020404" pitchFamily="49" charset="0"/>
-                <a:ea typeface="ＭＳ Ｐゴシック" panose="020B0600070205080204" pitchFamily="34" charset="-128"/>
-              </a:rPr>
-              <a:t>	num = num;</a:t>
-            </a:r>
-          </a:p>
-          <a:p>
-            <a:pPr lvl="2">
-              <a:buNone/>
-            </a:pPr>
-            <a:r>
-              <a:rPr lang="pt-BR" altLang="en-US" sz="1900" dirty="0" smtClean="0">
-                <a:latin typeface="Courier New" panose="02070309020205020404" pitchFamily="49" charset="0"/>
-                <a:ea typeface="ＭＳ Ｐゴシック" panose="020B0600070205080204" pitchFamily="34" charset="-128"/>
-              </a:rPr>
-              <a:t>end</a:t>
-            </a:r>
-            <a:endParaRPr lang="en-US" altLang="en-US" sz="1900" dirty="0" smtClean="0">
-              <a:latin typeface="Courier New" panose="02070309020205020404" pitchFamily="49" charset="0"/>
-              <a:ea typeface="ＭＳ Ｐゴシック" panose="020B0600070205080204" pitchFamily="34" charset="-128"/>
-            </a:endParaRPr>
-          </a:p>
-          <a:p>
-            <a:r>
-              <a:rPr lang="en-US" altLang="en-US" sz="2200" dirty="0" smtClean="0">
-                <a:ea typeface="ＭＳ Ｐゴシック" panose="020B0600070205080204" pitchFamily="34" charset="-128"/>
-              </a:rPr>
-              <a:t>Answer:</a:t>
-            </a:r>
-          </a:p>
-          <a:p>
-            <a:pPr lvl="2">
-              <a:buNone/>
-            </a:pPr>
-            <a:r>
-              <a:rPr lang="pt-BR" altLang="en-US" sz="1900" dirty="0" smtClean="0">
-                <a:latin typeface="Courier New" panose="02070309020205020404" pitchFamily="49" charset="0"/>
-                <a:ea typeface="ＭＳ Ｐゴシック" panose="020B0600070205080204" pitchFamily="34" charset="-128"/>
-              </a:rPr>
-              <a:t>if num &lt; 0</a:t>
-            </a:r>
-          </a:p>
-          <a:p>
-            <a:pPr lvl="2">
-              <a:buNone/>
-            </a:pPr>
-            <a:r>
-              <a:rPr lang="pt-BR" altLang="en-US" sz="1900" dirty="0" smtClean="0">
-                <a:latin typeface="Courier New" panose="02070309020205020404" pitchFamily="49" charset="0"/>
-                <a:ea typeface="ＭＳ Ｐゴシック" panose="020B0600070205080204" pitchFamily="34" charset="-128"/>
-              </a:rPr>
-              <a:t>	num = 0;</a:t>
-            </a:r>
-          </a:p>
-          <a:p>
-            <a:pPr lvl="2">
-              <a:buNone/>
-            </a:pPr>
-            <a:r>
-              <a:rPr lang="pt-BR" altLang="en-US" sz="1900" dirty="0" smtClean="0">
-                <a:latin typeface="Courier New" panose="02070309020205020404" pitchFamily="49" charset="0"/>
-                <a:ea typeface="ＭＳ Ｐゴシック" panose="020B0600070205080204" pitchFamily="34" charset="-128"/>
-              </a:rPr>
-              <a:t>end</a:t>
-            </a:r>
-            <a:endParaRPr lang="en-US" altLang="en-US" sz="2200" dirty="0" smtClean="0">
-              <a:ea typeface="ＭＳ Ｐゴシック" panose="020B0600070205080204" pitchFamily="34" charset="-128"/>
-            </a:endParaRPr>
-          </a:p>
-          <a:p>
-            <a:r>
-              <a:rPr lang="en-US" altLang="en-US" sz="2200" dirty="0" smtClean="0">
-                <a:ea typeface="ＭＳ Ｐゴシック" panose="020B0600070205080204" pitchFamily="34" charset="-128"/>
-              </a:rPr>
-              <a:t>The point is that the </a:t>
-            </a:r>
-            <a:r>
-              <a:rPr lang="en-US" altLang="en-US" sz="2200" b="1" dirty="0" smtClean="0">
-                <a:ea typeface="ＭＳ Ｐゴシック" panose="020B0600070205080204" pitchFamily="34" charset="-128"/>
-              </a:rPr>
-              <a:t>else</a:t>
-            </a:r>
-            <a:r>
-              <a:rPr lang="en-US" altLang="en-US" sz="2200" dirty="0" smtClean="0">
-                <a:ea typeface="ＭＳ Ｐゴシック" panose="020B0600070205080204" pitchFamily="34" charset="-128"/>
-              </a:rPr>
-              <a:t> clause does not accomplish anything, so it is not necessary … sometimes just an </a:t>
-            </a:r>
-            <a:r>
-              <a:rPr lang="en-US" altLang="en-US" sz="2200" b="1" dirty="0" smtClean="0">
-                <a:ea typeface="ＭＳ Ｐゴシック" panose="020B0600070205080204" pitchFamily="34" charset="-128"/>
-              </a:rPr>
-              <a:t>if</a:t>
-            </a:r>
-            <a:r>
-              <a:rPr lang="en-US" altLang="en-US" sz="2200" dirty="0" smtClean="0">
-                <a:ea typeface="ＭＳ Ｐゴシック" panose="020B0600070205080204" pitchFamily="34" charset="-128"/>
-              </a:rPr>
-              <a:t> statement is all you need!</a:t>
-            </a:r>
-          </a:p>
-          <a:p>
-            <a:endParaRPr lang="en-US" altLang="en-US" sz="1900" dirty="0" smtClean="0">
-              <a:latin typeface="Courier New" panose="02070309020205020404" pitchFamily="49" charset="0"/>
-              <a:ea typeface="ＭＳ Ｐゴシック" panose="020B0600070205080204" pitchFamily="34" charset="-128"/>
-            </a:endParaRPr>
-          </a:p>
-          <a:p>
-            <a:endParaRPr lang="en-US" altLang="en-US" sz="2200" dirty="0">
-              <a:ea typeface="ＭＳ Ｐゴシック" panose="020B0600070205080204" pitchFamily="34" charset="-128"/>
-            </a:endParaRPr>
-          </a:p>
-        </p:txBody>
-      </p:sp>
+      </p:pic>
+      <p:pic>
+        <p:nvPicPr>
+          <p:cNvPr id="4" name="Picture 3"/>
+          <p:cNvPicPr>
+            <a:picLocks noChangeAspect="1"/>
+          </p:cNvPicPr>
+          <p:nvPr/>
+        </p:nvPicPr>
+        <p:blipFill rotWithShape="1">
+          <a:blip r:embed="rId3"/>
+          <a:srcRect b="42507"/>
+          <a:stretch/>
+        </p:blipFill>
+        <p:spPr>
+          <a:xfrm>
+            <a:off x="4435542" y="1182371"/>
+            <a:ext cx="3669977" cy="4621663"/>
+          </a:xfrm>
+          <a:prstGeom prst="rect">
+            <a:avLst/>
+          </a:prstGeom>
+        </p:spPr>
+      </p:pic>
+      <p:pic>
+        <p:nvPicPr>
+          <p:cNvPr id="5" name="Picture 4"/>
+          <p:cNvPicPr>
+            <a:picLocks noChangeAspect="1"/>
+          </p:cNvPicPr>
+          <p:nvPr/>
+        </p:nvPicPr>
+        <p:blipFill rotWithShape="1">
+          <a:blip r:embed="rId3"/>
+          <a:srcRect t="56894"/>
+          <a:stretch/>
+        </p:blipFill>
+        <p:spPr>
+          <a:xfrm>
+            <a:off x="8268134" y="1182370"/>
+            <a:ext cx="3669977" cy="3465096"/>
+          </a:xfrm>
+          <a:prstGeom prst="rect">
+            <a:avLst/>
+          </a:prstGeom>
+        </p:spPr>
+      </p:pic>
     </p:spTree>
     <p:extLst>
       <p:ext uri="{BB962C8B-B14F-4D97-AF65-F5344CB8AC3E}">
-        <p14:creationId xmlns:p14="http://schemas.microsoft.com/office/powerpoint/2010/main" val="320897346"/>
+        <p14:creationId xmlns:p14="http://schemas.microsoft.com/office/powerpoint/2010/main" val="3073243167"/>
       </p:ext>
     </p:extLst>
   </p:cSld>
@@ -9296,7 +11031,7 @@
           <a:p>
             <a:r>
               <a:rPr lang="en-US" dirty="0" smtClean="0"/>
-              <a:t>Throwing an Error</a:t>
+              <a:t>If Statement</a:t>
             </a:r>
             <a:endParaRPr lang="en-US" dirty="0"/>
           </a:p>
@@ -9459,108 +11194,180 @@
             </a:lvl9pPr>
           </a:lstStyle>
           <a:p>
+            <a:pPr>
+              <a:lnSpc>
+                <a:spcPct val="80000"/>
+              </a:lnSpc>
+            </a:pPr>
             <a:r>
               <a:rPr lang="en-US" altLang="en-US" sz="2500" dirty="0">
                 <a:ea typeface="ＭＳ Ｐゴシック" panose="020B0600070205080204" pitchFamily="34" charset="-128"/>
               </a:rPr>
-              <a:t>MATLAB has an </a:t>
+              <a:t>The </a:t>
             </a:r>
             <a:r>
               <a:rPr lang="en-US" altLang="en-US" sz="2500" b="1" dirty="0">
                 <a:ea typeface="ＭＳ Ｐゴシック" panose="020B0600070205080204" pitchFamily="34" charset="-128"/>
               </a:rPr>
-              <a:t>error</a:t>
+              <a:t>if</a:t>
             </a:r>
             <a:r>
               <a:rPr lang="en-US" altLang="en-US" sz="2500" dirty="0">
                 <a:ea typeface="ＭＳ Ｐゴシック" panose="020B0600070205080204" pitchFamily="34" charset="-128"/>
               </a:rPr>
-              <a:t> function that can be used to display an error message in red, similar to the error messages generated by MATLAB</a:t>
-            </a:r>
-          </a:p>
-          <a:p>
-            <a:pPr marL="641350" lvl="2" indent="0">
-              <a:buFont typeface="Wingdings 2" panose="05020102010507070707" pitchFamily="18" charset="2"/>
-              <a:buNone/>
+              <a:t> statement is used to determine whether or not a statement or group of statements is to be executed</a:t>
+            </a:r>
+          </a:p>
+          <a:p>
+            <a:pPr>
+              <a:lnSpc>
+                <a:spcPct val="80000"/>
+              </a:lnSpc>
             </a:pPr>
             <a:r>
+              <a:rPr lang="en-US" altLang="en-US" sz="2500" dirty="0">
+                <a:ea typeface="ＭＳ Ｐゴシック" panose="020B0600070205080204" pitchFamily="34" charset="-128"/>
+              </a:rPr>
+              <a:t>General form:</a:t>
+            </a:r>
+          </a:p>
+          <a:p>
+            <a:pPr lvl="2">
+              <a:lnSpc>
+                <a:spcPct val="80000"/>
+              </a:lnSpc>
+              <a:buNone/>
+            </a:pPr>
+            <a:r>
+              <a:rPr lang="en-US" altLang="en-US" sz="2500" dirty="0">
+                <a:ea typeface="ＭＳ Ｐゴシック" panose="020B0600070205080204" pitchFamily="34" charset="-128"/>
+              </a:rPr>
+              <a:t>if condition</a:t>
+            </a:r>
+          </a:p>
+          <a:p>
+            <a:pPr lvl="2">
+              <a:lnSpc>
+                <a:spcPct val="80000"/>
+              </a:lnSpc>
+              <a:buNone/>
+            </a:pPr>
+            <a:r>
+              <a:rPr lang="en-US" altLang="en-US" sz="2500" dirty="0">
+                <a:ea typeface="ＭＳ Ｐゴシック" panose="020B0600070205080204" pitchFamily="34" charset="-128"/>
+              </a:rPr>
+              <a:t>    action</a:t>
+            </a:r>
+          </a:p>
+          <a:p>
+            <a:pPr lvl="2">
+              <a:lnSpc>
+                <a:spcPct val="80000"/>
+              </a:lnSpc>
+              <a:buNone/>
+            </a:pPr>
+            <a:r>
+              <a:rPr lang="en-US" altLang="en-US" sz="2500" dirty="0">
+                <a:ea typeface="ＭＳ Ｐゴシック" panose="020B0600070205080204" pitchFamily="34" charset="-128"/>
+              </a:rPr>
+              <a:t>end</a:t>
+            </a:r>
+          </a:p>
+          <a:p>
+            <a:pPr>
+              <a:lnSpc>
+                <a:spcPct val="80000"/>
+              </a:lnSpc>
+            </a:pPr>
+            <a:r>
+              <a:rPr lang="en-US" altLang="en-US" sz="2500" dirty="0">
+                <a:ea typeface="ＭＳ Ｐゴシック" panose="020B0600070205080204" pitchFamily="34" charset="-128"/>
+              </a:rPr>
+              <a:t>the </a:t>
+            </a:r>
+            <a:r>
               <a:rPr lang="en-US" altLang="en-US" sz="2500" i="1" dirty="0">
-                <a:ea typeface="ＭＳ Ｐゴシック" panose="020B0600070205080204" pitchFamily="34" charset="-128"/>
-              </a:rPr>
-              <a:t> if radius &lt;= 0</a:t>
-            </a:r>
+                <a:solidFill>
+                  <a:srgbClr val="FF0000"/>
+                </a:solidFill>
+                <a:ea typeface="ＭＳ Ｐゴシック" panose="020B0600070205080204" pitchFamily="34" charset="-128"/>
+              </a:rPr>
+              <a:t>condition</a:t>
+            </a:r>
+            <a:r>
+              <a:rPr lang="en-US" altLang="en-US" sz="2500" dirty="0">
+                <a:ea typeface="ＭＳ Ｐゴシック" panose="020B0600070205080204" pitchFamily="34" charset="-128"/>
+              </a:rPr>
+              <a:t> is any relational expression</a:t>
+            </a:r>
+          </a:p>
+          <a:p>
+            <a:pPr>
+              <a:lnSpc>
+                <a:spcPct val="80000"/>
+              </a:lnSpc>
+            </a:pPr>
+            <a:r>
+              <a:rPr lang="en-US" altLang="en-US" sz="2500" dirty="0">
+                <a:ea typeface="ＭＳ Ｐゴシック" panose="020B0600070205080204" pitchFamily="34" charset="-128"/>
+              </a:rPr>
+              <a:t>the </a:t>
+            </a:r>
+            <a:r>
+              <a:rPr lang="en-US" altLang="en-US" sz="2500" i="1" dirty="0">
+                <a:solidFill>
+                  <a:srgbClr val="FF0000"/>
+                </a:solidFill>
+                <a:ea typeface="ＭＳ Ｐゴシック" panose="020B0600070205080204" pitchFamily="34" charset="-128"/>
+              </a:rPr>
+              <a:t>action</a:t>
+            </a:r>
+            <a:r>
+              <a:rPr lang="en-US" altLang="en-US" sz="2500" dirty="0">
+                <a:ea typeface="ＭＳ Ｐゴシック" panose="020B0600070205080204" pitchFamily="34" charset="-128"/>
+              </a:rPr>
+              <a:t> is any number of valid statements (including, possibly, just one)</a:t>
+            </a:r>
+          </a:p>
+          <a:p>
+            <a:pPr>
+              <a:lnSpc>
+                <a:spcPct val="80000"/>
+              </a:lnSpc>
+            </a:pPr>
+            <a:r>
+              <a:rPr lang="en-US" altLang="en-US" sz="2500" dirty="0">
+                <a:ea typeface="ＭＳ Ｐゴシック" panose="020B0600070205080204" pitchFamily="34" charset="-128"/>
+              </a:rPr>
+              <a:t>if the condition is true, the action is executed – </a:t>
+            </a:r>
+            <a:r>
+              <a:rPr lang="en-US" altLang="en-US" sz="2500" u="sng" dirty="0">
+                <a:solidFill>
+                  <a:srgbClr val="FF0000"/>
+                </a:solidFill>
+                <a:ea typeface="ＭＳ Ｐゴシック" panose="020B0600070205080204" pitchFamily="34" charset="-128"/>
+              </a:rPr>
+              <a:t>otherwise, it is skipped entirely</a:t>
+            </a:r>
+          </a:p>
+          <a:p>
+            <a:pPr>
+              <a:lnSpc>
+                <a:spcPct val="80000"/>
+              </a:lnSpc>
+              <a:buNone/>
+            </a:pPr>
             <a:endParaRPr lang="en-US" altLang="en-US" sz="2500" dirty="0">
               <a:ea typeface="ＭＳ Ｐゴシック" panose="020B0600070205080204" pitchFamily="34" charset="-128"/>
             </a:endParaRPr>
-          </a:p>
-          <a:p>
-            <a:pPr marL="641350" lvl="2" indent="0">
-              <a:buFont typeface="Wingdings 2" panose="05020102010507070707" pitchFamily="18" charset="2"/>
-              <a:buNone/>
-            </a:pPr>
-            <a:r>
-              <a:rPr lang="en-US" altLang="en-US" sz="2500" i="1" dirty="0">
-                <a:ea typeface="ＭＳ Ｐゴシック" panose="020B0600070205080204" pitchFamily="34" charset="-128"/>
-              </a:rPr>
-              <a:t>     error('Sorry; %.2f is not a valid radius\n', radius)</a:t>
-            </a:r>
-            <a:endParaRPr lang="en-US" altLang="en-US" sz="2500" dirty="0">
-              <a:ea typeface="ＭＳ Ｐゴシック" panose="020B0600070205080204" pitchFamily="34" charset="-128"/>
-            </a:endParaRPr>
-          </a:p>
-          <a:p>
-            <a:pPr marL="641350" lvl="2" indent="0">
-              <a:buFont typeface="Wingdings 2" panose="05020102010507070707" pitchFamily="18" charset="2"/>
-              <a:buNone/>
-            </a:pPr>
-            <a:r>
-              <a:rPr lang="en-US" altLang="en-US" sz="2500" i="1" dirty="0">
-                <a:ea typeface="ＭＳ Ｐゴシック" panose="020B0600070205080204" pitchFamily="34" charset="-128"/>
-              </a:rPr>
-              <a:t>else</a:t>
-            </a:r>
-          </a:p>
-          <a:p>
-            <a:pPr marL="641350" lvl="2" indent="0">
-              <a:buFont typeface="Wingdings 2" panose="05020102010507070707" pitchFamily="18" charset="2"/>
-              <a:buNone/>
-            </a:pPr>
-            <a:r>
-              <a:rPr lang="en-US" altLang="en-US" sz="2500" i="1" dirty="0">
-                <a:ea typeface="ＭＳ Ｐゴシック" panose="020B0600070205080204" pitchFamily="34" charset="-128"/>
-              </a:rPr>
-              <a:t>     % carry on</a:t>
-            </a:r>
-          </a:p>
-          <a:p>
-            <a:pPr marL="641350" lvl="2" indent="0">
-              <a:buFont typeface="Wingdings 2" panose="05020102010507070707" pitchFamily="18" charset="2"/>
-              <a:buNone/>
-            </a:pPr>
-            <a:r>
-              <a:rPr lang="en-US" altLang="en-US" sz="2500" i="1" dirty="0">
-                <a:ea typeface="ＭＳ Ｐゴシック" panose="020B0600070205080204" pitchFamily="34" charset="-128"/>
-              </a:rPr>
-              <a:t>end</a:t>
-            </a:r>
-            <a:endParaRPr lang="en-US" altLang="en-US" sz="2500" dirty="0">
-              <a:ea typeface="ＭＳ Ｐゴシック" panose="020B0600070205080204" pitchFamily="34" charset="-128"/>
-            </a:endParaRPr>
-          </a:p>
-          <a:p>
-            <a:r>
-              <a:rPr lang="en-US" altLang="en-US" sz="2500" dirty="0">
-                <a:ea typeface="ＭＳ Ｐゴシック" panose="020B0600070205080204" pitchFamily="34" charset="-128"/>
-              </a:rPr>
-              <a:t>When an error is thrown in a script, the script stops executing</a:t>
-            </a:r>
           </a:p>
         </p:txBody>
       </p:sp>
     </p:spTree>
     <p:extLst>
       <p:ext uri="{BB962C8B-B14F-4D97-AF65-F5344CB8AC3E}">
-        <p14:creationId xmlns:p14="http://schemas.microsoft.com/office/powerpoint/2010/main" val="2501338390"/>
+        <p14:creationId xmlns:p14="http://schemas.microsoft.com/office/powerpoint/2010/main" val="3629692193"/>
       </p:ext>
     </p:extLst>
   </p:cSld>
@@ -9610,481 +11417,121 @@
           <a:lstStyle/>
           <a:p>
             <a:r>
-              <a:rPr lang="en-US" altLang="en-US" dirty="0">
-                <a:ea typeface="ＭＳ Ｐゴシック" panose="020B0600070205080204" pitchFamily="34" charset="-128"/>
-              </a:rPr>
-              <a:t>Nested if-else Statements</a:t>
+              <a:rPr lang="en-US" dirty="0">
+                <a:solidFill>
+                  <a:srgbClr val="FFFF00"/>
+                </a:solidFill>
+              </a:rPr>
+              <a:t>Example: </a:t>
+            </a:r>
+            <a:r>
+              <a:rPr lang="en-US" dirty="0" smtClean="0"/>
+              <a:t>Simple Examples</a:t>
             </a:r>
             <a:endParaRPr lang="en-US" dirty="0"/>
           </a:p>
         </p:txBody>
       </p:sp>
-      <p:sp>
-        <p:nvSpPr>
-          <p:cNvPr id="3" name="Rectangle 3"/>
-          <p:cNvSpPr txBox="1">
-            <a:spLocks/>
-          </p:cNvSpPr>
+      <p:pic>
+        <p:nvPicPr>
+          <p:cNvPr id="3" name="Picture 2"/>
+          <p:cNvPicPr>
+            <a:picLocks noChangeAspect="1"/>
+          </p:cNvPicPr>
           <p:nvPr/>
-        </p:nvSpPr>
+        </p:nvPicPr>
+        <p:blipFill>
+          <a:blip r:embed="rId2"/>
+          <a:stretch>
+            <a:fillRect/>
+          </a:stretch>
+        </p:blipFill>
         <p:spPr>
           <a:xfrm>
-            <a:off x="457200" y="1192213"/>
-            <a:ext cx="10834828" cy="4389437"/>
+            <a:off x="330199" y="1158875"/>
+            <a:ext cx="3115733" cy="3762644"/>
           </a:xfrm>
           <a:prstGeom prst="rect">
             <a:avLst/>
           </a:prstGeom>
         </p:spPr>
-        <p:txBody>
-          <a:bodyPr/>
-          <a:lstStyle>
-            <a:lvl1pPr marL="342891" indent="-342891" algn="l" defTabSz="914377" rtl="0" eaLnBrk="1" latinLnBrk="0" hangingPunct="1">
-              <a:spcBef>
-                <a:spcPct val="20000"/>
-              </a:spcBef>
-              <a:buFont typeface="Arial" pitchFamily="34" charset="0"/>
-              <a:buChar char="•"/>
-              <a:defRPr sz="3200" kern="1200">
-                <a:solidFill>
-                  <a:schemeClr val="tx1"/>
-                </a:solidFill>
-                <a:latin typeface="+mn-lt"/>
-                <a:ea typeface="+mn-ea"/>
-                <a:cs typeface="+mn-cs"/>
-              </a:defRPr>
-            </a:lvl1pPr>
-            <a:lvl2pPr marL="742932" indent="-285744" algn="l" defTabSz="914377" rtl="0" eaLnBrk="1" latinLnBrk="0" hangingPunct="1">
-              <a:spcBef>
-                <a:spcPct val="20000"/>
-              </a:spcBef>
-              <a:buFont typeface="Arial" pitchFamily="34" charset="0"/>
-              <a:buChar char="–"/>
-              <a:defRPr sz="2800" kern="1200">
-                <a:solidFill>
-                  <a:schemeClr val="tx1"/>
-                </a:solidFill>
-                <a:latin typeface="+mn-lt"/>
-                <a:ea typeface="+mn-ea"/>
-                <a:cs typeface="+mn-cs"/>
-              </a:defRPr>
-            </a:lvl2pPr>
-            <a:lvl3pPr marL="1142971" indent="-228594" algn="l" defTabSz="914377" rtl="0" eaLnBrk="1" latinLnBrk="0" hangingPunct="1">
-              <a:spcBef>
-                <a:spcPct val="20000"/>
-              </a:spcBef>
-              <a:buFont typeface="Arial" pitchFamily="34" charset="0"/>
-              <a:buChar char="•"/>
-              <a:defRPr sz="2400" kern="1200">
-                <a:solidFill>
-                  <a:schemeClr val="tx1"/>
-                </a:solidFill>
-                <a:latin typeface="+mn-lt"/>
-                <a:ea typeface="+mn-ea"/>
-                <a:cs typeface="+mn-cs"/>
-              </a:defRPr>
-            </a:lvl3pPr>
-            <a:lvl4pPr marL="1600160" indent="-228594" algn="l" defTabSz="914377" rtl="0" eaLnBrk="1" latinLnBrk="0" hangingPunct="1">
-              <a:spcBef>
-                <a:spcPct val="20000"/>
-              </a:spcBef>
-              <a:buFont typeface="Arial" pitchFamily="34" charset="0"/>
-              <a:buChar char="–"/>
-              <a:defRPr sz="2000" kern="1200">
-                <a:solidFill>
-                  <a:schemeClr val="tx1"/>
-                </a:solidFill>
-                <a:latin typeface="+mn-lt"/>
-                <a:ea typeface="+mn-ea"/>
-                <a:cs typeface="+mn-cs"/>
-              </a:defRPr>
-            </a:lvl4pPr>
-            <a:lvl5pPr marL="2057349" indent="-228594" algn="l" defTabSz="914377" rtl="0" eaLnBrk="1" latinLnBrk="0" hangingPunct="1">
-              <a:spcBef>
-                <a:spcPct val="20000"/>
-              </a:spcBef>
-              <a:buFont typeface="Arial" pitchFamily="34" charset="0"/>
-              <a:buChar char="»"/>
-              <a:defRPr sz="2000" kern="1200">
-                <a:solidFill>
-                  <a:schemeClr val="tx1"/>
-                </a:solidFill>
-                <a:latin typeface="+mn-lt"/>
-                <a:ea typeface="+mn-ea"/>
-                <a:cs typeface="+mn-cs"/>
-              </a:defRPr>
-            </a:lvl5pPr>
-            <a:lvl6pPr marL="2514537" indent="-228594" algn="l" defTabSz="914377" rtl="0" eaLnBrk="1" latinLnBrk="0" hangingPunct="1">
-              <a:spcBef>
-                <a:spcPct val="20000"/>
-              </a:spcBef>
-              <a:buFont typeface="Arial" pitchFamily="34" charset="0"/>
-              <a:buChar char="•"/>
-              <a:defRPr sz="2000" kern="1200">
-                <a:solidFill>
-                  <a:schemeClr val="tx1"/>
-                </a:solidFill>
-                <a:latin typeface="+mn-lt"/>
-                <a:ea typeface="+mn-ea"/>
-                <a:cs typeface="+mn-cs"/>
-              </a:defRPr>
-            </a:lvl6pPr>
-            <a:lvl7pPr marL="2971726" indent="-228594" algn="l" defTabSz="914377" rtl="0" eaLnBrk="1" latinLnBrk="0" hangingPunct="1">
-              <a:spcBef>
-                <a:spcPct val="20000"/>
-              </a:spcBef>
-              <a:buFont typeface="Arial" pitchFamily="34" charset="0"/>
-              <a:buChar char="•"/>
-              <a:defRPr sz="2000" kern="1200">
-                <a:solidFill>
-                  <a:schemeClr val="tx1"/>
-                </a:solidFill>
-                <a:latin typeface="+mn-lt"/>
-                <a:ea typeface="+mn-ea"/>
-                <a:cs typeface="+mn-cs"/>
-              </a:defRPr>
-            </a:lvl7pPr>
-            <a:lvl8pPr marL="3428914" indent="-228594" algn="l" defTabSz="914377" rtl="0" eaLnBrk="1" latinLnBrk="0" hangingPunct="1">
-              <a:spcBef>
-                <a:spcPct val="20000"/>
-              </a:spcBef>
-              <a:buFont typeface="Arial" pitchFamily="34" charset="0"/>
-              <a:buChar char="•"/>
-              <a:defRPr sz="2000" kern="1200">
-                <a:solidFill>
-                  <a:schemeClr val="tx1"/>
-                </a:solidFill>
-                <a:latin typeface="+mn-lt"/>
-                <a:ea typeface="+mn-ea"/>
-                <a:cs typeface="+mn-cs"/>
-              </a:defRPr>
-            </a:lvl8pPr>
-            <a:lvl9pPr marL="3886103" indent="-228594" algn="l" defTabSz="914377" rtl="0" eaLnBrk="1" latinLnBrk="0" hangingPunct="1">
-              <a:spcBef>
-                <a:spcPct val="20000"/>
-              </a:spcBef>
-              <a:buFont typeface="Arial" pitchFamily="34" charset="0"/>
-              <a:buChar char="•"/>
-              <a:defRPr sz="2000" kern="1200">
-                <a:solidFill>
-                  <a:schemeClr val="tx1"/>
-                </a:solidFill>
-                <a:latin typeface="+mn-lt"/>
-                <a:ea typeface="+mn-ea"/>
-                <a:cs typeface="+mn-cs"/>
-              </a:defRPr>
-            </a:lvl9pPr>
-          </a:lstStyle>
-          <a:p>
-            <a:pPr>
-              <a:lnSpc>
-                <a:spcPct val="80000"/>
-              </a:lnSpc>
-            </a:pPr>
-            <a:r>
-              <a:rPr lang="en-US" altLang="en-US" sz="2000" dirty="0">
-                <a:ea typeface="ＭＳ Ｐゴシック" panose="020B0600070205080204" pitchFamily="34" charset="-128"/>
-              </a:rPr>
-              <a:t>To choose from more than two actions, </a:t>
-            </a:r>
-            <a:r>
-              <a:rPr lang="en-US" altLang="en-US" sz="2000" b="1" i="1" dirty="0">
-                <a:ea typeface="ＭＳ Ｐゴシック" panose="020B0600070205080204" pitchFamily="34" charset="-128"/>
-              </a:rPr>
-              <a:t>nested</a:t>
-            </a:r>
-            <a:r>
-              <a:rPr lang="en-US" altLang="en-US" sz="2000" dirty="0">
-                <a:ea typeface="ＭＳ Ｐゴシック" panose="020B0600070205080204" pitchFamily="34" charset="-128"/>
-              </a:rPr>
-              <a:t> </a:t>
-            </a:r>
-            <a:r>
-              <a:rPr lang="en-US" altLang="en-US" sz="2000" b="1" dirty="0">
-                <a:ea typeface="ＭＳ Ｐゴシック" panose="020B0600070205080204" pitchFamily="34" charset="-128"/>
-              </a:rPr>
-              <a:t>if-else </a:t>
-            </a:r>
-            <a:r>
-              <a:rPr lang="en-US" altLang="en-US" sz="2000" dirty="0">
-                <a:ea typeface="ＭＳ Ｐゴシック" panose="020B0600070205080204" pitchFamily="34" charset="-128"/>
-              </a:rPr>
-              <a:t>statements can be used (an </a:t>
-            </a:r>
-            <a:r>
-              <a:rPr lang="en-US" altLang="en-US" sz="2000" b="1" dirty="0">
-                <a:ea typeface="ＭＳ Ｐゴシック" panose="020B0600070205080204" pitchFamily="34" charset="-128"/>
-              </a:rPr>
-              <a:t>if</a:t>
-            </a:r>
-            <a:r>
-              <a:rPr lang="en-US" altLang="en-US" sz="2000" dirty="0">
-                <a:ea typeface="ＭＳ Ｐゴシック" panose="020B0600070205080204" pitchFamily="34" charset="-128"/>
-              </a:rPr>
-              <a:t> or </a:t>
-            </a:r>
-            <a:r>
-              <a:rPr lang="en-US" altLang="en-US" sz="2000" b="1" dirty="0">
-                <a:ea typeface="ＭＳ Ｐゴシック" panose="020B0600070205080204" pitchFamily="34" charset="-128"/>
-              </a:rPr>
-              <a:t>if-else </a:t>
-            </a:r>
-            <a:r>
-              <a:rPr lang="en-US" altLang="en-US" sz="2000" dirty="0">
-                <a:ea typeface="ＭＳ Ｐゴシック" panose="020B0600070205080204" pitchFamily="34" charset="-128"/>
-              </a:rPr>
-              <a:t>statement as the action of another)</a:t>
-            </a:r>
-          </a:p>
-          <a:p>
-            <a:pPr>
-              <a:lnSpc>
-                <a:spcPct val="80000"/>
-              </a:lnSpc>
-            </a:pPr>
-            <a:r>
-              <a:rPr lang="en-US" altLang="en-US" sz="2000" dirty="0">
-                <a:ea typeface="ＭＳ Ｐゴシック" panose="020B0600070205080204" pitchFamily="34" charset="-128"/>
-              </a:rPr>
-              <a:t>General form:</a:t>
-            </a:r>
-          </a:p>
-          <a:p>
-            <a:pPr lvl="3">
-              <a:lnSpc>
-                <a:spcPct val="80000"/>
-              </a:lnSpc>
-              <a:buNone/>
-            </a:pPr>
-            <a:r>
-              <a:rPr lang="en-US" altLang="en-US" dirty="0">
-                <a:ea typeface="ＭＳ Ｐゴシック" panose="020B0600070205080204" pitchFamily="34" charset="-128"/>
-              </a:rPr>
-              <a:t>if condition1</a:t>
-            </a:r>
-          </a:p>
-          <a:p>
-            <a:pPr lvl="3">
-              <a:lnSpc>
-                <a:spcPct val="80000"/>
-              </a:lnSpc>
-              <a:buNone/>
-            </a:pPr>
-            <a:r>
-              <a:rPr lang="en-US" altLang="en-US" dirty="0">
-                <a:ea typeface="ＭＳ Ｐゴシック" panose="020B0600070205080204" pitchFamily="34" charset="-128"/>
-              </a:rPr>
-              <a:t>    action1</a:t>
-            </a:r>
-          </a:p>
-          <a:p>
-            <a:pPr lvl="3">
-              <a:lnSpc>
-                <a:spcPct val="80000"/>
-              </a:lnSpc>
-              <a:buNone/>
-            </a:pPr>
-            <a:r>
-              <a:rPr lang="en-US" altLang="en-US" dirty="0">
-                <a:ea typeface="ＭＳ Ｐゴシック" panose="020B0600070205080204" pitchFamily="34" charset="-128"/>
-              </a:rPr>
-              <a:t>else</a:t>
-            </a:r>
-          </a:p>
-          <a:p>
-            <a:pPr lvl="3">
-              <a:lnSpc>
-                <a:spcPct val="80000"/>
-              </a:lnSpc>
-              <a:buNone/>
-            </a:pPr>
-            <a:r>
-              <a:rPr lang="en-US" altLang="en-US" dirty="0">
-                <a:ea typeface="ＭＳ Ｐゴシック" panose="020B0600070205080204" pitchFamily="34" charset="-128"/>
-              </a:rPr>
-              <a:t>     if condition2</a:t>
-            </a:r>
-          </a:p>
-          <a:p>
-            <a:pPr lvl="3">
-              <a:lnSpc>
-                <a:spcPct val="80000"/>
-              </a:lnSpc>
-              <a:buNone/>
-            </a:pPr>
-            <a:r>
-              <a:rPr lang="en-US" altLang="en-US" dirty="0">
-                <a:ea typeface="ＭＳ Ｐゴシック" panose="020B0600070205080204" pitchFamily="34" charset="-128"/>
-              </a:rPr>
-              <a:t>          action2</a:t>
-            </a:r>
-          </a:p>
-          <a:p>
-            <a:pPr lvl="3">
-              <a:lnSpc>
-                <a:spcPct val="80000"/>
-              </a:lnSpc>
-              <a:buNone/>
-            </a:pPr>
-            <a:r>
-              <a:rPr lang="en-US" altLang="en-US" dirty="0">
-                <a:ea typeface="ＭＳ Ｐゴシック" panose="020B0600070205080204" pitchFamily="34" charset="-128"/>
-              </a:rPr>
-              <a:t>     else</a:t>
-            </a:r>
-          </a:p>
-          <a:p>
-            <a:pPr lvl="3">
-              <a:lnSpc>
-                <a:spcPct val="80000"/>
-              </a:lnSpc>
-              <a:buNone/>
-            </a:pPr>
-            <a:r>
-              <a:rPr lang="en-US" altLang="en-US" dirty="0">
-                <a:ea typeface="ＭＳ Ｐゴシック" panose="020B0600070205080204" pitchFamily="34" charset="-128"/>
-              </a:rPr>
-              <a:t>           if condition3</a:t>
-            </a:r>
-          </a:p>
-          <a:p>
-            <a:pPr lvl="3">
-              <a:lnSpc>
-                <a:spcPct val="80000"/>
-              </a:lnSpc>
-              <a:buNone/>
-            </a:pPr>
-            <a:r>
-              <a:rPr lang="en-US" altLang="en-US" dirty="0">
-                <a:ea typeface="ＭＳ Ｐゴシック" panose="020B0600070205080204" pitchFamily="34" charset="-128"/>
-              </a:rPr>
-              <a:t>	            action3</a:t>
-            </a:r>
-          </a:p>
-          <a:p>
-            <a:pPr lvl="3">
-              <a:lnSpc>
-                <a:spcPct val="80000"/>
-              </a:lnSpc>
-              <a:buNone/>
-            </a:pPr>
-            <a:r>
-              <a:rPr lang="en-US" altLang="en-US" dirty="0">
-                <a:ea typeface="ＭＳ Ｐゴシック" panose="020B0600070205080204" pitchFamily="34" charset="-128"/>
-              </a:rPr>
-              <a:t>           % </a:t>
-            </a:r>
-            <a:r>
-              <a:rPr lang="en-US" altLang="en-US" dirty="0" err="1">
-                <a:ea typeface="ＭＳ Ｐゴシック" panose="020B0600070205080204" pitchFamily="34" charset="-128"/>
-              </a:rPr>
-              <a:t>etc</a:t>
-            </a:r>
-            <a:r>
-              <a:rPr lang="en-US" altLang="en-US" dirty="0">
-                <a:ea typeface="ＭＳ Ｐゴシック" panose="020B0600070205080204" pitchFamily="34" charset="-128"/>
-              </a:rPr>
-              <a:t>: there can be many of these</a:t>
-            </a:r>
-          </a:p>
-          <a:p>
-            <a:pPr lvl="3">
-              <a:lnSpc>
-                <a:spcPct val="80000"/>
-              </a:lnSpc>
-              <a:buNone/>
-            </a:pPr>
-            <a:r>
-              <a:rPr lang="en-US" altLang="en-US" dirty="0">
-                <a:ea typeface="ＭＳ Ｐゴシック" panose="020B0600070205080204" pitchFamily="34" charset="-128"/>
-              </a:rPr>
-              <a:t>           else</a:t>
-            </a:r>
-          </a:p>
-          <a:p>
-            <a:pPr lvl="3">
-              <a:lnSpc>
-                <a:spcPct val="80000"/>
-              </a:lnSpc>
-              <a:buNone/>
-            </a:pPr>
-            <a:r>
-              <a:rPr lang="en-US" altLang="en-US" dirty="0">
-                <a:ea typeface="ＭＳ Ｐゴシック" panose="020B0600070205080204" pitchFamily="34" charset="-128"/>
-              </a:rPr>
-              <a:t>                 </a:t>
-            </a:r>
-            <a:r>
-              <a:rPr lang="en-US" altLang="en-US" dirty="0" err="1">
-                <a:ea typeface="ＭＳ Ｐゴシック" panose="020B0600070205080204" pitchFamily="34" charset="-128"/>
-              </a:rPr>
-              <a:t>actionn</a:t>
-            </a:r>
-            <a:r>
-              <a:rPr lang="en-US" altLang="en-US" dirty="0">
-                <a:ea typeface="ＭＳ Ｐゴシック" panose="020B0600070205080204" pitchFamily="34" charset="-128"/>
-              </a:rPr>
-              <a:t>    % the nth action</a:t>
-            </a:r>
-          </a:p>
-          <a:p>
-            <a:pPr lvl="3">
-              <a:lnSpc>
-                <a:spcPct val="80000"/>
-              </a:lnSpc>
-              <a:buNone/>
-            </a:pPr>
-            <a:r>
-              <a:rPr lang="en-US" altLang="en-US" dirty="0">
-                <a:ea typeface="ＭＳ Ｐゴシック" panose="020B0600070205080204" pitchFamily="34" charset="-128"/>
-              </a:rPr>
-              <a:t>            end</a:t>
-            </a:r>
-          </a:p>
-          <a:p>
-            <a:pPr lvl="3">
-              <a:lnSpc>
-                <a:spcPct val="80000"/>
-              </a:lnSpc>
-              <a:buNone/>
-            </a:pPr>
-            <a:r>
-              <a:rPr lang="en-US" altLang="en-US" dirty="0">
-                <a:ea typeface="ＭＳ Ｐゴシック" panose="020B0600070205080204" pitchFamily="34" charset="-128"/>
-              </a:rPr>
-              <a:t>      end</a:t>
-            </a:r>
-          </a:p>
-          <a:p>
-            <a:pPr lvl="3">
-              <a:lnSpc>
-                <a:spcPct val="80000"/>
-              </a:lnSpc>
-              <a:buNone/>
-            </a:pPr>
-            <a:r>
-              <a:rPr lang="en-US" altLang="en-US" dirty="0">
-                <a:ea typeface="ＭＳ Ｐゴシック" panose="020B0600070205080204" pitchFamily="34" charset="-128"/>
-              </a:rPr>
-              <a:t>end</a:t>
-            </a:r>
-          </a:p>
-          <a:p>
-            <a:pPr>
-              <a:lnSpc>
-                <a:spcPct val="80000"/>
-              </a:lnSpc>
-            </a:pPr>
-            <a:endParaRPr lang="en-US" altLang="en-US" sz="2000" dirty="0">
-              <a:ea typeface="ＭＳ Ｐゴシック" panose="020B0600070205080204" pitchFamily="34" charset="-128"/>
-            </a:endParaRPr>
-          </a:p>
-        </p:txBody>
-      </p:sp>
+      </p:pic>
+      <p:pic>
+        <p:nvPicPr>
+          <p:cNvPr id="4" name="Picture 3"/>
+          <p:cNvPicPr>
+            <a:picLocks noChangeAspect="1"/>
+          </p:cNvPicPr>
+          <p:nvPr/>
+        </p:nvPicPr>
+        <p:blipFill>
+          <a:blip r:embed="rId3"/>
+          <a:stretch>
+            <a:fillRect/>
+          </a:stretch>
+        </p:blipFill>
+        <p:spPr>
+          <a:xfrm>
+            <a:off x="6323013" y="1158875"/>
+            <a:ext cx="4404104" cy="3216275"/>
+          </a:xfrm>
+          <a:prstGeom prst="rect">
+            <a:avLst/>
+          </a:prstGeom>
+        </p:spPr>
+      </p:pic>
+      <p:pic>
+        <p:nvPicPr>
+          <p:cNvPr id="5" name="Picture 4"/>
+          <p:cNvPicPr>
+            <a:picLocks noChangeAspect="1"/>
+          </p:cNvPicPr>
+          <p:nvPr/>
+        </p:nvPicPr>
+        <p:blipFill>
+          <a:blip r:embed="rId4"/>
+          <a:stretch>
+            <a:fillRect/>
+          </a:stretch>
+        </p:blipFill>
+        <p:spPr>
+          <a:xfrm>
+            <a:off x="2125662" y="3973088"/>
+            <a:ext cx="3267075" cy="2343150"/>
+          </a:xfrm>
+          <a:prstGeom prst="rect">
+            <a:avLst/>
+          </a:prstGeom>
+        </p:spPr>
+      </p:pic>
+      <p:pic>
+        <p:nvPicPr>
+          <p:cNvPr id="6" name="Picture 5"/>
+          <p:cNvPicPr>
+            <a:picLocks noChangeAspect="1"/>
+          </p:cNvPicPr>
+          <p:nvPr/>
+        </p:nvPicPr>
+        <p:blipFill>
+          <a:blip r:embed="rId5"/>
+          <a:stretch>
+            <a:fillRect/>
+          </a:stretch>
+        </p:blipFill>
+        <p:spPr>
+          <a:xfrm>
+            <a:off x="7848600" y="4139776"/>
+            <a:ext cx="3352800" cy="2009775"/>
+          </a:xfrm>
+          <a:prstGeom prst="rect">
+            <a:avLst/>
+          </a:prstGeom>
+        </p:spPr>
+      </p:pic>
     </p:spTree>
     <p:extLst>
       <p:ext uri="{BB962C8B-B14F-4D97-AF65-F5344CB8AC3E}">
-        <p14:creationId xmlns:p14="http://schemas.microsoft.com/office/powerpoint/2010/main" val="1389944060"/>
+        <p14:creationId xmlns:p14="http://schemas.microsoft.com/office/powerpoint/2010/main" val="1135814221"/>
       </p:ext>
     </p:extLst>
   </p:cSld>
